--- a/Goroscopic-weather.pptx
+++ b/Goroscopic-weather.pptx
@@ -1,50 +1,44 @@
 
 <file path=ppt/presentation.xml><?xml version="1.0" encoding="utf-8"?>
-<p:presentation xmlns:a="http://schemas.openxmlformats.org/drawingml/2006/main" xmlns:r="http://schemas.openxmlformats.org/officeDocument/2006/relationships" xmlns:mc="http://schemas.openxmlformats.org/markup-compatibility/2006" xmlns:mv="urn:schemas-microsoft-com:mac:vml" xmlns:p="http://schemas.openxmlformats.org/presentationml/2006/main" xmlns:c="http://schemas.openxmlformats.org/drawingml/2006/chart" xmlns:dgm="http://schemas.openxmlformats.org/drawingml/2006/diagram" xmlns:o="urn:schemas-microsoft-com:office:office" xmlns:v="urn:schemas-microsoft-com:vml" xmlns:pvml="urn:schemas-microsoft-com:office:powerpoint" xmlns:com="http://schemas.openxmlformats.org/drawingml/2006/compatibility" xmlns:p14="http://schemas.microsoft.com/office/powerpoint/2010/main" xmlns:p15="http://schemas.microsoft.com/office/powerpoint/2012/main" xmlns:ahyp="http://schemas.microsoft.com/office/drawing/2018/hyperlinkcolor" autoCompressPictures="0" embedTrueTypeFonts="1" strictFirstAndLastChars="0" saveSubsetFonts="1">
+<p:presentation xmlns:a="http://schemas.openxmlformats.org/drawingml/2006/main" xmlns:r="http://schemas.openxmlformats.org/officeDocument/2006/relationships" xmlns:p="http://schemas.openxmlformats.org/presentationml/2006/main" strictFirstAndLastChars="0" embedTrueTypeFonts="1" saveSubsetFonts="1" autoCompressPictures="0">
   <p:sldMasterIdLst>
-    <p:sldMasterId id="2147483659" r:id="rId4"/>
+    <p:sldMasterId id="2147483648" r:id="rId1"/>
   </p:sldMasterIdLst>
   <p:notesMasterIdLst>
-    <p:notesMasterId r:id="rId5"/>
+    <p:notesMasterId r:id="rId4"/>
   </p:notesMasterIdLst>
   <p:sldIdLst>
-    <p:sldId id="256" r:id="rId6"/>
-    <p:sldId id="257" r:id="rId7"/>
-    <p:sldId id="258" r:id="rId8"/>
-    <p:sldId id="259" r:id="rId9"/>
-    <p:sldId id="260" r:id="rId10"/>
-    <p:sldId id="261" r:id="rId11"/>
-    <p:sldId id="262" r:id="rId12"/>
-    <p:sldId id="263" r:id="rId13"/>
-    <p:sldId id="264" r:id="rId14"/>
-    <p:sldId id="265" r:id="rId15"/>
-    <p:sldId id="266" r:id="rId16"/>
-    <p:sldId id="267" r:id="rId17"/>
-    <p:sldId id="268" r:id="rId18"/>
-    <p:sldId id="269" r:id="rId19"/>
+    <p:sldId id="256" r:id="rId3"/>
+    <p:sldId id="257" r:id="rId5"/>
+    <p:sldId id="258" r:id="rId6"/>
+    <p:sldId id="259" r:id="rId7"/>
+    <p:sldId id="260" r:id="rId8"/>
+    <p:sldId id="261" r:id="rId9"/>
+    <p:sldId id="262" r:id="rId10"/>
+    <p:sldId id="263" r:id="rId11"/>
+    <p:sldId id="264" r:id="rId12"/>
+    <p:sldId id="265" r:id="rId13"/>
+    <p:sldId id="268" r:id="rId14"/>
+    <p:sldId id="269" r:id="rId15"/>
   </p:sldIdLst>
-  <p:sldSz cy="5143500" cx="9144000"/>
+  <p:sldSz cx="9144000" cy="5143500"/>
   <p:notesSz cx="6858000" cy="9144000"/>
   <p:embeddedFontLst>
     <p:embeddedFont>
-      <p:font typeface="Roboto"/>
-      <p:regular r:id="rId20"/>
-      <p:bold r:id="rId21"/>
-      <p:italic r:id="rId22"/>
-      <p:boldItalic r:id="rId23"/>
+      <p:font typeface="Oswald"/>
+      <p:regular r:id="rId19"/>
     </p:embeddedFont>
     <p:embeddedFont>
       <p:font typeface="Average"/>
-      <p:regular r:id="rId24"/>
+      <p:regular r:id="rId20"/>
     </p:embeddedFont>
     <p:embeddedFont>
-      <p:font typeface="Oswald"/>
-      <p:regular r:id="rId25"/>
-      <p:bold r:id="rId26"/>
+      <p:font typeface="Roboto" panose="02000000000000000000"/>
+      <p:regular r:id="rId21"/>
     </p:embeddedFont>
   </p:embeddedFontLst>
   <p:defaultTextStyle>
-    <a:defPPr lvl="0" marR="0" rtl="0" algn="l">
+    <a:defPPr marR="0" lvl="0" algn="l" rtl="0">
       <a:lnSpc>
         <a:spcPct val="100000"/>
       </a:lnSpc>
@@ -55,7 +49,7 @@
         <a:spcPts val="0"/>
       </a:spcAft>
     </a:defPPr>
-    <a:lvl1pPr lvl="0" marR="0" rtl="0" algn="l">
+    <a:lvl1pPr marR="0" lvl="0" algn="l" rtl="0">
       <a:lnSpc>
         <a:spcPct val="100000"/>
       </a:lnSpc>
@@ -68,18 +62,18 @@
       <a:buClr>
         <a:srgbClr val="000000"/>
       </a:buClr>
-      <a:buFont typeface="Arial"/>
-      <a:defRPr b="0" i="0" sz="1400" u="none" cap="none" strike="noStrike">
+      <a:buFont typeface="Arial" panose="020B0604020202020204"/>
+      <a:defRPr sz="1400" b="0" i="0" u="none" strike="noStrike" cap="none">
         <a:solidFill>
           <a:srgbClr val="000000"/>
         </a:solidFill>
-        <a:latin typeface="Arial"/>
-        <a:ea typeface="Arial"/>
-        <a:cs typeface="Arial"/>
-        <a:sym typeface="Arial"/>
+        <a:latin typeface="Arial" panose="020B0604020202020204"/>
+        <a:ea typeface="Arial" panose="020B0604020202020204"/>
+        <a:cs typeface="Arial" panose="020B0604020202020204"/>
+        <a:sym typeface="Arial" panose="020B0604020202020204"/>
       </a:defRPr>
     </a:lvl1pPr>
-    <a:lvl2pPr lvl="1" marR="0" rtl="0" algn="l">
+    <a:lvl2pPr marR="0" lvl="1" algn="l" rtl="0">
       <a:lnSpc>
         <a:spcPct val="100000"/>
       </a:lnSpc>
@@ -92,18 +86,18 @@
       <a:buClr>
         <a:srgbClr val="000000"/>
       </a:buClr>
-      <a:buFont typeface="Arial"/>
-      <a:defRPr b="0" i="0" sz="1400" u="none" cap="none" strike="noStrike">
+      <a:buFont typeface="Arial" panose="020B0604020202020204"/>
+      <a:defRPr sz="1400" b="0" i="0" u="none" strike="noStrike" cap="none">
         <a:solidFill>
           <a:srgbClr val="000000"/>
         </a:solidFill>
-        <a:latin typeface="Arial"/>
-        <a:ea typeface="Arial"/>
-        <a:cs typeface="Arial"/>
-        <a:sym typeface="Arial"/>
+        <a:latin typeface="Arial" panose="020B0604020202020204"/>
+        <a:ea typeface="Arial" panose="020B0604020202020204"/>
+        <a:cs typeface="Arial" panose="020B0604020202020204"/>
+        <a:sym typeface="Arial" panose="020B0604020202020204"/>
       </a:defRPr>
     </a:lvl2pPr>
-    <a:lvl3pPr lvl="2" marR="0" rtl="0" algn="l">
+    <a:lvl3pPr marR="0" lvl="2" algn="l" rtl="0">
       <a:lnSpc>
         <a:spcPct val="100000"/>
       </a:lnSpc>
@@ -116,18 +110,18 @@
       <a:buClr>
         <a:srgbClr val="000000"/>
       </a:buClr>
-      <a:buFont typeface="Arial"/>
-      <a:defRPr b="0" i="0" sz="1400" u="none" cap="none" strike="noStrike">
+      <a:buFont typeface="Arial" panose="020B0604020202020204"/>
+      <a:defRPr sz="1400" b="0" i="0" u="none" strike="noStrike" cap="none">
         <a:solidFill>
           <a:srgbClr val="000000"/>
         </a:solidFill>
-        <a:latin typeface="Arial"/>
-        <a:ea typeface="Arial"/>
-        <a:cs typeface="Arial"/>
-        <a:sym typeface="Arial"/>
+        <a:latin typeface="Arial" panose="020B0604020202020204"/>
+        <a:ea typeface="Arial" panose="020B0604020202020204"/>
+        <a:cs typeface="Arial" panose="020B0604020202020204"/>
+        <a:sym typeface="Arial" panose="020B0604020202020204"/>
       </a:defRPr>
     </a:lvl3pPr>
-    <a:lvl4pPr lvl="3" marR="0" rtl="0" algn="l">
+    <a:lvl4pPr marR="0" lvl="3" algn="l" rtl="0">
       <a:lnSpc>
         <a:spcPct val="100000"/>
       </a:lnSpc>
@@ -140,18 +134,18 @@
       <a:buClr>
         <a:srgbClr val="000000"/>
       </a:buClr>
-      <a:buFont typeface="Arial"/>
-      <a:defRPr b="0" i="0" sz="1400" u="none" cap="none" strike="noStrike">
+      <a:buFont typeface="Arial" panose="020B0604020202020204"/>
+      <a:defRPr sz="1400" b="0" i="0" u="none" strike="noStrike" cap="none">
         <a:solidFill>
           <a:srgbClr val="000000"/>
         </a:solidFill>
-        <a:latin typeface="Arial"/>
-        <a:ea typeface="Arial"/>
-        <a:cs typeface="Arial"/>
-        <a:sym typeface="Arial"/>
+        <a:latin typeface="Arial" panose="020B0604020202020204"/>
+        <a:ea typeface="Arial" panose="020B0604020202020204"/>
+        <a:cs typeface="Arial" panose="020B0604020202020204"/>
+        <a:sym typeface="Arial" panose="020B0604020202020204"/>
       </a:defRPr>
     </a:lvl4pPr>
-    <a:lvl5pPr lvl="4" marR="0" rtl="0" algn="l">
+    <a:lvl5pPr marR="0" lvl="4" algn="l" rtl="0">
       <a:lnSpc>
         <a:spcPct val="100000"/>
       </a:lnSpc>
@@ -164,18 +158,18 @@
       <a:buClr>
         <a:srgbClr val="000000"/>
       </a:buClr>
-      <a:buFont typeface="Arial"/>
-      <a:defRPr b="0" i="0" sz="1400" u="none" cap="none" strike="noStrike">
+      <a:buFont typeface="Arial" panose="020B0604020202020204"/>
+      <a:defRPr sz="1400" b="0" i="0" u="none" strike="noStrike" cap="none">
         <a:solidFill>
           <a:srgbClr val="000000"/>
         </a:solidFill>
-        <a:latin typeface="Arial"/>
-        <a:ea typeface="Arial"/>
-        <a:cs typeface="Arial"/>
-        <a:sym typeface="Arial"/>
+        <a:latin typeface="Arial" panose="020B0604020202020204"/>
+        <a:ea typeface="Arial" panose="020B0604020202020204"/>
+        <a:cs typeface="Arial" panose="020B0604020202020204"/>
+        <a:sym typeface="Arial" panose="020B0604020202020204"/>
       </a:defRPr>
     </a:lvl5pPr>
-    <a:lvl6pPr lvl="5" marR="0" rtl="0" algn="l">
+    <a:lvl6pPr marR="0" lvl="5" algn="l" rtl="0">
       <a:lnSpc>
         <a:spcPct val="100000"/>
       </a:lnSpc>
@@ -188,18 +182,18 @@
       <a:buClr>
         <a:srgbClr val="000000"/>
       </a:buClr>
-      <a:buFont typeface="Arial"/>
-      <a:defRPr b="0" i="0" sz="1400" u="none" cap="none" strike="noStrike">
+      <a:buFont typeface="Arial" panose="020B0604020202020204"/>
+      <a:defRPr sz="1400" b="0" i="0" u="none" strike="noStrike" cap="none">
         <a:solidFill>
           <a:srgbClr val="000000"/>
         </a:solidFill>
-        <a:latin typeface="Arial"/>
-        <a:ea typeface="Arial"/>
-        <a:cs typeface="Arial"/>
-        <a:sym typeface="Arial"/>
+        <a:latin typeface="Arial" panose="020B0604020202020204"/>
+        <a:ea typeface="Arial" panose="020B0604020202020204"/>
+        <a:cs typeface="Arial" panose="020B0604020202020204"/>
+        <a:sym typeface="Arial" panose="020B0604020202020204"/>
       </a:defRPr>
     </a:lvl6pPr>
-    <a:lvl7pPr lvl="6" marR="0" rtl="0" algn="l">
+    <a:lvl7pPr marR="0" lvl="6" algn="l" rtl="0">
       <a:lnSpc>
         <a:spcPct val="100000"/>
       </a:lnSpc>
@@ -212,18 +206,18 @@
       <a:buClr>
         <a:srgbClr val="000000"/>
       </a:buClr>
-      <a:buFont typeface="Arial"/>
-      <a:defRPr b="0" i="0" sz="1400" u="none" cap="none" strike="noStrike">
+      <a:buFont typeface="Arial" panose="020B0604020202020204"/>
+      <a:defRPr sz="1400" b="0" i="0" u="none" strike="noStrike" cap="none">
         <a:solidFill>
           <a:srgbClr val="000000"/>
         </a:solidFill>
-        <a:latin typeface="Arial"/>
-        <a:ea typeface="Arial"/>
-        <a:cs typeface="Arial"/>
-        <a:sym typeface="Arial"/>
+        <a:latin typeface="Arial" panose="020B0604020202020204"/>
+        <a:ea typeface="Arial" panose="020B0604020202020204"/>
+        <a:cs typeface="Arial" panose="020B0604020202020204"/>
+        <a:sym typeface="Arial" panose="020B0604020202020204"/>
       </a:defRPr>
     </a:lvl7pPr>
-    <a:lvl8pPr lvl="7" marR="0" rtl="0" algn="l">
+    <a:lvl8pPr marR="0" lvl="7" algn="l" rtl="0">
       <a:lnSpc>
         <a:spcPct val="100000"/>
       </a:lnSpc>
@@ -236,18 +230,18 @@
       <a:buClr>
         <a:srgbClr val="000000"/>
       </a:buClr>
-      <a:buFont typeface="Arial"/>
-      <a:defRPr b="0" i="0" sz="1400" u="none" cap="none" strike="noStrike">
+      <a:buFont typeface="Arial" panose="020B0604020202020204"/>
+      <a:defRPr sz="1400" b="0" i="0" u="none" strike="noStrike" cap="none">
         <a:solidFill>
           <a:srgbClr val="000000"/>
         </a:solidFill>
-        <a:latin typeface="Arial"/>
-        <a:ea typeface="Arial"/>
-        <a:cs typeface="Arial"/>
-        <a:sym typeface="Arial"/>
+        <a:latin typeface="Arial" panose="020B0604020202020204"/>
+        <a:ea typeface="Arial" panose="020B0604020202020204"/>
+        <a:cs typeface="Arial" panose="020B0604020202020204"/>
+        <a:sym typeface="Arial" panose="020B0604020202020204"/>
       </a:defRPr>
     </a:lvl8pPr>
-    <a:lvl9pPr lvl="8" marR="0" rtl="0" algn="l">
+    <a:lvl9pPr marR="0" lvl="8" algn="l" rtl="0">
       <a:lnSpc>
         <a:spcPct val="100000"/>
       </a:lnSpc>
@@ -260,27 +254,27 @@
       <a:buClr>
         <a:srgbClr val="000000"/>
       </a:buClr>
-      <a:buFont typeface="Arial"/>
-      <a:defRPr b="0" i="0" sz="1400" u="none" cap="none" strike="noStrike">
+      <a:buFont typeface="Arial" panose="020B0604020202020204"/>
+      <a:defRPr sz="1400" b="0" i="0" u="none" strike="noStrike" cap="none">
         <a:solidFill>
           <a:srgbClr val="000000"/>
         </a:solidFill>
-        <a:latin typeface="Arial"/>
-        <a:ea typeface="Arial"/>
-        <a:cs typeface="Arial"/>
-        <a:sym typeface="Arial"/>
+        <a:latin typeface="Arial" panose="020B0604020202020204"/>
+        <a:ea typeface="Arial" panose="020B0604020202020204"/>
+        <a:cs typeface="Arial" panose="020B0604020202020204"/>
+        <a:sym typeface="Arial" panose="020B0604020202020204"/>
       </a:defRPr>
     </a:lvl9pPr>
   </p:defaultTextStyle>
   <p:extLst>
     <p:ext uri="{EFAFB233-063F-42B5-8137-9DF3F51BA10A}">
-      <p15:sldGuideLst>
-        <p15:guide id="1" orient="horz" pos="1620">
+      <p15:sldGuideLst xmlns:p15="http://schemas.microsoft.com/office/powerpoint/2012/main">
+        <p15:guide id="1" orient="horz" pos="1620" userDrawn="1">
           <p15:clr>
             <a:srgbClr val="747775"/>
           </p15:clr>
         </p15:guide>
-        <p15:guide id="2" pos="2880">
+        <p15:guide id="2" pos="2880" userDrawn="1">
           <p15:clr>
             <a:srgbClr val="747775"/>
           </p15:clr>
@@ -292,8 +286,13 @@
 </file>
 
 <file path=ppt/notesMasters/notesMaster1.xml><?xml version="1.0" encoding="utf-8"?>
-<p:notesMaster xmlns:a="http://schemas.openxmlformats.org/drawingml/2006/main" xmlns:r="http://schemas.openxmlformats.org/officeDocument/2006/relationships" xmlns:mc="http://schemas.openxmlformats.org/markup-compatibility/2006" xmlns:mv="urn:schemas-microsoft-com:mac:vml" xmlns:p="http://schemas.openxmlformats.org/presentationml/2006/main" xmlns:c="http://schemas.openxmlformats.org/drawingml/2006/chart" xmlns:dgm="http://schemas.openxmlformats.org/drawingml/2006/diagram" xmlns:o="urn:schemas-microsoft-com:office:office" xmlns:v="urn:schemas-microsoft-com:vml" xmlns:pvml="urn:schemas-microsoft-com:office:powerpoint" xmlns:com="http://schemas.openxmlformats.org/drawingml/2006/compatibility" xmlns:p14="http://schemas.microsoft.com/office/powerpoint/2010/main" xmlns:p15="http://schemas.microsoft.com/office/powerpoint/2012/main" xmlns:ahyp="http://schemas.microsoft.com/office/drawing/2018/hyperlinkcolor">
+<p:notesMaster xmlns:a="http://schemas.openxmlformats.org/drawingml/2006/main" xmlns:r="http://schemas.openxmlformats.org/officeDocument/2006/relationships" xmlns:p="http://schemas.openxmlformats.org/presentationml/2006/main">
   <p:cSld>
+    <p:bg>
+      <p:bgRef idx="1001">
+        <a:schemeClr val="bg1"/>
+      </p:bgRef>
+    </p:bg>
     <p:spTree>
       <p:nvGrpSpPr>
         <p:cNvPr id="2" name="Shape 2"/>
@@ -313,7 +312,7 @@
           <p:cNvPr id="3" name="Google Shape;3;n"/>
           <p:cNvSpPr/>
           <p:nvPr>
-            <p:ph idx="2" type="sldImg"/>
+            <p:ph type="sldImg" idx="2"/>
           </p:nvPr>
         </p:nvSpPr>
         <p:spPr>
@@ -322,9 +321,13 @@
             <a:ext cx="6096075" cy="3429000"/>
           </a:xfrm>
           <a:custGeom>
-            <a:rect b="b" l="l" r="r" t="t"/>
+            <a:avLst/>
+            <a:gdLst/>
+            <a:ahLst/>
+            <a:cxnLst/>
+            <a:rect l="l" t="t" r="r" b="b"/>
             <a:pathLst>
-              <a:path extrusionOk="0" h="120000" w="120000">
+              <a:path w="120000" h="120000" extrusionOk="0">
                 <a:moveTo>
                   <a:pt x="0" y="0"/>
                 </a:moveTo>
@@ -342,14 +345,14 @@
             </a:pathLst>
           </a:custGeom>
           <a:noFill/>
-          <a:ln cap="flat" cmpd="sng" w="9525">
+          <a:ln w="9525" cap="flat" cmpd="sng">
             <a:solidFill>
               <a:srgbClr val="000000"/>
             </a:solidFill>
             <a:prstDash val="solid"/>
             <a:round/>
-            <a:headEnd len="sm" w="sm" type="none"/>
-            <a:tailEnd len="sm" w="sm" type="none"/>
+            <a:headEnd type="none" w="sm" len="sm"/>
+            <a:tailEnd type="none" w="sm" len="sm"/>
           </a:ln>
         </p:spPr>
       </p:sp>
@@ -358,7 +361,7 @@
           <p:cNvPr id="4" name="Google Shape;4;n"/>
           <p:cNvSpPr txBox="1"/>
           <p:nvPr>
-            <p:ph idx="1" type="body"/>
+            <p:ph type="body" idx="1"/>
           </p:nvPr>
         </p:nvSpPr>
         <p:spPr>
@@ -375,11 +378,11 @@
           </a:ln>
         </p:spPr>
         <p:txBody>
-          <a:bodyPr anchorCtr="0" anchor="t" bIns="91425" lIns="91425" spcFirstLastPara="1" rIns="91425" wrap="square" tIns="91425">
+          <a:bodyPr spcFirstLastPara="1" wrap="square" lIns="91425" tIns="91425" rIns="91425" bIns="91425" anchor="t" anchorCtr="0">
             <a:noAutofit/>
           </a:bodyPr>
           <a:lstStyle>
-            <a:lvl1pPr indent="-298450" lvl="0" marL="457200">
+            <a:lvl1pPr marL="457200" lvl="0" indent="-298450">
               <a:spcBef>
                 <a:spcPts val="0"/>
               </a:spcBef>
@@ -390,7 +393,7 @@
               <a:buChar char="●"/>
               <a:defRPr sz="1100"/>
             </a:lvl1pPr>
-            <a:lvl2pPr indent="-298450" lvl="1" marL="914400">
+            <a:lvl2pPr marL="914400" lvl="1" indent="-298450">
               <a:spcBef>
                 <a:spcPts val="0"/>
               </a:spcBef>
@@ -401,7 +404,7 @@
               <a:buChar char="○"/>
               <a:defRPr sz="1100"/>
             </a:lvl2pPr>
-            <a:lvl3pPr indent="-298450" lvl="2" marL="1371600">
+            <a:lvl3pPr marL="1371600" lvl="2" indent="-298450">
               <a:spcBef>
                 <a:spcPts val="0"/>
               </a:spcBef>
@@ -412,7 +415,7 @@
               <a:buChar char="■"/>
               <a:defRPr sz="1100"/>
             </a:lvl3pPr>
-            <a:lvl4pPr indent="-298450" lvl="3" marL="1828800">
+            <a:lvl4pPr marL="1828800" lvl="3" indent="-298450">
               <a:spcBef>
                 <a:spcPts val="0"/>
               </a:spcBef>
@@ -423,7 +426,7 @@
               <a:buChar char="●"/>
               <a:defRPr sz="1100"/>
             </a:lvl4pPr>
-            <a:lvl5pPr indent="-298450" lvl="4" marL="2286000">
+            <a:lvl5pPr marL="2286000" lvl="4" indent="-298450">
               <a:spcBef>
                 <a:spcPts val="0"/>
               </a:spcBef>
@@ -434,7 +437,7 @@
               <a:buChar char="○"/>
               <a:defRPr sz="1100"/>
             </a:lvl5pPr>
-            <a:lvl6pPr indent="-298450" lvl="5" marL="2743200">
+            <a:lvl6pPr marL="2743200" lvl="5" indent="-298450">
               <a:spcBef>
                 <a:spcPts val="0"/>
               </a:spcBef>
@@ -445,7 +448,7 @@
               <a:buChar char="■"/>
               <a:defRPr sz="1100"/>
             </a:lvl6pPr>
-            <a:lvl7pPr indent="-298450" lvl="6" marL="3200400">
+            <a:lvl7pPr marL="3200400" lvl="6" indent="-298450">
               <a:spcBef>
                 <a:spcPts val="0"/>
               </a:spcBef>
@@ -456,7 +459,7 @@
               <a:buChar char="●"/>
               <a:defRPr sz="1100"/>
             </a:lvl7pPr>
-            <a:lvl8pPr indent="-298450" lvl="7" marL="3657600">
+            <a:lvl8pPr marL="3657600" lvl="7" indent="-298450">
               <a:spcBef>
                 <a:spcPts val="0"/>
               </a:spcBef>
@@ -467,7 +470,7 @@
               <a:buChar char="○"/>
               <a:defRPr sz="1100"/>
             </a:lvl8pPr>
-            <a:lvl9pPr indent="-298450" lvl="8" marL="4114800">
+            <a:lvl9pPr marL="4114800" lvl="8" indent="-298450">
               <a:spcBef>
                 <a:spcPts val="0"/>
               </a:spcBef>
@@ -484,9 +487,9 @@
       </p:sp>
     </p:spTree>
   </p:cSld>
-  <p:clrMap accent1="accent1" accent2="accent2" accent3="accent3" accent4="accent4" accent5="accent5" accent6="accent6" bg1="lt1" bg2="dk2" tx1="dk1" tx2="lt2" folHlink="folHlink" hlink="hlink"/>
+  <p:clrMap bg1="lt1" tx1="dk1" bg2="dk2" tx2="lt2" accent1="accent1" accent2="accent2" accent3="accent3" accent4="accent4" accent5="accent5" accent6="accent6" hlink="hlink" folHlink="folHlink"/>
   <p:notesStyle>
-    <a:defPPr lvl="0" marR="0" rtl="0" algn="l">
+    <a:defPPr marR="0" lvl="0" algn="l" rtl="0">
       <a:lnSpc>
         <a:spcPct val="100000"/>
       </a:lnSpc>
@@ -497,7 +500,7 @@
         <a:spcPts val="0"/>
       </a:spcAft>
     </a:defPPr>
-    <a:lvl1pPr lvl="0" marR="0" rtl="0" algn="l">
+    <a:lvl1pPr marR="0" lvl="0" algn="l" rtl="0">
       <a:lnSpc>
         <a:spcPct val="100000"/>
       </a:lnSpc>
@@ -510,18 +513,18 @@
       <a:buClr>
         <a:srgbClr val="000000"/>
       </a:buClr>
-      <a:buFont typeface="Arial"/>
-      <a:defRPr b="0" i="0" sz="1400" u="none" cap="none" strike="noStrike">
+      <a:buFont typeface="Arial" panose="020B0604020202020204"/>
+      <a:defRPr sz="1400" b="0" i="0" u="none" strike="noStrike" cap="none">
         <a:solidFill>
           <a:srgbClr val="000000"/>
         </a:solidFill>
-        <a:latin typeface="Arial"/>
-        <a:ea typeface="Arial"/>
-        <a:cs typeface="Arial"/>
-        <a:sym typeface="Arial"/>
+        <a:latin typeface="Arial" panose="020B0604020202020204"/>
+        <a:ea typeface="Arial" panose="020B0604020202020204"/>
+        <a:cs typeface="Arial" panose="020B0604020202020204"/>
+        <a:sym typeface="Arial" panose="020B0604020202020204"/>
       </a:defRPr>
     </a:lvl1pPr>
-    <a:lvl2pPr lvl="1" marR="0" rtl="0" algn="l">
+    <a:lvl2pPr marR="0" lvl="1" algn="l" rtl="0">
       <a:lnSpc>
         <a:spcPct val="100000"/>
       </a:lnSpc>
@@ -534,18 +537,18 @@
       <a:buClr>
         <a:srgbClr val="000000"/>
       </a:buClr>
-      <a:buFont typeface="Arial"/>
-      <a:defRPr b="0" i="0" sz="1400" u="none" cap="none" strike="noStrike">
+      <a:buFont typeface="Arial" panose="020B0604020202020204"/>
+      <a:defRPr sz="1400" b="0" i="0" u="none" strike="noStrike" cap="none">
         <a:solidFill>
           <a:srgbClr val="000000"/>
         </a:solidFill>
-        <a:latin typeface="Arial"/>
-        <a:ea typeface="Arial"/>
-        <a:cs typeface="Arial"/>
-        <a:sym typeface="Arial"/>
+        <a:latin typeface="Arial" panose="020B0604020202020204"/>
+        <a:ea typeface="Arial" panose="020B0604020202020204"/>
+        <a:cs typeface="Arial" panose="020B0604020202020204"/>
+        <a:sym typeface="Arial" panose="020B0604020202020204"/>
       </a:defRPr>
     </a:lvl2pPr>
-    <a:lvl3pPr lvl="2" marR="0" rtl="0" algn="l">
+    <a:lvl3pPr marR="0" lvl="2" algn="l" rtl="0">
       <a:lnSpc>
         <a:spcPct val="100000"/>
       </a:lnSpc>
@@ -558,18 +561,18 @@
       <a:buClr>
         <a:srgbClr val="000000"/>
       </a:buClr>
-      <a:buFont typeface="Arial"/>
-      <a:defRPr b="0" i="0" sz="1400" u="none" cap="none" strike="noStrike">
+      <a:buFont typeface="Arial" panose="020B0604020202020204"/>
+      <a:defRPr sz="1400" b="0" i="0" u="none" strike="noStrike" cap="none">
         <a:solidFill>
           <a:srgbClr val="000000"/>
         </a:solidFill>
-        <a:latin typeface="Arial"/>
-        <a:ea typeface="Arial"/>
-        <a:cs typeface="Arial"/>
-        <a:sym typeface="Arial"/>
+        <a:latin typeface="Arial" panose="020B0604020202020204"/>
+        <a:ea typeface="Arial" panose="020B0604020202020204"/>
+        <a:cs typeface="Arial" panose="020B0604020202020204"/>
+        <a:sym typeface="Arial" panose="020B0604020202020204"/>
       </a:defRPr>
     </a:lvl3pPr>
-    <a:lvl4pPr lvl="3" marR="0" rtl="0" algn="l">
+    <a:lvl4pPr marR="0" lvl="3" algn="l" rtl="0">
       <a:lnSpc>
         <a:spcPct val="100000"/>
       </a:lnSpc>
@@ -582,18 +585,18 @@
       <a:buClr>
         <a:srgbClr val="000000"/>
       </a:buClr>
-      <a:buFont typeface="Arial"/>
-      <a:defRPr b="0" i="0" sz="1400" u="none" cap="none" strike="noStrike">
+      <a:buFont typeface="Arial" panose="020B0604020202020204"/>
+      <a:defRPr sz="1400" b="0" i="0" u="none" strike="noStrike" cap="none">
         <a:solidFill>
           <a:srgbClr val="000000"/>
         </a:solidFill>
-        <a:latin typeface="Arial"/>
-        <a:ea typeface="Arial"/>
-        <a:cs typeface="Arial"/>
-        <a:sym typeface="Arial"/>
+        <a:latin typeface="Arial" panose="020B0604020202020204"/>
+        <a:ea typeface="Arial" panose="020B0604020202020204"/>
+        <a:cs typeface="Arial" panose="020B0604020202020204"/>
+        <a:sym typeface="Arial" panose="020B0604020202020204"/>
       </a:defRPr>
     </a:lvl4pPr>
-    <a:lvl5pPr lvl="4" marR="0" rtl="0" algn="l">
+    <a:lvl5pPr marR="0" lvl="4" algn="l" rtl="0">
       <a:lnSpc>
         <a:spcPct val="100000"/>
       </a:lnSpc>
@@ -606,18 +609,18 @@
       <a:buClr>
         <a:srgbClr val="000000"/>
       </a:buClr>
-      <a:buFont typeface="Arial"/>
-      <a:defRPr b="0" i="0" sz="1400" u="none" cap="none" strike="noStrike">
+      <a:buFont typeface="Arial" panose="020B0604020202020204"/>
+      <a:defRPr sz="1400" b="0" i="0" u="none" strike="noStrike" cap="none">
         <a:solidFill>
           <a:srgbClr val="000000"/>
         </a:solidFill>
-        <a:latin typeface="Arial"/>
-        <a:ea typeface="Arial"/>
-        <a:cs typeface="Arial"/>
-        <a:sym typeface="Arial"/>
+        <a:latin typeface="Arial" panose="020B0604020202020204"/>
+        <a:ea typeface="Arial" panose="020B0604020202020204"/>
+        <a:cs typeface="Arial" panose="020B0604020202020204"/>
+        <a:sym typeface="Arial" panose="020B0604020202020204"/>
       </a:defRPr>
     </a:lvl5pPr>
-    <a:lvl6pPr lvl="5" marR="0" rtl="0" algn="l">
+    <a:lvl6pPr marR="0" lvl="5" algn="l" rtl="0">
       <a:lnSpc>
         <a:spcPct val="100000"/>
       </a:lnSpc>
@@ -630,18 +633,18 @@
       <a:buClr>
         <a:srgbClr val="000000"/>
       </a:buClr>
-      <a:buFont typeface="Arial"/>
-      <a:defRPr b="0" i="0" sz="1400" u="none" cap="none" strike="noStrike">
+      <a:buFont typeface="Arial" panose="020B0604020202020204"/>
+      <a:defRPr sz="1400" b="0" i="0" u="none" strike="noStrike" cap="none">
         <a:solidFill>
           <a:srgbClr val="000000"/>
         </a:solidFill>
-        <a:latin typeface="Arial"/>
-        <a:ea typeface="Arial"/>
-        <a:cs typeface="Arial"/>
-        <a:sym typeface="Arial"/>
+        <a:latin typeface="Arial" panose="020B0604020202020204"/>
+        <a:ea typeface="Arial" panose="020B0604020202020204"/>
+        <a:cs typeface="Arial" panose="020B0604020202020204"/>
+        <a:sym typeface="Arial" panose="020B0604020202020204"/>
       </a:defRPr>
     </a:lvl6pPr>
-    <a:lvl7pPr lvl="6" marR="0" rtl="0" algn="l">
+    <a:lvl7pPr marR="0" lvl="6" algn="l" rtl="0">
       <a:lnSpc>
         <a:spcPct val="100000"/>
       </a:lnSpc>
@@ -654,18 +657,18 @@
       <a:buClr>
         <a:srgbClr val="000000"/>
       </a:buClr>
-      <a:buFont typeface="Arial"/>
-      <a:defRPr b="0" i="0" sz="1400" u="none" cap="none" strike="noStrike">
+      <a:buFont typeface="Arial" panose="020B0604020202020204"/>
+      <a:defRPr sz="1400" b="0" i="0" u="none" strike="noStrike" cap="none">
         <a:solidFill>
           <a:srgbClr val="000000"/>
         </a:solidFill>
-        <a:latin typeface="Arial"/>
-        <a:ea typeface="Arial"/>
-        <a:cs typeface="Arial"/>
-        <a:sym typeface="Arial"/>
+        <a:latin typeface="Arial" panose="020B0604020202020204"/>
+        <a:ea typeface="Arial" panose="020B0604020202020204"/>
+        <a:cs typeface="Arial" panose="020B0604020202020204"/>
+        <a:sym typeface="Arial" panose="020B0604020202020204"/>
       </a:defRPr>
     </a:lvl7pPr>
-    <a:lvl8pPr lvl="7" marR="0" rtl="0" algn="l">
+    <a:lvl8pPr marR="0" lvl="7" algn="l" rtl="0">
       <a:lnSpc>
         <a:spcPct val="100000"/>
       </a:lnSpc>
@@ -678,18 +681,18 @@
       <a:buClr>
         <a:srgbClr val="000000"/>
       </a:buClr>
-      <a:buFont typeface="Arial"/>
-      <a:defRPr b="0" i="0" sz="1400" u="none" cap="none" strike="noStrike">
+      <a:buFont typeface="Arial" panose="020B0604020202020204"/>
+      <a:defRPr sz="1400" b="0" i="0" u="none" strike="noStrike" cap="none">
         <a:solidFill>
           <a:srgbClr val="000000"/>
         </a:solidFill>
-        <a:latin typeface="Arial"/>
-        <a:ea typeface="Arial"/>
-        <a:cs typeface="Arial"/>
-        <a:sym typeface="Arial"/>
+        <a:latin typeface="Arial" panose="020B0604020202020204"/>
+        <a:ea typeface="Arial" panose="020B0604020202020204"/>
+        <a:cs typeface="Arial" panose="020B0604020202020204"/>
+        <a:sym typeface="Arial" panose="020B0604020202020204"/>
       </a:defRPr>
     </a:lvl8pPr>
-    <a:lvl9pPr lvl="8" marR="0" rtl="0" algn="l">
+    <a:lvl9pPr marR="0" lvl="8" algn="l" rtl="0">
       <a:lnSpc>
         <a:spcPct val="100000"/>
       </a:lnSpc>
@@ -702,15 +705,15 @@
       <a:buClr>
         <a:srgbClr val="000000"/>
       </a:buClr>
-      <a:buFont typeface="Arial"/>
-      <a:defRPr b="0" i="0" sz="1400" u="none" cap="none" strike="noStrike">
+      <a:buFont typeface="Arial" panose="020B0604020202020204"/>
+      <a:defRPr sz="1400" b="0" i="0" u="none" strike="noStrike" cap="none">
         <a:solidFill>
           <a:srgbClr val="000000"/>
         </a:solidFill>
-        <a:latin typeface="Arial"/>
-        <a:ea typeface="Arial"/>
-        <a:cs typeface="Arial"/>
-        <a:sym typeface="Arial"/>
+        <a:latin typeface="Arial" panose="020B0604020202020204"/>
+        <a:ea typeface="Arial" panose="020B0604020202020204"/>
+        <a:cs typeface="Arial" panose="020B0604020202020204"/>
+        <a:sym typeface="Arial" panose="020B0604020202020204"/>
       </a:defRPr>
     </a:lvl9pPr>
   </p:notesStyle>
@@ -718,7 +721,7 @@
 </file>
 
 <file path=ppt/notesSlides/notesSlide1.xml><?xml version="1.0" encoding="utf-8"?>
-<p:notes xmlns:a="http://schemas.openxmlformats.org/drawingml/2006/main" xmlns:r="http://schemas.openxmlformats.org/officeDocument/2006/relationships" xmlns:mc="http://schemas.openxmlformats.org/markup-compatibility/2006" xmlns:mv="urn:schemas-microsoft-com:mac:vml" xmlns:p="http://schemas.openxmlformats.org/presentationml/2006/main" xmlns:c="http://schemas.openxmlformats.org/drawingml/2006/chart" xmlns:dgm="http://schemas.openxmlformats.org/drawingml/2006/diagram" xmlns:o="urn:schemas-microsoft-com:office:office" xmlns:v="urn:schemas-microsoft-com:vml" xmlns:pvml="urn:schemas-microsoft-com:office:powerpoint" xmlns:com="http://schemas.openxmlformats.org/drawingml/2006/compatibility" xmlns:p14="http://schemas.microsoft.com/office/powerpoint/2010/main" xmlns:p15="http://schemas.microsoft.com/office/powerpoint/2012/main" xmlns:ahyp="http://schemas.microsoft.com/office/drawing/2018/hyperlinkcolor" showMasterPhAnim="0" showMasterSp="0">
+<p:notes xmlns:a="http://schemas.openxmlformats.org/drawingml/2006/main" xmlns:r="http://schemas.openxmlformats.org/officeDocument/2006/relationships" xmlns:p="http://schemas.openxmlformats.org/presentationml/2006/main" showMasterPhAnim="0" showMasterSp="0">
   <p:cSld>
     <p:spTree>
       <p:nvGrpSpPr>
@@ -739,7 +742,7 @@
           <p:cNvPr id="56" name="Google Shape;56;p:notes"/>
           <p:cNvSpPr/>
           <p:nvPr>
-            <p:ph idx="2" type="sldImg"/>
+            <p:ph type="sldImg" idx="2"/>
           </p:nvPr>
         </p:nvSpPr>
         <p:spPr>
@@ -748,9 +751,13 @@
             <a:ext cx="6096075" cy="3429000"/>
           </a:xfrm>
           <a:custGeom>
-            <a:rect b="b" l="l" r="r" t="t"/>
+            <a:avLst/>
+            <a:gdLst/>
+            <a:ahLst/>
+            <a:cxnLst/>
+            <a:rect l="l" t="t" r="r" b="b"/>
             <a:pathLst>
-              <a:path extrusionOk="0" h="120000" w="120000">
+              <a:path w="120000" h="120000" extrusionOk="0">
                 <a:moveTo>
                   <a:pt x="0" y="0"/>
                 </a:moveTo>
@@ -774,7 +781,7 @@
           <p:cNvPr id="57" name="Google Shape;57;p:notes"/>
           <p:cNvSpPr txBox="1"/>
           <p:nvPr>
-            <p:ph idx="1" type="body"/>
+            <p:ph type="body" idx="1"/>
           </p:nvPr>
         </p:nvSpPr>
         <p:spPr>
@@ -787,12 +794,12 @@
           </a:prstGeom>
         </p:spPr>
         <p:txBody>
-          <a:bodyPr anchorCtr="0" anchor="t" bIns="91425" lIns="91425" spcFirstLastPara="1" rIns="91425" wrap="square" tIns="91425">
+          <a:bodyPr spcFirstLastPara="1" wrap="square" lIns="91425" tIns="91425" rIns="91425" bIns="91425" anchor="t" anchorCtr="0">
             <a:noAutofit/>
           </a:bodyPr>
           <a:lstStyle/>
           <a:p>
-            <a:pPr indent="0" lvl="0" marL="0" rtl="0" algn="l">
+            <a:pPr marL="0" lvl="0" indent="0" algn="l" rtl="0">
               <a:spcBef>
                 <a:spcPts val="0"/>
               </a:spcBef>
@@ -801,10 +808,6 @@
               </a:spcAft>
               <a:buNone/>
             </a:pPr>
-            <a:r>
-              <a:t/>
-            </a:r>
-            <a:endParaRPr/>
           </a:p>
         </p:txBody>
       </p:sp>
@@ -817,7 +820,7 @@
 </file>
 
 <file path=ppt/notesSlides/notesSlide10.xml><?xml version="1.0" encoding="utf-8"?>
-<p:notes xmlns:a="http://schemas.openxmlformats.org/drawingml/2006/main" xmlns:r="http://schemas.openxmlformats.org/officeDocument/2006/relationships" xmlns:mc="http://schemas.openxmlformats.org/markup-compatibility/2006" xmlns:mv="urn:schemas-microsoft-com:mac:vml" xmlns:p="http://schemas.openxmlformats.org/presentationml/2006/main" xmlns:c="http://schemas.openxmlformats.org/drawingml/2006/chart" xmlns:dgm="http://schemas.openxmlformats.org/drawingml/2006/diagram" xmlns:o="urn:schemas-microsoft-com:office:office" xmlns:v="urn:schemas-microsoft-com:vml" xmlns:pvml="urn:schemas-microsoft-com:office:powerpoint" xmlns:com="http://schemas.openxmlformats.org/drawingml/2006/compatibility" xmlns:p14="http://schemas.microsoft.com/office/powerpoint/2010/main" xmlns:p15="http://schemas.microsoft.com/office/powerpoint/2012/main" xmlns:ahyp="http://schemas.microsoft.com/office/drawing/2018/hyperlinkcolor" showMasterPhAnim="0" showMasterSp="0">
+<p:notes xmlns:a="http://schemas.openxmlformats.org/drawingml/2006/main" xmlns:r="http://schemas.openxmlformats.org/officeDocument/2006/relationships" xmlns:p="http://schemas.openxmlformats.org/presentationml/2006/main" showMasterPhAnim="0" showMasterSp="0">
   <p:cSld>
     <p:spTree>
       <p:nvGrpSpPr>
@@ -838,7 +841,7 @@
           <p:cNvPr id="125" name="Google Shape;125;g34e3d35a7ed_0_21:notes"/>
           <p:cNvSpPr/>
           <p:nvPr>
-            <p:ph idx="2" type="sldImg"/>
+            <p:ph type="sldImg" idx="2"/>
           </p:nvPr>
         </p:nvSpPr>
         <p:spPr>
@@ -847,9 +850,13 @@
             <a:ext cx="6096000" cy="3429000"/>
           </a:xfrm>
           <a:custGeom>
-            <a:rect b="b" l="l" r="r" t="t"/>
+            <a:avLst/>
+            <a:gdLst/>
+            <a:ahLst/>
+            <a:cxnLst/>
+            <a:rect l="l" t="t" r="r" b="b"/>
             <a:pathLst>
-              <a:path extrusionOk="0" h="120000" w="120000">
+              <a:path w="120000" h="120000" extrusionOk="0">
                 <a:moveTo>
                   <a:pt x="0" y="0"/>
                 </a:moveTo>
@@ -873,7 +880,7 @@
           <p:cNvPr id="126" name="Google Shape;126;g34e3d35a7ed_0_21:notes"/>
           <p:cNvSpPr txBox="1"/>
           <p:nvPr>
-            <p:ph idx="1" type="body"/>
+            <p:ph type="body" idx="1"/>
           </p:nvPr>
         </p:nvSpPr>
         <p:spPr>
@@ -886,12 +893,12 @@
           </a:prstGeom>
         </p:spPr>
         <p:txBody>
-          <a:bodyPr anchorCtr="0" anchor="t" bIns="91425" lIns="91425" spcFirstLastPara="1" rIns="91425" wrap="square" tIns="91425">
+          <a:bodyPr spcFirstLastPara="1" wrap="square" lIns="91425" tIns="91425" rIns="91425" bIns="91425" anchor="t" anchorCtr="0">
             <a:noAutofit/>
           </a:bodyPr>
           <a:lstStyle/>
           <a:p>
-            <a:pPr indent="0" lvl="0" marL="0" rtl="0" algn="l">
+            <a:pPr marL="0" lvl="0" indent="0" algn="l" rtl="0">
               <a:spcBef>
                 <a:spcPts val="0"/>
               </a:spcBef>
@@ -900,10 +907,6 @@
               </a:spcAft>
               <a:buNone/>
             </a:pPr>
-            <a:r>
-              <a:t/>
-            </a:r>
-            <a:endParaRPr/>
           </a:p>
         </p:txBody>
       </p:sp>
@@ -916,205 +919,7 @@
 </file>
 
 <file path=ppt/notesSlides/notesSlide11.xml><?xml version="1.0" encoding="utf-8"?>
-<p:notes xmlns:a="http://schemas.openxmlformats.org/drawingml/2006/main" xmlns:r="http://schemas.openxmlformats.org/officeDocument/2006/relationships" xmlns:mc="http://schemas.openxmlformats.org/markup-compatibility/2006" xmlns:mv="urn:schemas-microsoft-com:mac:vml" xmlns:p="http://schemas.openxmlformats.org/presentationml/2006/main" xmlns:c="http://schemas.openxmlformats.org/drawingml/2006/chart" xmlns:dgm="http://schemas.openxmlformats.org/drawingml/2006/diagram" xmlns:o="urn:schemas-microsoft-com:office:office" xmlns:v="urn:schemas-microsoft-com:vml" xmlns:pvml="urn:schemas-microsoft-com:office:powerpoint" xmlns:com="http://schemas.openxmlformats.org/drawingml/2006/compatibility" xmlns:p14="http://schemas.microsoft.com/office/powerpoint/2010/main" xmlns:p15="http://schemas.microsoft.com/office/powerpoint/2012/main" xmlns:ahyp="http://schemas.microsoft.com/office/drawing/2018/hyperlinkcolor" showMasterPhAnim="0" showMasterSp="0">
-  <p:cSld>
-    <p:spTree>
-      <p:nvGrpSpPr>
-        <p:cNvPr id="132" name="Shape 132"/>
-        <p:cNvGrpSpPr/>
-        <p:nvPr/>
-      </p:nvGrpSpPr>
-      <p:grpSpPr>
-        <a:xfrm>
-          <a:off x="0" y="0"/>
-          <a:ext cx="0" cy="0"/>
-          <a:chOff x="0" y="0"/>
-          <a:chExt cx="0" cy="0"/>
-        </a:xfrm>
-      </p:grpSpPr>
-      <p:sp>
-        <p:nvSpPr>
-          <p:cNvPr id="133" name="Google Shape;133;g34e3d35a7ed_0_28:notes"/>
-          <p:cNvSpPr/>
-          <p:nvPr>
-            <p:ph idx="2" type="sldImg"/>
-          </p:nvPr>
-        </p:nvSpPr>
-        <p:spPr>
-          <a:xfrm>
-            <a:off x="381300" y="685800"/>
-            <a:ext cx="6096000" cy="3429000"/>
-          </a:xfrm>
-          <a:custGeom>
-            <a:rect b="b" l="l" r="r" t="t"/>
-            <a:pathLst>
-              <a:path extrusionOk="0" h="120000" w="120000">
-                <a:moveTo>
-                  <a:pt x="0" y="0"/>
-                </a:moveTo>
-                <a:lnTo>
-                  <a:pt x="120000" y="0"/>
-                </a:lnTo>
-                <a:lnTo>
-                  <a:pt x="120000" y="120000"/>
-                </a:lnTo>
-                <a:lnTo>
-                  <a:pt x="0" y="120000"/>
-                </a:lnTo>
-                <a:close/>
-              </a:path>
-            </a:pathLst>
-          </a:custGeom>
-        </p:spPr>
-      </p:sp>
-      <p:sp>
-        <p:nvSpPr>
-          <p:cNvPr id="134" name="Google Shape;134;g34e3d35a7ed_0_28:notes"/>
-          <p:cNvSpPr txBox="1"/>
-          <p:nvPr>
-            <p:ph idx="1" type="body"/>
-          </p:nvPr>
-        </p:nvSpPr>
-        <p:spPr>
-          <a:xfrm>
-            <a:off x="685800" y="4343400"/>
-            <a:ext cx="5486400" cy="4114800"/>
-          </a:xfrm>
-          <a:prstGeom prst="rect">
-            <a:avLst/>
-          </a:prstGeom>
-        </p:spPr>
-        <p:txBody>
-          <a:bodyPr anchorCtr="0" anchor="t" bIns="91425" lIns="91425" spcFirstLastPara="1" rIns="91425" wrap="square" tIns="91425">
-            <a:noAutofit/>
-          </a:bodyPr>
-          <a:lstStyle/>
-          <a:p>
-            <a:pPr indent="0" lvl="0" marL="0" rtl="0" algn="l">
-              <a:spcBef>
-                <a:spcPts val="0"/>
-              </a:spcBef>
-              <a:spcAft>
-                <a:spcPts val="0"/>
-              </a:spcAft>
-              <a:buNone/>
-            </a:pPr>
-            <a:r>
-              <a:t/>
-            </a:r>
-            <a:endParaRPr/>
-          </a:p>
-        </p:txBody>
-      </p:sp>
-    </p:spTree>
-  </p:cSld>
-  <p:clrMapOvr>
-    <a:masterClrMapping/>
-  </p:clrMapOvr>
-</p:notes>
-</file>
-
-<file path=ppt/notesSlides/notesSlide12.xml><?xml version="1.0" encoding="utf-8"?>
-<p:notes xmlns:a="http://schemas.openxmlformats.org/drawingml/2006/main" xmlns:r="http://schemas.openxmlformats.org/officeDocument/2006/relationships" xmlns:mc="http://schemas.openxmlformats.org/markup-compatibility/2006" xmlns:mv="urn:schemas-microsoft-com:mac:vml" xmlns:p="http://schemas.openxmlformats.org/presentationml/2006/main" xmlns:c="http://schemas.openxmlformats.org/drawingml/2006/chart" xmlns:dgm="http://schemas.openxmlformats.org/drawingml/2006/diagram" xmlns:o="urn:schemas-microsoft-com:office:office" xmlns:v="urn:schemas-microsoft-com:vml" xmlns:pvml="urn:schemas-microsoft-com:office:powerpoint" xmlns:com="http://schemas.openxmlformats.org/drawingml/2006/compatibility" xmlns:p14="http://schemas.microsoft.com/office/powerpoint/2010/main" xmlns:p15="http://schemas.microsoft.com/office/powerpoint/2012/main" xmlns:ahyp="http://schemas.microsoft.com/office/drawing/2018/hyperlinkcolor" showMasterPhAnim="0" showMasterSp="0">
-  <p:cSld>
-    <p:spTree>
-      <p:nvGrpSpPr>
-        <p:cNvPr id="138" name="Shape 138"/>
-        <p:cNvGrpSpPr/>
-        <p:nvPr/>
-      </p:nvGrpSpPr>
-      <p:grpSpPr>
-        <a:xfrm>
-          <a:off x="0" y="0"/>
-          <a:ext cx="0" cy="0"/>
-          <a:chOff x="0" y="0"/>
-          <a:chExt cx="0" cy="0"/>
-        </a:xfrm>
-      </p:grpSpPr>
-      <p:sp>
-        <p:nvSpPr>
-          <p:cNvPr id="139" name="Google Shape;139;g34e3d35a7ed_0_34:notes"/>
-          <p:cNvSpPr/>
-          <p:nvPr>
-            <p:ph idx="2" type="sldImg"/>
-          </p:nvPr>
-        </p:nvSpPr>
-        <p:spPr>
-          <a:xfrm>
-            <a:off x="381300" y="685800"/>
-            <a:ext cx="6096000" cy="3429000"/>
-          </a:xfrm>
-          <a:custGeom>
-            <a:rect b="b" l="l" r="r" t="t"/>
-            <a:pathLst>
-              <a:path extrusionOk="0" h="120000" w="120000">
-                <a:moveTo>
-                  <a:pt x="0" y="0"/>
-                </a:moveTo>
-                <a:lnTo>
-                  <a:pt x="120000" y="0"/>
-                </a:lnTo>
-                <a:lnTo>
-                  <a:pt x="120000" y="120000"/>
-                </a:lnTo>
-                <a:lnTo>
-                  <a:pt x="0" y="120000"/>
-                </a:lnTo>
-                <a:close/>
-              </a:path>
-            </a:pathLst>
-          </a:custGeom>
-        </p:spPr>
-      </p:sp>
-      <p:sp>
-        <p:nvSpPr>
-          <p:cNvPr id="140" name="Google Shape;140;g34e3d35a7ed_0_34:notes"/>
-          <p:cNvSpPr txBox="1"/>
-          <p:nvPr>
-            <p:ph idx="1" type="body"/>
-          </p:nvPr>
-        </p:nvSpPr>
-        <p:spPr>
-          <a:xfrm>
-            <a:off x="685800" y="4343400"/>
-            <a:ext cx="5486400" cy="4114800"/>
-          </a:xfrm>
-          <a:prstGeom prst="rect">
-            <a:avLst/>
-          </a:prstGeom>
-        </p:spPr>
-        <p:txBody>
-          <a:bodyPr anchorCtr="0" anchor="t" bIns="91425" lIns="91425" spcFirstLastPara="1" rIns="91425" wrap="square" tIns="91425">
-            <a:noAutofit/>
-          </a:bodyPr>
-          <a:lstStyle/>
-          <a:p>
-            <a:pPr indent="0" lvl="0" marL="0" rtl="0" algn="l">
-              <a:spcBef>
-                <a:spcPts val="0"/>
-              </a:spcBef>
-              <a:spcAft>
-                <a:spcPts val="0"/>
-              </a:spcAft>
-              <a:buNone/>
-            </a:pPr>
-            <a:r>
-              <a:t/>
-            </a:r>
-            <a:endParaRPr/>
-          </a:p>
-        </p:txBody>
-      </p:sp>
-    </p:spTree>
-  </p:cSld>
-  <p:clrMapOvr>
-    <a:masterClrMapping/>
-  </p:clrMapOvr>
-</p:notes>
-</file>
-
-<file path=ppt/notesSlides/notesSlide13.xml><?xml version="1.0" encoding="utf-8"?>
-<p:notes xmlns:a="http://schemas.openxmlformats.org/drawingml/2006/main" xmlns:r="http://schemas.openxmlformats.org/officeDocument/2006/relationships" xmlns:mc="http://schemas.openxmlformats.org/markup-compatibility/2006" xmlns:mv="urn:schemas-microsoft-com:mac:vml" xmlns:p="http://schemas.openxmlformats.org/presentationml/2006/main" xmlns:c="http://schemas.openxmlformats.org/drawingml/2006/chart" xmlns:dgm="http://schemas.openxmlformats.org/drawingml/2006/diagram" xmlns:o="urn:schemas-microsoft-com:office:office" xmlns:v="urn:schemas-microsoft-com:vml" xmlns:pvml="urn:schemas-microsoft-com:office:powerpoint" xmlns:com="http://schemas.openxmlformats.org/drawingml/2006/compatibility" xmlns:p14="http://schemas.microsoft.com/office/powerpoint/2010/main" xmlns:p15="http://schemas.microsoft.com/office/powerpoint/2012/main" xmlns:ahyp="http://schemas.microsoft.com/office/drawing/2018/hyperlinkcolor" showMasterPhAnim="0" showMasterSp="0">
+<p:notes xmlns:a="http://schemas.openxmlformats.org/drawingml/2006/main" xmlns:r="http://schemas.openxmlformats.org/officeDocument/2006/relationships" xmlns:p="http://schemas.openxmlformats.org/presentationml/2006/main" showMasterPhAnim="0" showMasterSp="0">
   <p:cSld>
     <p:spTree>
       <p:nvGrpSpPr>
@@ -1135,7 +940,7 @@
           <p:cNvPr id="145" name="Google Shape;145;g34e3d35a7ed_0_39:notes"/>
           <p:cNvSpPr/>
           <p:nvPr>
-            <p:ph idx="2" type="sldImg"/>
+            <p:ph type="sldImg" idx="2"/>
           </p:nvPr>
         </p:nvSpPr>
         <p:spPr>
@@ -1144,9 +949,13 @@
             <a:ext cx="6096000" cy="3429000"/>
           </a:xfrm>
           <a:custGeom>
-            <a:rect b="b" l="l" r="r" t="t"/>
+            <a:avLst/>
+            <a:gdLst/>
+            <a:ahLst/>
+            <a:cxnLst/>
+            <a:rect l="l" t="t" r="r" b="b"/>
             <a:pathLst>
-              <a:path extrusionOk="0" h="120000" w="120000">
+              <a:path w="120000" h="120000" extrusionOk="0">
                 <a:moveTo>
                   <a:pt x="0" y="0"/>
                 </a:moveTo>
@@ -1170,7 +979,7 @@
           <p:cNvPr id="146" name="Google Shape;146;g34e3d35a7ed_0_39:notes"/>
           <p:cNvSpPr txBox="1"/>
           <p:nvPr>
-            <p:ph idx="1" type="body"/>
+            <p:ph type="body" idx="1"/>
           </p:nvPr>
         </p:nvSpPr>
         <p:spPr>
@@ -1183,12 +992,12 @@
           </a:prstGeom>
         </p:spPr>
         <p:txBody>
-          <a:bodyPr anchorCtr="0" anchor="t" bIns="91425" lIns="91425" spcFirstLastPara="1" rIns="91425" wrap="square" tIns="91425">
+          <a:bodyPr spcFirstLastPara="1" wrap="square" lIns="91425" tIns="91425" rIns="91425" bIns="91425" anchor="t" anchorCtr="0">
             <a:noAutofit/>
           </a:bodyPr>
           <a:lstStyle/>
           <a:p>
-            <a:pPr indent="0" lvl="0" marL="0" rtl="0" algn="l">
+            <a:pPr marL="0" lvl="0" indent="0" algn="l" rtl="0">
               <a:spcBef>
                 <a:spcPts val="0"/>
               </a:spcBef>
@@ -1197,10 +1006,6 @@
               </a:spcAft>
               <a:buNone/>
             </a:pPr>
-            <a:r>
-              <a:t/>
-            </a:r>
-            <a:endParaRPr/>
           </a:p>
         </p:txBody>
       </p:sp>
@@ -1212,8 +1017,8 @@
 </p:notes>
 </file>
 
-<file path=ppt/notesSlides/notesSlide14.xml><?xml version="1.0" encoding="utf-8"?>
-<p:notes xmlns:a="http://schemas.openxmlformats.org/drawingml/2006/main" xmlns:r="http://schemas.openxmlformats.org/officeDocument/2006/relationships" xmlns:mc="http://schemas.openxmlformats.org/markup-compatibility/2006" xmlns:mv="urn:schemas-microsoft-com:mac:vml" xmlns:p="http://schemas.openxmlformats.org/presentationml/2006/main" xmlns:c="http://schemas.openxmlformats.org/drawingml/2006/chart" xmlns:dgm="http://schemas.openxmlformats.org/drawingml/2006/diagram" xmlns:o="urn:schemas-microsoft-com:office:office" xmlns:v="urn:schemas-microsoft-com:vml" xmlns:pvml="urn:schemas-microsoft-com:office:powerpoint" xmlns:com="http://schemas.openxmlformats.org/drawingml/2006/compatibility" xmlns:p14="http://schemas.microsoft.com/office/powerpoint/2010/main" xmlns:p15="http://schemas.microsoft.com/office/powerpoint/2012/main" xmlns:ahyp="http://schemas.microsoft.com/office/drawing/2018/hyperlinkcolor" showMasterPhAnim="0" showMasterSp="0">
+<file path=ppt/notesSlides/notesSlide12.xml><?xml version="1.0" encoding="utf-8"?>
+<p:notes xmlns:a="http://schemas.openxmlformats.org/drawingml/2006/main" xmlns:r="http://schemas.openxmlformats.org/officeDocument/2006/relationships" xmlns:p="http://schemas.openxmlformats.org/presentationml/2006/main" showMasterPhAnim="0" showMasterSp="0">
   <p:cSld>
     <p:spTree>
       <p:nvGrpSpPr>
@@ -1234,7 +1039,7 @@
           <p:cNvPr id="151" name="Google Shape;151;g34e3d35a7ed_0_44:notes"/>
           <p:cNvSpPr/>
           <p:nvPr>
-            <p:ph idx="2" type="sldImg"/>
+            <p:ph type="sldImg" idx="2"/>
           </p:nvPr>
         </p:nvSpPr>
         <p:spPr>
@@ -1243,9 +1048,13 @@
             <a:ext cx="6096000" cy="3429000"/>
           </a:xfrm>
           <a:custGeom>
-            <a:rect b="b" l="l" r="r" t="t"/>
+            <a:avLst/>
+            <a:gdLst/>
+            <a:ahLst/>
+            <a:cxnLst/>
+            <a:rect l="l" t="t" r="r" b="b"/>
             <a:pathLst>
-              <a:path extrusionOk="0" h="120000" w="120000">
+              <a:path w="120000" h="120000" extrusionOk="0">
                 <a:moveTo>
                   <a:pt x="0" y="0"/>
                 </a:moveTo>
@@ -1269,7 +1078,7 @@
           <p:cNvPr id="152" name="Google Shape;152;g34e3d35a7ed_0_44:notes"/>
           <p:cNvSpPr txBox="1"/>
           <p:nvPr>
-            <p:ph idx="1" type="body"/>
+            <p:ph type="body" idx="1"/>
           </p:nvPr>
         </p:nvSpPr>
         <p:spPr>
@@ -1282,12 +1091,12 @@
           </a:prstGeom>
         </p:spPr>
         <p:txBody>
-          <a:bodyPr anchorCtr="0" anchor="t" bIns="91425" lIns="91425" spcFirstLastPara="1" rIns="91425" wrap="square" tIns="91425">
+          <a:bodyPr spcFirstLastPara="1" wrap="square" lIns="91425" tIns="91425" rIns="91425" bIns="91425" anchor="t" anchorCtr="0">
             <a:noAutofit/>
           </a:bodyPr>
           <a:lstStyle/>
           <a:p>
-            <a:pPr indent="0" lvl="0" marL="0" rtl="0" algn="l">
+            <a:pPr marL="0" lvl="0" indent="0" algn="l" rtl="0">
               <a:spcBef>
                 <a:spcPts val="0"/>
               </a:spcBef>
@@ -1296,10 +1105,6 @@
               </a:spcAft>
               <a:buNone/>
             </a:pPr>
-            <a:r>
-              <a:t/>
-            </a:r>
-            <a:endParaRPr/>
           </a:p>
         </p:txBody>
       </p:sp>
@@ -1312,7 +1117,7 @@
 </file>
 
 <file path=ppt/notesSlides/notesSlide2.xml><?xml version="1.0" encoding="utf-8"?>
-<p:notes xmlns:a="http://schemas.openxmlformats.org/drawingml/2006/main" xmlns:r="http://schemas.openxmlformats.org/officeDocument/2006/relationships" xmlns:mc="http://schemas.openxmlformats.org/markup-compatibility/2006" xmlns:mv="urn:schemas-microsoft-com:mac:vml" xmlns:p="http://schemas.openxmlformats.org/presentationml/2006/main" xmlns:c="http://schemas.openxmlformats.org/drawingml/2006/chart" xmlns:dgm="http://schemas.openxmlformats.org/drawingml/2006/diagram" xmlns:o="urn:schemas-microsoft-com:office:office" xmlns:v="urn:schemas-microsoft-com:vml" xmlns:pvml="urn:schemas-microsoft-com:office:powerpoint" xmlns:com="http://schemas.openxmlformats.org/drawingml/2006/compatibility" xmlns:p14="http://schemas.microsoft.com/office/powerpoint/2010/main" xmlns:p15="http://schemas.microsoft.com/office/powerpoint/2012/main" xmlns:ahyp="http://schemas.microsoft.com/office/drawing/2018/hyperlinkcolor" showMasterPhAnim="0" showMasterSp="0">
+<p:notes xmlns:a="http://schemas.openxmlformats.org/drawingml/2006/main" xmlns:r="http://schemas.openxmlformats.org/officeDocument/2006/relationships" xmlns:p="http://schemas.openxmlformats.org/presentationml/2006/main" showMasterPhAnim="0" showMasterSp="0">
   <p:cSld>
     <p:spTree>
       <p:nvGrpSpPr>
@@ -1333,7 +1138,7 @@
           <p:cNvPr id="69" name="Google Shape;69;g35273e3c8a6_0_179:notes"/>
           <p:cNvSpPr/>
           <p:nvPr>
-            <p:ph idx="2" type="sldImg"/>
+            <p:ph type="sldImg" idx="2"/>
           </p:nvPr>
         </p:nvSpPr>
         <p:spPr>
@@ -1342,9 +1147,13 @@
             <a:ext cx="6096000" cy="3429000"/>
           </a:xfrm>
           <a:custGeom>
-            <a:rect b="b" l="l" r="r" t="t"/>
+            <a:avLst/>
+            <a:gdLst/>
+            <a:ahLst/>
+            <a:cxnLst/>
+            <a:rect l="l" t="t" r="r" b="b"/>
             <a:pathLst>
-              <a:path extrusionOk="0" h="120000" w="120000">
+              <a:path w="120000" h="120000" extrusionOk="0">
                 <a:moveTo>
                   <a:pt x="0" y="0"/>
                 </a:moveTo>
@@ -1368,7 +1177,7 @@
           <p:cNvPr id="70" name="Google Shape;70;g35273e3c8a6_0_179:notes"/>
           <p:cNvSpPr txBox="1"/>
           <p:nvPr>
-            <p:ph idx="1" type="body"/>
+            <p:ph type="body" idx="1"/>
           </p:nvPr>
         </p:nvSpPr>
         <p:spPr>
@@ -1381,12 +1190,12 @@
           </a:prstGeom>
         </p:spPr>
         <p:txBody>
-          <a:bodyPr anchorCtr="0" anchor="t" bIns="91425" lIns="91425" spcFirstLastPara="1" rIns="91425" wrap="square" tIns="91425">
+          <a:bodyPr spcFirstLastPara="1" wrap="square" lIns="91425" tIns="91425" rIns="91425" bIns="91425" anchor="t" anchorCtr="0">
             <a:noAutofit/>
           </a:bodyPr>
           <a:lstStyle/>
           <a:p>
-            <a:pPr indent="0" lvl="0" marL="0" rtl="0" algn="l">
+            <a:pPr marL="0" lvl="0" indent="0" algn="l" rtl="0">
               <a:spcBef>
                 <a:spcPts val="0"/>
               </a:spcBef>
@@ -1395,10 +1204,6 @@
               </a:spcAft>
               <a:buNone/>
             </a:pPr>
-            <a:r>
-              <a:t/>
-            </a:r>
-            <a:endParaRPr/>
           </a:p>
         </p:txBody>
       </p:sp>
@@ -1411,7 +1216,7 @@
 </file>
 
 <file path=ppt/notesSlides/notesSlide3.xml><?xml version="1.0" encoding="utf-8"?>
-<p:notes xmlns:a="http://schemas.openxmlformats.org/drawingml/2006/main" xmlns:r="http://schemas.openxmlformats.org/officeDocument/2006/relationships" xmlns:mc="http://schemas.openxmlformats.org/markup-compatibility/2006" xmlns:mv="urn:schemas-microsoft-com:mac:vml" xmlns:p="http://schemas.openxmlformats.org/presentationml/2006/main" xmlns:c="http://schemas.openxmlformats.org/drawingml/2006/chart" xmlns:dgm="http://schemas.openxmlformats.org/drawingml/2006/diagram" xmlns:o="urn:schemas-microsoft-com:office:office" xmlns:v="urn:schemas-microsoft-com:vml" xmlns:pvml="urn:schemas-microsoft-com:office:powerpoint" xmlns:com="http://schemas.openxmlformats.org/drawingml/2006/compatibility" xmlns:p14="http://schemas.microsoft.com/office/powerpoint/2010/main" xmlns:p15="http://schemas.microsoft.com/office/powerpoint/2012/main" xmlns:ahyp="http://schemas.microsoft.com/office/drawing/2018/hyperlinkcolor" showMasterPhAnim="0" showMasterSp="0">
+<p:notes xmlns:a="http://schemas.openxmlformats.org/drawingml/2006/main" xmlns:r="http://schemas.openxmlformats.org/officeDocument/2006/relationships" xmlns:p="http://schemas.openxmlformats.org/presentationml/2006/main" showMasterPhAnim="0" showMasterSp="0">
   <p:cSld>
     <p:spTree>
       <p:nvGrpSpPr>
@@ -1432,7 +1237,7 @@
           <p:cNvPr id="75" name="Google Shape;75;g35273e3c8a6_0_184:notes"/>
           <p:cNvSpPr/>
           <p:nvPr>
-            <p:ph idx="2" type="sldImg"/>
+            <p:ph type="sldImg" idx="2"/>
           </p:nvPr>
         </p:nvSpPr>
         <p:spPr>
@@ -1441,9 +1246,13 @@
             <a:ext cx="6096000" cy="3429000"/>
           </a:xfrm>
           <a:custGeom>
-            <a:rect b="b" l="l" r="r" t="t"/>
+            <a:avLst/>
+            <a:gdLst/>
+            <a:ahLst/>
+            <a:cxnLst/>
+            <a:rect l="l" t="t" r="r" b="b"/>
             <a:pathLst>
-              <a:path extrusionOk="0" h="120000" w="120000">
+              <a:path w="120000" h="120000" extrusionOk="0">
                 <a:moveTo>
                   <a:pt x="0" y="0"/>
                 </a:moveTo>
@@ -1467,7 +1276,7 @@
           <p:cNvPr id="76" name="Google Shape;76;g35273e3c8a6_0_184:notes"/>
           <p:cNvSpPr txBox="1"/>
           <p:nvPr>
-            <p:ph idx="1" type="body"/>
+            <p:ph type="body" idx="1"/>
           </p:nvPr>
         </p:nvSpPr>
         <p:spPr>
@@ -1480,12 +1289,12 @@
           </a:prstGeom>
         </p:spPr>
         <p:txBody>
-          <a:bodyPr anchorCtr="0" anchor="t" bIns="91425" lIns="91425" spcFirstLastPara="1" rIns="91425" wrap="square" tIns="91425">
+          <a:bodyPr spcFirstLastPara="1" wrap="square" lIns="91425" tIns="91425" rIns="91425" bIns="91425" anchor="t" anchorCtr="0">
             <a:noAutofit/>
           </a:bodyPr>
           <a:lstStyle/>
           <a:p>
-            <a:pPr indent="0" lvl="0" marL="0" rtl="0" algn="l">
+            <a:pPr marL="0" lvl="0" indent="0" algn="l" rtl="0">
               <a:spcBef>
                 <a:spcPts val="0"/>
               </a:spcBef>
@@ -1494,10 +1303,6 @@
               </a:spcAft>
               <a:buNone/>
             </a:pPr>
-            <a:r>
-              <a:t/>
-            </a:r>
-            <a:endParaRPr/>
           </a:p>
         </p:txBody>
       </p:sp>
@@ -1510,7 +1315,7 @@
 </file>
 
 <file path=ppt/notesSlides/notesSlide4.xml><?xml version="1.0" encoding="utf-8"?>
-<p:notes xmlns:a="http://schemas.openxmlformats.org/drawingml/2006/main" xmlns:r="http://schemas.openxmlformats.org/officeDocument/2006/relationships" xmlns:mc="http://schemas.openxmlformats.org/markup-compatibility/2006" xmlns:mv="urn:schemas-microsoft-com:mac:vml" xmlns:p="http://schemas.openxmlformats.org/presentationml/2006/main" xmlns:c="http://schemas.openxmlformats.org/drawingml/2006/chart" xmlns:dgm="http://schemas.openxmlformats.org/drawingml/2006/diagram" xmlns:o="urn:schemas-microsoft-com:office:office" xmlns:v="urn:schemas-microsoft-com:vml" xmlns:pvml="urn:schemas-microsoft-com:office:powerpoint" xmlns:com="http://schemas.openxmlformats.org/drawingml/2006/compatibility" xmlns:p14="http://schemas.microsoft.com/office/powerpoint/2010/main" xmlns:p15="http://schemas.microsoft.com/office/powerpoint/2012/main" xmlns:ahyp="http://schemas.microsoft.com/office/drawing/2018/hyperlinkcolor" showMasterPhAnim="0" showMasterSp="0">
+<p:notes xmlns:a="http://schemas.openxmlformats.org/drawingml/2006/main" xmlns:r="http://schemas.openxmlformats.org/officeDocument/2006/relationships" xmlns:p="http://schemas.openxmlformats.org/presentationml/2006/main" showMasterPhAnim="0" showMasterSp="0">
   <p:cSld>
     <p:spTree>
       <p:nvGrpSpPr>
@@ -1531,7 +1336,7 @@
           <p:cNvPr id="83" name="Google Shape;83;g35273e3c8a6_0_193:notes"/>
           <p:cNvSpPr/>
           <p:nvPr>
-            <p:ph idx="2" type="sldImg"/>
+            <p:ph type="sldImg" idx="2"/>
           </p:nvPr>
         </p:nvSpPr>
         <p:spPr>
@@ -1540,9 +1345,13 @@
             <a:ext cx="6096000" cy="3429000"/>
           </a:xfrm>
           <a:custGeom>
-            <a:rect b="b" l="l" r="r" t="t"/>
+            <a:avLst/>
+            <a:gdLst/>
+            <a:ahLst/>
+            <a:cxnLst/>
+            <a:rect l="l" t="t" r="r" b="b"/>
             <a:pathLst>
-              <a:path extrusionOk="0" h="120000" w="120000">
+              <a:path w="120000" h="120000" extrusionOk="0">
                 <a:moveTo>
                   <a:pt x="0" y="0"/>
                 </a:moveTo>
@@ -1566,7 +1375,7 @@
           <p:cNvPr id="84" name="Google Shape;84;g35273e3c8a6_0_193:notes"/>
           <p:cNvSpPr txBox="1"/>
           <p:nvPr>
-            <p:ph idx="1" type="body"/>
+            <p:ph type="body" idx="1"/>
           </p:nvPr>
         </p:nvSpPr>
         <p:spPr>
@@ -1579,12 +1388,12 @@
           </a:prstGeom>
         </p:spPr>
         <p:txBody>
-          <a:bodyPr anchorCtr="0" anchor="t" bIns="91425" lIns="91425" spcFirstLastPara="1" rIns="91425" wrap="square" tIns="91425">
+          <a:bodyPr spcFirstLastPara="1" wrap="square" lIns="91425" tIns="91425" rIns="91425" bIns="91425" anchor="t" anchorCtr="0">
             <a:noAutofit/>
           </a:bodyPr>
           <a:lstStyle/>
           <a:p>
-            <a:pPr indent="0" lvl="0" marL="0" rtl="0" algn="l">
+            <a:pPr marL="0" lvl="0" indent="0" algn="l" rtl="0">
               <a:spcBef>
                 <a:spcPts val="0"/>
               </a:spcBef>
@@ -1593,10 +1402,6 @@
               </a:spcAft>
               <a:buNone/>
             </a:pPr>
-            <a:r>
-              <a:t/>
-            </a:r>
-            <a:endParaRPr/>
           </a:p>
         </p:txBody>
       </p:sp>
@@ -1609,7 +1414,7 @@
 </file>
 
 <file path=ppt/notesSlides/notesSlide5.xml><?xml version="1.0" encoding="utf-8"?>
-<p:notes xmlns:a="http://schemas.openxmlformats.org/drawingml/2006/main" xmlns:r="http://schemas.openxmlformats.org/officeDocument/2006/relationships" xmlns:mc="http://schemas.openxmlformats.org/markup-compatibility/2006" xmlns:mv="urn:schemas-microsoft-com:mac:vml" xmlns:p="http://schemas.openxmlformats.org/presentationml/2006/main" xmlns:c="http://schemas.openxmlformats.org/drawingml/2006/chart" xmlns:dgm="http://schemas.openxmlformats.org/drawingml/2006/diagram" xmlns:o="urn:schemas-microsoft-com:office:office" xmlns:v="urn:schemas-microsoft-com:vml" xmlns:pvml="urn:schemas-microsoft-com:office:powerpoint" xmlns:com="http://schemas.openxmlformats.org/drawingml/2006/compatibility" xmlns:p14="http://schemas.microsoft.com/office/powerpoint/2010/main" xmlns:p15="http://schemas.microsoft.com/office/powerpoint/2012/main" xmlns:ahyp="http://schemas.microsoft.com/office/drawing/2018/hyperlinkcolor" showMasterPhAnim="0" showMasterSp="0">
+<p:notes xmlns:a="http://schemas.openxmlformats.org/drawingml/2006/main" xmlns:r="http://schemas.openxmlformats.org/officeDocument/2006/relationships" xmlns:p="http://schemas.openxmlformats.org/presentationml/2006/main" showMasterPhAnim="0" showMasterSp="0">
   <p:cSld>
     <p:spTree>
       <p:nvGrpSpPr>
@@ -1630,7 +1435,7 @@
           <p:cNvPr id="89" name="Google Shape;89;g35273e3c8a6_0_198:notes"/>
           <p:cNvSpPr/>
           <p:nvPr>
-            <p:ph idx="2" type="sldImg"/>
+            <p:ph type="sldImg" idx="2"/>
           </p:nvPr>
         </p:nvSpPr>
         <p:spPr>
@@ -1639,9 +1444,13 @@
             <a:ext cx="6096000" cy="3429000"/>
           </a:xfrm>
           <a:custGeom>
-            <a:rect b="b" l="l" r="r" t="t"/>
+            <a:avLst/>
+            <a:gdLst/>
+            <a:ahLst/>
+            <a:cxnLst/>
+            <a:rect l="l" t="t" r="r" b="b"/>
             <a:pathLst>
-              <a:path extrusionOk="0" h="120000" w="120000">
+              <a:path w="120000" h="120000" extrusionOk="0">
                 <a:moveTo>
                   <a:pt x="0" y="0"/>
                 </a:moveTo>
@@ -1665,7 +1474,7 @@
           <p:cNvPr id="90" name="Google Shape;90;g35273e3c8a6_0_198:notes"/>
           <p:cNvSpPr txBox="1"/>
           <p:nvPr>
-            <p:ph idx="1" type="body"/>
+            <p:ph type="body" idx="1"/>
           </p:nvPr>
         </p:nvSpPr>
         <p:spPr>
@@ -1678,12 +1487,12 @@
           </a:prstGeom>
         </p:spPr>
         <p:txBody>
-          <a:bodyPr anchorCtr="0" anchor="t" bIns="91425" lIns="91425" spcFirstLastPara="1" rIns="91425" wrap="square" tIns="91425">
+          <a:bodyPr spcFirstLastPara="1" wrap="square" lIns="91425" tIns="91425" rIns="91425" bIns="91425" anchor="t" anchorCtr="0">
             <a:noAutofit/>
           </a:bodyPr>
           <a:lstStyle/>
           <a:p>
-            <a:pPr indent="0" lvl="0" marL="0" rtl="0" algn="l">
+            <a:pPr marL="0" lvl="0" indent="0" algn="l" rtl="0">
               <a:spcBef>
                 <a:spcPts val="0"/>
               </a:spcBef>
@@ -1692,10 +1501,6 @@
               </a:spcAft>
               <a:buNone/>
             </a:pPr>
-            <a:r>
-              <a:t/>
-            </a:r>
-            <a:endParaRPr/>
           </a:p>
         </p:txBody>
       </p:sp>
@@ -1708,7 +1513,7 @@
 </file>
 
 <file path=ppt/notesSlides/notesSlide6.xml><?xml version="1.0" encoding="utf-8"?>
-<p:notes xmlns:a="http://schemas.openxmlformats.org/drawingml/2006/main" xmlns:r="http://schemas.openxmlformats.org/officeDocument/2006/relationships" xmlns:mc="http://schemas.openxmlformats.org/markup-compatibility/2006" xmlns:mv="urn:schemas-microsoft-com:mac:vml" xmlns:p="http://schemas.openxmlformats.org/presentationml/2006/main" xmlns:c="http://schemas.openxmlformats.org/drawingml/2006/chart" xmlns:dgm="http://schemas.openxmlformats.org/drawingml/2006/diagram" xmlns:o="urn:schemas-microsoft-com:office:office" xmlns:v="urn:schemas-microsoft-com:vml" xmlns:pvml="urn:schemas-microsoft-com:office:powerpoint" xmlns:com="http://schemas.openxmlformats.org/drawingml/2006/compatibility" xmlns:p14="http://schemas.microsoft.com/office/powerpoint/2010/main" xmlns:p15="http://schemas.microsoft.com/office/powerpoint/2012/main" xmlns:ahyp="http://schemas.microsoft.com/office/drawing/2018/hyperlinkcolor" showMasterPhAnim="0" showMasterSp="0">
+<p:notes xmlns:a="http://schemas.openxmlformats.org/drawingml/2006/main" xmlns:r="http://schemas.openxmlformats.org/officeDocument/2006/relationships" xmlns:p="http://schemas.openxmlformats.org/presentationml/2006/main" showMasterPhAnim="0" showMasterSp="0">
   <p:cSld>
     <p:spTree>
       <p:nvGrpSpPr>
@@ -1729,7 +1534,7 @@
           <p:cNvPr id="95" name="Google Shape;95;g35273e3c8a6_0_204:notes"/>
           <p:cNvSpPr/>
           <p:nvPr>
-            <p:ph idx="2" type="sldImg"/>
+            <p:ph type="sldImg" idx="2"/>
           </p:nvPr>
         </p:nvSpPr>
         <p:spPr>
@@ -1738,9 +1543,13 @@
             <a:ext cx="6096000" cy="3429000"/>
           </a:xfrm>
           <a:custGeom>
-            <a:rect b="b" l="l" r="r" t="t"/>
+            <a:avLst/>
+            <a:gdLst/>
+            <a:ahLst/>
+            <a:cxnLst/>
+            <a:rect l="l" t="t" r="r" b="b"/>
             <a:pathLst>
-              <a:path extrusionOk="0" h="120000" w="120000">
+              <a:path w="120000" h="120000" extrusionOk="0">
                 <a:moveTo>
                   <a:pt x="0" y="0"/>
                 </a:moveTo>
@@ -1764,7 +1573,7 @@
           <p:cNvPr id="96" name="Google Shape;96;g35273e3c8a6_0_204:notes"/>
           <p:cNvSpPr txBox="1"/>
           <p:nvPr>
-            <p:ph idx="1" type="body"/>
+            <p:ph type="body" idx="1"/>
           </p:nvPr>
         </p:nvSpPr>
         <p:spPr>
@@ -1777,12 +1586,12 @@
           </a:prstGeom>
         </p:spPr>
         <p:txBody>
-          <a:bodyPr anchorCtr="0" anchor="t" bIns="91425" lIns="91425" spcFirstLastPara="1" rIns="91425" wrap="square" tIns="91425">
+          <a:bodyPr spcFirstLastPara="1" wrap="square" lIns="91425" tIns="91425" rIns="91425" bIns="91425" anchor="t" anchorCtr="0">
             <a:noAutofit/>
           </a:bodyPr>
           <a:lstStyle/>
           <a:p>
-            <a:pPr indent="0" lvl="0" marL="0" rtl="0" algn="l">
+            <a:pPr marL="0" lvl="0" indent="0" algn="l" rtl="0">
               <a:spcBef>
                 <a:spcPts val="0"/>
               </a:spcBef>
@@ -1791,10 +1600,6 @@
               </a:spcAft>
               <a:buNone/>
             </a:pPr>
-            <a:r>
-              <a:t/>
-            </a:r>
-            <a:endParaRPr/>
           </a:p>
         </p:txBody>
       </p:sp>
@@ -1807,7 +1612,7 @@
 </file>
 
 <file path=ppt/notesSlides/notesSlide7.xml><?xml version="1.0" encoding="utf-8"?>
-<p:notes xmlns:a="http://schemas.openxmlformats.org/drawingml/2006/main" xmlns:r="http://schemas.openxmlformats.org/officeDocument/2006/relationships" xmlns:mc="http://schemas.openxmlformats.org/markup-compatibility/2006" xmlns:mv="urn:schemas-microsoft-com:mac:vml" xmlns:p="http://schemas.openxmlformats.org/presentationml/2006/main" xmlns:c="http://schemas.openxmlformats.org/drawingml/2006/chart" xmlns:dgm="http://schemas.openxmlformats.org/drawingml/2006/diagram" xmlns:o="urn:schemas-microsoft-com:office:office" xmlns:v="urn:schemas-microsoft-com:vml" xmlns:pvml="urn:schemas-microsoft-com:office:powerpoint" xmlns:com="http://schemas.openxmlformats.org/drawingml/2006/compatibility" xmlns:p14="http://schemas.microsoft.com/office/powerpoint/2010/main" xmlns:p15="http://schemas.microsoft.com/office/powerpoint/2012/main" xmlns:ahyp="http://schemas.microsoft.com/office/drawing/2018/hyperlinkcolor" showMasterPhAnim="0" showMasterSp="0">
+<p:notes xmlns:a="http://schemas.openxmlformats.org/drawingml/2006/main" xmlns:r="http://schemas.openxmlformats.org/officeDocument/2006/relationships" xmlns:p="http://schemas.openxmlformats.org/presentationml/2006/main" showMasterPhAnim="0" showMasterSp="0">
   <p:cSld>
     <p:spTree>
       <p:nvGrpSpPr>
@@ -1828,7 +1633,7 @@
           <p:cNvPr id="101" name="Google Shape;101;g34e3d35a7ed_0_1:notes"/>
           <p:cNvSpPr/>
           <p:nvPr>
-            <p:ph idx="2" type="sldImg"/>
+            <p:ph type="sldImg" idx="2"/>
           </p:nvPr>
         </p:nvSpPr>
         <p:spPr>
@@ -1837,9 +1642,13 @@
             <a:ext cx="6096000" cy="3429000"/>
           </a:xfrm>
           <a:custGeom>
-            <a:rect b="b" l="l" r="r" t="t"/>
+            <a:avLst/>
+            <a:gdLst/>
+            <a:ahLst/>
+            <a:cxnLst/>
+            <a:rect l="l" t="t" r="r" b="b"/>
             <a:pathLst>
-              <a:path extrusionOk="0" h="120000" w="120000">
+              <a:path w="120000" h="120000" extrusionOk="0">
                 <a:moveTo>
                   <a:pt x="0" y="0"/>
                 </a:moveTo>
@@ -1863,7 +1672,7 @@
           <p:cNvPr id="102" name="Google Shape;102;g34e3d35a7ed_0_1:notes"/>
           <p:cNvSpPr txBox="1"/>
           <p:nvPr>
-            <p:ph idx="1" type="body"/>
+            <p:ph type="body" idx="1"/>
           </p:nvPr>
         </p:nvSpPr>
         <p:spPr>
@@ -1876,12 +1685,12 @@
           </a:prstGeom>
         </p:spPr>
         <p:txBody>
-          <a:bodyPr anchorCtr="0" anchor="t" bIns="91425" lIns="91425" spcFirstLastPara="1" rIns="91425" wrap="square" tIns="91425">
+          <a:bodyPr spcFirstLastPara="1" wrap="square" lIns="91425" tIns="91425" rIns="91425" bIns="91425" anchor="t" anchorCtr="0">
             <a:noAutofit/>
           </a:bodyPr>
           <a:lstStyle/>
           <a:p>
-            <a:pPr indent="0" lvl="0" marL="0" rtl="0" algn="l">
+            <a:pPr marL="0" lvl="0" indent="0" algn="l" rtl="0">
               <a:spcBef>
                 <a:spcPts val="0"/>
               </a:spcBef>
@@ -1890,10 +1699,6 @@
               </a:spcAft>
               <a:buNone/>
             </a:pPr>
-            <a:r>
-              <a:t/>
-            </a:r>
-            <a:endParaRPr/>
           </a:p>
         </p:txBody>
       </p:sp>
@@ -1906,7 +1711,7 @@
 </file>
 
 <file path=ppt/notesSlides/notesSlide8.xml><?xml version="1.0" encoding="utf-8"?>
-<p:notes xmlns:a="http://schemas.openxmlformats.org/drawingml/2006/main" xmlns:r="http://schemas.openxmlformats.org/officeDocument/2006/relationships" xmlns:mc="http://schemas.openxmlformats.org/markup-compatibility/2006" xmlns:mv="urn:schemas-microsoft-com:mac:vml" xmlns:p="http://schemas.openxmlformats.org/presentationml/2006/main" xmlns:c="http://schemas.openxmlformats.org/drawingml/2006/chart" xmlns:dgm="http://schemas.openxmlformats.org/drawingml/2006/diagram" xmlns:o="urn:schemas-microsoft-com:office:office" xmlns:v="urn:schemas-microsoft-com:vml" xmlns:pvml="urn:schemas-microsoft-com:office:powerpoint" xmlns:com="http://schemas.openxmlformats.org/drawingml/2006/compatibility" xmlns:p14="http://schemas.microsoft.com/office/powerpoint/2010/main" xmlns:p15="http://schemas.microsoft.com/office/powerpoint/2012/main" xmlns:ahyp="http://schemas.microsoft.com/office/drawing/2018/hyperlinkcolor" showMasterPhAnim="0" showMasterSp="0">
+<p:notes xmlns:a="http://schemas.openxmlformats.org/drawingml/2006/main" xmlns:r="http://schemas.openxmlformats.org/officeDocument/2006/relationships" xmlns:p="http://schemas.openxmlformats.org/presentationml/2006/main" showMasterPhAnim="0" showMasterSp="0">
   <p:cSld>
     <p:spTree>
       <p:nvGrpSpPr>
@@ -1927,7 +1732,7 @@
           <p:cNvPr id="112" name="Google Shape;112;g34e3d35a7ed_0_10:notes"/>
           <p:cNvSpPr/>
           <p:nvPr>
-            <p:ph idx="2" type="sldImg"/>
+            <p:ph type="sldImg" idx="2"/>
           </p:nvPr>
         </p:nvSpPr>
         <p:spPr>
@@ -1936,9 +1741,13 @@
             <a:ext cx="6096000" cy="3429000"/>
           </a:xfrm>
           <a:custGeom>
-            <a:rect b="b" l="l" r="r" t="t"/>
+            <a:avLst/>
+            <a:gdLst/>
+            <a:ahLst/>
+            <a:cxnLst/>
+            <a:rect l="l" t="t" r="r" b="b"/>
             <a:pathLst>
-              <a:path extrusionOk="0" h="120000" w="120000">
+              <a:path w="120000" h="120000" extrusionOk="0">
                 <a:moveTo>
                   <a:pt x="0" y="0"/>
                 </a:moveTo>
@@ -1962,7 +1771,7 @@
           <p:cNvPr id="113" name="Google Shape;113;g34e3d35a7ed_0_10:notes"/>
           <p:cNvSpPr txBox="1"/>
           <p:nvPr>
-            <p:ph idx="1" type="body"/>
+            <p:ph type="body" idx="1"/>
           </p:nvPr>
         </p:nvSpPr>
         <p:spPr>
@@ -1975,12 +1784,12 @@
           </a:prstGeom>
         </p:spPr>
         <p:txBody>
-          <a:bodyPr anchorCtr="0" anchor="t" bIns="91425" lIns="91425" spcFirstLastPara="1" rIns="91425" wrap="square" tIns="91425">
+          <a:bodyPr spcFirstLastPara="1" wrap="square" lIns="91425" tIns="91425" rIns="91425" bIns="91425" anchor="t" anchorCtr="0">
             <a:noAutofit/>
           </a:bodyPr>
           <a:lstStyle/>
           <a:p>
-            <a:pPr indent="0" lvl="0" marL="0" rtl="0" algn="l">
+            <a:pPr marL="0" lvl="0" indent="0" algn="l" rtl="0">
               <a:spcBef>
                 <a:spcPts val="0"/>
               </a:spcBef>
@@ -1989,10 +1798,6 @@
               </a:spcAft>
               <a:buNone/>
             </a:pPr>
-            <a:r>
-              <a:t/>
-            </a:r>
-            <a:endParaRPr/>
           </a:p>
         </p:txBody>
       </p:sp>
@@ -2005,7 +1810,7 @@
 </file>
 
 <file path=ppt/notesSlides/notesSlide9.xml><?xml version="1.0" encoding="utf-8"?>
-<p:notes xmlns:a="http://schemas.openxmlformats.org/drawingml/2006/main" xmlns:r="http://schemas.openxmlformats.org/officeDocument/2006/relationships" xmlns:mc="http://schemas.openxmlformats.org/markup-compatibility/2006" xmlns:mv="urn:schemas-microsoft-com:mac:vml" xmlns:p="http://schemas.openxmlformats.org/presentationml/2006/main" xmlns:c="http://schemas.openxmlformats.org/drawingml/2006/chart" xmlns:dgm="http://schemas.openxmlformats.org/drawingml/2006/diagram" xmlns:o="urn:schemas-microsoft-com:office:office" xmlns:v="urn:schemas-microsoft-com:vml" xmlns:pvml="urn:schemas-microsoft-com:office:powerpoint" xmlns:com="http://schemas.openxmlformats.org/drawingml/2006/compatibility" xmlns:p14="http://schemas.microsoft.com/office/powerpoint/2010/main" xmlns:p15="http://schemas.microsoft.com/office/powerpoint/2012/main" xmlns:ahyp="http://schemas.microsoft.com/office/drawing/2018/hyperlinkcolor" showMasterPhAnim="0" showMasterSp="0">
+<p:notes xmlns:a="http://schemas.openxmlformats.org/drawingml/2006/main" xmlns:r="http://schemas.openxmlformats.org/officeDocument/2006/relationships" xmlns:p="http://schemas.openxmlformats.org/presentationml/2006/main" showMasterPhAnim="0" showMasterSp="0">
   <p:cSld>
     <p:spTree>
       <p:nvGrpSpPr>
@@ -2026,7 +1831,7 @@
           <p:cNvPr id="118" name="Google Shape;118;g34e3d35a7ed_0_15:notes"/>
           <p:cNvSpPr/>
           <p:nvPr>
-            <p:ph idx="2" type="sldImg"/>
+            <p:ph type="sldImg" idx="2"/>
           </p:nvPr>
         </p:nvSpPr>
         <p:spPr>
@@ -2035,9 +1840,13 @@
             <a:ext cx="6096000" cy="3429000"/>
           </a:xfrm>
           <a:custGeom>
-            <a:rect b="b" l="l" r="r" t="t"/>
+            <a:avLst/>
+            <a:gdLst/>
+            <a:ahLst/>
+            <a:cxnLst/>
+            <a:rect l="l" t="t" r="r" b="b"/>
             <a:pathLst>
-              <a:path extrusionOk="0" h="120000" w="120000">
+              <a:path w="120000" h="120000" extrusionOk="0">
                 <a:moveTo>
                   <a:pt x="0" y="0"/>
                 </a:moveTo>
@@ -2061,7 +1870,7 @@
           <p:cNvPr id="119" name="Google Shape;119;g34e3d35a7ed_0_15:notes"/>
           <p:cNvSpPr txBox="1"/>
           <p:nvPr>
-            <p:ph idx="1" type="body"/>
+            <p:ph type="body" idx="1"/>
           </p:nvPr>
         </p:nvSpPr>
         <p:spPr>
@@ -2074,12 +1883,12 @@
           </a:prstGeom>
         </p:spPr>
         <p:txBody>
-          <a:bodyPr anchorCtr="0" anchor="t" bIns="91425" lIns="91425" spcFirstLastPara="1" rIns="91425" wrap="square" tIns="91425">
+          <a:bodyPr spcFirstLastPara="1" wrap="square" lIns="91425" tIns="91425" rIns="91425" bIns="91425" anchor="t" anchorCtr="0">
             <a:noAutofit/>
           </a:bodyPr>
           <a:lstStyle/>
           <a:p>
-            <a:pPr indent="0" lvl="0" marL="0" rtl="0" algn="l">
+            <a:pPr marL="0" lvl="0" indent="0" algn="l" rtl="0">
               <a:spcBef>
                 <a:spcPts val="0"/>
               </a:spcBef>
@@ -2088,10 +1897,6 @@
               </a:spcAft>
               <a:buNone/>
             </a:pPr>
-            <a:r>
-              <a:t/>
-            </a:r>
-            <a:endParaRPr/>
           </a:p>
         </p:txBody>
       </p:sp>
@@ -2104,7 +1909,7 @@
 </file>
 
 <file path=ppt/slideLayouts/slideLayout1.xml><?xml version="1.0" encoding="utf-8"?>
-<p:sldLayout xmlns:a="http://schemas.openxmlformats.org/drawingml/2006/main" xmlns:r="http://schemas.openxmlformats.org/officeDocument/2006/relationships" xmlns:mc="http://schemas.openxmlformats.org/markup-compatibility/2006" xmlns:mv="urn:schemas-microsoft-com:mac:vml" xmlns:p="http://schemas.openxmlformats.org/presentationml/2006/main" xmlns:c="http://schemas.openxmlformats.org/drawingml/2006/chart" xmlns:dgm="http://schemas.openxmlformats.org/drawingml/2006/diagram" xmlns:o="urn:schemas-microsoft-com:office:office" xmlns:v="urn:schemas-microsoft-com:vml" xmlns:pvml="urn:schemas-microsoft-com:office:powerpoint" xmlns:com="http://schemas.openxmlformats.org/drawingml/2006/compatibility" xmlns:p14="http://schemas.microsoft.com/office/powerpoint/2010/main" xmlns:p15="http://schemas.microsoft.com/office/powerpoint/2012/main" xmlns:ahyp="http://schemas.microsoft.com/office/drawing/2018/hyperlinkcolor" matchingName="Title slide" type="title">
+<p:sldLayout xmlns:a="http://schemas.openxmlformats.org/drawingml/2006/main" xmlns:r="http://schemas.openxmlformats.org/officeDocument/2006/relationships" xmlns:p="http://schemas.openxmlformats.org/presentationml/2006/main" type="title" matchingName="Title slide">
   <p:cSld name="TITLE">
     <p:spTree>
       <p:nvGrpSpPr>
@@ -2156,12 +1961,12 @@
             </a:ln>
           </p:spPr>
           <p:txBody>
-            <a:bodyPr anchorCtr="0" anchor="ctr" bIns="91425" lIns="91425" spcFirstLastPara="1" rIns="91425" wrap="square" tIns="91425">
+            <a:bodyPr spcFirstLastPara="1" wrap="square" lIns="91425" tIns="91425" rIns="91425" bIns="91425" anchor="ctr" anchorCtr="0">
               <a:noAutofit/>
             </a:bodyPr>
             <a:lstStyle/>
             <a:p>
-              <a:pPr indent="0" lvl="0" marL="0" rtl="0" algn="l">
+              <a:pPr marL="0" lvl="0" indent="0" algn="l" rtl="0">
                 <a:spcBef>
                   <a:spcPts val="0"/>
                 </a:spcBef>
@@ -2170,10 +1975,6 @@
                 </a:spcAft>
                 <a:buNone/>
               </a:pPr>
-              <a:r>
-                <a:t/>
-              </a:r>
-              <a:endParaRPr/>
             </a:p>
           </p:txBody>
         </p:sp>
@@ -2199,12 +2000,12 @@
             </a:ln>
           </p:spPr>
           <p:txBody>
-            <a:bodyPr anchorCtr="0" anchor="ctr" bIns="91425" lIns="91425" spcFirstLastPara="1" rIns="91425" wrap="square" tIns="91425">
+            <a:bodyPr spcFirstLastPara="1" wrap="square" lIns="91425" tIns="91425" rIns="91425" bIns="91425" anchor="ctr" anchorCtr="0">
               <a:noAutofit/>
             </a:bodyPr>
             <a:lstStyle/>
             <a:p>
-              <a:pPr indent="0" lvl="0" marL="0" rtl="0" algn="l">
+              <a:pPr marL="0" lvl="0" indent="0" algn="l" rtl="0">
                 <a:spcBef>
                   <a:spcPts val="0"/>
                 </a:spcBef>
@@ -2213,10 +2014,6 @@
                 </a:spcAft>
                 <a:buNone/>
               </a:pPr>
-              <a:r>
-                <a:t/>
-              </a:r>
-              <a:endParaRPr/>
             </a:p>
           </p:txBody>
         </p:sp>
@@ -2242,12 +2039,12 @@
             </a:ln>
           </p:spPr>
           <p:txBody>
-            <a:bodyPr anchorCtr="0" anchor="ctr" bIns="91425" lIns="91425" spcFirstLastPara="1" rIns="91425" wrap="square" tIns="91425">
+            <a:bodyPr spcFirstLastPara="1" wrap="square" lIns="91425" tIns="91425" rIns="91425" bIns="91425" anchor="ctr" anchorCtr="0">
               <a:noAutofit/>
             </a:bodyPr>
             <a:lstStyle/>
             <a:p>
-              <a:pPr indent="0" lvl="0" marL="0" rtl="0" algn="l">
+              <a:pPr marL="0" lvl="0" indent="0" algn="l" rtl="0">
                 <a:spcBef>
                   <a:spcPts val="0"/>
                 </a:spcBef>
@@ -2256,10 +2053,6 @@
                 </a:spcAft>
                 <a:buNone/>
               </a:pPr>
-              <a:r>
-                <a:t/>
-              </a:r>
-              <a:endParaRPr/>
             </a:p>
           </p:txBody>
         </p:sp>
@@ -2282,7 +2075,7 @@
           </a:prstGeom>
         </p:spPr>
         <p:txBody>
-          <a:bodyPr anchorCtr="0" anchor="b" bIns="91425" lIns="91425" spcFirstLastPara="1" rIns="91425" wrap="square" tIns="91425">
+          <a:bodyPr spcFirstLastPara="1" wrap="square" lIns="91425" tIns="91425" rIns="91425" bIns="91425" anchor="b" anchorCtr="0">
             <a:normAutofit/>
           </a:bodyPr>
           <a:lstStyle>
@@ -2394,7 +2187,7 @@
           <p:cNvPr id="15" name="Google Shape;15;p2"/>
           <p:cNvSpPr txBox="1"/>
           <p:nvPr>
-            <p:ph idx="1" type="subTitle"/>
+            <p:ph type="subTitle" idx="1"/>
           </p:nvPr>
         </p:nvSpPr>
         <p:spPr>
@@ -2407,7 +2200,7 @@
           </a:prstGeom>
         </p:spPr>
         <p:txBody>
-          <a:bodyPr anchorCtr="0" anchor="t" bIns="91425" lIns="91425" spcFirstLastPara="1" rIns="91425" wrap="square" tIns="91425">
+          <a:bodyPr spcFirstLastPara="1" wrap="square" lIns="91425" tIns="91425" rIns="91425" bIns="91425" anchor="t" anchorCtr="0">
             <a:normAutofit/>
           </a:bodyPr>
           <a:lstStyle>
@@ -2546,7 +2339,7 @@
           <p:cNvPr id="16" name="Google Shape;16;p2"/>
           <p:cNvSpPr txBox="1"/>
           <p:nvPr>
-            <p:ph idx="12" type="sldNum"/>
+            <p:ph type="sldNum" idx="12"/>
           </p:nvPr>
         </p:nvSpPr>
         <p:spPr>
@@ -2559,7 +2352,7 @@
           </a:prstGeom>
         </p:spPr>
         <p:txBody>
-          <a:bodyPr anchorCtr="0" anchor="ctr" bIns="91425" lIns="91425" spcFirstLastPara="1" rIns="91425" wrap="square" tIns="91425">
+          <a:bodyPr spcFirstLastPara="1" wrap="square" lIns="91425" tIns="91425" rIns="91425" bIns="91425" anchor="ctr" anchorCtr="0">
             <a:normAutofit/>
           </a:bodyPr>
           <a:lstStyle>
@@ -2601,7 +2394,7 @@
             </a:lvl9pPr>
           </a:lstStyle>
           <a:p>
-            <a:pPr indent="0" lvl="0" marL="0" rtl="0" algn="r">
+            <a:pPr marL="0" lvl="0" indent="0" algn="r" rtl="0">
               <a:spcBef>
                 <a:spcPts val="0"/>
               </a:spcBef>
@@ -2611,10 +2404,9 @@
               <a:buNone/>
             </a:pPr>
             <a:fld id="{00000000-1234-1234-1234-123412341234}" type="slidenum">
-              <a:rPr lang="ru"/>
-              <a:t>‹#›</a:t>
+              <a:rPr lang="en-US"/>
             </a:fld>
-            <a:endParaRPr/>
+            <a:endParaRPr lang="en-US"/>
           </a:p>
         </p:txBody>
       </p:sp>
@@ -2627,7 +2419,7 @@
 </file>
 
 <file path=ppt/slideLayouts/slideLayout10.xml><?xml version="1.0" encoding="utf-8"?>
-<p:sldLayout xmlns:a="http://schemas.openxmlformats.org/drawingml/2006/main" xmlns:r="http://schemas.openxmlformats.org/officeDocument/2006/relationships" xmlns:mc="http://schemas.openxmlformats.org/markup-compatibility/2006" xmlns:mv="urn:schemas-microsoft-com:mac:vml" xmlns:p="http://schemas.openxmlformats.org/presentationml/2006/main" xmlns:c="http://schemas.openxmlformats.org/drawingml/2006/chart" xmlns:dgm="http://schemas.openxmlformats.org/drawingml/2006/diagram" xmlns:o="urn:schemas-microsoft-com:office:office" xmlns:v="urn:schemas-microsoft-com:vml" xmlns:pvml="urn:schemas-microsoft-com:office:powerpoint" xmlns:com="http://schemas.openxmlformats.org/drawingml/2006/compatibility" xmlns:p14="http://schemas.microsoft.com/office/powerpoint/2010/main" xmlns:p15="http://schemas.microsoft.com/office/powerpoint/2012/main" xmlns:ahyp="http://schemas.microsoft.com/office/drawing/2018/hyperlinkcolor" matchingName="Big number">
+<p:sldLayout xmlns:a="http://schemas.openxmlformats.org/drawingml/2006/main" xmlns:r="http://schemas.openxmlformats.org/officeDocument/2006/relationships" xmlns:p="http://schemas.openxmlformats.org/presentationml/2006/main" matchingName="Big number">
   <p:cSld name="BIG_NUMBER">
     <p:spTree>
       <p:nvGrpSpPr>
@@ -2648,7 +2440,7 @@
           <p:cNvPr id="50" name="Google Shape;50;p11"/>
           <p:cNvSpPr txBox="1"/>
           <p:nvPr>
-            <p:ph hasCustomPrompt="1" type="title"/>
+            <p:ph type="title" hasCustomPrompt="1"/>
           </p:nvPr>
         </p:nvSpPr>
         <p:spPr>
@@ -2661,7 +2453,7 @@
           </a:prstGeom>
         </p:spPr>
         <p:txBody>
-          <a:bodyPr anchorCtr="0" anchor="b" bIns="91425" lIns="91425" spcFirstLastPara="1" rIns="91425" wrap="square" tIns="91425">
+          <a:bodyPr spcFirstLastPara="1" wrap="square" lIns="91425" tIns="91425" rIns="91425" bIns="91425" anchor="b" anchorCtr="0">
             <a:normAutofit/>
           </a:bodyPr>
           <a:lstStyle>
@@ -2777,7 +2569,7 @@
           <p:cNvPr id="51" name="Google Shape;51;p11"/>
           <p:cNvSpPr txBox="1"/>
           <p:nvPr>
-            <p:ph idx="1" type="body"/>
+            <p:ph type="body" idx="1"/>
           </p:nvPr>
         </p:nvSpPr>
         <p:spPr>
@@ -2790,11 +2582,11 @@
           </a:prstGeom>
         </p:spPr>
         <p:txBody>
-          <a:bodyPr anchorCtr="0" anchor="t" bIns="91425" lIns="91425" spcFirstLastPara="1" rIns="91425" wrap="square" tIns="91425">
+          <a:bodyPr spcFirstLastPara="1" wrap="square" lIns="91425" tIns="91425" rIns="91425" bIns="91425" anchor="t" anchorCtr="0">
             <a:normAutofit/>
           </a:bodyPr>
           <a:lstStyle>
-            <a:lvl1pPr indent="-342900" lvl="0" marL="457200" algn="ctr">
+            <a:lvl1pPr marL="457200" lvl="0" indent="-342900" algn="ctr">
               <a:spcBef>
                 <a:spcPts val="0"/>
               </a:spcBef>
@@ -2805,7 +2597,7 @@
               <a:buChar char="●"/>
               <a:defRPr/>
             </a:lvl1pPr>
-            <a:lvl2pPr indent="-317500" lvl="1" marL="914400" algn="ctr">
+            <a:lvl2pPr marL="914400" lvl="1" indent="-317500" algn="ctr">
               <a:spcBef>
                 <a:spcPts val="0"/>
               </a:spcBef>
@@ -2816,7 +2608,7 @@
               <a:buChar char="○"/>
               <a:defRPr/>
             </a:lvl2pPr>
-            <a:lvl3pPr indent="-317500" lvl="2" marL="1371600" algn="ctr">
+            <a:lvl3pPr marL="1371600" lvl="2" indent="-317500" algn="ctr">
               <a:spcBef>
                 <a:spcPts val="0"/>
               </a:spcBef>
@@ -2827,7 +2619,7 @@
               <a:buChar char="■"/>
               <a:defRPr/>
             </a:lvl3pPr>
-            <a:lvl4pPr indent="-317500" lvl="3" marL="1828800" algn="ctr">
+            <a:lvl4pPr marL="1828800" lvl="3" indent="-317500" algn="ctr">
               <a:spcBef>
                 <a:spcPts val="0"/>
               </a:spcBef>
@@ -2838,7 +2630,7 @@
               <a:buChar char="●"/>
               <a:defRPr/>
             </a:lvl4pPr>
-            <a:lvl5pPr indent="-317500" lvl="4" marL="2286000" algn="ctr">
+            <a:lvl5pPr marL="2286000" lvl="4" indent="-317500" algn="ctr">
               <a:spcBef>
                 <a:spcPts val="0"/>
               </a:spcBef>
@@ -2849,7 +2641,7 @@
               <a:buChar char="○"/>
               <a:defRPr/>
             </a:lvl5pPr>
-            <a:lvl6pPr indent="-317500" lvl="5" marL="2743200" algn="ctr">
+            <a:lvl6pPr marL="2743200" lvl="5" indent="-317500" algn="ctr">
               <a:spcBef>
                 <a:spcPts val="0"/>
               </a:spcBef>
@@ -2860,7 +2652,7 @@
               <a:buChar char="■"/>
               <a:defRPr/>
             </a:lvl6pPr>
-            <a:lvl7pPr indent="-317500" lvl="6" marL="3200400" algn="ctr">
+            <a:lvl7pPr marL="3200400" lvl="6" indent="-317500" algn="ctr">
               <a:spcBef>
                 <a:spcPts val="0"/>
               </a:spcBef>
@@ -2871,7 +2663,7 @@
               <a:buChar char="●"/>
               <a:defRPr/>
             </a:lvl7pPr>
-            <a:lvl8pPr indent="-317500" lvl="7" marL="3657600" algn="ctr">
+            <a:lvl8pPr marL="3657600" lvl="7" indent="-317500" algn="ctr">
               <a:spcBef>
                 <a:spcPts val="0"/>
               </a:spcBef>
@@ -2882,7 +2674,7 @@
               <a:buChar char="○"/>
               <a:defRPr/>
             </a:lvl8pPr>
-            <a:lvl9pPr indent="-317500" lvl="8" marL="4114800" algn="ctr">
+            <a:lvl9pPr marL="4114800" lvl="8" indent="-317500" algn="ctr">
               <a:spcBef>
                 <a:spcPts val="0"/>
               </a:spcBef>
@@ -2902,7 +2694,7 @@
           <p:cNvPr id="52" name="Google Shape;52;p11"/>
           <p:cNvSpPr txBox="1"/>
           <p:nvPr>
-            <p:ph idx="12" type="sldNum"/>
+            <p:ph type="sldNum" idx="12"/>
           </p:nvPr>
         </p:nvSpPr>
         <p:spPr>
@@ -2915,7 +2707,7 @@
           </a:prstGeom>
         </p:spPr>
         <p:txBody>
-          <a:bodyPr anchorCtr="0" anchor="ctr" bIns="91425" lIns="91425" spcFirstLastPara="1" rIns="91425" wrap="square" tIns="91425">
+          <a:bodyPr spcFirstLastPara="1" wrap="square" lIns="91425" tIns="91425" rIns="91425" bIns="91425" anchor="ctr" anchorCtr="0">
             <a:normAutofit/>
           </a:bodyPr>
           <a:lstStyle>
@@ -2957,7 +2749,7 @@
             </a:lvl9pPr>
           </a:lstStyle>
           <a:p>
-            <a:pPr indent="0" lvl="0" marL="0" rtl="0" algn="r">
+            <a:pPr marL="0" lvl="0" indent="0" algn="r" rtl="0">
               <a:spcBef>
                 <a:spcPts val="0"/>
               </a:spcBef>
@@ -2967,10 +2759,9 @@
               <a:buNone/>
             </a:pPr>
             <a:fld id="{00000000-1234-1234-1234-123412341234}" type="slidenum">
-              <a:rPr lang="ru"/>
-              <a:t>‹#›</a:t>
+              <a:rPr lang="en-US"/>
             </a:fld>
-            <a:endParaRPr/>
+            <a:endParaRPr lang="en-US"/>
           </a:p>
         </p:txBody>
       </p:sp>
@@ -2983,7 +2774,7 @@
 </file>
 
 <file path=ppt/slideLayouts/slideLayout11.xml><?xml version="1.0" encoding="utf-8"?>
-<p:sldLayout xmlns:a="http://schemas.openxmlformats.org/drawingml/2006/main" xmlns:r="http://schemas.openxmlformats.org/officeDocument/2006/relationships" xmlns:mc="http://schemas.openxmlformats.org/markup-compatibility/2006" xmlns:mv="urn:schemas-microsoft-com:mac:vml" xmlns:p="http://schemas.openxmlformats.org/presentationml/2006/main" xmlns:c="http://schemas.openxmlformats.org/drawingml/2006/chart" xmlns:dgm="http://schemas.openxmlformats.org/drawingml/2006/diagram" xmlns:o="urn:schemas-microsoft-com:office:office" xmlns:v="urn:schemas-microsoft-com:vml" xmlns:pvml="urn:schemas-microsoft-com:office:powerpoint" xmlns:com="http://schemas.openxmlformats.org/drawingml/2006/compatibility" xmlns:p14="http://schemas.microsoft.com/office/powerpoint/2010/main" xmlns:p15="http://schemas.microsoft.com/office/powerpoint/2012/main" xmlns:ahyp="http://schemas.microsoft.com/office/drawing/2018/hyperlinkcolor" matchingName="Blank" type="blank">
+<p:sldLayout xmlns:a="http://schemas.openxmlformats.org/drawingml/2006/main" xmlns:r="http://schemas.openxmlformats.org/officeDocument/2006/relationships" xmlns:p="http://schemas.openxmlformats.org/presentationml/2006/main" type="blank" matchingName="Blank">
   <p:cSld name="BLANK">
     <p:spTree>
       <p:nvGrpSpPr>
@@ -3004,7 +2795,7 @@
           <p:cNvPr id="54" name="Google Shape;54;p12"/>
           <p:cNvSpPr txBox="1"/>
           <p:nvPr>
-            <p:ph idx="12" type="sldNum"/>
+            <p:ph type="sldNum" idx="12"/>
           </p:nvPr>
         </p:nvSpPr>
         <p:spPr>
@@ -3017,7 +2808,7 @@
           </a:prstGeom>
         </p:spPr>
         <p:txBody>
-          <a:bodyPr anchorCtr="0" anchor="ctr" bIns="91425" lIns="91425" spcFirstLastPara="1" rIns="91425" wrap="square" tIns="91425">
+          <a:bodyPr spcFirstLastPara="1" wrap="square" lIns="91425" tIns="91425" rIns="91425" bIns="91425" anchor="ctr" anchorCtr="0">
             <a:normAutofit/>
           </a:bodyPr>
           <a:lstStyle>
@@ -3059,7 +2850,7 @@
             </a:lvl9pPr>
           </a:lstStyle>
           <a:p>
-            <a:pPr indent="0" lvl="0" marL="0" rtl="0" algn="r">
+            <a:pPr marL="0" lvl="0" indent="0" algn="r" rtl="0">
               <a:spcBef>
                 <a:spcPts val="0"/>
               </a:spcBef>
@@ -3069,10 +2860,9 @@
               <a:buNone/>
             </a:pPr>
             <a:fld id="{00000000-1234-1234-1234-123412341234}" type="slidenum">
-              <a:rPr lang="ru"/>
-              <a:t>‹#›</a:t>
+              <a:rPr lang="en-US"/>
             </a:fld>
-            <a:endParaRPr/>
+            <a:endParaRPr lang="en-US"/>
           </a:p>
         </p:txBody>
       </p:sp>
@@ -3085,7 +2875,7 @@
 </file>
 
 <file path=ppt/slideLayouts/slideLayout2.xml><?xml version="1.0" encoding="utf-8"?>
-<p:sldLayout xmlns:a="http://schemas.openxmlformats.org/drawingml/2006/main" xmlns:r="http://schemas.openxmlformats.org/officeDocument/2006/relationships" xmlns:mc="http://schemas.openxmlformats.org/markup-compatibility/2006" xmlns:mv="urn:schemas-microsoft-com:mac:vml" xmlns:p="http://schemas.openxmlformats.org/presentationml/2006/main" xmlns:c="http://schemas.openxmlformats.org/drawingml/2006/chart" xmlns:dgm="http://schemas.openxmlformats.org/drawingml/2006/diagram" xmlns:o="urn:schemas-microsoft-com:office:office" xmlns:v="urn:schemas-microsoft-com:vml" xmlns:pvml="urn:schemas-microsoft-com:office:powerpoint" xmlns:com="http://schemas.openxmlformats.org/drawingml/2006/compatibility" xmlns:p14="http://schemas.microsoft.com/office/powerpoint/2010/main" xmlns:p15="http://schemas.microsoft.com/office/powerpoint/2012/main" xmlns:ahyp="http://schemas.microsoft.com/office/drawing/2018/hyperlinkcolor" matchingName="Section header" type="secHead">
+<p:sldLayout xmlns:a="http://schemas.openxmlformats.org/drawingml/2006/main" xmlns:r="http://schemas.openxmlformats.org/officeDocument/2006/relationships" xmlns:p="http://schemas.openxmlformats.org/presentationml/2006/main" type="secHead" matchingName="Section header">
   <p:cSld name="SECTION_HEADER">
     <p:spTree>
       <p:nvGrpSpPr>
@@ -3119,7 +2909,7 @@
           </a:prstGeom>
         </p:spPr>
         <p:txBody>
-          <a:bodyPr anchorCtr="0" anchor="ctr" bIns="91425" lIns="91425" spcFirstLastPara="1" rIns="91425" wrap="square" tIns="91425">
+          <a:bodyPr spcFirstLastPara="1" wrap="square" lIns="91425" tIns="91425" rIns="91425" bIns="91425" anchor="ctr" anchorCtr="0">
             <a:normAutofit/>
           </a:bodyPr>
           <a:lstStyle>
@@ -3231,7 +3021,7 @@
           <p:cNvPr id="19" name="Google Shape;19;p3"/>
           <p:cNvSpPr txBox="1"/>
           <p:nvPr>
-            <p:ph idx="12" type="sldNum"/>
+            <p:ph type="sldNum" idx="12"/>
           </p:nvPr>
         </p:nvSpPr>
         <p:spPr>
@@ -3244,7 +3034,7 @@
           </a:prstGeom>
         </p:spPr>
         <p:txBody>
-          <a:bodyPr anchorCtr="0" anchor="ctr" bIns="91425" lIns="91425" spcFirstLastPara="1" rIns="91425" wrap="square" tIns="91425">
+          <a:bodyPr spcFirstLastPara="1" wrap="square" lIns="91425" tIns="91425" rIns="91425" bIns="91425" anchor="ctr" anchorCtr="0">
             <a:normAutofit/>
           </a:bodyPr>
           <a:lstStyle>
@@ -3286,7 +3076,7 @@
             </a:lvl9pPr>
           </a:lstStyle>
           <a:p>
-            <a:pPr indent="0" lvl="0" marL="0" rtl="0" algn="r">
+            <a:pPr marL="0" lvl="0" indent="0" algn="r" rtl="0">
               <a:spcBef>
                 <a:spcPts val="0"/>
               </a:spcBef>
@@ -3296,10 +3086,9 @@
               <a:buNone/>
             </a:pPr>
             <a:fld id="{00000000-1234-1234-1234-123412341234}" type="slidenum">
-              <a:rPr lang="ru"/>
-              <a:t>‹#›</a:t>
+              <a:rPr lang="en-US"/>
             </a:fld>
-            <a:endParaRPr/>
+            <a:endParaRPr lang="en-US"/>
           </a:p>
         </p:txBody>
       </p:sp>
@@ -3312,7 +3101,7 @@
 </file>
 
 <file path=ppt/slideLayouts/slideLayout3.xml><?xml version="1.0" encoding="utf-8"?>
-<p:sldLayout xmlns:a="http://schemas.openxmlformats.org/drawingml/2006/main" xmlns:r="http://schemas.openxmlformats.org/officeDocument/2006/relationships" xmlns:mc="http://schemas.openxmlformats.org/markup-compatibility/2006" xmlns:mv="urn:schemas-microsoft-com:mac:vml" xmlns:p="http://schemas.openxmlformats.org/presentationml/2006/main" xmlns:c="http://schemas.openxmlformats.org/drawingml/2006/chart" xmlns:dgm="http://schemas.openxmlformats.org/drawingml/2006/diagram" xmlns:o="urn:schemas-microsoft-com:office:office" xmlns:v="urn:schemas-microsoft-com:vml" xmlns:pvml="urn:schemas-microsoft-com:office:powerpoint" xmlns:com="http://schemas.openxmlformats.org/drawingml/2006/compatibility" xmlns:p14="http://schemas.microsoft.com/office/powerpoint/2010/main" xmlns:p15="http://schemas.microsoft.com/office/powerpoint/2012/main" xmlns:ahyp="http://schemas.microsoft.com/office/drawing/2018/hyperlinkcolor" matchingName="Title and body" type="tx">
+<p:sldLayout xmlns:a="http://schemas.openxmlformats.org/drawingml/2006/main" xmlns:r="http://schemas.openxmlformats.org/officeDocument/2006/relationships" xmlns:p="http://schemas.openxmlformats.org/presentationml/2006/main" type="tx" matchingName="Title and body">
   <p:cSld name="TITLE_AND_BODY">
     <p:spTree>
       <p:nvGrpSpPr>
@@ -3346,7 +3135,7 @@
           </a:prstGeom>
         </p:spPr>
         <p:txBody>
-          <a:bodyPr anchorCtr="0" anchor="t" bIns="91425" lIns="91425" spcFirstLastPara="1" rIns="91425" wrap="square" tIns="91425">
+          <a:bodyPr spcFirstLastPara="1" wrap="square" lIns="91425" tIns="91425" rIns="91425" bIns="91425" anchor="t" anchorCtr="0">
             <a:normAutofit/>
           </a:bodyPr>
           <a:lstStyle>
@@ -3458,7 +3247,7 @@
           <p:cNvPr id="22" name="Google Shape;22;p4"/>
           <p:cNvSpPr txBox="1"/>
           <p:nvPr>
-            <p:ph idx="1" type="body"/>
+            <p:ph type="body" idx="1"/>
           </p:nvPr>
         </p:nvSpPr>
         <p:spPr>
@@ -3471,11 +3260,11 @@
           </a:prstGeom>
         </p:spPr>
         <p:txBody>
-          <a:bodyPr anchorCtr="0" anchor="t" bIns="91425" lIns="91425" spcFirstLastPara="1" rIns="91425" wrap="square" tIns="91425">
+          <a:bodyPr spcFirstLastPara="1" wrap="square" lIns="91425" tIns="91425" rIns="91425" bIns="91425" anchor="t" anchorCtr="0">
             <a:normAutofit/>
           </a:bodyPr>
           <a:lstStyle>
-            <a:lvl1pPr indent="-342900" lvl="0" marL="457200">
+            <a:lvl1pPr marL="457200" lvl="0" indent="-342900">
               <a:spcBef>
                 <a:spcPts val="0"/>
               </a:spcBef>
@@ -3486,7 +3275,7 @@
               <a:buChar char="●"/>
               <a:defRPr/>
             </a:lvl1pPr>
-            <a:lvl2pPr indent="-317500" lvl="1" marL="914400">
+            <a:lvl2pPr marL="914400" lvl="1" indent="-317500">
               <a:spcBef>
                 <a:spcPts val="0"/>
               </a:spcBef>
@@ -3497,7 +3286,7 @@
               <a:buChar char="○"/>
               <a:defRPr/>
             </a:lvl2pPr>
-            <a:lvl3pPr indent="-317500" lvl="2" marL="1371600">
+            <a:lvl3pPr marL="1371600" lvl="2" indent="-317500">
               <a:spcBef>
                 <a:spcPts val="0"/>
               </a:spcBef>
@@ -3508,7 +3297,7 @@
               <a:buChar char="■"/>
               <a:defRPr/>
             </a:lvl3pPr>
-            <a:lvl4pPr indent="-317500" lvl="3" marL="1828800">
+            <a:lvl4pPr marL="1828800" lvl="3" indent="-317500">
               <a:spcBef>
                 <a:spcPts val="0"/>
               </a:spcBef>
@@ -3519,7 +3308,7 @@
               <a:buChar char="●"/>
               <a:defRPr/>
             </a:lvl4pPr>
-            <a:lvl5pPr indent="-317500" lvl="4" marL="2286000">
+            <a:lvl5pPr marL="2286000" lvl="4" indent="-317500">
               <a:spcBef>
                 <a:spcPts val="0"/>
               </a:spcBef>
@@ -3530,7 +3319,7 @@
               <a:buChar char="○"/>
               <a:defRPr/>
             </a:lvl5pPr>
-            <a:lvl6pPr indent="-317500" lvl="5" marL="2743200">
+            <a:lvl6pPr marL="2743200" lvl="5" indent="-317500">
               <a:spcBef>
                 <a:spcPts val="0"/>
               </a:spcBef>
@@ -3541,7 +3330,7 @@
               <a:buChar char="■"/>
               <a:defRPr/>
             </a:lvl6pPr>
-            <a:lvl7pPr indent="-317500" lvl="6" marL="3200400">
+            <a:lvl7pPr marL="3200400" lvl="6" indent="-317500">
               <a:spcBef>
                 <a:spcPts val="0"/>
               </a:spcBef>
@@ -3552,7 +3341,7 @@
               <a:buChar char="●"/>
               <a:defRPr/>
             </a:lvl7pPr>
-            <a:lvl8pPr indent="-317500" lvl="7" marL="3657600">
+            <a:lvl8pPr marL="3657600" lvl="7" indent="-317500">
               <a:spcBef>
                 <a:spcPts val="0"/>
               </a:spcBef>
@@ -3563,7 +3352,7 @@
               <a:buChar char="○"/>
               <a:defRPr/>
             </a:lvl8pPr>
-            <a:lvl9pPr indent="-317500" lvl="8" marL="4114800">
+            <a:lvl9pPr marL="4114800" lvl="8" indent="-317500">
               <a:spcBef>
                 <a:spcPts val="0"/>
               </a:spcBef>
@@ -3583,7 +3372,7 @@
           <p:cNvPr id="23" name="Google Shape;23;p4"/>
           <p:cNvSpPr txBox="1"/>
           <p:nvPr>
-            <p:ph idx="12" type="sldNum"/>
+            <p:ph type="sldNum" idx="12"/>
           </p:nvPr>
         </p:nvSpPr>
         <p:spPr>
@@ -3596,7 +3385,7 @@
           </a:prstGeom>
         </p:spPr>
         <p:txBody>
-          <a:bodyPr anchorCtr="0" anchor="ctr" bIns="91425" lIns="91425" spcFirstLastPara="1" rIns="91425" wrap="square" tIns="91425">
+          <a:bodyPr spcFirstLastPara="1" wrap="square" lIns="91425" tIns="91425" rIns="91425" bIns="91425" anchor="ctr" anchorCtr="0">
             <a:normAutofit/>
           </a:bodyPr>
           <a:lstStyle>
@@ -3638,7 +3427,7 @@
             </a:lvl9pPr>
           </a:lstStyle>
           <a:p>
-            <a:pPr indent="0" lvl="0" marL="0" rtl="0" algn="r">
+            <a:pPr marL="0" lvl="0" indent="0" algn="r" rtl="0">
               <a:spcBef>
                 <a:spcPts val="0"/>
               </a:spcBef>
@@ -3648,10 +3437,9 @@
               <a:buNone/>
             </a:pPr>
             <a:fld id="{00000000-1234-1234-1234-123412341234}" type="slidenum">
-              <a:rPr lang="ru"/>
-              <a:t>‹#›</a:t>
+              <a:rPr lang="en-US"/>
             </a:fld>
-            <a:endParaRPr/>
+            <a:endParaRPr lang="en-US"/>
           </a:p>
         </p:txBody>
       </p:sp>
@@ -3664,7 +3452,7 @@
 </file>
 
 <file path=ppt/slideLayouts/slideLayout4.xml><?xml version="1.0" encoding="utf-8"?>
-<p:sldLayout xmlns:a="http://schemas.openxmlformats.org/drawingml/2006/main" xmlns:r="http://schemas.openxmlformats.org/officeDocument/2006/relationships" xmlns:mc="http://schemas.openxmlformats.org/markup-compatibility/2006" xmlns:mv="urn:schemas-microsoft-com:mac:vml" xmlns:p="http://schemas.openxmlformats.org/presentationml/2006/main" xmlns:c="http://schemas.openxmlformats.org/drawingml/2006/chart" xmlns:dgm="http://schemas.openxmlformats.org/drawingml/2006/diagram" xmlns:o="urn:schemas-microsoft-com:office:office" xmlns:v="urn:schemas-microsoft-com:vml" xmlns:pvml="urn:schemas-microsoft-com:office:powerpoint" xmlns:com="http://schemas.openxmlformats.org/drawingml/2006/compatibility" xmlns:p14="http://schemas.microsoft.com/office/powerpoint/2010/main" xmlns:p15="http://schemas.microsoft.com/office/powerpoint/2012/main" xmlns:ahyp="http://schemas.microsoft.com/office/drawing/2018/hyperlinkcolor" matchingName="Title and two columns" type="twoColTx">
+<p:sldLayout xmlns:a="http://schemas.openxmlformats.org/drawingml/2006/main" xmlns:r="http://schemas.openxmlformats.org/officeDocument/2006/relationships" xmlns:p="http://schemas.openxmlformats.org/presentationml/2006/main" type="twoColTx" matchingName="Title and two columns">
   <p:cSld name="TITLE_AND_TWO_COLUMNS">
     <p:spTree>
       <p:nvGrpSpPr>
@@ -3698,7 +3486,7 @@
           </a:prstGeom>
         </p:spPr>
         <p:txBody>
-          <a:bodyPr anchorCtr="0" anchor="t" bIns="91425" lIns="91425" spcFirstLastPara="1" rIns="91425" wrap="square" tIns="91425">
+          <a:bodyPr spcFirstLastPara="1" wrap="square" lIns="91425" tIns="91425" rIns="91425" bIns="91425" anchor="t" anchorCtr="0">
             <a:normAutofit/>
           </a:bodyPr>
           <a:lstStyle>
@@ -3810,7 +3598,7 @@
           <p:cNvPr id="26" name="Google Shape;26;p5"/>
           <p:cNvSpPr txBox="1"/>
           <p:nvPr>
-            <p:ph idx="1" type="body"/>
+            <p:ph type="body" idx="1"/>
           </p:nvPr>
         </p:nvSpPr>
         <p:spPr>
@@ -3823,11 +3611,11 @@
           </a:prstGeom>
         </p:spPr>
         <p:txBody>
-          <a:bodyPr anchorCtr="0" anchor="t" bIns="91425" lIns="91425" spcFirstLastPara="1" rIns="91425" wrap="square" tIns="91425">
+          <a:bodyPr spcFirstLastPara="1" wrap="square" lIns="91425" tIns="91425" rIns="91425" bIns="91425" anchor="t" anchorCtr="0">
             <a:normAutofit/>
           </a:bodyPr>
           <a:lstStyle>
-            <a:lvl1pPr indent="-317500" lvl="0" marL="457200">
+            <a:lvl1pPr marL="457200" lvl="0" indent="-317500">
               <a:spcBef>
                 <a:spcPts val="0"/>
               </a:spcBef>
@@ -3838,7 +3626,7 @@
               <a:buChar char="●"/>
               <a:defRPr sz="1400"/>
             </a:lvl1pPr>
-            <a:lvl2pPr indent="-304800" lvl="1" marL="914400">
+            <a:lvl2pPr marL="914400" lvl="1" indent="-304800">
               <a:spcBef>
                 <a:spcPts val="0"/>
               </a:spcBef>
@@ -3849,7 +3637,7 @@
               <a:buChar char="○"/>
               <a:defRPr sz="1200"/>
             </a:lvl2pPr>
-            <a:lvl3pPr indent="-304800" lvl="2" marL="1371600">
+            <a:lvl3pPr marL="1371600" lvl="2" indent="-304800">
               <a:spcBef>
                 <a:spcPts val="0"/>
               </a:spcBef>
@@ -3860,7 +3648,7 @@
               <a:buChar char="■"/>
               <a:defRPr sz="1200"/>
             </a:lvl3pPr>
-            <a:lvl4pPr indent="-304800" lvl="3" marL="1828800">
+            <a:lvl4pPr marL="1828800" lvl="3" indent="-304800">
               <a:spcBef>
                 <a:spcPts val="0"/>
               </a:spcBef>
@@ -3871,7 +3659,7 @@
               <a:buChar char="●"/>
               <a:defRPr sz="1200"/>
             </a:lvl4pPr>
-            <a:lvl5pPr indent="-304800" lvl="4" marL="2286000">
+            <a:lvl5pPr marL="2286000" lvl="4" indent="-304800">
               <a:spcBef>
                 <a:spcPts val="0"/>
               </a:spcBef>
@@ -3882,7 +3670,7 @@
               <a:buChar char="○"/>
               <a:defRPr sz="1200"/>
             </a:lvl5pPr>
-            <a:lvl6pPr indent="-304800" lvl="5" marL="2743200">
+            <a:lvl6pPr marL="2743200" lvl="5" indent="-304800">
               <a:spcBef>
                 <a:spcPts val="0"/>
               </a:spcBef>
@@ -3893,7 +3681,7 @@
               <a:buChar char="■"/>
               <a:defRPr sz="1200"/>
             </a:lvl6pPr>
-            <a:lvl7pPr indent="-304800" lvl="6" marL="3200400">
+            <a:lvl7pPr marL="3200400" lvl="6" indent="-304800">
               <a:spcBef>
                 <a:spcPts val="0"/>
               </a:spcBef>
@@ -3904,7 +3692,7 @@
               <a:buChar char="●"/>
               <a:defRPr sz="1200"/>
             </a:lvl7pPr>
-            <a:lvl8pPr indent="-304800" lvl="7" marL="3657600">
+            <a:lvl8pPr marL="3657600" lvl="7" indent="-304800">
               <a:spcBef>
                 <a:spcPts val="0"/>
               </a:spcBef>
@@ -3915,7 +3703,7 @@
               <a:buChar char="○"/>
               <a:defRPr sz="1200"/>
             </a:lvl8pPr>
-            <a:lvl9pPr indent="-304800" lvl="8" marL="4114800">
+            <a:lvl9pPr marL="4114800" lvl="8" indent="-304800">
               <a:spcBef>
                 <a:spcPts val="0"/>
               </a:spcBef>
@@ -3935,7 +3723,7 @@
           <p:cNvPr id="27" name="Google Shape;27;p5"/>
           <p:cNvSpPr txBox="1"/>
           <p:nvPr>
-            <p:ph idx="2" type="body"/>
+            <p:ph type="body" idx="2"/>
           </p:nvPr>
         </p:nvSpPr>
         <p:spPr>
@@ -3948,11 +3736,11 @@
           </a:prstGeom>
         </p:spPr>
         <p:txBody>
-          <a:bodyPr anchorCtr="0" anchor="t" bIns="91425" lIns="91425" spcFirstLastPara="1" rIns="91425" wrap="square" tIns="91425">
+          <a:bodyPr spcFirstLastPara="1" wrap="square" lIns="91425" tIns="91425" rIns="91425" bIns="91425" anchor="t" anchorCtr="0">
             <a:normAutofit/>
           </a:bodyPr>
           <a:lstStyle>
-            <a:lvl1pPr indent="-317500" lvl="0" marL="457200">
+            <a:lvl1pPr marL="457200" lvl="0" indent="-317500">
               <a:spcBef>
                 <a:spcPts val="0"/>
               </a:spcBef>
@@ -3963,7 +3751,7 @@
               <a:buChar char="●"/>
               <a:defRPr sz="1400"/>
             </a:lvl1pPr>
-            <a:lvl2pPr indent="-304800" lvl="1" marL="914400">
+            <a:lvl2pPr marL="914400" lvl="1" indent="-304800">
               <a:spcBef>
                 <a:spcPts val="0"/>
               </a:spcBef>
@@ -3974,7 +3762,7 @@
               <a:buChar char="○"/>
               <a:defRPr sz="1200"/>
             </a:lvl2pPr>
-            <a:lvl3pPr indent="-304800" lvl="2" marL="1371600">
+            <a:lvl3pPr marL="1371600" lvl="2" indent="-304800">
               <a:spcBef>
                 <a:spcPts val="0"/>
               </a:spcBef>
@@ -3985,7 +3773,7 @@
               <a:buChar char="■"/>
               <a:defRPr sz="1200"/>
             </a:lvl3pPr>
-            <a:lvl4pPr indent="-304800" lvl="3" marL="1828800">
+            <a:lvl4pPr marL="1828800" lvl="3" indent="-304800">
               <a:spcBef>
                 <a:spcPts val="0"/>
               </a:spcBef>
@@ -3996,7 +3784,7 @@
               <a:buChar char="●"/>
               <a:defRPr sz="1200"/>
             </a:lvl4pPr>
-            <a:lvl5pPr indent="-304800" lvl="4" marL="2286000">
+            <a:lvl5pPr marL="2286000" lvl="4" indent="-304800">
               <a:spcBef>
                 <a:spcPts val="0"/>
               </a:spcBef>
@@ -4007,7 +3795,7 @@
               <a:buChar char="○"/>
               <a:defRPr sz="1200"/>
             </a:lvl5pPr>
-            <a:lvl6pPr indent="-304800" lvl="5" marL="2743200">
+            <a:lvl6pPr marL="2743200" lvl="5" indent="-304800">
               <a:spcBef>
                 <a:spcPts val="0"/>
               </a:spcBef>
@@ -4018,7 +3806,7 @@
               <a:buChar char="■"/>
               <a:defRPr sz="1200"/>
             </a:lvl6pPr>
-            <a:lvl7pPr indent="-304800" lvl="6" marL="3200400">
+            <a:lvl7pPr marL="3200400" lvl="6" indent="-304800">
               <a:spcBef>
                 <a:spcPts val="0"/>
               </a:spcBef>
@@ -4029,7 +3817,7 @@
               <a:buChar char="●"/>
               <a:defRPr sz="1200"/>
             </a:lvl7pPr>
-            <a:lvl8pPr indent="-304800" lvl="7" marL="3657600">
+            <a:lvl8pPr marL="3657600" lvl="7" indent="-304800">
               <a:spcBef>
                 <a:spcPts val="0"/>
               </a:spcBef>
@@ -4040,7 +3828,7 @@
               <a:buChar char="○"/>
               <a:defRPr sz="1200"/>
             </a:lvl8pPr>
-            <a:lvl9pPr indent="-304800" lvl="8" marL="4114800">
+            <a:lvl9pPr marL="4114800" lvl="8" indent="-304800">
               <a:spcBef>
                 <a:spcPts val="0"/>
               </a:spcBef>
@@ -4060,7 +3848,7 @@
           <p:cNvPr id="28" name="Google Shape;28;p5"/>
           <p:cNvSpPr txBox="1"/>
           <p:nvPr>
-            <p:ph idx="12" type="sldNum"/>
+            <p:ph type="sldNum" idx="12"/>
           </p:nvPr>
         </p:nvSpPr>
         <p:spPr>
@@ -4073,7 +3861,7 @@
           </a:prstGeom>
         </p:spPr>
         <p:txBody>
-          <a:bodyPr anchorCtr="0" anchor="ctr" bIns="91425" lIns="91425" spcFirstLastPara="1" rIns="91425" wrap="square" tIns="91425">
+          <a:bodyPr spcFirstLastPara="1" wrap="square" lIns="91425" tIns="91425" rIns="91425" bIns="91425" anchor="ctr" anchorCtr="0">
             <a:normAutofit/>
           </a:bodyPr>
           <a:lstStyle>
@@ -4115,7 +3903,7 @@
             </a:lvl9pPr>
           </a:lstStyle>
           <a:p>
-            <a:pPr indent="0" lvl="0" marL="0" rtl="0" algn="r">
+            <a:pPr marL="0" lvl="0" indent="0" algn="r" rtl="0">
               <a:spcBef>
                 <a:spcPts val="0"/>
               </a:spcBef>
@@ -4125,10 +3913,9 @@
               <a:buNone/>
             </a:pPr>
             <a:fld id="{00000000-1234-1234-1234-123412341234}" type="slidenum">
-              <a:rPr lang="ru"/>
-              <a:t>‹#›</a:t>
+              <a:rPr lang="en-US"/>
             </a:fld>
-            <a:endParaRPr/>
+            <a:endParaRPr lang="en-US"/>
           </a:p>
         </p:txBody>
       </p:sp>
@@ -4141,7 +3928,7 @@
 </file>
 
 <file path=ppt/slideLayouts/slideLayout5.xml><?xml version="1.0" encoding="utf-8"?>
-<p:sldLayout xmlns:a="http://schemas.openxmlformats.org/drawingml/2006/main" xmlns:r="http://schemas.openxmlformats.org/officeDocument/2006/relationships" xmlns:mc="http://schemas.openxmlformats.org/markup-compatibility/2006" xmlns:mv="urn:schemas-microsoft-com:mac:vml" xmlns:p="http://schemas.openxmlformats.org/presentationml/2006/main" xmlns:c="http://schemas.openxmlformats.org/drawingml/2006/chart" xmlns:dgm="http://schemas.openxmlformats.org/drawingml/2006/diagram" xmlns:o="urn:schemas-microsoft-com:office:office" xmlns:v="urn:schemas-microsoft-com:vml" xmlns:pvml="urn:schemas-microsoft-com:office:powerpoint" xmlns:com="http://schemas.openxmlformats.org/drawingml/2006/compatibility" xmlns:p14="http://schemas.microsoft.com/office/powerpoint/2010/main" xmlns:p15="http://schemas.microsoft.com/office/powerpoint/2012/main" xmlns:ahyp="http://schemas.microsoft.com/office/drawing/2018/hyperlinkcolor" matchingName="Title only" type="titleOnly">
+<p:sldLayout xmlns:a="http://schemas.openxmlformats.org/drawingml/2006/main" xmlns:r="http://schemas.openxmlformats.org/officeDocument/2006/relationships" xmlns:p="http://schemas.openxmlformats.org/presentationml/2006/main" type="titleOnly" matchingName="Title only">
   <p:cSld name="TITLE_ONLY">
     <p:spTree>
       <p:nvGrpSpPr>
@@ -4175,7 +3962,7 @@
           </a:prstGeom>
         </p:spPr>
         <p:txBody>
-          <a:bodyPr anchorCtr="0" anchor="t" bIns="91425" lIns="91425" spcFirstLastPara="1" rIns="91425" wrap="square" tIns="91425">
+          <a:bodyPr spcFirstLastPara="1" wrap="square" lIns="91425" tIns="91425" rIns="91425" bIns="91425" anchor="t" anchorCtr="0">
             <a:normAutofit/>
           </a:bodyPr>
           <a:lstStyle>
@@ -4287,7 +4074,7 @@
           <p:cNvPr id="31" name="Google Shape;31;p6"/>
           <p:cNvSpPr txBox="1"/>
           <p:nvPr>
-            <p:ph idx="12" type="sldNum"/>
+            <p:ph type="sldNum" idx="12"/>
           </p:nvPr>
         </p:nvSpPr>
         <p:spPr>
@@ -4300,7 +4087,7 @@
           </a:prstGeom>
         </p:spPr>
         <p:txBody>
-          <a:bodyPr anchorCtr="0" anchor="ctr" bIns="91425" lIns="91425" spcFirstLastPara="1" rIns="91425" wrap="square" tIns="91425">
+          <a:bodyPr spcFirstLastPara="1" wrap="square" lIns="91425" tIns="91425" rIns="91425" bIns="91425" anchor="ctr" anchorCtr="0">
             <a:normAutofit/>
           </a:bodyPr>
           <a:lstStyle>
@@ -4342,7 +4129,7 @@
             </a:lvl9pPr>
           </a:lstStyle>
           <a:p>
-            <a:pPr indent="0" lvl="0" marL="0" rtl="0" algn="r">
+            <a:pPr marL="0" lvl="0" indent="0" algn="r" rtl="0">
               <a:spcBef>
                 <a:spcPts val="0"/>
               </a:spcBef>
@@ -4352,10 +4139,9 @@
               <a:buNone/>
             </a:pPr>
             <a:fld id="{00000000-1234-1234-1234-123412341234}" type="slidenum">
-              <a:rPr lang="ru"/>
-              <a:t>‹#›</a:t>
+              <a:rPr lang="en-US"/>
             </a:fld>
-            <a:endParaRPr/>
+            <a:endParaRPr lang="en-US"/>
           </a:p>
         </p:txBody>
       </p:sp>
@@ -4368,7 +4154,7 @@
 </file>
 
 <file path=ppt/slideLayouts/slideLayout6.xml><?xml version="1.0" encoding="utf-8"?>
-<p:sldLayout xmlns:a="http://schemas.openxmlformats.org/drawingml/2006/main" xmlns:r="http://schemas.openxmlformats.org/officeDocument/2006/relationships" xmlns:mc="http://schemas.openxmlformats.org/markup-compatibility/2006" xmlns:mv="urn:schemas-microsoft-com:mac:vml" xmlns:p="http://schemas.openxmlformats.org/presentationml/2006/main" xmlns:c="http://schemas.openxmlformats.org/drawingml/2006/chart" xmlns:dgm="http://schemas.openxmlformats.org/drawingml/2006/diagram" xmlns:o="urn:schemas-microsoft-com:office:office" xmlns:v="urn:schemas-microsoft-com:vml" xmlns:pvml="urn:schemas-microsoft-com:office:powerpoint" xmlns:com="http://schemas.openxmlformats.org/drawingml/2006/compatibility" xmlns:p14="http://schemas.microsoft.com/office/powerpoint/2010/main" xmlns:p15="http://schemas.microsoft.com/office/powerpoint/2012/main" xmlns:ahyp="http://schemas.microsoft.com/office/drawing/2018/hyperlinkcolor" matchingName="One column text">
+<p:sldLayout xmlns:a="http://schemas.openxmlformats.org/drawingml/2006/main" xmlns:r="http://schemas.openxmlformats.org/officeDocument/2006/relationships" xmlns:p="http://schemas.openxmlformats.org/presentationml/2006/main" matchingName="One column text">
   <p:cSld name="ONE_COLUMN_TEXT">
     <p:spTree>
       <p:nvGrpSpPr>
@@ -4402,7 +4188,7 @@
           </a:prstGeom>
         </p:spPr>
         <p:txBody>
-          <a:bodyPr anchorCtr="0" anchor="b" bIns="91425" lIns="91425" spcFirstLastPara="1" rIns="91425" wrap="square" tIns="91425">
+          <a:bodyPr spcFirstLastPara="1" wrap="square" lIns="91425" tIns="91425" rIns="91425" bIns="91425" anchor="b" anchorCtr="0">
             <a:normAutofit/>
           </a:bodyPr>
           <a:lstStyle>
@@ -4514,7 +4300,7 @@
           <p:cNvPr id="34" name="Google Shape;34;p7"/>
           <p:cNvSpPr txBox="1"/>
           <p:nvPr>
-            <p:ph idx="1" type="body"/>
+            <p:ph type="body" idx="1"/>
           </p:nvPr>
         </p:nvSpPr>
         <p:spPr>
@@ -4527,11 +4313,11 @@
           </a:prstGeom>
         </p:spPr>
         <p:txBody>
-          <a:bodyPr anchorCtr="0" anchor="t" bIns="91425" lIns="91425" spcFirstLastPara="1" rIns="91425" wrap="square" tIns="91425">
+          <a:bodyPr spcFirstLastPara="1" wrap="square" lIns="91425" tIns="91425" rIns="91425" bIns="91425" anchor="t" anchorCtr="0">
             <a:normAutofit/>
           </a:bodyPr>
           <a:lstStyle>
-            <a:lvl1pPr indent="-304800" lvl="0" marL="457200">
+            <a:lvl1pPr marL="457200" lvl="0" indent="-304800">
               <a:spcBef>
                 <a:spcPts val="0"/>
               </a:spcBef>
@@ -4542,7 +4328,7 @@
               <a:buChar char="●"/>
               <a:defRPr sz="1200"/>
             </a:lvl1pPr>
-            <a:lvl2pPr indent="-304800" lvl="1" marL="914400">
+            <a:lvl2pPr marL="914400" lvl="1" indent="-304800">
               <a:spcBef>
                 <a:spcPts val="0"/>
               </a:spcBef>
@@ -4553,7 +4339,7 @@
               <a:buChar char="○"/>
               <a:defRPr sz="1200"/>
             </a:lvl2pPr>
-            <a:lvl3pPr indent="-304800" lvl="2" marL="1371600">
+            <a:lvl3pPr marL="1371600" lvl="2" indent="-304800">
               <a:spcBef>
                 <a:spcPts val="0"/>
               </a:spcBef>
@@ -4564,7 +4350,7 @@
               <a:buChar char="■"/>
               <a:defRPr sz="1200"/>
             </a:lvl3pPr>
-            <a:lvl4pPr indent="-304800" lvl="3" marL="1828800">
+            <a:lvl4pPr marL="1828800" lvl="3" indent="-304800">
               <a:spcBef>
                 <a:spcPts val="0"/>
               </a:spcBef>
@@ -4575,7 +4361,7 @@
               <a:buChar char="●"/>
               <a:defRPr sz="1200"/>
             </a:lvl4pPr>
-            <a:lvl5pPr indent="-304800" lvl="4" marL="2286000">
+            <a:lvl5pPr marL="2286000" lvl="4" indent="-304800">
               <a:spcBef>
                 <a:spcPts val="0"/>
               </a:spcBef>
@@ -4586,7 +4372,7 @@
               <a:buChar char="○"/>
               <a:defRPr sz="1200"/>
             </a:lvl5pPr>
-            <a:lvl6pPr indent="-304800" lvl="5" marL="2743200">
+            <a:lvl6pPr marL="2743200" lvl="5" indent="-304800">
               <a:spcBef>
                 <a:spcPts val="0"/>
               </a:spcBef>
@@ -4597,7 +4383,7 @@
               <a:buChar char="■"/>
               <a:defRPr sz="1200"/>
             </a:lvl6pPr>
-            <a:lvl7pPr indent="-304800" lvl="6" marL="3200400">
+            <a:lvl7pPr marL="3200400" lvl="6" indent="-304800">
               <a:spcBef>
                 <a:spcPts val="0"/>
               </a:spcBef>
@@ -4608,7 +4394,7 @@
               <a:buChar char="●"/>
               <a:defRPr sz="1200"/>
             </a:lvl7pPr>
-            <a:lvl8pPr indent="-304800" lvl="7" marL="3657600">
+            <a:lvl8pPr marL="3657600" lvl="7" indent="-304800">
               <a:spcBef>
                 <a:spcPts val="0"/>
               </a:spcBef>
@@ -4619,7 +4405,7 @@
               <a:buChar char="○"/>
               <a:defRPr sz="1200"/>
             </a:lvl8pPr>
-            <a:lvl9pPr indent="-304800" lvl="8" marL="4114800">
+            <a:lvl9pPr marL="4114800" lvl="8" indent="-304800">
               <a:spcBef>
                 <a:spcPts val="0"/>
               </a:spcBef>
@@ -4639,7 +4425,7 @@
           <p:cNvPr id="35" name="Google Shape;35;p7"/>
           <p:cNvSpPr txBox="1"/>
           <p:nvPr>
-            <p:ph idx="12" type="sldNum"/>
+            <p:ph type="sldNum" idx="12"/>
           </p:nvPr>
         </p:nvSpPr>
         <p:spPr>
@@ -4652,7 +4438,7 @@
           </a:prstGeom>
         </p:spPr>
         <p:txBody>
-          <a:bodyPr anchorCtr="0" anchor="ctr" bIns="91425" lIns="91425" spcFirstLastPara="1" rIns="91425" wrap="square" tIns="91425">
+          <a:bodyPr spcFirstLastPara="1" wrap="square" lIns="91425" tIns="91425" rIns="91425" bIns="91425" anchor="ctr" anchorCtr="0">
             <a:normAutofit/>
           </a:bodyPr>
           <a:lstStyle>
@@ -4694,7 +4480,7 @@
             </a:lvl9pPr>
           </a:lstStyle>
           <a:p>
-            <a:pPr indent="0" lvl="0" marL="0" rtl="0" algn="r">
+            <a:pPr marL="0" lvl="0" indent="0" algn="r" rtl="0">
               <a:spcBef>
                 <a:spcPts val="0"/>
               </a:spcBef>
@@ -4704,10 +4490,9 @@
               <a:buNone/>
             </a:pPr>
             <a:fld id="{00000000-1234-1234-1234-123412341234}" type="slidenum">
-              <a:rPr lang="ru"/>
-              <a:t>‹#›</a:t>
+              <a:rPr lang="en-US"/>
             </a:fld>
-            <a:endParaRPr/>
+            <a:endParaRPr lang="en-US"/>
           </a:p>
         </p:txBody>
       </p:sp>
@@ -4720,13 +4505,14 @@
 </file>
 
 <file path=ppt/slideLayouts/slideLayout7.xml><?xml version="1.0" encoding="utf-8"?>
-<p:sldLayout xmlns:a="http://schemas.openxmlformats.org/drawingml/2006/main" xmlns:r="http://schemas.openxmlformats.org/officeDocument/2006/relationships" xmlns:mc="http://schemas.openxmlformats.org/markup-compatibility/2006" xmlns:mv="urn:schemas-microsoft-com:mac:vml" xmlns:p="http://schemas.openxmlformats.org/presentationml/2006/main" xmlns:c="http://schemas.openxmlformats.org/drawingml/2006/chart" xmlns:dgm="http://schemas.openxmlformats.org/drawingml/2006/diagram" xmlns:o="urn:schemas-microsoft-com:office:office" xmlns:v="urn:schemas-microsoft-com:vml" xmlns:pvml="urn:schemas-microsoft-com:office:powerpoint" xmlns:com="http://schemas.openxmlformats.org/drawingml/2006/compatibility" xmlns:p14="http://schemas.microsoft.com/office/powerpoint/2010/main" xmlns:p15="http://schemas.microsoft.com/office/powerpoint/2012/main" xmlns:ahyp="http://schemas.microsoft.com/office/drawing/2018/hyperlinkcolor" matchingName="Main point">
+<p:sldLayout xmlns:a="http://schemas.openxmlformats.org/drawingml/2006/main" xmlns:r="http://schemas.openxmlformats.org/officeDocument/2006/relationships" xmlns:p="http://schemas.openxmlformats.org/presentationml/2006/main" matchingName="Main point">
   <p:cSld name="MAIN_POINT">
     <p:bg>
       <p:bgPr>
         <a:solidFill>
           <a:schemeClr val="lt2"/>
         </a:solidFill>
+        <a:effectLst/>
       </p:bgPr>
     </p:bg>
     <p:spTree>
@@ -4761,7 +4547,7 @@
           </a:prstGeom>
         </p:spPr>
         <p:txBody>
-          <a:bodyPr anchorCtr="0" anchor="ctr" bIns="91425" lIns="91425" spcFirstLastPara="1" rIns="91425" wrap="square" tIns="91425">
+          <a:bodyPr spcFirstLastPara="1" wrap="square" lIns="91425" tIns="91425" rIns="91425" bIns="91425" anchor="ctr" anchorCtr="0">
             <a:normAutofit/>
           </a:bodyPr>
           <a:lstStyle>
@@ -4936,7 +4722,7 @@
           <p:cNvPr id="38" name="Google Shape;38;p8"/>
           <p:cNvSpPr txBox="1"/>
           <p:nvPr>
-            <p:ph idx="12" type="sldNum"/>
+            <p:ph type="sldNum" idx="12"/>
           </p:nvPr>
         </p:nvSpPr>
         <p:spPr>
@@ -4949,7 +4735,7 @@
           </a:prstGeom>
         </p:spPr>
         <p:txBody>
-          <a:bodyPr anchorCtr="0" anchor="ctr" bIns="91425" lIns="91425" spcFirstLastPara="1" rIns="91425" wrap="square" tIns="91425">
+          <a:bodyPr spcFirstLastPara="1" wrap="square" lIns="91425" tIns="91425" rIns="91425" bIns="91425" anchor="ctr" anchorCtr="0">
             <a:normAutofit/>
           </a:bodyPr>
           <a:lstStyle>
@@ -5027,7 +4813,7 @@
             </a:lvl9pPr>
           </a:lstStyle>
           <a:p>
-            <a:pPr indent="0" lvl="0" marL="0" rtl="0" algn="r">
+            <a:pPr marL="0" lvl="0" indent="0" algn="r" rtl="0">
               <a:spcBef>
                 <a:spcPts val="0"/>
               </a:spcBef>
@@ -5037,10 +4823,9 @@
               <a:buNone/>
             </a:pPr>
             <a:fld id="{00000000-1234-1234-1234-123412341234}" type="slidenum">
-              <a:rPr lang="ru"/>
-              <a:t>‹#›</a:t>
+              <a:rPr lang="en-US"/>
             </a:fld>
-            <a:endParaRPr/>
+            <a:endParaRPr lang="en-US"/>
           </a:p>
         </p:txBody>
       </p:sp>
@@ -5053,7 +4838,7 @@
 </file>
 
 <file path=ppt/slideLayouts/slideLayout8.xml><?xml version="1.0" encoding="utf-8"?>
-<p:sldLayout xmlns:a="http://schemas.openxmlformats.org/drawingml/2006/main" xmlns:r="http://schemas.openxmlformats.org/officeDocument/2006/relationships" xmlns:mc="http://schemas.openxmlformats.org/markup-compatibility/2006" xmlns:mv="urn:schemas-microsoft-com:mac:vml" xmlns:p="http://schemas.openxmlformats.org/presentationml/2006/main" xmlns:c="http://schemas.openxmlformats.org/drawingml/2006/chart" xmlns:dgm="http://schemas.openxmlformats.org/drawingml/2006/diagram" xmlns:o="urn:schemas-microsoft-com:office:office" xmlns:v="urn:schemas-microsoft-com:vml" xmlns:pvml="urn:schemas-microsoft-com:office:powerpoint" xmlns:com="http://schemas.openxmlformats.org/drawingml/2006/compatibility" xmlns:p14="http://schemas.microsoft.com/office/powerpoint/2010/main" xmlns:p15="http://schemas.microsoft.com/office/powerpoint/2012/main" xmlns:ahyp="http://schemas.microsoft.com/office/drawing/2018/hyperlinkcolor" matchingName="Section title and description">
+<p:sldLayout xmlns:a="http://schemas.openxmlformats.org/drawingml/2006/main" xmlns:r="http://schemas.openxmlformats.org/officeDocument/2006/relationships" xmlns:p="http://schemas.openxmlformats.org/presentationml/2006/main" matchingName="Section title and description">
   <p:cSld name="SECTION_TITLE_AND_DESCRIPTION">
     <p:spTree>
       <p:nvGrpSpPr>
@@ -5091,12 +4876,12 @@
           </a:ln>
         </p:spPr>
         <p:txBody>
-          <a:bodyPr anchorCtr="0" anchor="ctr" bIns="91425" lIns="91425" spcFirstLastPara="1" rIns="91425" wrap="square" tIns="91425">
+          <a:bodyPr spcFirstLastPara="1" wrap="square" lIns="91425" tIns="91425" rIns="91425" bIns="91425" anchor="ctr" anchorCtr="0">
             <a:noAutofit/>
           </a:bodyPr>
           <a:lstStyle/>
           <a:p>
-            <a:pPr indent="0" lvl="0" marL="0" rtl="0" algn="l">
+            <a:pPr marL="0" lvl="0" indent="0" algn="l" rtl="0">
               <a:spcBef>
                 <a:spcPts val="0"/>
               </a:spcBef>
@@ -5105,10 +4890,6 @@
               </a:spcAft>
               <a:buNone/>
             </a:pPr>
-            <a:r>
-              <a:t/>
-            </a:r>
-            <a:endParaRPr/>
           </a:p>
         </p:txBody>
       </p:sp>
@@ -5127,14 +4908,14 @@
             <a:avLst/>
           </a:prstGeom>
           <a:noFill/>
-          <a:ln cap="flat" cmpd="sng" w="19050">
+          <a:ln w="19050" cap="flat" cmpd="sng">
             <a:solidFill>
               <a:schemeClr val="lt1"/>
             </a:solidFill>
             <a:prstDash val="solid"/>
             <a:round/>
-            <a:headEnd len="sm" w="sm" type="none"/>
-            <a:tailEnd len="sm" w="sm" type="none"/>
+            <a:headEnd type="none" w="sm" len="sm"/>
+            <a:tailEnd type="none" w="sm" len="sm"/>
           </a:ln>
         </p:spPr>
       </p:cxnSp>
@@ -5156,7 +4937,7 @@
           </a:prstGeom>
         </p:spPr>
         <p:txBody>
-          <a:bodyPr anchorCtr="0" anchor="b" bIns="91425" lIns="91425" spcFirstLastPara="1" rIns="91425" wrap="square" tIns="91425">
+          <a:bodyPr spcFirstLastPara="1" wrap="square" lIns="91425" tIns="91425" rIns="91425" bIns="91425" anchor="b" anchorCtr="0">
             <a:normAutofit/>
           </a:bodyPr>
           <a:lstStyle>
@@ -5268,7 +5049,7 @@
           <p:cNvPr id="43" name="Google Shape;43;p9"/>
           <p:cNvSpPr txBox="1"/>
           <p:nvPr>
-            <p:ph idx="1" type="subTitle"/>
+            <p:ph type="subTitle" idx="1"/>
           </p:nvPr>
         </p:nvSpPr>
         <p:spPr>
@@ -5281,7 +5062,7 @@
           </a:prstGeom>
         </p:spPr>
         <p:txBody>
-          <a:bodyPr anchorCtr="0" anchor="t" bIns="91425" lIns="91425" spcFirstLastPara="1" rIns="91425" wrap="square" tIns="91425">
+          <a:bodyPr spcFirstLastPara="1" wrap="square" lIns="91425" tIns="91425" rIns="91425" bIns="91425" anchor="t" anchorCtr="0">
             <a:normAutofit/>
           </a:bodyPr>
           <a:lstStyle>
@@ -5483,7 +5264,7 @@
           <p:cNvPr id="44" name="Google Shape;44;p9"/>
           <p:cNvSpPr txBox="1"/>
           <p:nvPr>
-            <p:ph idx="2" type="body"/>
+            <p:ph type="body" idx="2"/>
           </p:nvPr>
         </p:nvSpPr>
         <p:spPr>
@@ -5496,11 +5277,11 @@
           </a:prstGeom>
         </p:spPr>
         <p:txBody>
-          <a:bodyPr anchorCtr="0" anchor="ctr" bIns="91425" lIns="91425" spcFirstLastPara="1" rIns="91425" wrap="square" tIns="91425">
+          <a:bodyPr spcFirstLastPara="1" wrap="square" lIns="91425" tIns="91425" rIns="91425" bIns="91425" anchor="ctr" anchorCtr="0">
             <a:normAutofit/>
           </a:bodyPr>
           <a:lstStyle>
-            <a:lvl1pPr indent="-342900" lvl="0" marL="457200">
+            <a:lvl1pPr marL="457200" lvl="0" indent="-342900">
               <a:spcBef>
                 <a:spcPts val="0"/>
               </a:spcBef>
@@ -5518,7 +5299,7 @@
                 </a:solidFill>
               </a:defRPr>
             </a:lvl1pPr>
-            <a:lvl2pPr indent="-317500" lvl="1" marL="914400">
+            <a:lvl2pPr marL="914400" lvl="1" indent="-317500">
               <a:spcBef>
                 <a:spcPts val="0"/>
               </a:spcBef>
@@ -5536,7 +5317,7 @@
                 </a:solidFill>
               </a:defRPr>
             </a:lvl2pPr>
-            <a:lvl3pPr indent="-317500" lvl="2" marL="1371600">
+            <a:lvl3pPr marL="1371600" lvl="2" indent="-317500">
               <a:spcBef>
                 <a:spcPts val="0"/>
               </a:spcBef>
@@ -5554,7 +5335,7 @@
                 </a:solidFill>
               </a:defRPr>
             </a:lvl3pPr>
-            <a:lvl4pPr indent="-317500" lvl="3" marL="1828800">
+            <a:lvl4pPr marL="1828800" lvl="3" indent="-317500">
               <a:spcBef>
                 <a:spcPts val="0"/>
               </a:spcBef>
@@ -5572,7 +5353,7 @@
                 </a:solidFill>
               </a:defRPr>
             </a:lvl4pPr>
-            <a:lvl5pPr indent="-317500" lvl="4" marL="2286000">
+            <a:lvl5pPr marL="2286000" lvl="4" indent="-317500">
               <a:spcBef>
                 <a:spcPts val="0"/>
               </a:spcBef>
@@ -5590,7 +5371,7 @@
                 </a:solidFill>
               </a:defRPr>
             </a:lvl5pPr>
-            <a:lvl6pPr indent="-317500" lvl="5" marL="2743200">
+            <a:lvl6pPr marL="2743200" lvl="5" indent="-317500">
               <a:spcBef>
                 <a:spcPts val="0"/>
               </a:spcBef>
@@ -5608,7 +5389,7 @@
                 </a:solidFill>
               </a:defRPr>
             </a:lvl6pPr>
-            <a:lvl7pPr indent="-317500" lvl="6" marL="3200400">
+            <a:lvl7pPr marL="3200400" lvl="6" indent="-317500">
               <a:spcBef>
                 <a:spcPts val="0"/>
               </a:spcBef>
@@ -5626,7 +5407,7 @@
                 </a:solidFill>
               </a:defRPr>
             </a:lvl7pPr>
-            <a:lvl8pPr indent="-317500" lvl="7" marL="3657600">
+            <a:lvl8pPr marL="3657600" lvl="7" indent="-317500">
               <a:spcBef>
                 <a:spcPts val="0"/>
               </a:spcBef>
@@ -5644,7 +5425,7 @@
                 </a:solidFill>
               </a:defRPr>
             </a:lvl8pPr>
-            <a:lvl9pPr indent="-317500" lvl="8" marL="4114800">
+            <a:lvl9pPr marL="4114800" lvl="8" indent="-317500">
               <a:spcBef>
                 <a:spcPts val="0"/>
               </a:spcBef>
@@ -5671,7 +5452,7 @@
           <p:cNvPr id="45" name="Google Shape;45;p9"/>
           <p:cNvSpPr txBox="1"/>
           <p:nvPr>
-            <p:ph idx="12" type="sldNum"/>
+            <p:ph type="sldNum" idx="12"/>
           </p:nvPr>
         </p:nvSpPr>
         <p:spPr>
@@ -5684,7 +5465,7 @@
           </a:prstGeom>
         </p:spPr>
         <p:txBody>
-          <a:bodyPr anchorCtr="0" anchor="ctr" bIns="91425" lIns="91425" spcFirstLastPara="1" rIns="91425" wrap="square" tIns="91425">
+          <a:bodyPr spcFirstLastPara="1" wrap="square" lIns="91425" tIns="91425" rIns="91425" bIns="91425" anchor="ctr" anchorCtr="0">
             <a:normAutofit/>
           </a:bodyPr>
           <a:lstStyle>
@@ -5762,7 +5543,7 @@
             </a:lvl9pPr>
           </a:lstStyle>
           <a:p>
-            <a:pPr indent="0" lvl="0" marL="0" rtl="0" algn="r">
+            <a:pPr marL="0" lvl="0" indent="0" algn="r" rtl="0">
               <a:spcBef>
                 <a:spcPts val="0"/>
               </a:spcBef>
@@ -5772,10 +5553,9 @@
               <a:buNone/>
             </a:pPr>
             <a:fld id="{00000000-1234-1234-1234-123412341234}" type="slidenum">
-              <a:rPr lang="ru"/>
-              <a:t>‹#›</a:t>
+              <a:rPr lang="en-US"/>
             </a:fld>
-            <a:endParaRPr/>
+            <a:endParaRPr lang="en-US"/>
           </a:p>
         </p:txBody>
       </p:sp>
@@ -5788,7 +5568,7 @@
 </file>
 
 <file path=ppt/slideLayouts/slideLayout9.xml><?xml version="1.0" encoding="utf-8"?>
-<p:sldLayout xmlns:a="http://schemas.openxmlformats.org/drawingml/2006/main" xmlns:r="http://schemas.openxmlformats.org/officeDocument/2006/relationships" xmlns:mc="http://schemas.openxmlformats.org/markup-compatibility/2006" xmlns:mv="urn:schemas-microsoft-com:mac:vml" xmlns:p="http://schemas.openxmlformats.org/presentationml/2006/main" xmlns:c="http://schemas.openxmlformats.org/drawingml/2006/chart" xmlns:dgm="http://schemas.openxmlformats.org/drawingml/2006/diagram" xmlns:o="urn:schemas-microsoft-com:office:office" xmlns:v="urn:schemas-microsoft-com:vml" xmlns:pvml="urn:schemas-microsoft-com:office:powerpoint" xmlns:com="http://schemas.openxmlformats.org/drawingml/2006/compatibility" xmlns:p14="http://schemas.microsoft.com/office/powerpoint/2010/main" xmlns:p15="http://schemas.microsoft.com/office/powerpoint/2012/main" xmlns:ahyp="http://schemas.microsoft.com/office/drawing/2018/hyperlinkcolor" matchingName="Caption">
+<p:sldLayout xmlns:a="http://schemas.openxmlformats.org/drawingml/2006/main" xmlns:r="http://schemas.openxmlformats.org/officeDocument/2006/relationships" xmlns:p="http://schemas.openxmlformats.org/presentationml/2006/main" matchingName="Caption">
   <p:cSld name="CAPTION_ONLY">
     <p:spTree>
       <p:nvGrpSpPr>
@@ -5809,7 +5589,7 @@
           <p:cNvPr id="47" name="Google Shape;47;p10"/>
           <p:cNvSpPr txBox="1"/>
           <p:nvPr>
-            <p:ph idx="1" type="body"/>
+            <p:ph type="body" idx="1"/>
           </p:nvPr>
         </p:nvSpPr>
         <p:spPr>
@@ -5822,11 +5602,11 @@
           </a:prstGeom>
         </p:spPr>
         <p:txBody>
-          <a:bodyPr anchorCtr="0" anchor="ctr" bIns="91425" lIns="91425" spcFirstLastPara="1" rIns="91425" wrap="square" tIns="91425">
+          <a:bodyPr spcFirstLastPara="1" wrap="square" lIns="91425" tIns="91425" rIns="91425" bIns="91425" anchor="ctr" anchorCtr="0">
             <a:normAutofit/>
           </a:bodyPr>
           <a:lstStyle>
-            <a:lvl1pPr indent="-228600" lvl="0" marL="457200">
+            <a:lvl1pPr marL="457200" lvl="0" indent="-228600">
               <a:lnSpc>
                 <a:spcPct val="100000"/>
               </a:lnSpc>
@@ -5861,7 +5641,7 @@
           <p:cNvPr id="48" name="Google Shape;48;p10"/>
           <p:cNvSpPr txBox="1"/>
           <p:nvPr>
-            <p:ph idx="12" type="sldNum"/>
+            <p:ph type="sldNum" idx="12"/>
           </p:nvPr>
         </p:nvSpPr>
         <p:spPr>
@@ -5874,7 +5654,7 @@
           </a:prstGeom>
         </p:spPr>
         <p:txBody>
-          <a:bodyPr anchorCtr="0" anchor="ctr" bIns="91425" lIns="91425" spcFirstLastPara="1" rIns="91425" wrap="square" tIns="91425">
+          <a:bodyPr spcFirstLastPara="1" wrap="square" lIns="91425" tIns="91425" rIns="91425" bIns="91425" anchor="ctr" anchorCtr="0">
             <a:normAutofit/>
           </a:bodyPr>
           <a:lstStyle>
@@ -5916,7 +5696,7 @@
             </a:lvl9pPr>
           </a:lstStyle>
           <a:p>
-            <a:pPr indent="0" lvl="0" marL="0" rtl="0" algn="r">
+            <a:pPr marL="0" lvl="0" indent="0" algn="r" rtl="0">
               <a:spcBef>
                 <a:spcPts val="0"/>
               </a:spcBef>
@@ -5926,10 +5706,9 @@
               <a:buNone/>
             </a:pPr>
             <a:fld id="{00000000-1234-1234-1234-123412341234}" type="slidenum">
-              <a:rPr lang="ru"/>
-              <a:t>‹#›</a:t>
+              <a:rPr lang="en-US"/>
             </a:fld>
-            <a:endParaRPr/>
+            <a:endParaRPr lang="en-US"/>
           </a:p>
         </p:txBody>
       </p:sp>
@@ -5942,13 +5721,14 @@
 </file>
 
 <file path=ppt/slideMasters/slideMaster1.xml><?xml version="1.0" encoding="utf-8"?>
-<p:sldMaster xmlns:a="http://schemas.openxmlformats.org/drawingml/2006/main" xmlns:r="http://schemas.openxmlformats.org/officeDocument/2006/relationships" xmlns:mc="http://schemas.openxmlformats.org/markup-compatibility/2006" xmlns:mv="urn:schemas-microsoft-com:mac:vml" xmlns:p="http://schemas.openxmlformats.org/presentationml/2006/main" xmlns:c="http://schemas.openxmlformats.org/drawingml/2006/chart" xmlns:dgm="http://schemas.openxmlformats.org/drawingml/2006/diagram" xmlns:o="urn:schemas-microsoft-com:office:office" xmlns:v="urn:schemas-microsoft-com:vml" xmlns:pvml="urn:schemas-microsoft-com:office:powerpoint" xmlns:com="http://schemas.openxmlformats.org/drawingml/2006/compatibility" xmlns:p14="http://schemas.microsoft.com/office/powerpoint/2010/main" xmlns:p15="http://schemas.microsoft.com/office/powerpoint/2012/main" xmlns:ahyp="http://schemas.microsoft.com/office/drawing/2018/hyperlinkcolor">
-  <p:cSld name="slate">
+<p:sldMaster xmlns:a="http://schemas.openxmlformats.org/drawingml/2006/main" xmlns:r="http://schemas.openxmlformats.org/officeDocument/2006/relationships" xmlns:p="http://schemas.openxmlformats.org/presentationml/2006/main">
+  <p:cSld>
     <p:bg>
       <p:bgPr>
         <a:solidFill>
           <a:schemeClr val="lt1"/>
         </a:solidFill>
+        <a:effectLst/>
       </p:bgPr>
     </p:bg>
     <p:spTree>
@@ -5987,7 +5767,7 @@
           </a:ln>
         </p:spPr>
         <p:txBody>
-          <a:bodyPr anchorCtr="0" anchor="t" bIns="91425" lIns="91425" spcFirstLastPara="1" rIns="91425" wrap="square" tIns="91425">
+          <a:bodyPr spcFirstLastPara="1" wrap="square" lIns="91425" tIns="91425" rIns="91425" bIns="91425" anchor="t" anchorCtr="0">
             <a:normAutofit/>
           </a:bodyPr>
           <a:lstStyle>
@@ -6207,7 +5987,7 @@
           <p:cNvPr id="7" name="Google Shape;7;p1"/>
           <p:cNvSpPr txBox="1"/>
           <p:nvPr>
-            <p:ph idx="1" type="body"/>
+            <p:ph type="body" idx="1"/>
           </p:nvPr>
         </p:nvSpPr>
         <p:spPr>
@@ -6224,11 +6004,11 @@
           </a:ln>
         </p:spPr>
         <p:txBody>
-          <a:bodyPr anchorCtr="0" anchor="t" bIns="91425" lIns="91425" spcFirstLastPara="1" rIns="91425" wrap="square" tIns="91425">
+          <a:bodyPr spcFirstLastPara="1" wrap="square" lIns="91425" tIns="91425" rIns="91425" bIns="91425" anchor="t" anchorCtr="0">
             <a:normAutofit/>
           </a:bodyPr>
           <a:lstStyle>
-            <a:lvl1pPr indent="-342900" lvl="0" marL="457200">
+            <a:lvl1pPr marL="457200" lvl="0" indent="-342900">
               <a:lnSpc>
                 <a:spcPct val="115000"/>
               </a:lnSpc>
@@ -6254,7 +6034,7 @@
                 <a:sym typeface="Average"/>
               </a:defRPr>
             </a:lvl1pPr>
-            <a:lvl2pPr indent="-317500" lvl="1" marL="914400">
+            <a:lvl2pPr marL="914400" lvl="1" indent="-317500">
               <a:lnSpc>
                 <a:spcPct val="115000"/>
               </a:lnSpc>
@@ -6280,7 +6060,7 @@
                 <a:sym typeface="Average"/>
               </a:defRPr>
             </a:lvl2pPr>
-            <a:lvl3pPr indent="-317500" lvl="2" marL="1371600">
+            <a:lvl3pPr marL="1371600" lvl="2" indent="-317500">
               <a:lnSpc>
                 <a:spcPct val="115000"/>
               </a:lnSpc>
@@ -6306,7 +6086,7 @@
                 <a:sym typeface="Average"/>
               </a:defRPr>
             </a:lvl3pPr>
-            <a:lvl4pPr indent="-317500" lvl="3" marL="1828800">
+            <a:lvl4pPr marL="1828800" lvl="3" indent="-317500">
               <a:lnSpc>
                 <a:spcPct val="115000"/>
               </a:lnSpc>
@@ -6332,7 +6112,7 @@
                 <a:sym typeface="Average"/>
               </a:defRPr>
             </a:lvl4pPr>
-            <a:lvl5pPr indent="-317500" lvl="4" marL="2286000">
+            <a:lvl5pPr marL="2286000" lvl="4" indent="-317500">
               <a:lnSpc>
                 <a:spcPct val="115000"/>
               </a:lnSpc>
@@ -6358,7 +6138,7 @@
                 <a:sym typeface="Average"/>
               </a:defRPr>
             </a:lvl5pPr>
-            <a:lvl6pPr indent="-317500" lvl="5" marL="2743200">
+            <a:lvl6pPr marL="2743200" lvl="5" indent="-317500">
               <a:lnSpc>
                 <a:spcPct val="115000"/>
               </a:lnSpc>
@@ -6384,7 +6164,7 @@
                 <a:sym typeface="Average"/>
               </a:defRPr>
             </a:lvl6pPr>
-            <a:lvl7pPr indent="-317500" lvl="6" marL="3200400">
+            <a:lvl7pPr marL="3200400" lvl="6" indent="-317500">
               <a:lnSpc>
                 <a:spcPct val="115000"/>
               </a:lnSpc>
@@ -6410,7 +6190,7 @@
                 <a:sym typeface="Average"/>
               </a:defRPr>
             </a:lvl7pPr>
-            <a:lvl8pPr indent="-317500" lvl="7" marL="3657600">
+            <a:lvl8pPr marL="3657600" lvl="7" indent="-317500">
               <a:lnSpc>
                 <a:spcPct val="115000"/>
               </a:lnSpc>
@@ -6436,7 +6216,7 @@
                 <a:sym typeface="Average"/>
               </a:defRPr>
             </a:lvl8pPr>
-            <a:lvl9pPr indent="-317500" lvl="8" marL="4114800">
+            <a:lvl9pPr marL="4114800" lvl="8" indent="-317500">
               <a:lnSpc>
                 <a:spcPct val="115000"/>
               </a:lnSpc>
@@ -6471,7 +6251,7 @@
           <p:cNvPr id="8" name="Google Shape;8;p1"/>
           <p:cNvSpPr txBox="1"/>
           <p:nvPr>
-            <p:ph idx="12" type="sldNum"/>
+            <p:ph type="sldNum" idx="12"/>
           </p:nvPr>
         </p:nvSpPr>
         <p:spPr>
@@ -6488,7 +6268,7 @@
           </a:ln>
         </p:spPr>
         <p:txBody>
-          <a:bodyPr anchorCtr="0" anchor="ctr" bIns="91425" lIns="91425" spcFirstLastPara="1" rIns="91425" wrap="square" tIns="91425">
+          <a:bodyPr spcFirstLastPara="1" wrap="square" lIns="91425" tIns="91425" rIns="91425" bIns="91425" anchor="ctr" anchorCtr="0">
             <a:normAutofit/>
           </a:bodyPr>
           <a:lstStyle>
@@ -6602,7 +6382,7 @@
             </a:lvl9pPr>
           </a:lstStyle>
           <a:p>
-            <a:pPr indent="0" lvl="0" marL="0" rtl="0" algn="r">
+            <a:pPr marL="0" lvl="0" indent="0" algn="r" rtl="0">
               <a:spcBef>
                 <a:spcPts val="0"/>
               </a:spcBef>
@@ -6612,33 +6392,32 @@
               <a:buNone/>
             </a:pPr>
             <a:fld id="{00000000-1234-1234-1234-123412341234}" type="slidenum">
-              <a:rPr lang="ru"/>
-              <a:t>‹#›</a:t>
+              <a:rPr lang="en-US"/>
             </a:fld>
-            <a:endParaRPr/>
+            <a:endParaRPr lang="en-US"/>
           </a:p>
         </p:txBody>
       </p:sp>
     </p:spTree>
   </p:cSld>
-  <p:clrMap accent1="accent1" accent2="accent2" accent3="accent3" accent4="accent4" accent5="accent5" accent6="accent6" bg1="lt1" bg2="dk2" tx1="dk1" tx2="lt2" folHlink="folHlink" hlink="hlink"/>
+  <p:clrMap bg1="lt1" tx1="dk1" bg2="dk2" tx2="lt2" accent1="accent1" accent2="accent2" accent3="accent3" accent4="accent4" accent5="accent5" accent6="accent6" hlink="hlink" folHlink="folHlink"/>
   <p:sldLayoutIdLst>
-    <p:sldLayoutId id="2147483648" r:id="rId1"/>
-    <p:sldLayoutId id="2147483649" r:id="rId2"/>
-    <p:sldLayoutId id="2147483650" r:id="rId3"/>
-    <p:sldLayoutId id="2147483651" r:id="rId4"/>
-    <p:sldLayoutId id="2147483652" r:id="rId5"/>
-    <p:sldLayoutId id="2147483653" r:id="rId6"/>
-    <p:sldLayoutId id="2147483654" r:id="rId7"/>
-    <p:sldLayoutId id="2147483655" r:id="rId8"/>
-    <p:sldLayoutId id="2147483656" r:id="rId9"/>
-    <p:sldLayoutId id="2147483657" r:id="rId10"/>
-    <p:sldLayoutId id="2147483658" r:id="rId11"/>
+    <p:sldLayoutId id="2147483649" r:id="rId1"/>
+    <p:sldLayoutId id="2147483650" r:id="rId2"/>
+    <p:sldLayoutId id="2147483651" r:id="rId3"/>
+    <p:sldLayoutId id="2147483652" r:id="rId4"/>
+    <p:sldLayoutId id="2147483653" r:id="rId5"/>
+    <p:sldLayoutId id="2147483654" r:id="rId6"/>
+    <p:sldLayoutId id="2147483655" r:id="rId7"/>
+    <p:sldLayoutId id="2147483656" r:id="rId8"/>
+    <p:sldLayoutId id="2147483657" r:id="rId9"/>
+    <p:sldLayoutId id="2147483658" r:id="rId10"/>
+    <p:sldLayoutId id="2147483659" r:id="rId11"/>
   </p:sldLayoutIdLst>
-  <p:hf dt="0" ftr="0" hdr="0" sldNum="0"/>
+  <p:hf sldNum="0" hdr="0" ftr="0" dt="0"/>
   <p:txStyles>
     <p:titleStyle>
-      <a:defPPr lvl="0" marR="0" rtl="0" algn="l">
+      <a:defPPr marR="0" lvl="0" algn="l" rtl="0">
         <a:lnSpc>
           <a:spcPct val="100000"/>
         </a:lnSpc>
@@ -6649,7 +6428,7 @@
           <a:spcPts val="0"/>
         </a:spcAft>
       </a:defPPr>
-      <a:lvl1pPr lvl="0" marR="0" rtl="0" algn="l">
+      <a:lvl1pPr marR="0" lvl="0" algn="l" rtl="0">
         <a:lnSpc>
           <a:spcPct val="100000"/>
         </a:lnSpc>
@@ -6662,18 +6441,18 @@
         <a:buClr>
           <a:srgbClr val="000000"/>
         </a:buClr>
-        <a:buFont typeface="Arial"/>
-        <a:defRPr b="0" i="0" sz="1400" u="none" cap="none" strike="noStrike">
+        <a:buFont typeface="Arial" panose="020B0604020202020204"/>
+        <a:defRPr sz="1400" b="0" i="0" u="none" strike="noStrike" cap="none">
           <a:solidFill>
             <a:srgbClr val="000000"/>
           </a:solidFill>
-          <a:latin typeface="Arial"/>
-          <a:ea typeface="Arial"/>
-          <a:cs typeface="Arial"/>
-          <a:sym typeface="Arial"/>
+          <a:latin typeface="Arial" panose="020B0604020202020204"/>
+          <a:ea typeface="Arial" panose="020B0604020202020204"/>
+          <a:cs typeface="Arial" panose="020B0604020202020204"/>
+          <a:sym typeface="Arial" panose="020B0604020202020204"/>
         </a:defRPr>
       </a:lvl1pPr>
-      <a:lvl2pPr lvl="1" marR="0" rtl="0" algn="l">
+      <a:lvl2pPr marR="0" lvl="1" algn="l" rtl="0">
         <a:lnSpc>
           <a:spcPct val="100000"/>
         </a:lnSpc>
@@ -6686,18 +6465,18 @@
         <a:buClr>
           <a:srgbClr val="000000"/>
         </a:buClr>
-        <a:buFont typeface="Arial"/>
-        <a:defRPr b="0" i="0" sz="1400" u="none" cap="none" strike="noStrike">
+        <a:buFont typeface="Arial" panose="020B0604020202020204"/>
+        <a:defRPr sz="1400" b="0" i="0" u="none" strike="noStrike" cap="none">
           <a:solidFill>
             <a:srgbClr val="000000"/>
           </a:solidFill>
-          <a:latin typeface="Arial"/>
-          <a:ea typeface="Arial"/>
-          <a:cs typeface="Arial"/>
-          <a:sym typeface="Arial"/>
+          <a:latin typeface="Arial" panose="020B0604020202020204"/>
+          <a:ea typeface="Arial" panose="020B0604020202020204"/>
+          <a:cs typeface="Arial" panose="020B0604020202020204"/>
+          <a:sym typeface="Arial" panose="020B0604020202020204"/>
         </a:defRPr>
       </a:lvl2pPr>
-      <a:lvl3pPr lvl="2" marR="0" rtl="0" algn="l">
+      <a:lvl3pPr marR="0" lvl="2" algn="l" rtl="0">
         <a:lnSpc>
           <a:spcPct val="100000"/>
         </a:lnSpc>
@@ -6710,18 +6489,18 @@
         <a:buClr>
           <a:srgbClr val="000000"/>
         </a:buClr>
-        <a:buFont typeface="Arial"/>
-        <a:defRPr b="0" i="0" sz="1400" u="none" cap="none" strike="noStrike">
+        <a:buFont typeface="Arial" panose="020B0604020202020204"/>
+        <a:defRPr sz="1400" b="0" i="0" u="none" strike="noStrike" cap="none">
           <a:solidFill>
             <a:srgbClr val="000000"/>
           </a:solidFill>
-          <a:latin typeface="Arial"/>
-          <a:ea typeface="Arial"/>
-          <a:cs typeface="Arial"/>
-          <a:sym typeface="Arial"/>
+          <a:latin typeface="Arial" panose="020B0604020202020204"/>
+          <a:ea typeface="Arial" panose="020B0604020202020204"/>
+          <a:cs typeface="Arial" panose="020B0604020202020204"/>
+          <a:sym typeface="Arial" panose="020B0604020202020204"/>
         </a:defRPr>
       </a:lvl3pPr>
-      <a:lvl4pPr lvl="3" marR="0" rtl="0" algn="l">
+      <a:lvl4pPr marR="0" lvl="3" algn="l" rtl="0">
         <a:lnSpc>
           <a:spcPct val="100000"/>
         </a:lnSpc>
@@ -6734,18 +6513,18 @@
         <a:buClr>
           <a:srgbClr val="000000"/>
         </a:buClr>
-        <a:buFont typeface="Arial"/>
-        <a:defRPr b="0" i="0" sz="1400" u="none" cap="none" strike="noStrike">
+        <a:buFont typeface="Arial" panose="020B0604020202020204"/>
+        <a:defRPr sz="1400" b="0" i="0" u="none" strike="noStrike" cap="none">
           <a:solidFill>
             <a:srgbClr val="000000"/>
           </a:solidFill>
-          <a:latin typeface="Arial"/>
-          <a:ea typeface="Arial"/>
-          <a:cs typeface="Arial"/>
-          <a:sym typeface="Arial"/>
+          <a:latin typeface="Arial" panose="020B0604020202020204"/>
+          <a:ea typeface="Arial" panose="020B0604020202020204"/>
+          <a:cs typeface="Arial" panose="020B0604020202020204"/>
+          <a:sym typeface="Arial" panose="020B0604020202020204"/>
         </a:defRPr>
       </a:lvl4pPr>
-      <a:lvl5pPr lvl="4" marR="0" rtl="0" algn="l">
+      <a:lvl5pPr marR="0" lvl="4" algn="l" rtl="0">
         <a:lnSpc>
           <a:spcPct val="100000"/>
         </a:lnSpc>
@@ -6758,18 +6537,18 @@
         <a:buClr>
           <a:srgbClr val="000000"/>
         </a:buClr>
-        <a:buFont typeface="Arial"/>
-        <a:defRPr b="0" i="0" sz="1400" u="none" cap="none" strike="noStrike">
+        <a:buFont typeface="Arial" panose="020B0604020202020204"/>
+        <a:defRPr sz="1400" b="0" i="0" u="none" strike="noStrike" cap="none">
           <a:solidFill>
             <a:srgbClr val="000000"/>
           </a:solidFill>
-          <a:latin typeface="Arial"/>
-          <a:ea typeface="Arial"/>
-          <a:cs typeface="Arial"/>
-          <a:sym typeface="Arial"/>
+          <a:latin typeface="Arial" panose="020B0604020202020204"/>
+          <a:ea typeface="Arial" panose="020B0604020202020204"/>
+          <a:cs typeface="Arial" panose="020B0604020202020204"/>
+          <a:sym typeface="Arial" panose="020B0604020202020204"/>
         </a:defRPr>
       </a:lvl5pPr>
-      <a:lvl6pPr lvl="5" marR="0" rtl="0" algn="l">
+      <a:lvl6pPr marR="0" lvl="5" algn="l" rtl="0">
         <a:lnSpc>
           <a:spcPct val="100000"/>
         </a:lnSpc>
@@ -6782,18 +6561,18 @@
         <a:buClr>
           <a:srgbClr val="000000"/>
         </a:buClr>
-        <a:buFont typeface="Arial"/>
-        <a:defRPr b="0" i="0" sz="1400" u="none" cap="none" strike="noStrike">
+        <a:buFont typeface="Arial" panose="020B0604020202020204"/>
+        <a:defRPr sz="1400" b="0" i="0" u="none" strike="noStrike" cap="none">
           <a:solidFill>
             <a:srgbClr val="000000"/>
           </a:solidFill>
-          <a:latin typeface="Arial"/>
-          <a:ea typeface="Arial"/>
-          <a:cs typeface="Arial"/>
-          <a:sym typeface="Arial"/>
+          <a:latin typeface="Arial" panose="020B0604020202020204"/>
+          <a:ea typeface="Arial" panose="020B0604020202020204"/>
+          <a:cs typeface="Arial" panose="020B0604020202020204"/>
+          <a:sym typeface="Arial" panose="020B0604020202020204"/>
         </a:defRPr>
       </a:lvl6pPr>
-      <a:lvl7pPr lvl="6" marR="0" rtl="0" algn="l">
+      <a:lvl7pPr marR="0" lvl="6" algn="l" rtl="0">
         <a:lnSpc>
           <a:spcPct val="100000"/>
         </a:lnSpc>
@@ -6806,18 +6585,18 @@
         <a:buClr>
           <a:srgbClr val="000000"/>
         </a:buClr>
-        <a:buFont typeface="Arial"/>
-        <a:defRPr b="0" i="0" sz="1400" u="none" cap="none" strike="noStrike">
+        <a:buFont typeface="Arial" panose="020B0604020202020204"/>
+        <a:defRPr sz="1400" b="0" i="0" u="none" strike="noStrike" cap="none">
           <a:solidFill>
             <a:srgbClr val="000000"/>
           </a:solidFill>
-          <a:latin typeface="Arial"/>
-          <a:ea typeface="Arial"/>
-          <a:cs typeface="Arial"/>
-          <a:sym typeface="Arial"/>
+          <a:latin typeface="Arial" panose="020B0604020202020204"/>
+          <a:ea typeface="Arial" panose="020B0604020202020204"/>
+          <a:cs typeface="Arial" panose="020B0604020202020204"/>
+          <a:sym typeface="Arial" panose="020B0604020202020204"/>
         </a:defRPr>
       </a:lvl7pPr>
-      <a:lvl8pPr lvl="7" marR="0" rtl="0" algn="l">
+      <a:lvl8pPr marR="0" lvl="7" algn="l" rtl="0">
         <a:lnSpc>
           <a:spcPct val="100000"/>
         </a:lnSpc>
@@ -6830,18 +6609,18 @@
         <a:buClr>
           <a:srgbClr val="000000"/>
         </a:buClr>
-        <a:buFont typeface="Arial"/>
-        <a:defRPr b="0" i="0" sz="1400" u="none" cap="none" strike="noStrike">
+        <a:buFont typeface="Arial" panose="020B0604020202020204"/>
+        <a:defRPr sz="1400" b="0" i="0" u="none" strike="noStrike" cap="none">
           <a:solidFill>
             <a:srgbClr val="000000"/>
           </a:solidFill>
-          <a:latin typeface="Arial"/>
-          <a:ea typeface="Arial"/>
-          <a:cs typeface="Arial"/>
-          <a:sym typeface="Arial"/>
+          <a:latin typeface="Arial" panose="020B0604020202020204"/>
+          <a:ea typeface="Arial" panose="020B0604020202020204"/>
+          <a:cs typeface="Arial" panose="020B0604020202020204"/>
+          <a:sym typeface="Arial" panose="020B0604020202020204"/>
         </a:defRPr>
       </a:lvl8pPr>
-      <a:lvl9pPr lvl="8" marR="0" rtl="0" algn="l">
+      <a:lvl9pPr marR="0" lvl="8" algn="l" rtl="0">
         <a:lnSpc>
           <a:spcPct val="100000"/>
         </a:lnSpc>
@@ -6854,20 +6633,20 @@
         <a:buClr>
           <a:srgbClr val="000000"/>
         </a:buClr>
-        <a:buFont typeface="Arial"/>
-        <a:defRPr b="0" i="0" sz="1400" u="none" cap="none" strike="noStrike">
+        <a:buFont typeface="Arial" panose="020B0604020202020204"/>
+        <a:defRPr sz="1400" b="0" i="0" u="none" strike="noStrike" cap="none">
           <a:solidFill>
             <a:srgbClr val="000000"/>
           </a:solidFill>
-          <a:latin typeface="Arial"/>
-          <a:ea typeface="Arial"/>
-          <a:cs typeface="Arial"/>
-          <a:sym typeface="Arial"/>
+          <a:latin typeface="Arial" panose="020B0604020202020204"/>
+          <a:ea typeface="Arial" panose="020B0604020202020204"/>
+          <a:cs typeface="Arial" panose="020B0604020202020204"/>
+          <a:sym typeface="Arial" panose="020B0604020202020204"/>
         </a:defRPr>
       </a:lvl9pPr>
     </p:titleStyle>
     <p:bodyStyle>
-      <a:defPPr lvl="0" marR="0" rtl="0" algn="l">
+      <a:defPPr marR="0" lvl="0" algn="l" rtl="0">
         <a:lnSpc>
           <a:spcPct val="100000"/>
         </a:lnSpc>
@@ -6878,7 +6657,7 @@
           <a:spcPts val="0"/>
         </a:spcAft>
       </a:defPPr>
-      <a:lvl1pPr lvl="0" marR="0" rtl="0" algn="l">
+      <a:lvl1pPr marR="0" lvl="0" algn="l" rtl="0">
         <a:lnSpc>
           <a:spcPct val="100000"/>
         </a:lnSpc>
@@ -6891,18 +6670,18 @@
         <a:buClr>
           <a:srgbClr val="000000"/>
         </a:buClr>
-        <a:buFont typeface="Arial"/>
-        <a:defRPr b="0" i="0" sz="1400" u="none" cap="none" strike="noStrike">
+        <a:buFont typeface="Arial" panose="020B0604020202020204"/>
+        <a:defRPr sz="1400" b="0" i="0" u="none" strike="noStrike" cap="none">
           <a:solidFill>
             <a:srgbClr val="000000"/>
           </a:solidFill>
-          <a:latin typeface="Arial"/>
-          <a:ea typeface="Arial"/>
-          <a:cs typeface="Arial"/>
-          <a:sym typeface="Arial"/>
+          <a:latin typeface="Arial" panose="020B0604020202020204"/>
+          <a:ea typeface="Arial" panose="020B0604020202020204"/>
+          <a:cs typeface="Arial" panose="020B0604020202020204"/>
+          <a:sym typeface="Arial" panose="020B0604020202020204"/>
         </a:defRPr>
       </a:lvl1pPr>
-      <a:lvl2pPr lvl="1" marR="0" rtl="0" algn="l">
+      <a:lvl2pPr marR="0" lvl="1" algn="l" rtl="0">
         <a:lnSpc>
           <a:spcPct val="100000"/>
         </a:lnSpc>
@@ -6915,18 +6694,18 @@
         <a:buClr>
           <a:srgbClr val="000000"/>
         </a:buClr>
-        <a:buFont typeface="Arial"/>
-        <a:defRPr b="0" i="0" sz="1400" u="none" cap="none" strike="noStrike">
+        <a:buFont typeface="Arial" panose="020B0604020202020204"/>
+        <a:defRPr sz="1400" b="0" i="0" u="none" strike="noStrike" cap="none">
           <a:solidFill>
             <a:srgbClr val="000000"/>
           </a:solidFill>
-          <a:latin typeface="Arial"/>
-          <a:ea typeface="Arial"/>
-          <a:cs typeface="Arial"/>
-          <a:sym typeface="Arial"/>
+          <a:latin typeface="Arial" panose="020B0604020202020204"/>
+          <a:ea typeface="Arial" panose="020B0604020202020204"/>
+          <a:cs typeface="Arial" panose="020B0604020202020204"/>
+          <a:sym typeface="Arial" panose="020B0604020202020204"/>
         </a:defRPr>
       </a:lvl2pPr>
-      <a:lvl3pPr lvl="2" marR="0" rtl="0" algn="l">
+      <a:lvl3pPr marR="0" lvl="2" algn="l" rtl="0">
         <a:lnSpc>
           <a:spcPct val="100000"/>
         </a:lnSpc>
@@ -6939,18 +6718,18 @@
         <a:buClr>
           <a:srgbClr val="000000"/>
         </a:buClr>
-        <a:buFont typeface="Arial"/>
-        <a:defRPr b="0" i="0" sz="1400" u="none" cap="none" strike="noStrike">
+        <a:buFont typeface="Arial" panose="020B0604020202020204"/>
+        <a:defRPr sz="1400" b="0" i="0" u="none" strike="noStrike" cap="none">
           <a:solidFill>
             <a:srgbClr val="000000"/>
           </a:solidFill>
-          <a:latin typeface="Arial"/>
-          <a:ea typeface="Arial"/>
-          <a:cs typeface="Arial"/>
-          <a:sym typeface="Arial"/>
+          <a:latin typeface="Arial" panose="020B0604020202020204"/>
+          <a:ea typeface="Arial" panose="020B0604020202020204"/>
+          <a:cs typeface="Arial" panose="020B0604020202020204"/>
+          <a:sym typeface="Arial" panose="020B0604020202020204"/>
         </a:defRPr>
       </a:lvl3pPr>
-      <a:lvl4pPr lvl="3" marR="0" rtl="0" algn="l">
+      <a:lvl4pPr marR="0" lvl="3" algn="l" rtl="0">
         <a:lnSpc>
           <a:spcPct val="100000"/>
         </a:lnSpc>
@@ -6963,18 +6742,18 @@
         <a:buClr>
           <a:srgbClr val="000000"/>
         </a:buClr>
-        <a:buFont typeface="Arial"/>
-        <a:defRPr b="0" i="0" sz="1400" u="none" cap="none" strike="noStrike">
+        <a:buFont typeface="Arial" panose="020B0604020202020204"/>
+        <a:defRPr sz="1400" b="0" i="0" u="none" strike="noStrike" cap="none">
           <a:solidFill>
             <a:srgbClr val="000000"/>
           </a:solidFill>
-          <a:latin typeface="Arial"/>
-          <a:ea typeface="Arial"/>
-          <a:cs typeface="Arial"/>
-          <a:sym typeface="Arial"/>
+          <a:latin typeface="Arial" panose="020B0604020202020204"/>
+          <a:ea typeface="Arial" panose="020B0604020202020204"/>
+          <a:cs typeface="Arial" panose="020B0604020202020204"/>
+          <a:sym typeface="Arial" panose="020B0604020202020204"/>
         </a:defRPr>
       </a:lvl4pPr>
-      <a:lvl5pPr lvl="4" marR="0" rtl="0" algn="l">
+      <a:lvl5pPr marR="0" lvl="4" algn="l" rtl="0">
         <a:lnSpc>
           <a:spcPct val="100000"/>
         </a:lnSpc>
@@ -6987,18 +6766,18 @@
         <a:buClr>
           <a:srgbClr val="000000"/>
         </a:buClr>
-        <a:buFont typeface="Arial"/>
-        <a:defRPr b="0" i="0" sz="1400" u="none" cap="none" strike="noStrike">
+        <a:buFont typeface="Arial" panose="020B0604020202020204"/>
+        <a:defRPr sz="1400" b="0" i="0" u="none" strike="noStrike" cap="none">
           <a:solidFill>
             <a:srgbClr val="000000"/>
           </a:solidFill>
-          <a:latin typeface="Arial"/>
-          <a:ea typeface="Arial"/>
-          <a:cs typeface="Arial"/>
-          <a:sym typeface="Arial"/>
+          <a:latin typeface="Arial" panose="020B0604020202020204"/>
+          <a:ea typeface="Arial" panose="020B0604020202020204"/>
+          <a:cs typeface="Arial" panose="020B0604020202020204"/>
+          <a:sym typeface="Arial" panose="020B0604020202020204"/>
         </a:defRPr>
       </a:lvl5pPr>
-      <a:lvl6pPr lvl="5" marR="0" rtl="0" algn="l">
+      <a:lvl6pPr marR="0" lvl="5" algn="l" rtl="0">
         <a:lnSpc>
           <a:spcPct val="100000"/>
         </a:lnSpc>
@@ -7011,18 +6790,18 @@
         <a:buClr>
           <a:srgbClr val="000000"/>
         </a:buClr>
-        <a:buFont typeface="Arial"/>
-        <a:defRPr b="0" i="0" sz="1400" u="none" cap="none" strike="noStrike">
+        <a:buFont typeface="Arial" panose="020B0604020202020204"/>
+        <a:defRPr sz="1400" b="0" i="0" u="none" strike="noStrike" cap="none">
           <a:solidFill>
             <a:srgbClr val="000000"/>
           </a:solidFill>
-          <a:latin typeface="Arial"/>
-          <a:ea typeface="Arial"/>
-          <a:cs typeface="Arial"/>
-          <a:sym typeface="Arial"/>
+          <a:latin typeface="Arial" panose="020B0604020202020204"/>
+          <a:ea typeface="Arial" panose="020B0604020202020204"/>
+          <a:cs typeface="Arial" panose="020B0604020202020204"/>
+          <a:sym typeface="Arial" panose="020B0604020202020204"/>
         </a:defRPr>
       </a:lvl6pPr>
-      <a:lvl7pPr lvl="6" marR="0" rtl="0" algn="l">
+      <a:lvl7pPr marR="0" lvl="6" algn="l" rtl="0">
         <a:lnSpc>
           <a:spcPct val="100000"/>
         </a:lnSpc>
@@ -7035,18 +6814,18 @@
         <a:buClr>
           <a:srgbClr val="000000"/>
         </a:buClr>
-        <a:buFont typeface="Arial"/>
-        <a:defRPr b="0" i="0" sz="1400" u="none" cap="none" strike="noStrike">
+        <a:buFont typeface="Arial" panose="020B0604020202020204"/>
+        <a:defRPr sz="1400" b="0" i="0" u="none" strike="noStrike" cap="none">
           <a:solidFill>
             <a:srgbClr val="000000"/>
           </a:solidFill>
-          <a:latin typeface="Arial"/>
-          <a:ea typeface="Arial"/>
-          <a:cs typeface="Arial"/>
-          <a:sym typeface="Arial"/>
+          <a:latin typeface="Arial" panose="020B0604020202020204"/>
+          <a:ea typeface="Arial" panose="020B0604020202020204"/>
+          <a:cs typeface="Arial" panose="020B0604020202020204"/>
+          <a:sym typeface="Arial" panose="020B0604020202020204"/>
         </a:defRPr>
       </a:lvl7pPr>
-      <a:lvl8pPr lvl="7" marR="0" rtl="0" algn="l">
+      <a:lvl8pPr marR="0" lvl="7" algn="l" rtl="0">
         <a:lnSpc>
           <a:spcPct val="100000"/>
         </a:lnSpc>
@@ -7059,18 +6838,18 @@
         <a:buClr>
           <a:srgbClr val="000000"/>
         </a:buClr>
-        <a:buFont typeface="Arial"/>
-        <a:defRPr b="0" i="0" sz="1400" u="none" cap="none" strike="noStrike">
+        <a:buFont typeface="Arial" panose="020B0604020202020204"/>
+        <a:defRPr sz="1400" b="0" i="0" u="none" strike="noStrike" cap="none">
           <a:solidFill>
             <a:srgbClr val="000000"/>
           </a:solidFill>
-          <a:latin typeface="Arial"/>
-          <a:ea typeface="Arial"/>
-          <a:cs typeface="Arial"/>
-          <a:sym typeface="Arial"/>
+          <a:latin typeface="Arial" panose="020B0604020202020204"/>
+          <a:ea typeface="Arial" panose="020B0604020202020204"/>
+          <a:cs typeface="Arial" panose="020B0604020202020204"/>
+          <a:sym typeface="Arial" panose="020B0604020202020204"/>
         </a:defRPr>
       </a:lvl8pPr>
-      <a:lvl9pPr lvl="8" marR="0" rtl="0" algn="l">
+      <a:lvl9pPr marR="0" lvl="8" algn="l" rtl="0">
         <a:lnSpc>
           <a:spcPct val="100000"/>
         </a:lnSpc>
@@ -7083,20 +6862,20 @@
         <a:buClr>
           <a:srgbClr val="000000"/>
         </a:buClr>
-        <a:buFont typeface="Arial"/>
-        <a:defRPr b="0" i="0" sz="1400" u="none" cap="none" strike="noStrike">
+        <a:buFont typeface="Arial" panose="020B0604020202020204"/>
+        <a:defRPr sz="1400" b="0" i="0" u="none" strike="noStrike" cap="none">
           <a:solidFill>
             <a:srgbClr val="000000"/>
           </a:solidFill>
-          <a:latin typeface="Arial"/>
-          <a:ea typeface="Arial"/>
-          <a:cs typeface="Arial"/>
-          <a:sym typeface="Arial"/>
+          <a:latin typeface="Arial" panose="020B0604020202020204"/>
+          <a:ea typeface="Arial" panose="020B0604020202020204"/>
+          <a:cs typeface="Arial" panose="020B0604020202020204"/>
+          <a:sym typeface="Arial" panose="020B0604020202020204"/>
         </a:defRPr>
       </a:lvl9pPr>
     </p:bodyStyle>
     <p:otherStyle>
-      <a:defPPr lvl="0" marR="0" rtl="0" algn="l">
+      <a:defPPr marR="0" lvl="0" algn="l" rtl="0">
         <a:lnSpc>
           <a:spcPct val="100000"/>
         </a:lnSpc>
@@ -7107,7 +6886,7 @@
           <a:spcPts val="0"/>
         </a:spcAft>
       </a:defPPr>
-      <a:lvl1pPr lvl="0" marR="0" rtl="0" algn="l">
+      <a:lvl1pPr marR="0" lvl="0" algn="l" rtl="0">
         <a:lnSpc>
           <a:spcPct val="100000"/>
         </a:lnSpc>
@@ -7120,18 +6899,18 @@
         <a:buClr>
           <a:srgbClr val="000000"/>
         </a:buClr>
-        <a:buFont typeface="Arial"/>
-        <a:defRPr b="0" i="0" sz="1400" u="none" cap="none" strike="noStrike">
+        <a:buFont typeface="Arial" panose="020B0604020202020204"/>
+        <a:defRPr sz="1400" b="0" i="0" u="none" strike="noStrike" cap="none">
           <a:solidFill>
             <a:srgbClr val="000000"/>
           </a:solidFill>
-          <a:latin typeface="Arial"/>
-          <a:ea typeface="Arial"/>
-          <a:cs typeface="Arial"/>
-          <a:sym typeface="Arial"/>
+          <a:latin typeface="Arial" panose="020B0604020202020204"/>
+          <a:ea typeface="Arial" panose="020B0604020202020204"/>
+          <a:cs typeface="Arial" panose="020B0604020202020204"/>
+          <a:sym typeface="Arial" panose="020B0604020202020204"/>
         </a:defRPr>
       </a:lvl1pPr>
-      <a:lvl2pPr lvl="1" marR="0" rtl="0" algn="l">
+      <a:lvl2pPr marR="0" lvl="1" algn="l" rtl="0">
         <a:lnSpc>
           <a:spcPct val="100000"/>
         </a:lnSpc>
@@ -7144,18 +6923,18 @@
         <a:buClr>
           <a:srgbClr val="000000"/>
         </a:buClr>
-        <a:buFont typeface="Arial"/>
-        <a:defRPr b="0" i="0" sz="1400" u="none" cap="none" strike="noStrike">
+        <a:buFont typeface="Arial" panose="020B0604020202020204"/>
+        <a:defRPr sz="1400" b="0" i="0" u="none" strike="noStrike" cap="none">
           <a:solidFill>
             <a:srgbClr val="000000"/>
           </a:solidFill>
-          <a:latin typeface="Arial"/>
-          <a:ea typeface="Arial"/>
-          <a:cs typeface="Arial"/>
-          <a:sym typeface="Arial"/>
+          <a:latin typeface="Arial" panose="020B0604020202020204"/>
+          <a:ea typeface="Arial" panose="020B0604020202020204"/>
+          <a:cs typeface="Arial" panose="020B0604020202020204"/>
+          <a:sym typeface="Arial" panose="020B0604020202020204"/>
         </a:defRPr>
       </a:lvl2pPr>
-      <a:lvl3pPr lvl="2" marR="0" rtl="0" algn="l">
+      <a:lvl3pPr marR="0" lvl="2" algn="l" rtl="0">
         <a:lnSpc>
           <a:spcPct val="100000"/>
         </a:lnSpc>
@@ -7168,18 +6947,18 @@
         <a:buClr>
           <a:srgbClr val="000000"/>
         </a:buClr>
-        <a:buFont typeface="Arial"/>
-        <a:defRPr b="0" i="0" sz="1400" u="none" cap="none" strike="noStrike">
+        <a:buFont typeface="Arial" panose="020B0604020202020204"/>
+        <a:defRPr sz="1400" b="0" i="0" u="none" strike="noStrike" cap="none">
           <a:solidFill>
             <a:srgbClr val="000000"/>
           </a:solidFill>
-          <a:latin typeface="Arial"/>
-          <a:ea typeface="Arial"/>
-          <a:cs typeface="Arial"/>
-          <a:sym typeface="Arial"/>
+          <a:latin typeface="Arial" panose="020B0604020202020204"/>
+          <a:ea typeface="Arial" panose="020B0604020202020204"/>
+          <a:cs typeface="Arial" panose="020B0604020202020204"/>
+          <a:sym typeface="Arial" panose="020B0604020202020204"/>
         </a:defRPr>
       </a:lvl3pPr>
-      <a:lvl4pPr lvl="3" marR="0" rtl="0" algn="l">
+      <a:lvl4pPr marR="0" lvl="3" algn="l" rtl="0">
         <a:lnSpc>
           <a:spcPct val="100000"/>
         </a:lnSpc>
@@ -7192,18 +6971,18 @@
         <a:buClr>
           <a:srgbClr val="000000"/>
         </a:buClr>
-        <a:buFont typeface="Arial"/>
-        <a:defRPr b="0" i="0" sz="1400" u="none" cap="none" strike="noStrike">
+        <a:buFont typeface="Arial" panose="020B0604020202020204"/>
+        <a:defRPr sz="1400" b="0" i="0" u="none" strike="noStrike" cap="none">
           <a:solidFill>
             <a:srgbClr val="000000"/>
           </a:solidFill>
-          <a:latin typeface="Arial"/>
-          <a:ea typeface="Arial"/>
-          <a:cs typeface="Arial"/>
-          <a:sym typeface="Arial"/>
+          <a:latin typeface="Arial" panose="020B0604020202020204"/>
+          <a:ea typeface="Arial" panose="020B0604020202020204"/>
+          <a:cs typeface="Arial" panose="020B0604020202020204"/>
+          <a:sym typeface="Arial" panose="020B0604020202020204"/>
         </a:defRPr>
       </a:lvl4pPr>
-      <a:lvl5pPr lvl="4" marR="0" rtl="0" algn="l">
+      <a:lvl5pPr marR="0" lvl="4" algn="l" rtl="0">
         <a:lnSpc>
           <a:spcPct val="100000"/>
         </a:lnSpc>
@@ -7216,18 +6995,18 @@
         <a:buClr>
           <a:srgbClr val="000000"/>
         </a:buClr>
-        <a:buFont typeface="Arial"/>
-        <a:defRPr b="0" i="0" sz="1400" u="none" cap="none" strike="noStrike">
+        <a:buFont typeface="Arial" panose="020B0604020202020204"/>
+        <a:defRPr sz="1400" b="0" i="0" u="none" strike="noStrike" cap="none">
           <a:solidFill>
             <a:srgbClr val="000000"/>
           </a:solidFill>
-          <a:latin typeface="Arial"/>
-          <a:ea typeface="Arial"/>
-          <a:cs typeface="Arial"/>
-          <a:sym typeface="Arial"/>
+          <a:latin typeface="Arial" panose="020B0604020202020204"/>
+          <a:ea typeface="Arial" panose="020B0604020202020204"/>
+          <a:cs typeface="Arial" panose="020B0604020202020204"/>
+          <a:sym typeface="Arial" panose="020B0604020202020204"/>
         </a:defRPr>
       </a:lvl5pPr>
-      <a:lvl6pPr lvl="5" marR="0" rtl="0" algn="l">
+      <a:lvl6pPr marR="0" lvl="5" algn="l" rtl="0">
         <a:lnSpc>
           <a:spcPct val="100000"/>
         </a:lnSpc>
@@ -7240,18 +7019,18 @@
         <a:buClr>
           <a:srgbClr val="000000"/>
         </a:buClr>
-        <a:buFont typeface="Arial"/>
-        <a:defRPr b="0" i="0" sz="1400" u="none" cap="none" strike="noStrike">
+        <a:buFont typeface="Arial" panose="020B0604020202020204"/>
+        <a:defRPr sz="1400" b="0" i="0" u="none" strike="noStrike" cap="none">
           <a:solidFill>
             <a:srgbClr val="000000"/>
           </a:solidFill>
-          <a:latin typeface="Arial"/>
-          <a:ea typeface="Arial"/>
-          <a:cs typeface="Arial"/>
-          <a:sym typeface="Arial"/>
+          <a:latin typeface="Arial" panose="020B0604020202020204"/>
+          <a:ea typeface="Arial" panose="020B0604020202020204"/>
+          <a:cs typeface="Arial" panose="020B0604020202020204"/>
+          <a:sym typeface="Arial" panose="020B0604020202020204"/>
         </a:defRPr>
       </a:lvl6pPr>
-      <a:lvl7pPr lvl="6" marR="0" rtl="0" algn="l">
+      <a:lvl7pPr marR="0" lvl="6" algn="l" rtl="0">
         <a:lnSpc>
           <a:spcPct val="100000"/>
         </a:lnSpc>
@@ -7264,18 +7043,18 @@
         <a:buClr>
           <a:srgbClr val="000000"/>
         </a:buClr>
-        <a:buFont typeface="Arial"/>
-        <a:defRPr b="0" i="0" sz="1400" u="none" cap="none" strike="noStrike">
+        <a:buFont typeface="Arial" panose="020B0604020202020204"/>
+        <a:defRPr sz="1400" b="0" i="0" u="none" strike="noStrike" cap="none">
           <a:solidFill>
             <a:srgbClr val="000000"/>
           </a:solidFill>
-          <a:latin typeface="Arial"/>
-          <a:ea typeface="Arial"/>
-          <a:cs typeface="Arial"/>
-          <a:sym typeface="Arial"/>
+          <a:latin typeface="Arial" panose="020B0604020202020204"/>
+          <a:ea typeface="Arial" panose="020B0604020202020204"/>
+          <a:cs typeface="Arial" panose="020B0604020202020204"/>
+          <a:sym typeface="Arial" panose="020B0604020202020204"/>
         </a:defRPr>
       </a:lvl7pPr>
-      <a:lvl8pPr lvl="7" marR="0" rtl="0" algn="l">
+      <a:lvl8pPr marR="0" lvl="7" algn="l" rtl="0">
         <a:lnSpc>
           <a:spcPct val="100000"/>
         </a:lnSpc>
@@ -7288,18 +7067,18 @@
         <a:buClr>
           <a:srgbClr val="000000"/>
         </a:buClr>
-        <a:buFont typeface="Arial"/>
-        <a:defRPr b="0" i="0" sz="1400" u="none" cap="none" strike="noStrike">
+        <a:buFont typeface="Arial" panose="020B0604020202020204"/>
+        <a:defRPr sz="1400" b="0" i="0" u="none" strike="noStrike" cap="none">
           <a:solidFill>
             <a:srgbClr val="000000"/>
           </a:solidFill>
-          <a:latin typeface="Arial"/>
-          <a:ea typeface="Arial"/>
-          <a:cs typeface="Arial"/>
-          <a:sym typeface="Arial"/>
+          <a:latin typeface="Arial" panose="020B0604020202020204"/>
+          <a:ea typeface="Arial" panose="020B0604020202020204"/>
+          <a:cs typeface="Arial" panose="020B0604020202020204"/>
+          <a:sym typeface="Arial" panose="020B0604020202020204"/>
         </a:defRPr>
       </a:lvl8pPr>
-      <a:lvl9pPr lvl="8" marR="0" rtl="0" algn="l">
+      <a:lvl9pPr marR="0" lvl="8" algn="l" rtl="0">
         <a:lnSpc>
           <a:spcPct val="100000"/>
         </a:lnSpc>
@@ -7312,15 +7091,15 @@
         <a:buClr>
           <a:srgbClr val="000000"/>
         </a:buClr>
-        <a:buFont typeface="Arial"/>
-        <a:defRPr b="0" i="0" sz="1400" u="none" cap="none" strike="noStrike">
+        <a:buFont typeface="Arial" panose="020B0604020202020204"/>
+        <a:defRPr sz="1400" b="0" i="0" u="none" strike="noStrike" cap="none">
           <a:solidFill>
             <a:srgbClr val="000000"/>
           </a:solidFill>
-          <a:latin typeface="Arial"/>
-          <a:ea typeface="Arial"/>
-          <a:cs typeface="Arial"/>
-          <a:sym typeface="Arial"/>
+          <a:latin typeface="Arial" panose="020B0604020202020204"/>
+          <a:ea typeface="Arial" panose="020B0604020202020204"/>
+          <a:cs typeface="Arial" panose="020B0604020202020204"/>
+          <a:sym typeface="Arial" panose="020B0604020202020204"/>
         </a:defRPr>
       </a:lvl9pPr>
     </p:otherStyle>
@@ -7329,7 +7108,7 @@
 </file>
 
 <file path=ppt/slides/slide1.xml><?xml version="1.0" encoding="utf-8"?>
-<p:sld xmlns:a="http://schemas.openxmlformats.org/drawingml/2006/main" xmlns:r="http://schemas.openxmlformats.org/officeDocument/2006/relationships" xmlns:mc="http://schemas.openxmlformats.org/markup-compatibility/2006" xmlns:mv="urn:schemas-microsoft-com:mac:vml" xmlns:p="http://schemas.openxmlformats.org/presentationml/2006/main" xmlns:c="http://schemas.openxmlformats.org/drawingml/2006/chart" xmlns:dgm="http://schemas.openxmlformats.org/drawingml/2006/diagram" xmlns:o="urn:schemas-microsoft-com:office:office" xmlns:v="urn:schemas-microsoft-com:vml" xmlns:pvml="urn:schemas-microsoft-com:office:powerpoint" xmlns:com="http://schemas.openxmlformats.org/drawingml/2006/compatibility" xmlns:p14="http://schemas.microsoft.com/office/powerpoint/2010/main" xmlns:p15="http://schemas.microsoft.com/office/powerpoint/2012/main" xmlns:ahyp="http://schemas.microsoft.com/office/drawing/2018/hyperlinkcolor">
+<p:sld xmlns:a="http://schemas.openxmlformats.org/drawingml/2006/main" xmlns:r="http://schemas.openxmlformats.org/officeDocument/2006/relationships" xmlns:p="http://schemas.openxmlformats.org/presentationml/2006/main">
   <p:cSld>
     <p:spTree>
       <p:nvGrpSpPr>
@@ -7363,12 +7142,12 @@
           </a:prstGeom>
         </p:spPr>
         <p:txBody>
-          <a:bodyPr anchorCtr="0" anchor="b" bIns="91425" lIns="91425" spcFirstLastPara="1" rIns="91425" wrap="square" tIns="91425">
+          <a:bodyPr spcFirstLastPara="1" wrap="square" lIns="91425" tIns="91425" rIns="91425" bIns="91425" anchor="b" anchorCtr="0">
             <a:normAutofit/>
           </a:bodyPr>
           <a:lstStyle/>
           <a:p>
-            <a:pPr indent="0" lvl="0" marL="0" rtl="0" algn="ctr">
+            <a:pPr marL="0" lvl="0" indent="0" algn="ctr" rtl="0">
               <a:spcBef>
                 <a:spcPts val="0"/>
               </a:spcBef>
@@ -7378,10 +7157,10 @@
               <a:buNone/>
             </a:pPr>
             <a:r>
-              <a:rPr lang="ru"/>
+              <a:rPr lang="en-US"/>
               <a:t>Goroscopic-weather</a:t>
             </a:r>
-            <a:endParaRPr/>
+            <a:endParaRPr lang="en-US"/>
           </a:p>
         </p:txBody>
       </p:sp>
@@ -7390,7 +7169,7 @@
           <p:cNvPr id="60" name="Google Shape;60;p13"/>
           <p:cNvSpPr txBox="1"/>
           <p:nvPr>
-            <p:ph idx="1" type="subTitle"/>
+            <p:ph type="subTitle" idx="1"/>
           </p:nvPr>
         </p:nvSpPr>
         <p:spPr>
@@ -7403,12 +7182,12 @@
           </a:prstGeom>
         </p:spPr>
         <p:txBody>
-          <a:bodyPr anchorCtr="0" anchor="t" bIns="91425" lIns="91425" spcFirstLastPara="1" rIns="91425" wrap="square" tIns="91425">
+          <a:bodyPr spcFirstLastPara="1" wrap="square" lIns="91425" tIns="91425" rIns="91425" bIns="91425" anchor="t" anchorCtr="0">
             <a:normAutofit/>
           </a:bodyPr>
           <a:lstStyle/>
           <a:p>
-            <a:pPr indent="0" lvl="0" marL="0" rtl="0" algn="ctr">
+            <a:pPr marL="0" lvl="0" indent="0" algn="ctr" rtl="0">
               <a:spcBef>
                 <a:spcPts val="0"/>
               </a:spcBef>
@@ -7418,10 +7197,10 @@
               <a:buNone/>
             </a:pPr>
             <a:r>
-              <a:rPr lang="ru"/>
+              <a:rPr lang="en-US"/>
               <a:t>Проект WebServer + API</a:t>
             </a:r>
-            <a:endParaRPr/>
+            <a:endParaRPr lang="en-US"/>
           </a:p>
         </p:txBody>
       </p:sp>
@@ -7445,12 +7224,12 @@
           </a:ln>
         </p:spPr>
         <p:txBody>
-          <a:bodyPr anchorCtr="0" anchor="t" bIns="91425" lIns="91425" spcFirstLastPara="1" rIns="91425" wrap="square" tIns="91425">
+          <a:bodyPr spcFirstLastPara="1" wrap="square" lIns="91425" tIns="91425" rIns="91425" bIns="91425" anchor="t" anchorCtr="0">
             <a:noAutofit/>
           </a:bodyPr>
           <a:lstStyle/>
           <a:p>
-            <a:pPr indent="0" lvl="0" marL="0" rtl="0" algn="ctr">
+            <a:pPr marL="0" lvl="0" indent="0" algn="ctr" rtl="0">
               <a:spcBef>
                 <a:spcPts val="0"/>
               </a:spcBef>
@@ -7460,7 +7239,7 @@
               <a:buNone/>
             </a:pPr>
             <a:r>
-              <a:rPr lang="ru" sz="1800">
+              <a:rPr lang="en-US" sz="1800">
                 <a:solidFill>
                   <a:schemeClr val="accent3"/>
                 </a:solidFill>
@@ -7490,7 +7269,7 @@
           <p:nvPr/>
         </p:nvCxnSpPr>
         <p:spPr>
-          <a:xfrm flipH="1" rot="10800000">
+          <a:xfrm rot="10800000" flipH="1">
             <a:off x="5330900" y="4117675"/>
             <a:ext cx="2091000" cy="19800"/>
           </a:xfrm>
@@ -7498,14 +7277,14 @@
             <a:avLst/>
           </a:prstGeom>
           <a:noFill/>
-          <a:ln cap="flat" cmpd="sng" w="9525">
+          <a:ln w="9525" cap="flat" cmpd="sng">
             <a:solidFill>
               <a:schemeClr val="dk2"/>
             </a:solidFill>
             <a:prstDash val="solid"/>
             <a:round/>
-            <a:headEnd len="med" w="med" type="none"/>
-            <a:tailEnd len="med" w="med" type="triangle"/>
+            <a:headEnd type="none" w="med" len="med"/>
+            <a:tailEnd type="triangle" w="med" len="med"/>
           </a:ln>
         </p:spPr>
       </p:cxnSp>
@@ -7524,14 +7303,14 @@
             <a:avLst/>
           </a:prstGeom>
           <a:noFill/>
-          <a:ln cap="flat" cmpd="sng" w="9525">
+          <a:ln w="9525" cap="flat" cmpd="sng">
             <a:solidFill>
               <a:schemeClr val="dk2"/>
             </a:solidFill>
             <a:prstDash val="solid"/>
             <a:round/>
-            <a:headEnd len="med" w="med" type="none"/>
-            <a:tailEnd len="med" w="med" type="triangle"/>
+            <a:headEnd type="none" w="med" len="med"/>
+            <a:tailEnd type="triangle" w="med" len="med"/>
           </a:ln>
         </p:spPr>
       </p:cxnSp>
@@ -7542,9 +7321,7 @@
           <p:nvPr/>
         </p:nvPicPr>
         <p:blipFill>
-          <a:blip r:embed="rId3">
-            <a:alphaModFix/>
-          </a:blip>
+          <a:blip r:embed="rId1"/>
           <a:stretch>
             <a:fillRect/>
           </a:stretch>
@@ -7583,12 +7360,12 @@
           </a:ln>
         </p:spPr>
         <p:txBody>
-          <a:bodyPr anchorCtr="0" anchor="t" bIns="91425" lIns="91425" spcFirstLastPara="1" rIns="91425" wrap="square" tIns="91425">
+          <a:bodyPr spcFirstLastPara="1" wrap="square" lIns="91425" tIns="91425" rIns="91425" bIns="91425" anchor="t" anchorCtr="0">
             <a:noAutofit/>
           </a:bodyPr>
           <a:lstStyle/>
           <a:p>
-            <a:pPr indent="0" lvl="0" marL="0" rtl="0" algn="l">
+            <a:pPr marL="0" lvl="0" indent="0" algn="l" rtl="0">
               <a:spcBef>
                 <a:spcPts val="0"/>
               </a:spcBef>
@@ -7598,7 +7375,7 @@
               <a:buNone/>
             </a:pPr>
             <a:r>
-              <a:rPr lang="ru" sz="1800">
+              <a:rPr lang="en-US" sz="1800">
                 <a:solidFill>
                   <a:schemeClr val="accent3"/>
                 </a:solidFill>
@@ -7628,11 +7405,11 @@
           <p:nvPr/>
         </p:nvPicPr>
         <p:blipFill rotWithShape="1">
-          <a:blip r:embed="rId4">
-            <a:alphaModFix/>
-          </a:blip>
-          <a:srcRect b="0" l="26345" r="19580" t="0"/>
-          <a:stretch/>
+          <a:blip r:embed="rId2"/>
+          <a:srcRect l="26345" r="19580"/>
+          <a:stretch>
+            <a:fillRect/>
+          </a:stretch>
         </p:blipFill>
         <p:spPr>
           <a:xfrm>
@@ -7668,12 +7445,12 @@
           </a:ln>
         </p:spPr>
         <p:txBody>
-          <a:bodyPr anchorCtr="0" anchor="t" bIns="91425" lIns="91425" spcFirstLastPara="1" rIns="91425" wrap="square" tIns="91425">
+          <a:bodyPr spcFirstLastPara="1" wrap="square" lIns="91425" tIns="91425" rIns="91425" bIns="91425" anchor="t" anchorCtr="0">
             <a:noAutofit/>
           </a:bodyPr>
           <a:lstStyle/>
           <a:p>
-            <a:pPr indent="0" lvl="0" marL="0" rtl="0" algn="l">
+            <a:pPr marL="0" lvl="0" indent="0" algn="l" rtl="0">
               <a:spcBef>
                 <a:spcPts val="0"/>
               </a:spcBef>
@@ -7683,7 +7460,7 @@
               <a:buNone/>
             </a:pPr>
             <a:r>
-              <a:rPr lang="ru" sz="1800">
+              <a:rPr lang="en-US" sz="1800">
                 <a:solidFill>
                   <a:schemeClr val="accent3"/>
                 </a:solidFill>
@@ -7715,7 +7492,7 @@
 </file>
 
 <file path=ppt/slides/slide10.xml><?xml version="1.0" encoding="utf-8"?>
-<p:sld xmlns:a="http://schemas.openxmlformats.org/drawingml/2006/main" xmlns:r="http://schemas.openxmlformats.org/officeDocument/2006/relationships" xmlns:mc="http://schemas.openxmlformats.org/markup-compatibility/2006" xmlns:mv="urn:schemas-microsoft-com:mac:vml" xmlns:p="http://schemas.openxmlformats.org/presentationml/2006/main" xmlns:c="http://schemas.openxmlformats.org/drawingml/2006/chart" xmlns:dgm="http://schemas.openxmlformats.org/drawingml/2006/diagram" xmlns:o="urn:schemas-microsoft-com:office:office" xmlns:v="urn:schemas-microsoft-com:vml" xmlns:pvml="urn:schemas-microsoft-com:office:powerpoint" xmlns:com="http://schemas.openxmlformats.org/drawingml/2006/compatibility" xmlns:p14="http://schemas.microsoft.com/office/powerpoint/2010/main" xmlns:p15="http://schemas.microsoft.com/office/powerpoint/2012/main" xmlns:ahyp="http://schemas.microsoft.com/office/drawing/2018/hyperlinkcolor">
+<p:sld xmlns:a="http://schemas.openxmlformats.org/drawingml/2006/main" xmlns:r="http://schemas.openxmlformats.org/officeDocument/2006/relationships" xmlns:p="http://schemas.openxmlformats.org/presentationml/2006/main">
   <p:cSld>
     <p:spTree>
       <p:nvGrpSpPr>
@@ -7749,12 +7526,12 @@
           </a:prstGeom>
         </p:spPr>
         <p:txBody>
-          <a:bodyPr anchorCtr="0" anchor="t" bIns="91425" lIns="91425" spcFirstLastPara="1" rIns="91425" wrap="square" tIns="91425">
+          <a:bodyPr spcFirstLastPara="1" wrap="square" lIns="91425" tIns="91425" rIns="91425" bIns="91425" anchor="t" anchorCtr="0">
             <a:normAutofit fontScale="90000"/>
           </a:bodyPr>
           <a:lstStyle/>
           <a:p>
-            <a:pPr indent="0" lvl="0" marL="0" rtl="0" algn="ctr">
+            <a:pPr marL="0" lvl="0" indent="0" algn="ctr" rtl="0">
               <a:spcBef>
                 <a:spcPts val="0"/>
               </a:spcBef>
@@ -7764,10 +7541,10 @@
               <a:buNone/>
             </a:pPr>
             <a:r>
-              <a:rPr lang="ru"/>
+              <a:rPr lang="en-US"/>
               <a:t>Страница с подключенными стилями и без</a:t>
             </a:r>
-            <a:endParaRPr/>
+            <a:endParaRPr lang="en-US"/>
           </a:p>
         </p:txBody>
       </p:sp>
@@ -7776,7 +7553,7 @@
           <p:cNvPr id="129" name="Google Shape;129;p22"/>
           <p:cNvSpPr txBox="1"/>
           <p:nvPr>
-            <p:ph idx="1" type="body"/>
+            <p:ph type="body" idx="1"/>
           </p:nvPr>
         </p:nvSpPr>
         <p:spPr>
@@ -7789,12 +7566,12 @@
           </a:prstGeom>
         </p:spPr>
         <p:txBody>
-          <a:bodyPr anchorCtr="0" anchor="t" bIns="91425" lIns="91425" spcFirstLastPara="1" rIns="91425" wrap="square" tIns="91425">
+          <a:bodyPr spcFirstLastPara="1" wrap="square" lIns="91425" tIns="91425" rIns="91425" bIns="91425" anchor="t" anchorCtr="0">
             <a:normAutofit/>
           </a:bodyPr>
           <a:lstStyle/>
           <a:p>
-            <a:pPr indent="0" lvl="0" marL="0" rtl="0" algn="l">
+            <a:pPr marL="0" lvl="0" indent="0" algn="l" rtl="0">
               <a:spcBef>
                 <a:spcPts val="0"/>
               </a:spcBef>
@@ -7803,10 +7580,6 @@
               </a:spcAft>
               <a:buNone/>
             </a:pPr>
-            <a:r>
-              <a:t/>
-            </a:r>
-            <a:endParaRPr/>
           </a:p>
         </p:txBody>
       </p:sp>
@@ -7817,17 +7590,15 @@
           <p:nvPr/>
         </p:nvPicPr>
         <p:blipFill>
-          <a:blip r:embed="rId3">
-            <a:alphaModFix/>
-          </a:blip>
+          <a:blip r:embed="rId1"/>
           <a:stretch>
             <a:fillRect/>
           </a:stretch>
         </p:blipFill>
         <p:spPr>
           <a:xfrm>
-            <a:off x="0" y="1469850"/>
-            <a:ext cx="4477750" cy="2322825"/>
+            <a:off x="984885" y="1470025"/>
+            <a:ext cx="3493135" cy="1857375"/>
           </a:xfrm>
           <a:prstGeom prst="rect">
             <a:avLst/>
@@ -7845,17 +7616,15 @@
           <p:nvPr/>
         </p:nvPicPr>
         <p:blipFill>
-          <a:blip r:embed="rId4">
-            <a:alphaModFix/>
-          </a:blip>
+          <a:blip r:embed="rId2"/>
           <a:stretch>
             <a:fillRect/>
           </a:stretch>
         </p:blipFill>
         <p:spPr>
           <a:xfrm>
-            <a:off x="4477750" y="1481106"/>
-            <a:ext cx="4666250" cy="2300315"/>
+            <a:off x="4478020" y="1480820"/>
+            <a:ext cx="4241165" cy="1846580"/>
           </a:xfrm>
           <a:prstGeom prst="rect">
             <a:avLst/>
@@ -7875,217 +7644,7 @@
 </file>
 
 <file path=ppt/slides/slide11.xml><?xml version="1.0" encoding="utf-8"?>
-<p:sld xmlns:a="http://schemas.openxmlformats.org/drawingml/2006/main" xmlns:r="http://schemas.openxmlformats.org/officeDocument/2006/relationships" xmlns:mc="http://schemas.openxmlformats.org/markup-compatibility/2006" xmlns:mv="urn:schemas-microsoft-com:mac:vml" xmlns:p="http://schemas.openxmlformats.org/presentationml/2006/main" xmlns:c="http://schemas.openxmlformats.org/drawingml/2006/chart" xmlns:dgm="http://schemas.openxmlformats.org/drawingml/2006/diagram" xmlns:o="urn:schemas-microsoft-com:office:office" xmlns:v="urn:schemas-microsoft-com:vml" xmlns:pvml="urn:schemas-microsoft-com:office:powerpoint" xmlns:com="http://schemas.openxmlformats.org/drawingml/2006/compatibility" xmlns:p14="http://schemas.microsoft.com/office/powerpoint/2010/main" xmlns:p15="http://schemas.microsoft.com/office/powerpoint/2012/main" xmlns:ahyp="http://schemas.microsoft.com/office/drawing/2018/hyperlinkcolor">
-  <p:cSld>
-    <p:spTree>
-      <p:nvGrpSpPr>
-        <p:cNvPr id="135" name="Shape 135"/>
-        <p:cNvGrpSpPr/>
-        <p:nvPr/>
-      </p:nvGrpSpPr>
-      <p:grpSpPr>
-        <a:xfrm>
-          <a:off x="0" y="0"/>
-          <a:ext cx="0" cy="0"/>
-          <a:chOff x="0" y="0"/>
-          <a:chExt cx="0" cy="0"/>
-        </a:xfrm>
-      </p:grpSpPr>
-      <p:sp>
-        <p:nvSpPr>
-          <p:cNvPr id="136" name="Google Shape;136;p23"/>
-          <p:cNvSpPr txBox="1"/>
-          <p:nvPr>
-            <p:ph type="title"/>
-          </p:nvPr>
-        </p:nvSpPr>
-        <p:spPr>
-          <a:xfrm>
-            <a:off x="311700" y="445025"/>
-            <a:ext cx="8520600" cy="572700"/>
-          </a:xfrm>
-          <a:prstGeom prst="rect">
-            <a:avLst/>
-          </a:prstGeom>
-        </p:spPr>
-        <p:txBody>
-          <a:bodyPr anchorCtr="0" anchor="t" bIns="91425" lIns="91425" spcFirstLastPara="1" rIns="91425" wrap="square" tIns="91425">
-            <a:normAutofit fontScale="90000"/>
-          </a:bodyPr>
-          <a:lstStyle/>
-          <a:p>
-            <a:pPr indent="0" lvl="0" marL="0" rtl="0" algn="ctr">
-              <a:spcBef>
-                <a:spcPts val="0"/>
-              </a:spcBef>
-              <a:spcAft>
-                <a:spcPts val="0"/>
-              </a:spcAft>
-              <a:buNone/>
-            </a:pPr>
-            <a:r>
-              <a:rPr lang="ru"/>
-              <a:t>Процесс регистрации</a:t>
-            </a:r>
-            <a:endParaRPr/>
-          </a:p>
-        </p:txBody>
-      </p:sp>
-      <p:sp>
-        <p:nvSpPr>
-          <p:cNvPr id="137" name="Google Shape;137;p23"/>
-          <p:cNvSpPr txBox="1"/>
-          <p:nvPr>
-            <p:ph idx="1" type="body"/>
-          </p:nvPr>
-        </p:nvSpPr>
-        <p:spPr>
-          <a:xfrm>
-            <a:off x="311700" y="1152475"/>
-            <a:ext cx="8520600" cy="3416400"/>
-          </a:xfrm>
-          <a:prstGeom prst="rect">
-            <a:avLst/>
-          </a:prstGeom>
-        </p:spPr>
-        <p:txBody>
-          <a:bodyPr anchorCtr="0" anchor="t" bIns="91425" lIns="91425" spcFirstLastPara="1" rIns="91425" wrap="square" tIns="91425">
-            <a:normAutofit/>
-          </a:bodyPr>
-          <a:lstStyle/>
-          <a:p>
-            <a:pPr indent="0" lvl="0" marL="0" rtl="0" algn="ctr">
-              <a:spcBef>
-                <a:spcPts val="0"/>
-              </a:spcBef>
-              <a:spcAft>
-                <a:spcPts val="1200"/>
-              </a:spcAft>
-              <a:buNone/>
-            </a:pPr>
-            <a:r>
-              <a:rPr lang="ru"/>
-              <a:t>МЕСТО ДЛЯ СКРИНА</a:t>
-            </a:r>
-            <a:endParaRPr/>
-          </a:p>
-        </p:txBody>
-      </p:sp>
-    </p:spTree>
-  </p:cSld>
-  <p:clrMapOvr>
-    <a:masterClrMapping/>
-  </p:clrMapOvr>
-</p:sld>
-</file>
-
-<file path=ppt/slides/slide12.xml><?xml version="1.0" encoding="utf-8"?>
-<p:sld xmlns:a="http://schemas.openxmlformats.org/drawingml/2006/main" xmlns:r="http://schemas.openxmlformats.org/officeDocument/2006/relationships" xmlns:mc="http://schemas.openxmlformats.org/markup-compatibility/2006" xmlns:mv="urn:schemas-microsoft-com:mac:vml" xmlns:p="http://schemas.openxmlformats.org/presentationml/2006/main" xmlns:c="http://schemas.openxmlformats.org/drawingml/2006/chart" xmlns:dgm="http://schemas.openxmlformats.org/drawingml/2006/diagram" xmlns:o="urn:schemas-microsoft-com:office:office" xmlns:v="urn:schemas-microsoft-com:vml" xmlns:pvml="urn:schemas-microsoft-com:office:powerpoint" xmlns:com="http://schemas.openxmlformats.org/drawingml/2006/compatibility" xmlns:p14="http://schemas.microsoft.com/office/powerpoint/2010/main" xmlns:p15="http://schemas.microsoft.com/office/powerpoint/2012/main" xmlns:ahyp="http://schemas.microsoft.com/office/drawing/2018/hyperlinkcolor">
-  <p:cSld>
-    <p:spTree>
-      <p:nvGrpSpPr>
-        <p:cNvPr id="141" name="Shape 141"/>
-        <p:cNvGrpSpPr/>
-        <p:nvPr/>
-      </p:nvGrpSpPr>
-      <p:grpSpPr>
-        <a:xfrm>
-          <a:off x="0" y="0"/>
-          <a:ext cx="0" cy="0"/>
-          <a:chOff x="0" y="0"/>
-          <a:chExt cx="0" cy="0"/>
-        </a:xfrm>
-      </p:grpSpPr>
-      <p:sp>
-        <p:nvSpPr>
-          <p:cNvPr id="142" name="Google Shape;142;p24"/>
-          <p:cNvSpPr txBox="1"/>
-          <p:nvPr>
-            <p:ph type="title"/>
-          </p:nvPr>
-        </p:nvSpPr>
-        <p:spPr>
-          <a:xfrm>
-            <a:off x="311700" y="445025"/>
-            <a:ext cx="8520600" cy="572700"/>
-          </a:xfrm>
-          <a:prstGeom prst="rect">
-            <a:avLst/>
-          </a:prstGeom>
-        </p:spPr>
-        <p:txBody>
-          <a:bodyPr anchorCtr="0" anchor="t" bIns="91425" lIns="91425" spcFirstLastPara="1" rIns="91425" wrap="square" tIns="91425">
-            <a:normAutofit fontScale="90000"/>
-          </a:bodyPr>
-          <a:lstStyle/>
-          <a:p>
-            <a:pPr indent="0" lvl="0" marL="0" rtl="0" algn="ctr">
-              <a:spcBef>
-                <a:spcPts val="0"/>
-              </a:spcBef>
-              <a:spcAft>
-                <a:spcPts val="0"/>
-              </a:spcAft>
-              <a:buNone/>
-            </a:pPr>
-            <a:r>
-              <a:rPr lang="ru"/>
-              <a:t>Получение прогноза погоды</a:t>
-            </a:r>
-            <a:endParaRPr/>
-          </a:p>
-        </p:txBody>
-      </p:sp>
-      <p:sp>
-        <p:nvSpPr>
-          <p:cNvPr id="143" name="Google Shape;143;p24"/>
-          <p:cNvSpPr txBox="1"/>
-          <p:nvPr>
-            <p:ph idx="1" type="body"/>
-          </p:nvPr>
-        </p:nvSpPr>
-        <p:spPr>
-          <a:xfrm>
-            <a:off x="311700" y="1152475"/>
-            <a:ext cx="8520600" cy="3416400"/>
-          </a:xfrm>
-          <a:prstGeom prst="rect">
-            <a:avLst/>
-          </a:prstGeom>
-        </p:spPr>
-        <p:txBody>
-          <a:bodyPr anchorCtr="0" anchor="t" bIns="91425" lIns="91425" spcFirstLastPara="1" rIns="91425" wrap="square" tIns="91425">
-            <a:normAutofit/>
-          </a:bodyPr>
-          <a:lstStyle/>
-          <a:p>
-            <a:pPr indent="0" lvl="0" marL="0" rtl="0" algn="ctr">
-              <a:spcBef>
-                <a:spcPts val="0"/>
-              </a:spcBef>
-              <a:spcAft>
-                <a:spcPts val="1200"/>
-              </a:spcAft>
-              <a:buNone/>
-            </a:pPr>
-            <a:r>
-              <a:rPr lang="ru"/>
-              <a:t>МЕСТО ДЛЯ СКРИНШОТА</a:t>
-            </a:r>
-            <a:endParaRPr/>
-          </a:p>
-        </p:txBody>
-      </p:sp>
-    </p:spTree>
-  </p:cSld>
-  <p:clrMapOvr>
-    <a:masterClrMapping/>
-  </p:clrMapOvr>
-</p:sld>
-</file>
-
-<file path=ppt/slides/slide13.xml><?xml version="1.0" encoding="utf-8"?>
-<p:sld xmlns:a="http://schemas.openxmlformats.org/drawingml/2006/main" xmlns:r="http://schemas.openxmlformats.org/officeDocument/2006/relationships" xmlns:mc="http://schemas.openxmlformats.org/markup-compatibility/2006" xmlns:mv="urn:schemas-microsoft-com:mac:vml" xmlns:p="http://schemas.openxmlformats.org/presentationml/2006/main" xmlns:c="http://schemas.openxmlformats.org/drawingml/2006/chart" xmlns:dgm="http://schemas.openxmlformats.org/drawingml/2006/diagram" xmlns:o="urn:schemas-microsoft-com:office:office" xmlns:v="urn:schemas-microsoft-com:vml" xmlns:pvml="urn:schemas-microsoft-com:office:powerpoint" xmlns:com="http://schemas.openxmlformats.org/drawingml/2006/compatibility" xmlns:p14="http://schemas.microsoft.com/office/powerpoint/2010/main" xmlns:p15="http://schemas.microsoft.com/office/powerpoint/2012/main" xmlns:ahyp="http://schemas.microsoft.com/office/drawing/2018/hyperlinkcolor">
+<p:sld xmlns:a="http://schemas.openxmlformats.org/drawingml/2006/main" xmlns:r="http://schemas.openxmlformats.org/officeDocument/2006/relationships" xmlns:p="http://schemas.openxmlformats.org/presentationml/2006/main">
   <p:cSld>
     <p:spTree>
       <p:nvGrpSpPr>
@@ -8119,12 +7678,12 @@
           </a:prstGeom>
         </p:spPr>
         <p:txBody>
-          <a:bodyPr anchorCtr="0" anchor="t" bIns="91425" lIns="91425" spcFirstLastPara="1" rIns="91425" wrap="square" tIns="91425">
+          <a:bodyPr spcFirstLastPara="1" wrap="square" lIns="91425" tIns="91425" rIns="91425" bIns="91425" anchor="t" anchorCtr="0">
             <a:normAutofit fontScale="90000"/>
           </a:bodyPr>
           <a:lstStyle/>
           <a:p>
-            <a:pPr indent="0" lvl="0" marL="0" rtl="0" algn="ctr">
+            <a:pPr marL="0" lvl="0" indent="0" algn="ctr" rtl="0">
               <a:spcBef>
                 <a:spcPts val="0"/>
               </a:spcBef>
@@ -8134,10 +7693,10 @@
               <a:buNone/>
             </a:pPr>
             <a:r>
-              <a:rPr lang="ru"/>
-              <a:t>Прочие скриношоты</a:t>
+              <a:rPr lang="ru-RU"/>
+              <a:t>Материалы из интернета</a:t>
             </a:r>
-            <a:endParaRPr/>
+            <a:endParaRPr lang="ru-RU"/>
           </a:p>
         </p:txBody>
       </p:sp>
@@ -8146,7 +7705,7 @@
           <p:cNvPr id="149" name="Google Shape;149;p25"/>
           <p:cNvSpPr txBox="1"/>
           <p:nvPr>
-            <p:ph idx="1" type="body"/>
+            <p:ph type="body" idx="1"/>
           </p:nvPr>
         </p:nvSpPr>
         <p:spPr>
@@ -8159,12 +7718,12 @@
           </a:prstGeom>
         </p:spPr>
         <p:txBody>
-          <a:bodyPr anchorCtr="0" anchor="t" bIns="91425" lIns="91425" spcFirstLastPara="1" rIns="91425" wrap="square" tIns="91425">
+          <a:bodyPr spcFirstLastPara="1" wrap="square" lIns="91425" tIns="91425" rIns="91425" bIns="91425" anchor="t" anchorCtr="0">
             <a:normAutofit/>
           </a:bodyPr>
           <a:lstStyle/>
           <a:p>
-            <a:pPr indent="0" lvl="0" marL="0" rtl="0" algn="l">
+            <a:pPr marL="0" lvl="0" indent="0" algn="l" rtl="0">
               <a:spcBef>
                 <a:spcPts val="0"/>
               </a:spcBef>
@@ -8173,10 +7732,68 @@
               </a:spcAft>
               <a:buNone/>
             </a:pPr>
+            <a:endParaRPr lang="en-US" altLang="ru-RU"/>
+          </a:p>
+        </p:txBody>
+      </p:sp>
+      <p:pic>
+        <p:nvPicPr>
+          <p:cNvPr id="1" name="Изображение 0" descr="title_image"/>
+          <p:cNvPicPr>
+            <a:picLocks noChangeAspect="1"/>
+          </p:cNvPicPr>
+          <p:nvPr/>
+        </p:nvPicPr>
+        <p:blipFill>
+          <a:blip r:embed="rId1"/>
+          <a:stretch>
+            <a:fillRect/>
+          </a:stretch>
+        </p:blipFill>
+        <p:spPr>
+          <a:xfrm>
+            <a:off x="1981200" y="1152525"/>
+            <a:ext cx="4903470" cy="2748280"/>
+          </a:xfrm>
+          <a:prstGeom prst="rect">
+            <a:avLst/>
+          </a:prstGeom>
+        </p:spPr>
+      </p:pic>
+      <p:sp>
+        <p:nvSpPr>
+          <p:cNvPr id="2" name="Текстовое поле 1"/>
+          <p:cNvSpPr txBox="1"/>
+          <p:nvPr/>
+        </p:nvSpPr>
+        <p:spPr>
+          <a:xfrm>
+            <a:off x="2600960" y="4035425"/>
+            <a:ext cx="4072890" cy="521970"/>
+          </a:xfrm>
+          <a:prstGeom prst="rect">
+            <a:avLst/>
+          </a:prstGeom>
+          <a:noFill/>
+        </p:spPr>
+        <p:txBody>
+          <a:bodyPr wrap="square" rtlCol="0">
+            <a:spAutoFit/>
+          </a:bodyPr>
+          <a:p>
             <a:r>
-              <a:t/>
+              <a:rPr lang="ru-RU" altLang="en-US">
+                <a:solidFill>
+                  <a:schemeClr val="tx1"/>
+                </a:solidFill>
+              </a:rPr>
+              <a:t>Все остальные файлы являются оригинальными и сделаны вручную</a:t>
             </a:r>
-            <a:endParaRPr/>
+            <a:endParaRPr lang="ru-RU" altLang="en-US">
+              <a:solidFill>
+                <a:schemeClr val="tx1"/>
+              </a:solidFill>
+            </a:endParaRPr>
           </a:p>
         </p:txBody>
       </p:sp>
@@ -8188,8 +7805,8 @@
 </p:sld>
 </file>
 
-<file path=ppt/slides/slide14.xml><?xml version="1.0" encoding="utf-8"?>
-<p:sld xmlns:a="http://schemas.openxmlformats.org/drawingml/2006/main" xmlns:r="http://schemas.openxmlformats.org/officeDocument/2006/relationships" xmlns:mc="http://schemas.openxmlformats.org/markup-compatibility/2006" xmlns:mv="urn:schemas-microsoft-com:mac:vml" xmlns:p="http://schemas.openxmlformats.org/presentationml/2006/main" xmlns:c="http://schemas.openxmlformats.org/drawingml/2006/chart" xmlns:dgm="http://schemas.openxmlformats.org/drawingml/2006/diagram" xmlns:o="urn:schemas-microsoft-com:office:office" xmlns:v="urn:schemas-microsoft-com:vml" xmlns:pvml="urn:schemas-microsoft-com:office:powerpoint" xmlns:com="http://schemas.openxmlformats.org/drawingml/2006/compatibility" xmlns:p14="http://schemas.microsoft.com/office/powerpoint/2010/main" xmlns:p15="http://schemas.microsoft.com/office/powerpoint/2012/main" xmlns:ahyp="http://schemas.microsoft.com/office/drawing/2018/hyperlinkcolor">
+<file path=ppt/slides/slide12.xml><?xml version="1.0" encoding="utf-8"?>
+<p:sld xmlns:a="http://schemas.openxmlformats.org/drawingml/2006/main" xmlns:r="http://schemas.openxmlformats.org/officeDocument/2006/relationships" xmlns:p="http://schemas.openxmlformats.org/presentationml/2006/main">
   <p:cSld>
     <p:spTree>
       <p:nvGrpSpPr>
@@ -8223,12 +7840,12 @@
           </a:prstGeom>
         </p:spPr>
         <p:txBody>
-          <a:bodyPr anchorCtr="0" anchor="t" bIns="91425" lIns="91425" spcFirstLastPara="1" rIns="91425" wrap="square" tIns="91425">
+          <a:bodyPr spcFirstLastPara="1" wrap="square" lIns="91425" tIns="91425" rIns="91425" bIns="91425" anchor="t" anchorCtr="0">
             <a:normAutofit fontScale="90000"/>
           </a:bodyPr>
           <a:lstStyle/>
           <a:p>
-            <a:pPr indent="0" lvl="0" marL="0" rtl="0" algn="l">
+            <a:pPr marL="0" lvl="0" indent="0" algn="l" rtl="0">
               <a:spcBef>
                 <a:spcPts val="0"/>
               </a:spcBef>
@@ -8238,10 +7855,10 @@
               <a:buNone/>
             </a:pPr>
             <a:r>
-              <a:rPr lang="ru"/>
+              <a:rPr lang="en-US"/>
               <a:t>Итоги работы</a:t>
             </a:r>
-            <a:endParaRPr/>
+            <a:endParaRPr lang="en-US"/>
           </a:p>
         </p:txBody>
       </p:sp>
@@ -8250,7 +7867,7 @@
           <p:cNvPr id="155" name="Google Shape;155;p26"/>
           <p:cNvSpPr txBox="1"/>
           <p:nvPr>
-            <p:ph idx="1" type="body"/>
+            <p:ph type="body" idx="1"/>
           </p:nvPr>
         </p:nvSpPr>
         <p:spPr>
@@ -8263,12 +7880,12 @@
           </a:prstGeom>
         </p:spPr>
         <p:txBody>
-          <a:bodyPr anchorCtr="0" anchor="t" bIns="91425" lIns="91425" spcFirstLastPara="1" rIns="91425" wrap="square" tIns="91425">
+          <a:bodyPr spcFirstLastPara="1" wrap="square" lIns="91425" tIns="91425" rIns="91425" bIns="91425" anchor="t" anchorCtr="0">
             <a:normAutofit/>
           </a:bodyPr>
           <a:lstStyle/>
           <a:p>
-            <a:pPr indent="0" lvl="0" marL="0" rtl="0" algn="l">
+            <a:pPr marL="0" lvl="0" indent="0" algn="l" rtl="0">
               <a:spcBef>
                 <a:spcPts val="0"/>
               </a:spcBef>
@@ -8278,13 +7895,13 @@
               <a:buNone/>
             </a:pPr>
             <a:r>
-              <a:rPr lang="ru"/>
+              <a:rPr lang="en-US"/>
               <a:t>В данном проекте мы создали интересное приложение, с помощью которого вы можете узнать прогноз погоды и гороскопа. </a:t>
             </a:r>
-            <a:endParaRPr/>
+            <a:endParaRPr lang="en-US"/>
           </a:p>
           <a:p>
-            <a:pPr indent="0" lvl="0" marL="0" rtl="0" algn="l">
+            <a:pPr marL="0" lvl="0" indent="0" algn="l" rtl="0">
               <a:spcBef>
                 <a:spcPts val="1200"/>
               </a:spcBef>
@@ -8294,13 +7911,13 @@
               <a:buNone/>
             </a:pPr>
             <a:r>
-              <a:rPr lang="ru"/>
+              <a:rPr lang="en-US"/>
               <a:t>Во время выполнения работы мы соблюли все необходимые условия.</a:t>
             </a:r>
-            <a:endParaRPr/>
+            <a:endParaRPr lang="en-US"/>
           </a:p>
           <a:p>
-            <a:pPr indent="0" lvl="0" marL="0" rtl="0" algn="l">
+            <a:pPr marL="0" lvl="0" indent="0" algn="l" rtl="0">
               <a:spcBef>
                 <a:spcPts val="1200"/>
               </a:spcBef>
@@ -8310,17 +7927,17 @@
               <a:buNone/>
             </a:pPr>
             <a:r>
-              <a:rPr lang="ru"/>
+              <a:rPr lang="en-US"/>
               <a:t>Проект можно </a:t>
             </a:r>
             <a:r>
-              <a:rPr lang="ru"/>
+              <a:rPr lang="en-US"/>
               <a:t>дорабатывать, присутствует множество перспектив</a:t>
             </a:r>
-            <a:endParaRPr/>
+            <a:endParaRPr lang="en-US"/>
           </a:p>
           <a:p>
-            <a:pPr indent="0" lvl="0" marL="0" rtl="0" algn="l">
+            <a:pPr marL="0" lvl="0" indent="0" algn="l" rtl="0">
               <a:spcBef>
                 <a:spcPts val="1200"/>
               </a:spcBef>
@@ -8330,10 +7947,10 @@
               <a:buNone/>
             </a:pPr>
             <a:r>
-              <a:rPr lang="ru"/>
+              <a:rPr lang="en-US"/>
               <a:t>Мы надеемся что Вам понравилась наша работа.</a:t>
             </a:r>
-            <a:endParaRPr/>
+            <a:endParaRPr lang="en-US"/>
           </a:p>
         </p:txBody>
       </p:sp>
@@ -8346,7 +7963,7 @@
 </file>
 
 <file path=ppt/slides/slide2.xml><?xml version="1.0" encoding="utf-8"?>
-<p:sld xmlns:a="http://schemas.openxmlformats.org/drawingml/2006/main" xmlns:r="http://schemas.openxmlformats.org/officeDocument/2006/relationships" xmlns:mc="http://schemas.openxmlformats.org/markup-compatibility/2006" xmlns:mv="urn:schemas-microsoft-com:mac:vml" xmlns:p="http://schemas.openxmlformats.org/presentationml/2006/main" xmlns:c="http://schemas.openxmlformats.org/drawingml/2006/chart" xmlns:dgm="http://schemas.openxmlformats.org/drawingml/2006/diagram" xmlns:o="urn:schemas-microsoft-com:office:office" xmlns:v="urn:schemas-microsoft-com:vml" xmlns:pvml="urn:schemas-microsoft-com:office:powerpoint" xmlns:com="http://schemas.openxmlformats.org/drawingml/2006/compatibility" xmlns:p14="http://schemas.microsoft.com/office/powerpoint/2010/main" xmlns:p15="http://schemas.microsoft.com/office/powerpoint/2012/main" xmlns:ahyp="http://schemas.microsoft.com/office/drawing/2018/hyperlinkcolor">
+<p:sld xmlns:a="http://schemas.openxmlformats.org/drawingml/2006/main" xmlns:r="http://schemas.openxmlformats.org/officeDocument/2006/relationships" xmlns:p="http://schemas.openxmlformats.org/presentationml/2006/main">
   <p:cSld>
     <p:spTree>
       <p:nvGrpSpPr>
@@ -8380,12 +7997,12 @@
           </a:prstGeom>
         </p:spPr>
         <p:txBody>
-          <a:bodyPr anchorCtr="0" anchor="t" bIns="91425" lIns="91425" spcFirstLastPara="1" rIns="91425" wrap="square" tIns="91425">
+          <a:bodyPr spcFirstLastPara="1" wrap="square" lIns="91425" tIns="91425" rIns="91425" bIns="91425" anchor="t" anchorCtr="0">
             <a:normAutofit fontScale="90000"/>
           </a:bodyPr>
           <a:lstStyle/>
           <a:p>
-            <a:pPr indent="0" lvl="0" marL="0" rtl="0" algn="l">
+            <a:pPr marL="0" lvl="0" indent="0" algn="l" rtl="0">
               <a:spcBef>
                 <a:spcPts val="0"/>
               </a:spcBef>
@@ -8395,10 +8012,10 @@
               <a:buNone/>
             </a:pPr>
             <a:r>
-              <a:rPr lang="ru"/>
+              <a:rPr lang="en-US"/>
               <a:t>Содержание презентации:</a:t>
             </a:r>
-            <a:endParaRPr/>
+            <a:endParaRPr lang="en-US"/>
           </a:p>
         </p:txBody>
       </p:sp>
@@ -8407,7 +8024,7 @@
           <p:cNvPr id="73" name="Google Shape;73;p14"/>
           <p:cNvSpPr txBox="1"/>
           <p:nvPr>
-            <p:ph idx="1" type="body"/>
+            <p:ph type="body" idx="1"/>
           </p:nvPr>
         </p:nvSpPr>
         <p:spPr>
@@ -8420,12 +8037,12 @@
           </a:prstGeom>
         </p:spPr>
         <p:txBody>
-          <a:bodyPr anchorCtr="0" anchor="t" bIns="91425" lIns="91425" spcFirstLastPara="1" rIns="91425" wrap="square" tIns="91425">
+          <a:bodyPr spcFirstLastPara="1" wrap="square" lIns="91425" tIns="91425" rIns="91425" bIns="91425" anchor="t" anchorCtr="0">
             <a:normAutofit/>
           </a:bodyPr>
           <a:lstStyle/>
           <a:p>
-            <a:pPr indent="-342900" lvl="0" marL="457200" rtl="0" algn="l">
+            <a:pPr marL="457200" lvl="0" indent="-342900" algn="l" rtl="0">
               <a:spcBef>
                 <a:spcPts val="0"/>
               </a:spcBef>
@@ -8436,13 +8053,13 @@
               <a:buAutoNum type="arabicParenR"/>
             </a:pPr>
             <a:r>
-              <a:rPr lang="ru"/>
+              <a:rPr lang="en-US"/>
               <a:t>Введение | Идея проекта</a:t>
             </a:r>
-            <a:endParaRPr/>
+            <a:endParaRPr lang="en-US"/>
           </a:p>
           <a:p>
-            <a:pPr indent="-342900" lvl="0" marL="457200" rtl="0" algn="l">
+            <a:pPr marL="457200" lvl="0" indent="-342900" algn="l" rtl="0">
               <a:spcBef>
                 <a:spcPts val="0"/>
               </a:spcBef>
@@ -8453,13 +8070,13 @@
               <a:buAutoNum type="arabicParenR"/>
             </a:pPr>
             <a:r>
-              <a:rPr lang="ru"/>
+              <a:rPr lang="en-US"/>
               <a:t>Для каких задач создан проект?</a:t>
             </a:r>
-            <a:endParaRPr/>
+            <a:endParaRPr lang="en-US"/>
           </a:p>
           <a:p>
-            <a:pPr indent="-342900" lvl="0" marL="457200" rtl="0" algn="l">
+            <a:pPr marL="457200" lvl="0" indent="-342900" algn="l" rtl="0">
               <a:spcBef>
                 <a:spcPts val="0"/>
               </a:spcBef>
@@ -8470,13 +8087,13 @@
               <a:buAutoNum type="arabicParenR"/>
             </a:pPr>
             <a:r>
-              <a:rPr lang="ru"/>
+              <a:rPr lang="en-US"/>
               <a:t>Описание реализации | Структура и классы </a:t>
             </a:r>
-            <a:endParaRPr/>
+            <a:endParaRPr lang="en-US"/>
           </a:p>
           <a:p>
-            <a:pPr indent="-342900" lvl="0" marL="457200" rtl="0" algn="l">
+            <a:pPr marL="457200" lvl="0" indent="-342900" algn="l" rtl="0">
               <a:spcBef>
                 <a:spcPts val="0"/>
               </a:spcBef>
@@ -8487,17 +8104,17 @@
               <a:buAutoNum type="arabicParenR"/>
             </a:pPr>
             <a:r>
-              <a:rPr lang="ru"/>
+              <a:rPr lang="en-US"/>
               <a:t>Фотокарточки</a:t>
             </a:r>
             <a:r>
-              <a:rPr lang="ru"/>
+              <a:rPr lang="en-US"/>
               <a:t> работы </a:t>
             </a:r>
-            <a:endParaRPr/>
+            <a:endParaRPr lang="en-US"/>
           </a:p>
           <a:p>
-            <a:pPr indent="-342900" lvl="0" marL="457200" rtl="0" algn="l">
+            <a:pPr marL="457200" lvl="0" indent="-342900" algn="l" rtl="0">
               <a:spcBef>
                 <a:spcPts val="0"/>
               </a:spcBef>
@@ -8508,10 +8125,10 @@
               <a:buAutoNum type="arabicParenR"/>
             </a:pPr>
             <a:r>
-              <a:rPr lang="ru"/>
+              <a:rPr lang="en-US"/>
               <a:t>Итоги</a:t>
             </a:r>
-            <a:endParaRPr/>
+            <a:endParaRPr lang="en-US"/>
           </a:p>
         </p:txBody>
       </p:sp>
@@ -8524,7 +8141,7 @@
 </file>
 
 <file path=ppt/slides/slide3.xml><?xml version="1.0" encoding="utf-8"?>
-<p:sld xmlns:a="http://schemas.openxmlformats.org/drawingml/2006/main" xmlns:r="http://schemas.openxmlformats.org/officeDocument/2006/relationships" xmlns:mc="http://schemas.openxmlformats.org/markup-compatibility/2006" xmlns:mv="urn:schemas-microsoft-com:mac:vml" xmlns:p="http://schemas.openxmlformats.org/presentationml/2006/main" xmlns:c="http://schemas.openxmlformats.org/drawingml/2006/chart" xmlns:dgm="http://schemas.openxmlformats.org/drawingml/2006/diagram" xmlns:o="urn:schemas-microsoft-com:office:office" xmlns:v="urn:schemas-microsoft-com:vml" xmlns:pvml="urn:schemas-microsoft-com:office:powerpoint" xmlns:com="http://schemas.openxmlformats.org/drawingml/2006/compatibility" xmlns:p14="http://schemas.microsoft.com/office/powerpoint/2010/main" xmlns:p15="http://schemas.microsoft.com/office/powerpoint/2012/main" xmlns:ahyp="http://schemas.microsoft.com/office/drawing/2018/hyperlinkcolor">
+<p:sld xmlns:a="http://schemas.openxmlformats.org/drawingml/2006/main" xmlns:r="http://schemas.openxmlformats.org/officeDocument/2006/relationships" xmlns:p="http://schemas.openxmlformats.org/presentationml/2006/main">
   <p:cSld>
     <p:spTree>
       <p:nvGrpSpPr>
@@ -8558,12 +8175,12 @@
           </a:prstGeom>
         </p:spPr>
         <p:txBody>
-          <a:bodyPr anchorCtr="0" anchor="t" bIns="91425" lIns="91425" spcFirstLastPara="1" rIns="91425" wrap="square" tIns="91425">
+          <a:bodyPr spcFirstLastPara="1" wrap="square" lIns="91425" tIns="91425" rIns="91425" bIns="91425" anchor="t" anchorCtr="0">
             <a:normAutofit fontScale="90000"/>
           </a:bodyPr>
           <a:lstStyle/>
           <a:p>
-            <a:pPr indent="0" lvl="0" marL="0" rtl="0" algn="l">
+            <a:pPr marL="0" lvl="0" indent="0" algn="l" rtl="0">
               <a:spcBef>
                 <a:spcPts val="0"/>
               </a:spcBef>
@@ -8573,10 +8190,10 @@
               <a:buNone/>
             </a:pPr>
             <a:r>
-              <a:rPr lang="ru"/>
+              <a:rPr lang="en-US"/>
               <a:t>Введение</a:t>
             </a:r>
-            <a:endParaRPr/>
+            <a:endParaRPr lang="en-US"/>
           </a:p>
         </p:txBody>
       </p:sp>
@@ -8585,7 +8202,7 @@
           <p:cNvPr id="79" name="Google Shape;79;p15"/>
           <p:cNvSpPr txBox="1"/>
           <p:nvPr>
-            <p:ph idx="1" type="body"/>
+            <p:ph type="body" idx="1"/>
           </p:nvPr>
         </p:nvSpPr>
         <p:spPr>
@@ -8598,12 +8215,12 @@
           </a:prstGeom>
         </p:spPr>
         <p:txBody>
-          <a:bodyPr anchorCtr="0" anchor="t" bIns="91425" lIns="91425" spcFirstLastPara="1" rIns="91425" wrap="square" tIns="91425">
+          <a:bodyPr spcFirstLastPara="1" wrap="square" lIns="91425" tIns="91425" rIns="91425" bIns="91425" anchor="t" anchorCtr="0">
             <a:normAutofit/>
           </a:bodyPr>
           <a:lstStyle/>
           <a:p>
-            <a:pPr indent="0" lvl="0" marL="0" rtl="0" algn="l">
+            <a:pPr marL="0" lvl="0" indent="0" algn="l" rtl="0">
               <a:spcBef>
                 <a:spcPts val="0"/>
               </a:spcBef>
@@ -8613,23 +8230,23 @@
               <a:buNone/>
             </a:pPr>
             <a:r>
-              <a:rPr lang="ru" sz="1500">
-                <a:latin typeface="Roboto"/>
-                <a:ea typeface="Roboto"/>
-                <a:cs typeface="Roboto"/>
-                <a:sym typeface="Roboto"/>
+              <a:rPr lang="en-US" sz="1500">
+                <a:latin typeface="Roboto" panose="02000000000000000000"/>
+                <a:ea typeface="Roboto" panose="02000000000000000000"/>
+                <a:cs typeface="Roboto" panose="02000000000000000000"/>
+                <a:sym typeface="Roboto" panose="02000000000000000000"/>
               </a:rPr>
               <a:t>Проект «Goroscopic-weather» представляет собой веб-приложение, объединяющее функции прогноза погоды и ежедневных гороскопов. </a:t>
             </a:r>
             <a:endParaRPr sz="1500">
-              <a:latin typeface="Roboto"/>
-              <a:ea typeface="Roboto"/>
-              <a:cs typeface="Roboto"/>
-              <a:sym typeface="Roboto"/>
+              <a:latin typeface="Roboto" panose="02000000000000000000"/>
+              <a:ea typeface="Roboto" panose="02000000000000000000"/>
+              <a:cs typeface="Roboto" panose="02000000000000000000"/>
+              <a:sym typeface="Roboto" panose="02000000000000000000"/>
             </a:endParaRPr>
           </a:p>
           <a:p>
-            <a:pPr indent="0" lvl="0" marL="0" rtl="0" algn="l">
+            <a:pPr marL="0" lvl="0" indent="0" algn="l" rtl="0">
               <a:spcBef>
                 <a:spcPts val="1200"/>
               </a:spcBef>
@@ -8639,23 +8256,23 @@
               <a:buNone/>
             </a:pPr>
             <a:r>
-              <a:rPr lang="ru" sz="1500">
-                <a:latin typeface="Roboto"/>
-                <a:ea typeface="Roboto"/>
-                <a:cs typeface="Roboto"/>
-                <a:sym typeface="Roboto"/>
+              <a:rPr lang="en-US" sz="1500">
+                <a:latin typeface="Roboto" panose="02000000000000000000"/>
+                <a:ea typeface="Roboto" panose="02000000000000000000"/>
+                <a:cs typeface="Roboto" panose="02000000000000000000"/>
+                <a:sym typeface="Roboto" panose="02000000000000000000"/>
               </a:rPr>
-              <a:t>Цель приложения — предоставить пользователям удобный и персонализированный сервис, который позволяет не только отслеживать текущие погодные условия и прогноз на несколько дней вперед, но и получать ежедневные астрологические предсказания по выбранному знаку зодиака.</a:t>
+              <a:t>Цель приложения — предоставить пользователям удобный и персонализированный сервис, который позволяет не только отслеживать текущие погодные условия, но и получать ежедневные астрологические предсказания по выбранному знаку зодиака.</a:t>
             </a:r>
             <a:endParaRPr sz="1500">
-              <a:latin typeface="Roboto"/>
-              <a:ea typeface="Roboto"/>
-              <a:cs typeface="Roboto"/>
-              <a:sym typeface="Roboto"/>
+              <a:latin typeface="Roboto" panose="02000000000000000000"/>
+              <a:ea typeface="Roboto" panose="02000000000000000000"/>
+              <a:cs typeface="Roboto" panose="02000000000000000000"/>
+              <a:sym typeface="Roboto" panose="02000000000000000000"/>
             </a:endParaRPr>
           </a:p>
           <a:p>
-            <a:pPr indent="0" lvl="0" marL="0" rtl="0" algn="l">
+            <a:pPr marL="0" lvl="0" indent="0" algn="l" rtl="0">
               <a:spcBef>
                 <a:spcPts val="1200"/>
               </a:spcBef>
@@ -8664,14 +8281,11 @@
               </a:spcAft>
               <a:buNone/>
             </a:pPr>
-            <a:r>
-              <a:t/>
-            </a:r>
             <a:endParaRPr sz="1200">
-              <a:latin typeface="Roboto"/>
-              <a:ea typeface="Roboto"/>
-              <a:cs typeface="Roboto"/>
-              <a:sym typeface="Roboto"/>
+              <a:latin typeface="Roboto" panose="02000000000000000000"/>
+              <a:ea typeface="Roboto" panose="02000000000000000000"/>
+              <a:cs typeface="Roboto" panose="02000000000000000000"/>
+              <a:sym typeface="Roboto" panose="02000000000000000000"/>
             </a:endParaRPr>
           </a:p>
         </p:txBody>
@@ -8683,9 +8297,7 @@
           <p:nvPr/>
         </p:nvPicPr>
         <p:blipFill>
-          <a:blip r:embed="rId3">
-            <a:alphaModFix/>
-          </a:blip>
+          <a:blip r:embed="rId1"/>
           <a:stretch>
             <a:fillRect/>
           </a:stretch>
@@ -8711,9 +8323,7 @@
           <p:nvPr/>
         </p:nvPicPr>
         <p:blipFill>
-          <a:blip r:embed="rId4">
-            <a:alphaModFix/>
-          </a:blip>
+          <a:blip r:embed="rId2"/>
           <a:stretch>
             <a:fillRect/>
           </a:stretch>
@@ -8741,7 +8351,7 @@
 </file>
 
 <file path=ppt/slides/slide4.xml><?xml version="1.0" encoding="utf-8"?>
-<p:sld xmlns:a="http://schemas.openxmlformats.org/drawingml/2006/main" xmlns:r="http://schemas.openxmlformats.org/officeDocument/2006/relationships" xmlns:mc="http://schemas.openxmlformats.org/markup-compatibility/2006" xmlns:mv="urn:schemas-microsoft-com:mac:vml" xmlns:p="http://schemas.openxmlformats.org/presentationml/2006/main" xmlns:c="http://schemas.openxmlformats.org/drawingml/2006/chart" xmlns:dgm="http://schemas.openxmlformats.org/drawingml/2006/diagram" xmlns:o="urn:schemas-microsoft-com:office:office" xmlns:v="urn:schemas-microsoft-com:vml" xmlns:pvml="urn:schemas-microsoft-com:office:powerpoint" xmlns:com="http://schemas.openxmlformats.org/drawingml/2006/compatibility" xmlns:p14="http://schemas.microsoft.com/office/powerpoint/2010/main" xmlns:p15="http://schemas.microsoft.com/office/powerpoint/2012/main" xmlns:ahyp="http://schemas.microsoft.com/office/drawing/2018/hyperlinkcolor">
+<p:sld xmlns:a="http://schemas.openxmlformats.org/drawingml/2006/main" xmlns:r="http://schemas.openxmlformats.org/officeDocument/2006/relationships" xmlns:p="http://schemas.openxmlformats.org/presentationml/2006/main">
   <p:cSld>
     <p:spTree>
       <p:nvGrpSpPr>
@@ -8775,12 +8385,12 @@
           </a:prstGeom>
         </p:spPr>
         <p:txBody>
-          <a:bodyPr anchorCtr="0" anchor="t" bIns="91425" lIns="91425" spcFirstLastPara="1" rIns="91425" wrap="square" tIns="91425">
+          <a:bodyPr spcFirstLastPara="1" wrap="square" lIns="91425" tIns="91425" rIns="91425" bIns="91425" anchor="t" anchorCtr="0">
             <a:normAutofit fontScale="90000"/>
           </a:bodyPr>
           <a:lstStyle/>
           <a:p>
-            <a:pPr indent="0" lvl="0" marL="0" rtl="0" algn="l">
+            <a:pPr marL="0" lvl="0" indent="0" algn="l" rtl="0">
               <a:spcBef>
                 <a:spcPts val="0"/>
               </a:spcBef>
@@ -8790,10 +8400,10 @@
               <a:buNone/>
             </a:pPr>
             <a:r>
-              <a:rPr lang="ru"/>
+              <a:rPr lang="en-US"/>
               <a:t>Для чего создан этот проект?</a:t>
             </a:r>
-            <a:endParaRPr/>
+            <a:endParaRPr lang="en-US"/>
           </a:p>
         </p:txBody>
       </p:sp>
@@ -8802,7 +8412,7 @@
           <p:cNvPr id="87" name="Google Shape;87;p16"/>
           <p:cNvSpPr txBox="1"/>
           <p:nvPr>
-            <p:ph idx="1" type="body"/>
+            <p:ph type="body" idx="1"/>
           </p:nvPr>
         </p:nvSpPr>
         <p:spPr>
@@ -8815,12 +8425,12 @@
           </a:prstGeom>
         </p:spPr>
         <p:txBody>
-          <a:bodyPr anchorCtr="0" anchor="t" bIns="91425" lIns="91425" spcFirstLastPara="1" rIns="91425" wrap="square" tIns="91425">
+          <a:bodyPr spcFirstLastPara="1" wrap="square" lIns="91425" tIns="91425" rIns="91425" bIns="91425" anchor="t" anchorCtr="0">
             <a:normAutofit/>
           </a:bodyPr>
           <a:lstStyle/>
           <a:p>
-            <a:pPr indent="0" lvl="0" marL="0" rtl="0" algn="l">
+            <a:pPr marL="0" lvl="0" indent="0" algn="l" rtl="0">
               <a:spcBef>
                 <a:spcPts val="0"/>
               </a:spcBef>
@@ -8830,10 +8440,10 @@
               <a:buNone/>
             </a:pPr>
             <a:r>
-              <a:rPr lang="ru"/>
+              <a:rPr lang="en-US"/>
               <a:t>Благодаря этому приложению любой желающий может узнать текущий прогноз погоды и получить астрологические предсказания по выбору знака зодиака.</a:t>
             </a:r>
-            <a:endParaRPr/>
+            <a:endParaRPr lang="en-US"/>
           </a:p>
         </p:txBody>
       </p:sp>
@@ -8846,7 +8456,7 @@
 </file>
 
 <file path=ppt/slides/slide5.xml><?xml version="1.0" encoding="utf-8"?>
-<p:sld xmlns:a="http://schemas.openxmlformats.org/drawingml/2006/main" xmlns:r="http://schemas.openxmlformats.org/officeDocument/2006/relationships" xmlns:mc="http://schemas.openxmlformats.org/markup-compatibility/2006" xmlns:mv="urn:schemas-microsoft-com:mac:vml" xmlns:p="http://schemas.openxmlformats.org/presentationml/2006/main" xmlns:c="http://schemas.openxmlformats.org/drawingml/2006/chart" xmlns:dgm="http://schemas.openxmlformats.org/drawingml/2006/diagram" xmlns:o="urn:schemas-microsoft-com:office:office" xmlns:v="urn:schemas-microsoft-com:vml" xmlns:pvml="urn:schemas-microsoft-com:office:powerpoint" xmlns:com="http://schemas.openxmlformats.org/drawingml/2006/compatibility" xmlns:p14="http://schemas.microsoft.com/office/powerpoint/2010/main" xmlns:p15="http://schemas.microsoft.com/office/powerpoint/2012/main" xmlns:ahyp="http://schemas.microsoft.com/office/drawing/2018/hyperlinkcolor">
+<p:sld xmlns:a="http://schemas.openxmlformats.org/drawingml/2006/main" xmlns:r="http://schemas.openxmlformats.org/officeDocument/2006/relationships" xmlns:p="http://schemas.openxmlformats.org/presentationml/2006/main">
   <p:cSld>
     <p:spTree>
       <p:nvGrpSpPr>
@@ -8880,12 +8490,12 @@
           </a:prstGeom>
         </p:spPr>
         <p:txBody>
-          <a:bodyPr anchorCtr="0" anchor="t" bIns="91425" lIns="91425" spcFirstLastPara="1" rIns="91425" wrap="square" tIns="91425">
+          <a:bodyPr spcFirstLastPara="1" wrap="square" lIns="91425" tIns="91425" rIns="91425" bIns="91425" anchor="t" anchorCtr="0">
             <a:normAutofit fontScale="90000"/>
           </a:bodyPr>
           <a:lstStyle/>
           <a:p>
-            <a:pPr indent="0" lvl="0" marL="0" rtl="0" algn="l">
+            <a:pPr marL="0" lvl="0" indent="0" algn="l" rtl="0">
               <a:spcBef>
                 <a:spcPts val="0"/>
               </a:spcBef>
@@ -8895,10 +8505,10 @@
               <a:buNone/>
             </a:pPr>
             <a:r>
-              <a:rPr lang="ru"/>
+              <a:rPr lang="en-US"/>
               <a:t>Структура проекта</a:t>
             </a:r>
-            <a:endParaRPr/>
+            <a:endParaRPr lang="en-US"/>
           </a:p>
         </p:txBody>
       </p:sp>
@@ -8907,7 +8517,7 @@
           <p:cNvPr id="93" name="Google Shape;93;p17"/>
           <p:cNvSpPr txBox="1"/>
           <p:nvPr>
-            <p:ph idx="1" type="body"/>
+            <p:ph type="body" idx="1"/>
           </p:nvPr>
         </p:nvSpPr>
         <p:spPr>
@@ -8920,12 +8530,12 @@
           </a:prstGeom>
         </p:spPr>
         <p:txBody>
-          <a:bodyPr anchorCtr="0" anchor="t" bIns="91425" lIns="91425" spcFirstLastPara="1" rIns="91425" wrap="square" tIns="91425">
+          <a:bodyPr spcFirstLastPara="1" wrap="square" lIns="91425" tIns="91425" rIns="91425" bIns="91425" anchor="t" anchorCtr="0">
             <a:normAutofit/>
           </a:bodyPr>
           <a:lstStyle/>
           <a:p>
-            <a:pPr indent="0" lvl="0" marL="0" rtl="0" algn="l">
+            <a:pPr marL="0" lvl="0" indent="0" algn="l" rtl="0">
               <a:spcBef>
                 <a:spcPts val="0"/>
               </a:spcBef>
@@ -8935,7 +8545,7 @@
               <a:buNone/>
             </a:pPr>
             <a:r>
-              <a:rPr lang="ru" sz="1400">
+              <a:rPr lang="en-US" sz="1400">
                 <a:latin typeface="Oswald"/>
                 <a:ea typeface="Oswald"/>
                 <a:cs typeface="Oswald"/>
@@ -8951,7 +8561,7 @@
             </a:endParaRPr>
           </a:p>
           <a:p>
-            <a:pPr indent="-317500" lvl="0" marL="457200" rtl="0" algn="l">
+            <a:pPr marL="457200" lvl="0" indent="-317500" algn="l" rtl="0">
               <a:spcBef>
                 <a:spcPts val="600"/>
               </a:spcBef>
@@ -8962,11 +8572,11 @@
                 <a:schemeClr val="accent3"/>
               </a:buClr>
               <a:buSzPts val="1400"/>
-              <a:buFont typeface="Roboto"/>
+              <a:buFont typeface="Roboto" panose="02000000000000000000"/>
               <a:buChar char="●"/>
             </a:pPr>
             <a:r>
-              <a:rPr lang="ru" sz="1400">
+              <a:rPr lang="en-US" sz="1400">
                 <a:latin typeface="Oswald"/>
                 <a:ea typeface="Oswald"/>
                 <a:cs typeface="Oswald"/>
@@ -8982,7 +8592,7 @@
             </a:endParaRPr>
           </a:p>
           <a:p>
-            <a:pPr indent="-317500" lvl="0" marL="457200" rtl="0" algn="l">
+            <a:pPr marL="457200" lvl="0" indent="-317500" algn="l" rtl="0">
               <a:spcBef>
                 <a:spcPts val="0"/>
               </a:spcBef>
@@ -8997,7 +8607,7 @@
               <a:buChar char="●"/>
             </a:pPr>
             <a:r>
-              <a:rPr lang="ru" sz="1400">
+              <a:rPr lang="en-US" sz="1400">
                 <a:latin typeface="Oswald"/>
                 <a:ea typeface="Oswald"/>
                 <a:cs typeface="Oswald"/>
@@ -9013,7 +8623,7 @@
             </a:endParaRPr>
           </a:p>
           <a:p>
-            <a:pPr indent="-317500" lvl="0" marL="457200" rtl="0" algn="l">
+            <a:pPr marL="457200" lvl="0" indent="-317500" algn="l" rtl="0">
               <a:spcBef>
                 <a:spcPts val="0"/>
               </a:spcBef>
@@ -9028,7 +8638,7 @@
               <a:buChar char="●"/>
             </a:pPr>
             <a:r>
-              <a:rPr lang="ru" sz="1400">
+              <a:rPr lang="en-US" sz="1400">
                 <a:latin typeface="Oswald"/>
                 <a:ea typeface="Oswald"/>
                 <a:cs typeface="Oswald"/>
@@ -9044,7 +8654,7 @@
             </a:endParaRPr>
           </a:p>
           <a:p>
-            <a:pPr indent="-317500" lvl="0" marL="457200" rtl="0" algn="l">
+            <a:pPr marL="457200" lvl="0" indent="-317500" algn="l" rtl="0">
               <a:spcBef>
                 <a:spcPts val="0"/>
               </a:spcBef>
@@ -9059,7 +8669,7 @@
               <a:buChar char="●"/>
             </a:pPr>
             <a:r>
-              <a:rPr lang="ru" sz="1400">
+              <a:rPr lang="en-US" sz="1400">
                 <a:latin typeface="Oswald"/>
                 <a:ea typeface="Oswald"/>
                 <a:cs typeface="Oswald"/>
@@ -9075,7 +8685,7 @@
             </a:endParaRPr>
           </a:p>
           <a:p>
-            <a:pPr indent="-317500" lvl="0" marL="457200" rtl="0" algn="l">
+            <a:pPr marL="457200" lvl="0" indent="-317500" algn="l" rtl="0">
               <a:spcBef>
                 <a:spcPts val="0"/>
               </a:spcBef>
@@ -9090,7 +8700,7 @@
               <a:buChar char="●"/>
             </a:pPr>
             <a:r>
-              <a:rPr lang="ru" sz="1400">
+              <a:rPr lang="en-US" sz="1400">
                 <a:latin typeface="Oswald"/>
                 <a:ea typeface="Oswald"/>
                 <a:cs typeface="Oswald"/>
@@ -9106,7 +8716,7 @@
             </a:endParaRPr>
           </a:p>
           <a:p>
-            <a:pPr indent="0" lvl="0" marL="0" rtl="0" algn="l">
+            <a:pPr marL="0" lvl="0" indent="0" algn="l" rtl="0">
               <a:spcBef>
                 <a:spcPts val="600"/>
               </a:spcBef>
@@ -9115,10 +8725,6 @@
               </a:spcAft>
               <a:buNone/>
             </a:pPr>
-            <a:r>
-              <a:t/>
-            </a:r>
-            <a:endParaRPr/>
           </a:p>
         </p:txBody>
       </p:sp>
@@ -9131,7 +8737,7 @@
 </file>
 
 <file path=ppt/slides/slide6.xml><?xml version="1.0" encoding="utf-8"?>
-<p:sld xmlns:a="http://schemas.openxmlformats.org/drawingml/2006/main" xmlns:r="http://schemas.openxmlformats.org/officeDocument/2006/relationships" xmlns:mc="http://schemas.openxmlformats.org/markup-compatibility/2006" xmlns:mv="urn:schemas-microsoft-com:mac:vml" xmlns:p="http://schemas.openxmlformats.org/presentationml/2006/main" xmlns:c="http://schemas.openxmlformats.org/drawingml/2006/chart" xmlns:dgm="http://schemas.openxmlformats.org/drawingml/2006/diagram" xmlns:o="urn:schemas-microsoft-com:office:office" xmlns:v="urn:schemas-microsoft-com:vml" xmlns:pvml="urn:schemas-microsoft-com:office:powerpoint" xmlns:com="http://schemas.openxmlformats.org/drawingml/2006/compatibility" xmlns:p14="http://schemas.microsoft.com/office/powerpoint/2010/main" xmlns:p15="http://schemas.microsoft.com/office/powerpoint/2012/main" xmlns:ahyp="http://schemas.microsoft.com/office/drawing/2018/hyperlinkcolor">
+<p:sld xmlns:a="http://schemas.openxmlformats.org/drawingml/2006/main" xmlns:r="http://schemas.openxmlformats.org/officeDocument/2006/relationships" xmlns:p="http://schemas.openxmlformats.org/presentationml/2006/main">
   <p:cSld>
     <p:spTree>
       <p:nvGrpSpPr>
@@ -9165,12 +8771,12 @@
           </a:prstGeom>
         </p:spPr>
         <p:txBody>
-          <a:bodyPr anchorCtr="0" anchor="t" bIns="91425" lIns="91425" spcFirstLastPara="1" rIns="91425" wrap="square" tIns="91425">
+          <a:bodyPr spcFirstLastPara="1" wrap="square" lIns="91425" tIns="91425" rIns="91425" bIns="91425" anchor="t" anchorCtr="0">
             <a:normAutofit fontScale="90000"/>
           </a:bodyPr>
           <a:lstStyle/>
           <a:p>
-            <a:pPr indent="0" lvl="0" marL="0" rtl="0" algn="l">
+            <a:pPr marL="0" lvl="0" indent="0" algn="l" rtl="0">
               <a:spcBef>
                 <a:spcPts val="0"/>
               </a:spcBef>
@@ -9180,10 +8786,10 @@
               <a:buNone/>
             </a:pPr>
             <a:r>
-              <a:rPr lang="ru"/>
+              <a:rPr lang="en-US"/>
               <a:t>Основные технологии </a:t>
             </a:r>
-            <a:endParaRPr/>
+            <a:endParaRPr lang="en-US"/>
           </a:p>
         </p:txBody>
       </p:sp>
@@ -9192,7 +8798,7 @@
           <p:cNvPr id="99" name="Google Shape;99;p18"/>
           <p:cNvSpPr txBox="1"/>
           <p:nvPr>
-            <p:ph idx="1" type="body"/>
+            <p:ph type="body" idx="1"/>
           </p:nvPr>
         </p:nvSpPr>
         <p:spPr>
@@ -9205,12 +8811,12 @@
           </a:prstGeom>
         </p:spPr>
         <p:txBody>
-          <a:bodyPr anchorCtr="0" anchor="t" bIns="91425" lIns="91425" spcFirstLastPara="1" rIns="91425" wrap="square" tIns="91425">
+          <a:bodyPr spcFirstLastPara="1" wrap="square" lIns="91425" tIns="91425" rIns="91425" bIns="91425" anchor="t" anchorCtr="0">
             <a:normAutofit/>
           </a:bodyPr>
           <a:lstStyle/>
           <a:p>
-            <a:pPr indent="-342900" lvl="0" marL="457200" rtl="0" algn="l">
+            <a:pPr marL="457200" lvl="0" indent="-342900" algn="l" rtl="0">
               <a:spcBef>
                 <a:spcPts val="0"/>
               </a:spcBef>
@@ -9221,13 +8827,13 @@
               <a:buAutoNum type="arabicParenR"/>
             </a:pPr>
             <a:r>
-              <a:rPr lang="ru"/>
+              <a:rPr lang="en-US"/>
               <a:t>Flask</a:t>
             </a:r>
-            <a:endParaRPr/>
+            <a:endParaRPr lang="en-US"/>
           </a:p>
           <a:p>
-            <a:pPr indent="-342900" lvl="0" marL="457200" rtl="0" algn="l">
+            <a:pPr marL="457200" lvl="0" indent="-342900" algn="l" rtl="0">
               <a:spcBef>
                 <a:spcPts val="0"/>
               </a:spcBef>
@@ -9238,13 +8844,13 @@
               <a:buAutoNum type="arabicParenR"/>
             </a:pPr>
             <a:r>
-              <a:rPr lang="ru"/>
+              <a:rPr lang="en-US"/>
               <a:t>HTML/CSS</a:t>
             </a:r>
-            <a:endParaRPr/>
+            <a:endParaRPr lang="en-US"/>
           </a:p>
           <a:p>
-            <a:pPr indent="-342900" lvl="0" marL="457200" rtl="0" algn="l">
+            <a:pPr marL="457200" lvl="0" indent="-342900" algn="l" rtl="0">
               <a:spcBef>
                 <a:spcPts val="0"/>
               </a:spcBef>
@@ -9255,13 +8861,13 @@
               <a:buAutoNum type="arabicParenR"/>
             </a:pPr>
             <a:r>
-              <a:rPr lang="ru"/>
+              <a:rPr lang="en-US"/>
               <a:t>CSV-файлы</a:t>
             </a:r>
-            <a:endParaRPr/>
+            <a:endParaRPr lang="en-US"/>
           </a:p>
           <a:p>
-            <a:pPr indent="-342900" lvl="0" marL="457200" rtl="0" algn="l">
+            <a:pPr marL="457200" lvl="0" indent="-342900" algn="l" rtl="0">
               <a:spcBef>
                 <a:spcPts val="0"/>
               </a:spcBef>
@@ -9272,13 +8878,13 @@
               <a:buAutoNum type="arabicParenR"/>
             </a:pPr>
             <a:r>
-              <a:rPr lang="ru"/>
+              <a:rPr lang="en-US"/>
               <a:t>Отдельные файлы для регистрации и запроса погоды.</a:t>
             </a:r>
-            <a:endParaRPr/>
+            <a:endParaRPr lang="en-US"/>
           </a:p>
           <a:p>
-            <a:pPr indent="0" lvl="0" marL="0" rtl="0" algn="l">
+            <a:pPr marL="0" lvl="0" indent="0" algn="l" rtl="0">
               <a:spcBef>
                 <a:spcPts val="1200"/>
               </a:spcBef>
@@ -9288,13 +8894,13 @@
               <a:buNone/>
             </a:pPr>
             <a:r>
-              <a:rPr lang="ru"/>
+              <a:rPr lang="en-US"/>
               <a:t>а также:</a:t>
             </a:r>
-            <a:endParaRPr/>
+            <a:endParaRPr lang="en-US"/>
           </a:p>
           <a:p>
-            <a:pPr indent="-342900" lvl="0" marL="457200" rtl="0" algn="l">
+            <a:pPr marL="457200" lvl="0" indent="-342900" algn="l" rtl="0">
               <a:spcBef>
                 <a:spcPts val="1200"/>
               </a:spcBef>
@@ -9305,13 +8911,13 @@
               <a:buAutoNum type="arabicParenR"/>
             </a:pPr>
             <a:r>
-              <a:rPr lang="ru"/>
+              <a:rPr lang="en-US"/>
               <a:t>Обработка форм через методы GET и POST</a:t>
             </a:r>
-            <a:endParaRPr/>
+            <a:endParaRPr lang="en-US"/>
           </a:p>
           <a:p>
-            <a:pPr indent="-342900" lvl="0" marL="457200" rtl="0" algn="l">
+            <a:pPr marL="457200" lvl="0" indent="-342900" algn="l" rtl="0">
               <a:spcBef>
                 <a:spcPts val="0"/>
               </a:spcBef>
@@ -9322,10 +8928,10 @@
               <a:buAutoNum type="arabicParenR"/>
             </a:pPr>
             <a:r>
-              <a:rPr lang="ru"/>
+              <a:rPr lang="en-US"/>
               <a:t>Динамические URL</a:t>
             </a:r>
-            <a:endParaRPr/>
+            <a:endParaRPr lang="en-US"/>
           </a:p>
         </p:txBody>
       </p:sp>
@@ -9338,7 +8944,7 @@
 </file>
 
 <file path=ppt/slides/slide7.xml><?xml version="1.0" encoding="utf-8"?>
-<p:sld xmlns:a="http://schemas.openxmlformats.org/drawingml/2006/main" xmlns:r="http://schemas.openxmlformats.org/officeDocument/2006/relationships" xmlns:mc="http://schemas.openxmlformats.org/markup-compatibility/2006" xmlns:mv="urn:schemas-microsoft-com:mac:vml" xmlns:p="http://schemas.openxmlformats.org/presentationml/2006/main" xmlns:c="http://schemas.openxmlformats.org/drawingml/2006/chart" xmlns:dgm="http://schemas.openxmlformats.org/drawingml/2006/diagram" xmlns:o="urn:schemas-microsoft-com:office:office" xmlns:v="urn:schemas-microsoft-com:vml" xmlns:pvml="urn:schemas-microsoft-com:office:powerpoint" xmlns:com="http://schemas.openxmlformats.org/drawingml/2006/compatibility" xmlns:p14="http://schemas.microsoft.com/office/powerpoint/2010/main" xmlns:p15="http://schemas.microsoft.com/office/powerpoint/2012/main" xmlns:ahyp="http://schemas.microsoft.com/office/drawing/2018/hyperlinkcolor">
+<p:sld xmlns:a="http://schemas.openxmlformats.org/drawingml/2006/main" xmlns:r="http://schemas.openxmlformats.org/officeDocument/2006/relationships" xmlns:p="http://schemas.openxmlformats.org/presentationml/2006/main">
   <p:cSld>
     <p:spTree>
       <p:nvGrpSpPr>
@@ -9372,12 +8978,12 @@
           </a:prstGeom>
         </p:spPr>
         <p:txBody>
-          <a:bodyPr anchorCtr="0" anchor="t" bIns="91425" lIns="91425" spcFirstLastPara="1" rIns="91425" wrap="square" tIns="91425">
+          <a:bodyPr spcFirstLastPara="1" wrap="square" lIns="91425" tIns="91425" rIns="91425" bIns="91425" anchor="t" anchorCtr="0">
             <a:normAutofit fontScale="90000"/>
           </a:bodyPr>
           <a:lstStyle/>
           <a:p>
-            <a:pPr indent="0" lvl="0" marL="0" rtl="0" algn="l">
+            <a:pPr marL="0" lvl="0" indent="0" algn="l" rtl="0">
               <a:spcBef>
                 <a:spcPts val="0"/>
               </a:spcBef>
@@ -9387,10 +8993,10 @@
               <a:buNone/>
             </a:pPr>
             <a:r>
-              <a:rPr lang="ru"/>
+              <a:rPr lang="en-US"/>
               <a:t>Принцип работы</a:t>
             </a:r>
-            <a:endParaRPr/>
+            <a:endParaRPr lang="en-US"/>
           </a:p>
         </p:txBody>
       </p:sp>
@@ -9399,7 +9005,7 @@
           <p:cNvPr id="105" name="Google Shape;105;p19"/>
           <p:cNvSpPr txBox="1"/>
           <p:nvPr>
-            <p:ph idx="1" type="body"/>
+            <p:ph type="body" idx="1"/>
           </p:nvPr>
         </p:nvSpPr>
         <p:spPr>
@@ -9412,12 +9018,12 @@
           </a:prstGeom>
         </p:spPr>
         <p:txBody>
-          <a:bodyPr anchorCtr="0" anchor="t" bIns="91425" lIns="91425" spcFirstLastPara="1" rIns="91425" wrap="square" tIns="91425">
+          <a:bodyPr spcFirstLastPara="1" wrap="square" lIns="91425" tIns="91425" rIns="91425" bIns="91425" anchor="t" anchorCtr="0">
             <a:normAutofit fontScale="92500" lnSpcReduction="20000"/>
           </a:bodyPr>
           <a:lstStyle/>
           <a:p>
-            <a:pPr indent="0" lvl="0" marL="0" rtl="0" algn="l">
+            <a:pPr marL="0" lvl="0" indent="0" algn="l" rtl="0">
               <a:spcBef>
                 <a:spcPts val="0"/>
               </a:spcBef>
@@ -9427,13 +9033,13 @@
               <a:buNone/>
             </a:pPr>
             <a:r>
-              <a:rPr lang="ru"/>
+              <a:rPr lang="en-US"/>
               <a:t>Когда пользователь заходит на страницу, у него есть два варианта. </a:t>
             </a:r>
-            <a:endParaRPr/>
+            <a:endParaRPr lang="en-US"/>
           </a:p>
           <a:p>
-            <a:pPr indent="0" lvl="0" marL="0" rtl="0" algn="l">
+            <a:pPr marL="0" lvl="0" indent="0" algn="l" rtl="0">
               <a:spcBef>
                 <a:spcPts val="1200"/>
               </a:spcBef>
@@ -9442,10 +9048,6 @@
               </a:spcAft>
               <a:buNone/>
             </a:pPr>
-            <a:r>
-              <a:t/>
-            </a:r>
-            <a:endParaRPr/>
           </a:p>
         </p:txBody>
       </p:sp>
@@ -9464,14 +9066,14 @@
             <a:avLst/>
           </a:prstGeom>
           <a:noFill/>
-          <a:ln cap="flat" cmpd="sng" w="9525">
+          <a:ln w="9525" cap="flat" cmpd="sng">
             <a:solidFill>
               <a:schemeClr val="dk2"/>
             </a:solidFill>
             <a:prstDash val="solid"/>
             <a:round/>
-            <a:headEnd len="med" w="med" type="none"/>
-            <a:tailEnd len="med" w="med" type="none"/>
+            <a:headEnd type="none" w="med" len="med"/>
+            <a:tailEnd type="none" w="med" len="med"/>
           </a:ln>
         </p:spPr>
       </p:cxnSp>
@@ -9490,14 +9092,14 @@
             <a:avLst/>
           </a:prstGeom>
           <a:noFill/>
-          <a:ln cap="flat" cmpd="sng" w="9525">
+          <a:ln w="9525" cap="flat" cmpd="sng">
             <a:solidFill>
               <a:schemeClr val="dk2"/>
             </a:solidFill>
             <a:prstDash val="solid"/>
             <a:round/>
-            <a:headEnd len="med" w="med" type="none"/>
-            <a:tailEnd len="med" w="med" type="none"/>
+            <a:headEnd type="none" w="med" len="med"/>
+            <a:tailEnd type="none" w="med" len="med"/>
           </a:ln>
         </p:spPr>
       </p:cxnSp>
@@ -9521,12 +9123,12 @@
           </a:ln>
         </p:spPr>
         <p:txBody>
-          <a:bodyPr anchorCtr="0" anchor="t" bIns="91425" lIns="91425" spcFirstLastPara="1" rIns="91425" wrap="square" tIns="91425">
+          <a:bodyPr spcFirstLastPara="1" wrap="square" lIns="91425" tIns="91425" rIns="91425" bIns="91425" anchor="t" anchorCtr="0">
             <a:noAutofit/>
           </a:bodyPr>
           <a:lstStyle/>
           <a:p>
-            <a:pPr indent="0" lvl="0" marL="0" rtl="0" algn="l">
+            <a:pPr marL="0" lvl="0" indent="0" algn="l" rtl="0">
               <a:spcBef>
                 <a:spcPts val="0"/>
               </a:spcBef>
@@ -9536,7 +9138,7 @@
               <a:buNone/>
             </a:pPr>
             <a:r>
-              <a:rPr lang="ru" sz="1800">
+              <a:rPr lang="en-US" sz="1800">
                 <a:solidFill>
                   <a:schemeClr val="accent3"/>
                 </a:solidFill>
@@ -9548,7 +9150,7 @@
               <a:t>Войти ( если пользователь уже </a:t>
             </a:r>
             <a:r>
-              <a:rPr lang="ru" sz="1800">
+              <a:rPr lang="en-US" sz="1800">
                 <a:solidFill>
                   <a:schemeClr val="accent3"/>
                 </a:solidFill>
@@ -9560,7 +9162,7 @@
               <a:t>зарегистрирован</a:t>
             </a:r>
             <a:r>
-              <a:rPr lang="ru" sz="1800">
+              <a:rPr lang="en-US" sz="1800">
                 <a:solidFill>
                   <a:schemeClr val="accent3"/>
                 </a:solidFill>
@@ -9591,8 +9193,8 @@
         </p:nvSpPr>
         <p:spPr>
           <a:xfrm>
-            <a:off x="5369850" y="2571750"/>
-            <a:ext cx="2332500" cy="453600"/>
+            <a:off x="5369560" y="2571750"/>
+            <a:ext cx="2774315" cy="453390"/>
           </a:xfrm>
           <a:prstGeom prst="rect">
             <a:avLst/>
@@ -9603,12 +9205,12 @@
           </a:ln>
         </p:spPr>
         <p:txBody>
-          <a:bodyPr anchorCtr="0" anchor="t" bIns="91425" lIns="91425" spcFirstLastPara="1" rIns="91425" wrap="square" tIns="91425">
+          <a:bodyPr spcFirstLastPara="1" wrap="square" lIns="91425" tIns="91425" rIns="91425" bIns="91425" anchor="t" anchorCtr="0">
             <a:noAutofit/>
           </a:bodyPr>
           <a:lstStyle/>
           <a:p>
-            <a:pPr indent="0" lvl="0" marL="0" rtl="0" algn="l">
+            <a:pPr marL="0" lvl="0" indent="0" algn="l" rtl="0">
               <a:spcBef>
                 <a:spcPts val="0"/>
               </a:spcBef>
@@ -9618,7 +9220,7 @@
               <a:buNone/>
             </a:pPr>
             <a:r>
-              <a:rPr lang="ru" sz="1800">
+              <a:rPr lang="en-US" sz="1800">
                 <a:solidFill>
                   <a:schemeClr val="accent3"/>
                 </a:solidFill>
@@ -9630,7 +9232,7 @@
               <a:t>Зарегистрироваться</a:t>
             </a:r>
             <a:r>
-              <a:rPr lang="ru" sz="1800">
+              <a:rPr lang="en-US" sz="1800">
                 <a:solidFill>
                   <a:schemeClr val="accent3"/>
                 </a:solidFill>
@@ -9673,12 +9275,12 @@
           </a:ln>
         </p:spPr>
         <p:txBody>
-          <a:bodyPr anchorCtr="0" anchor="t" bIns="91425" lIns="91425" spcFirstLastPara="1" rIns="91425" wrap="square" tIns="91425">
+          <a:bodyPr spcFirstLastPara="1" wrap="square" lIns="91425" tIns="91425" rIns="91425" bIns="91425" anchor="t" anchorCtr="0">
             <a:noAutofit/>
           </a:bodyPr>
           <a:lstStyle/>
           <a:p>
-            <a:pPr indent="0" lvl="0" marL="0" rtl="0" algn="l">
+            <a:pPr marL="0" lvl="0" indent="0" algn="l" rtl="0">
               <a:spcBef>
                 <a:spcPts val="0"/>
               </a:spcBef>
@@ -9687,18 +9289,6 @@
               </a:spcAft>
               <a:buNone/>
             </a:pPr>
-            <a:r>
-              <a:rPr lang="ru" sz="1800">
-                <a:solidFill>
-                  <a:schemeClr val="accent3"/>
-                </a:solidFill>
-                <a:latin typeface="Average"/>
-                <a:ea typeface="Average"/>
-                <a:cs typeface="Average"/>
-                <a:sym typeface="Average"/>
-              </a:rPr>
-              <a:t>МЕСТО ДЛЯ 2 СКРИНШОТОВ</a:t>
-            </a:r>
             <a:endParaRPr sz="1800">
               <a:solidFill>
                 <a:schemeClr val="accent3"/>
@@ -9711,6 +9301,30 @@
           </a:p>
         </p:txBody>
       </p:sp>
+      <p:pic>
+        <p:nvPicPr>
+          <p:cNvPr id="1" name="Изображение 0"/>
+          <p:cNvPicPr>
+            <a:picLocks noChangeAspect="1"/>
+          </p:cNvPicPr>
+          <p:nvPr/>
+        </p:nvPicPr>
+        <p:blipFill>
+          <a:blip r:embed="rId1"/>
+          <a:stretch>
+            <a:fillRect/>
+          </a:stretch>
+        </p:blipFill>
+        <p:spPr>
+          <a:xfrm>
+            <a:off x="3288665" y="2510155"/>
+            <a:ext cx="2080895" cy="1703070"/>
+          </a:xfrm>
+          <a:prstGeom prst="rect">
+            <a:avLst/>
+          </a:prstGeom>
+        </p:spPr>
+      </p:pic>
     </p:spTree>
   </p:cSld>
   <p:clrMapOvr>
@@ -9720,7 +9334,7 @@
 </file>
 
 <file path=ppt/slides/slide8.xml><?xml version="1.0" encoding="utf-8"?>
-<p:sld xmlns:a="http://schemas.openxmlformats.org/drawingml/2006/main" xmlns:r="http://schemas.openxmlformats.org/officeDocument/2006/relationships" xmlns:mc="http://schemas.openxmlformats.org/markup-compatibility/2006" xmlns:mv="urn:schemas-microsoft-com:mac:vml" xmlns:p="http://schemas.openxmlformats.org/presentationml/2006/main" xmlns:c="http://schemas.openxmlformats.org/drawingml/2006/chart" xmlns:dgm="http://schemas.openxmlformats.org/drawingml/2006/diagram" xmlns:o="urn:schemas-microsoft-com:office:office" xmlns:v="urn:schemas-microsoft-com:vml" xmlns:pvml="urn:schemas-microsoft-com:office:powerpoint" xmlns:com="http://schemas.openxmlformats.org/drawingml/2006/compatibility" xmlns:p14="http://schemas.microsoft.com/office/powerpoint/2010/main" xmlns:p15="http://schemas.microsoft.com/office/powerpoint/2012/main" xmlns:ahyp="http://schemas.microsoft.com/office/drawing/2018/hyperlinkcolor">
+<p:sld xmlns:a="http://schemas.openxmlformats.org/drawingml/2006/main" xmlns:r="http://schemas.openxmlformats.org/officeDocument/2006/relationships" xmlns:p="http://schemas.openxmlformats.org/presentationml/2006/main">
   <p:cSld>
     <p:spTree>
       <p:nvGrpSpPr>
@@ -9754,12 +9368,12 @@
           </a:prstGeom>
         </p:spPr>
         <p:txBody>
-          <a:bodyPr anchorCtr="0" anchor="t" bIns="91425" lIns="91425" spcFirstLastPara="1" rIns="91425" wrap="square" tIns="91425">
+          <a:bodyPr spcFirstLastPara="1" wrap="square" lIns="91425" tIns="91425" rIns="91425" bIns="91425" anchor="t" anchorCtr="0">
             <a:normAutofit fontScale="90000"/>
           </a:bodyPr>
           <a:lstStyle/>
           <a:p>
-            <a:pPr indent="0" lvl="0" marL="0" rtl="0" algn="l">
+            <a:pPr marL="0" lvl="0" indent="0" algn="l" rtl="0">
               <a:spcBef>
                 <a:spcPts val="0"/>
               </a:spcBef>
@@ -9769,10 +9383,10 @@
               <a:buNone/>
             </a:pPr>
             <a:r>
-              <a:rPr lang="ru"/>
+              <a:rPr lang="en-US"/>
               <a:t>Активация гороскопа</a:t>
             </a:r>
-            <a:endParaRPr/>
+            <a:endParaRPr lang="en-US"/>
           </a:p>
         </p:txBody>
       </p:sp>
@@ -9781,7 +9395,7 @@
           <p:cNvPr id="116" name="Google Shape;116;p20"/>
           <p:cNvSpPr txBox="1"/>
           <p:nvPr>
-            <p:ph idx="1" type="body"/>
+            <p:ph type="body" idx="1"/>
           </p:nvPr>
         </p:nvSpPr>
         <p:spPr>
@@ -9794,12 +9408,12 @@
           </a:prstGeom>
         </p:spPr>
         <p:txBody>
-          <a:bodyPr anchorCtr="0" anchor="t" bIns="91425" lIns="91425" spcFirstLastPara="1" rIns="91425" wrap="square" tIns="91425">
+          <a:bodyPr spcFirstLastPara="1" wrap="square" lIns="91425" tIns="91425" rIns="91425" bIns="91425" anchor="t" anchorCtr="0">
             <a:normAutofit/>
           </a:bodyPr>
           <a:lstStyle/>
           <a:p>
-            <a:pPr indent="0" lvl="0" marL="0" rtl="0" algn="l">
+            <a:pPr marL="0" lvl="0" indent="0" algn="l" rtl="0">
               <a:spcBef>
                 <a:spcPts val="0"/>
               </a:spcBef>
@@ -9809,13 +9423,13 @@
               <a:buNone/>
             </a:pPr>
             <a:r>
-              <a:rPr lang="ru"/>
+              <a:rPr lang="en-US"/>
               <a:t>Во время регистрации пользователь может выбрать, нужен ли ему ежедневный астрологический прогноз или нет.</a:t>
             </a:r>
-            <a:endParaRPr/>
+            <a:endParaRPr lang="en-US"/>
           </a:p>
           <a:p>
-            <a:pPr indent="0" lvl="0" marL="0" rtl="0" algn="l">
+            <a:pPr marL="0" lvl="0" indent="0" algn="l" rtl="0">
               <a:spcBef>
                 <a:spcPts val="1200"/>
               </a:spcBef>
@@ -9825,13 +9439,37 @@
               <a:buNone/>
             </a:pPr>
             <a:r>
-              <a:rPr lang="ru"/>
+              <a:rPr lang="en-US"/>
               <a:t>Если пользователь выберет подписку на гороскоп, то он сможет получать ежедневный прогноз на свой знак зодиака. </a:t>
             </a:r>
-            <a:endParaRPr/>
+            <a:endParaRPr lang="en-US"/>
           </a:p>
         </p:txBody>
       </p:sp>
+      <p:pic>
+        <p:nvPicPr>
+          <p:cNvPr id="1" name="Изображение 0" descr="2025-04-23_16-02-31"/>
+          <p:cNvPicPr>
+            <a:picLocks noChangeAspect="1"/>
+          </p:cNvPicPr>
+          <p:nvPr/>
+        </p:nvPicPr>
+        <p:blipFill>
+          <a:blip r:embed="rId1"/>
+          <a:stretch>
+            <a:fillRect/>
+          </a:stretch>
+        </p:blipFill>
+        <p:spPr>
+          <a:xfrm>
+            <a:off x="2204720" y="3210560"/>
+            <a:ext cx="4362450" cy="1466850"/>
+          </a:xfrm>
+          <a:prstGeom prst="rect">
+            <a:avLst/>
+          </a:prstGeom>
+        </p:spPr>
+      </p:pic>
     </p:spTree>
   </p:cSld>
   <p:clrMapOvr>
@@ -9841,7 +9479,7 @@
 </file>
 
 <file path=ppt/slides/slide9.xml><?xml version="1.0" encoding="utf-8"?>
-<p:sld xmlns:a="http://schemas.openxmlformats.org/drawingml/2006/main" xmlns:r="http://schemas.openxmlformats.org/officeDocument/2006/relationships" xmlns:mc="http://schemas.openxmlformats.org/markup-compatibility/2006" xmlns:mv="urn:schemas-microsoft-com:mac:vml" xmlns:p="http://schemas.openxmlformats.org/presentationml/2006/main" xmlns:c="http://schemas.openxmlformats.org/drawingml/2006/chart" xmlns:dgm="http://schemas.openxmlformats.org/drawingml/2006/diagram" xmlns:o="urn:schemas-microsoft-com:office:office" xmlns:v="urn:schemas-microsoft-com:vml" xmlns:pvml="urn:schemas-microsoft-com:office:powerpoint" xmlns:com="http://schemas.openxmlformats.org/drawingml/2006/compatibility" xmlns:p14="http://schemas.microsoft.com/office/powerpoint/2010/main" xmlns:p15="http://schemas.microsoft.com/office/powerpoint/2012/main" xmlns:ahyp="http://schemas.microsoft.com/office/drawing/2018/hyperlinkcolor">
+<p:sld xmlns:a="http://schemas.openxmlformats.org/drawingml/2006/main" xmlns:r="http://schemas.openxmlformats.org/officeDocument/2006/relationships" xmlns:p="http://schemas.openxmlformats.org/presentationml/2006/main">
   <p:cSld>
     <p:spTree>
       <p:nvGrpSpPr>
@@ -9875,12 +9513,12 @@
           </a:prstGeom>
         </p:spPr>
         <p:txBody>
-          <a:bodyPr anchorCtr="0" anchor="t" bIns="91425" lIns="91425" spcFirstLastPara="1" rIns="91425" wrap="square" tIns="91425">
+          <a:bodyPr spcFirstLastPara="1" wrap="square" lIns="91425" tIns="91425" rIns="91425" bIns="91425" anchor="t" anchorCtr="0">
             <a:normAutofit fontScale="90000"/>
           </a:bodyPr>
           <a:lstStyle/>
           <a:p>
-            <a:pPr indent="0" lvl="0" marL="0" rtl="0" algn="ctr">
+            <a:pPr marL="0" lvl="0" indent="0" algn="ctr" rtl="0">
               <a:spcBef>
                 <a:spcPts val="0"/>
               </a:spcBef>
@@ -9890,10 +9528,10 @@
               <a:buNone/>
             </a:pPr>
             <a:r>
-              <a:rPr lang="ru"/>
+              <a:rPr lang="en-US"/>
               <a:t>Регистрация - как видит программист / как видит пользователь</a:t>
             </a:r>
-            <a:endParaRPr/>
+            <a:endParaRPr lang="en-US"/>
           </a:p>
         </p:txBody>
       </p:sp>
@@ -9902,7 +9540,7 @@
           <p:cNvPr id="122" name="Google Shape;122;p21"/>
           <p:cNvSpPr txBox="1"/>
           <p:nvPr>
-            <p:ph idx="1" type="body"/>
+            <p:ph type="body" idx="1"/>
           </p:nvPr>
         </p:nvSpPr>
         <p:spPr>
@@ -9915,12 +9553,12 @@
           </a:prstGeom>
         </p:spPr>
         <p:txBody>
-          <a:bodyPr anchorCtr="0" anchor="t" bIns="91425" lIns="91425" spcFirstLastPara="1" rIns="91425" wrap="square" tIns="91425">
+          <a:bodyPr spcFirstLastPara="1" wrap="square" lIns="91425" tIns="91425" rIns="91425" bIns="91425" anchor="t" anchorCtr="0">
             <a:normAutofit/>
           </a:bodyPr>
           <a:lstStyle/>
           <a:p>
-            <a:pPr indent="0" lvl="0" marL="0" rtl="0" algn="l">
+            <a:pPr marL="0" lvl="0" indent="0" algn="l" rtl="0">
               <a:spcBef>
                 <a:spcPts val="0"/>
               </a:spcBef>
@@ -9929,10 +9567,6 @@
               </a:spcAft>
               <a:buNone/>
             </a:pPr>
-            <a:r>
-              <a:t/>
-            </a:r>
-            <a:endParaRPr/>
           </a:p>
         </p:txBody>
       </p:sp>
@@ -9943,17 +9577,15 @@
           <p:nvPr/>
         </p:nvPicPr>
         <p:blipFill>
-          <a:blip r:embed="rId3">
-            <a:alphaModFix/>
-          </a:blip>
+          <a:blip r:embed="rId1"/>
           <a:stretch>
             <a:fillRect/>
           </a:stretch>
         </p:blipFill>
         <p:spPr>
           <a:xfrm>
-            <a:off x="1376148" y="1152475"/>
-            <a:ext cx="5911151" cy="3802600"/>
+            <a:off x="311785" y="1152525"/>
+            <a:ext cx="4427855" cy="1972945"/>
           </a:xfrm>
           <a:prstGeom prst="rect">
             <a:avLst/>
@@ -9962,6 +9594,30 @@
           <a:ln>
             <a:noFill/>
           </a:ln>
+        </p:spPr>
+      </p:pic>
+      <p:pic>
+        <p:nvPicPr>
+          <p:cNvPr id="1" name="Изображение 0"/>
+          <p:cNvPicPr>
+            <a:picLocks noChangeAspect="1"/>
+          </p:cNvPicPr>
+          <p:nvPr/>
+        </p:nvPicPr>
+        <p:blipFill>
+          <a:blip r:embed="rId2"/>
+          <a:stretch>
+            <a:fillRect/>
+          </a:stretch>
+        </p:blipFill>
+        <p:spPr>
+          <a:xfrm>
+            <a:off x="4304030" y="2369820"/>
+            <a:ext cx="4395470" cy="2510155"/>
+          </a:xfrm>
+          <a:prstGeom prst="rect">
+            <a:avLst/>
+          </a:prstGeom>
         </p:spPr>
       </p:pic>
     </p:spTree>
@@ -9973,7 +9629,7 @@
 </file>
 
 <file path=ppt/theme/theme1.xml><?xml version="1.0" encoding="utf-8"?>
-<a:theme xmlns:a="http://schemas.openxmlformats.org/drawingml/2006/main" xmlns:r="http://schemas.openxmlformats.org/officeDocument/2006/relationships" name="Slate">
+<a:theme xmlns:a="http://schemas.openxmlformats.org/drawingml/2006/main" name="Slate">
   <a:themeElements>
     <a:clrScheme name="Slate">
       <a:dk1>
@@ -10248,11 +9904,16 @@
       </a:bgFillStyleLst>
     </a:fmtScheme>
   </a:themeElements>
+  <a:extLst>
+    <a:ext uri="{05A4C25C-085E-4340-85A3-A5531E510DB2}">
+      <thm15:themeFamily xmlns:thm15="http://schemas.microsoft.com/office/thememl/2012/main" name="Office Theme" id="{62F939B6-93AF-4DB8-9C6B-D6C7DFDC589F}" vid="{4A3C46E8-61CC-4603-A589-7422A47A8E4A}"/>
+    </a:ext>
+  </a:extLst>
 </a:theme>
 </file>
 
 <file path=ppt/theme/theme2.xml><?xml version="1.0" encoding="utf-8"?>
-<a:theme xmlns:a="http://schemas.openxmlformats.org/drawingml/2006/main" xmlns:r="http://schemas.openxmlformats.org/officeDocument/2006/relationships">
+<a:theme xmlns:a="http://schemas.openxmlformats.org/drawingml/2006/main">
   <a:themeElements>
     <a:clrScheme name="Default">
       <a:dk1>
@@ -10527,5 +10188,10 @@
       </a:bgFillStyleLst>
     </a:fmtScheme>
   </a:themeElements>
+  <a:extLst>
+    <a:ext uri="{05A4C25C-085E-4340-85A3-A5531E510DB2}">
+      <thm15:themeFamily xmlns:thm15="http://schemas.microsoft.com/office/thememl/2012/main" name="Office Theme" id="{62F939B6-93AF-4DB8-9C6B-D6C7DFDC589F}" vid="{4A3C46E8-61CC-4603-A589-7422A47A8E4A}"/>
+    </a:ext>
+  </a:extLst>
 </a:theme>
 </file>
--- a/Goroscopic-weather.pptx
+++ b/Goroscopic-weather.pptx
@@ -7738,7 +7738,7 @@
       </p:sp>
       <p:pic>
         <p:nvPicPr>
-          <p:cNvPr id="1" name="Изображение 0" descr="title_image"/>
+          <p:cNvPr id="3" name="Изображение 2" descr="title_image"/>
           <p:cNvPicPr>
             <a:picLocks noChangeAspect="1"/>
           </p:cNvPicPr>
@@ -9303,7 +9303,7 @@
       </p:sp>
       <p:pic>
         <p:nvPicPr>
-          <p:cNvPr id="1" name="Изображение 0"/>
+          <p:cNvPr id="2" name="Изображение 1"/>
           <p:cNvPicPr>
             <a:picLocks noChangeAspect="1"/>
           </p:cNvPicPr>
@@ -9448,7 +9448,7 @@
       </p:sp>
       <p:pic>
         <p:nvPicPr>
-          <p:cNvPr id="1" name="Изображение 0" descr="2025-04-23_16-02-31"/>
+          <p:cNvPr id="2" name="Изображение 1" descr="2025-04-23_16-02-31"/>
           <p:cNvPicPr>
             <a:picLocks noChangeAspect="1"/>
           </p:cNvPicPr>
@@ -9528,8 +9528,12 @@
               <a:buNone/>
             </a:pPr>
             <a:r>
+              <a:rPr lang="ru-RU" altLang="en-US"/>
+              <a:t>Погода</a:t>
+            </a:r>
+            <a:r>
               <a:rPr lang="en-US"/>
-              <a:t>Регистрация - как видит программист / как видит пользователь</a:t>
+              <a:t> - как видит программист / как видит пользователь</a:t>
             </a:r>
             <a:endParaRPr lang="en-US"/>
           </a:p>
@@ -9598,7 +9602,7 @@
       </p:pic>
       <p:pic>
         <p:nvPicPr>
-          <p:cNvPr id="1" name="Изображение 0"/>
+          <p:cNvPr id="2" name="Изображение 1"/>
           <p:cNvPicPr>
             <a:picLocks noChangeAspect="1"/>
           </p:cNvPicPr>

--- a/Goroscopic-weather.pptx
+++ b/Goroscopic-weather.pptx
@@ -1,44 +1,52 @@
 
 <file path=ppt/presentation.xml><?xml version="1.0" encoding="utf-8"?>
-<p:presentation xmlns:a="http://schemas.openxmlformats.org/drawingml/2006/main" xmlns:r="http://schemas.openxmlformats.org/officeDocument/2006/relationships" xmlns:p="http://schemas.openxmlformats.org/presentationml/2006/main" strictFirstAndLastChars="0" embedTrueTypeFonts="1" saveSubsetFonts="1" autoCompressPictures="0">
+<p:presentation xmlns:a="http://schemas.openxmlformats.org/drawingml/2006/main" xmlns:r="http://schemas.openxmlformats.org/officeDocument/2006/relationships" xmlns:mc="http://schemas.openxmlformats.org/markup-compatibility/2006" xmlns:mv="urn:schemas-microsoft-com:mac:vml" xmlns:p="http://schemas.openxmlformats.org/presentationml/2006/main" xmlns:c="http://schemas.openxmlformats.org/drawingml/2006/chart" xmlns:dgm="http://schemas.openxmlformats.org/drawingml/2006/diagram" xmlns:o="urn:schemas-microsoft-com:office:office" xmlns:v="urn:schemas-microsoft-com:vml" xmlns:pvml="urn:schemas-microsoft-com:office:powerpoint" xmlns:com="http://schemas.openxmlformats.org/drawingml/2006/compatibility" xmlns:p14="http://schemas.microsoft.com/office/powerpoint/2010/main" xmlns:p15="http://schemas.microsoft.com/office/powerpoint/2012/main" xmlns:ahyp="http://schemas.microsoft.com/office/drawing/2018/hyperlinkcolor" autoCompressPictures="0" embedTrueTypeFonts="1" strictFirstAndLastChars="0" saveSubsetFonts="1">
   <p:sldMasterIdLst>
-    <p:sldMasterId id="2147483648" r:id="rId1"/>
+    <p:sldMasterId id="2147483659" r:id="rId4"/>
   </p:sldMasterIdLst>
   <p:notesMasterIdLst>
-    <p:notesMasterId r:id="rId4"/>
+    <p:notesMasterId r:id="rId5"/>
   </p:notesMasterIdLst>
   <p:sldIdLst>
-    <p:sldId id="256" r:id="rId3"/>
-    <p:sldId id="257" r:id="rId5"/>
-    <p:sldId id="258" r:id="rId6"/>
-    <p:sldId id="259" r:id="rId7"/>
-    <p:sldId id="260" r:id="rId8"/>
-    <p:sldId id="261" r:id="rId9"/>
-    <p:sldId id="262" r:id="rId10"/>
-    <p:sldId id="263" r:id="rId11"/>
-    <p:sldId id="264" r:id="rId12"/>
-    <p:sldId id="265" r:id="rId13"/>
-    <p:sldId id="268" r:id="rId14"/>
-    <p:sldId id="269" r:id="rId15"/>
+    <p:sldId id="256" r:id="rId6"/>
+    <p:sldId id="257" r:id="rId7"/>
+    <p:sldId id="258" r:id="rId8"/>
+    <p:sldId id="259" r:id="rId9"/>
+    <p:sldId id="260" r:id="rId10"/>
+    <p:sldId id="261" r:id="rId11"/>
+    <p:sldId id="262" r:id="rId12"/>
+    <p:sldId id="263" r:id="rId13"/>
+    <p:sldId id="264" r:id="rId14"/>
+    <p:sldId id="265" r:id="rId15"/>
+    <p:sldId id="266" r:id="rId16"/>
+    <p:sldId id="267" r:id="rId17"/>
+    <p:sldId id="268" r:id="rId18"/>
+    <p:sldId id="269" r:id="rId19"/>
+    <p:sldId id="270" r:id="rId20"/>
+    <p:sldId id="271" r:id="rId21"/>
   </p:sldIdLst>
-  <p:sldSz cx="9144000" cy="5143500"/>
+  <p:sldSz cy="5143500" cx="9144000"/>
   <p:notesSz cx="6858000" cy="9144000"/>
   <p:embeddedFontLst>
     <p:embeddedFont>
-      <p:font typeface="Oswald"/>
-      <p:regular r:id="rId19"/>
+      <p:font typeface="Roboto"/>
+      <p:regular r:id="rId22"/>
+      <p:bold r:id="rId23"/>
+      <p:italic r:id="rId24"/>
+      <p:boldItalic r:id="rId25"/>
     </p:embeddedFont>
     <p:embeddedFont>
       <p:font typeface="Average"/>
-      <p:regular r:id="rId20"/>
+      <p:regular r:id="rId26"/>
     </p:embeddedFont>
     <p:embeddedFont>
-      <p:font typeface="Roboto" panose="02000000000000000000"/>
-      <p:regular r:id="rId21"/>
+      <p:font typeface="Oswald"/>
+      <p:regular r:id="rId27"/>
+      <p:bold r:id="rId28"/>
     </p:embeddedFont>
   </p:embeddedFontLst>
   <p:defaultTextStyle>
-    <a:defPPr marR="0" lvl="0" algn="l" rtl="0">
+    <a:defPPr lvl="0" marR="0" rtl="0" algn="l">
       <a:lnSpc>
         <a:spcPct val="100000"/>
       </a:lnSpc>
@@ -49,7 +57,7 @@
         <a:spcPts val="0"/>
       </a:spcAft>
     </a:defPPr>
-    <a:lvl1pPr marR="0" lvl="0" algn="l" rtl="0">
+    <a:lvl1pPr lvl="0" marR="0" rtl="0" algn="l">
       <a:lnSpc>
         <a:spcPct val="100000"/>
       </a:lnSpc>
@@ -62,18 +70,18 @@
       <a:buClr>
         <a:srgbClr val="000000"/>
       </a:buClr>
-      <a:buFont typeface="Arial" panose="020B0604020202020204"/>
-      <a:defRPr sz="1400" b="0" i="0" u="none" strike="noStrike" cap="none">
+      <a:buFont typeface="Arial"/>
+      <a:defRPr b="0" i="0" sz="1400" u="none" cap="none" strike="noStrike">
         <a:solidFill>
           <a:srgbClr val="000000"/>
         </a:solidFill>
-        <a:latin typeface="Arial" panose="020B0604020202020204"/>
-        <a:ea typeface="Arial" panose="020B0604020202020204"/>
-        <a:cs typeface="Arial" panose="020B0604020202020204"/>
-        <a:sym typeface="Arial" panose="020B0604020202020204"/>
+        <a:latin typeface="Arial"/>
+        <a:ea typeface="Arial"/>
+        <a:cs typeface="Arial"/>
+        <a:sym typeface="Arial"/>
       </a:defRPr>
     </a:lvl1pPr>
-    <a:lvl2pPr marR="0" lvl="1" algn="l" rtl="0">
+    <a:lvl2pPr lvl="1" marR="0" rtl="0" algn="l">
       <a:lnSpc>
         <a:spcPct val="100000"/>
       </a:lnSpc>
@@ -86,18 +94,18 @@
       <a:buClr>
         <a:srgbClr val="000000"/>
       </a:buClr>
-      <a:buFont typeface="Arial" panose="020B0604020202020204"/>
-      <a:defRPr sz="1400" b="0" i="0" u="none" strike="noStrike" cap="none">
+      <a:buFont typeface="Arial"/>
+      <a:defRPr b="0" i="0" sz="1400" u="none" cap="none" strike="noStrike">
         <a:solidFill>
           <a:srgbClr val="000000"/>
         </a:solidFill>
-        <a:latin typeface="Arial" panose="020B0604020202020204"/>
-        <a:ea typeface="Arial" panose="020B0604020202020204"/>
-        <a:cs typeface="Arial" panose="020B0604020202020204"/>
-        <a:sym typeface="Arial" panose="020B0604020202020204"/>
+        <a:latin typeface="Arial"/>
+        <a:ea typeface="Arial"/>
+        <a:cs typeface="Arial"/>
+        <a:sym typeface="Arial"/>
       </a:defRPr>
     </a:lvl2pPr>
-    <a:lvl3pPr marR="0" lvl="2" algn="l" rtl="0">
+    <a:lvl3pPr lvl="2" marR="0" rtl="0" algn="l">
       <a:lnSpc>
         <a:spcPct val="100000"/>
       </a:lnSpc>
@@ -110,18 +118,18 @@
       <a:buClr>
         <a:srgbClr val="000000"/>
       </a:buClr>
-      <a:buFont typeface="Arial" panose="020B0604020202020204"/>
-      <a:defRPr sz="1400" b="0" i="0" u="none" strike="noStrike" cap="none">
+      <a:buFont typeface="Arial"/>
+      <a:defRPr b="0" i="0" sz="1400" u="none" cap="none" strike="noStrike">
         <a:solidFill>
           <a:srgbClr val="000000"/>
         </a:solidFill>
-        <a:latin typeface="Arial" panose="020B0604020202020204"/>
-        <a:ea typeface="Arial" panose="020B0604020202020204"/>
-        <a:cs typeface="Arial" panose="020B0604020202020204"/>
-        <a:sym typeface="Arial" panose="020B0604020202020204"/>
+        <a:latin typeface="Arial"/>
+        <a:ea typeface="Arial"/>
+        <a:cs typeface="Arial"/>
+        <a:sym typeface="Arial"/>
       </a:defRPr>
     </a:lvl3pPr>
-    <a:lvl4pPr marR="0" lvl="3" algn="l" rtl="0">
+    <a:lvl4pPr lvl="3" marR="0" rtl="0" algn="l">
       <a:lnSpc>
         <a:spcPct val="100000"/>
       </a:lnSpc>
@@ -134,18 +142,18 @@
       <a:buClr>
         <a:srgbClr val="000000"/>
       </a:buClr>
-      <a:buFont typeface="Arial" panose="020B0604020202020204"/>
-      <a:defRPr sz="1400" b="0" i="0" u="none" strike="noStrike" cap="none">
+      <a:buFont typeface="Arial"/>
+      <a:defRPr b="0" i="0" sz="1400" u="none" cap="none" strike="noStrike">
         <a:solidFill>
           <a:srgbClr val="000000"/>
         </a:solidFill>
-        <a:latin typeface="Arial" panose="020B0604020202020204"/>
-        <a:ea typeface="Arial" panose="020B0604020202020204"/>
-        <a:cs typeface="Arial" panose="020B0604020202020204"/>
-        <a:sym typeface="Arial" panose="020B0604020202020204"/>
+        <a:latin typeface="Arial"/>
+        <a:ea typeface="Arial"/>
+        <a:cs typeface="Arial"/>
+        <a:sym typeface="Arial"/>
       </a:defRPr>
     </a:lvl4pPr>
-    <a:lvl5pPr marR="0" lvl="4" algn="l" rtl="0">
+    <a:lvl5pPr lvl="4" marR="0" rtl="0" algn="l">
       <a:lnSpc>
         <a:spcPct val="100000"/>
       </a:lnSpc>
@@ -158,18 +166,18 @@
       <a:buClr>
         <a:srgbClr val="000000"/>
       </a:buClr>
-      <a:buFont typeface="Arial" panose="020B0604020202020204"/>
-      <a:defRPr sz="1400" b="0" i="0" u="none" strike="noStrike" cap="none">
+      <a:buFont typeface="Arial"/>
+      <a:defRPr b="0" i="0" sz="1400" u="none" cap="none" strike="noStrike">
         <a:solidFill>
           <a:srgbClr val="000000"/>
         </a:solidFill>
-        <a:latin typeface="Arial" panose="020B0604020202020204"/>
-        <a:ea typeface="Arial" panose="020B0604020202020204"/>
-        <a:cs typeface="Arial" panose="020B0604020202020204"/>
-        <a:sym typeface="Arial" panose="020B0604020202020204"/>
+        <a:latin typeface="Arial"/>
+        <a:ea typeface="Arial"/>
+        <a:cs typeface="Arial"/>
+        <a:sym typeface="Arial"/>
       </a:defRPr>
     </a:lvl5pPr>
-    <a:lvl6pPr marR="0" lvl="5" algn="l" rtl="0">
+    <a:lvl6pPr lvl="5" marR="0" rtl="0" algn="l">
       <a:lnSpc>
         <a:spcPct val="100000"/>
       </a:lnSpc>
@@ -182,18 +190,18 @@
       <a:buClr>
         <a:srgbClr val="000000"/>
       </a:buClr>
-      <a:buFont typeface="Arial" panose="020B0604020202020204"/>
-      <a:defRPr sz="1400" b="0" i="0" u="none" strike="noStrike" cap="none">
+      <a:buFont typeface="Arial"/>
+      <a:defRPr b="0" i="0" sz="1400" u="none" cap="none" strike="noStrike">
         <a:solidFill>
           <a:srgbClr val="000000"/>
         </a:solidFill>
-        <a:latin typeface="Arial" panose="020B0604020202020204"/>
-        <a:ea typeface="Arial" panose="020B0604020202020204"/>
-        <a:cs typeface="Arial" panose="020B0604020202020204"/>
-        <a:sym typeface="Arial" panose="020B0604020202020204"/>
+        <a:latin typeface="Arial"/>
+        <a:ea typeface="Arial"/>
+        <a:cs typeface="Arial"/>
+        <a:sym typeface="Arial"/>
       </a:defRPr>
     </a:lvl6pPr>
-    <a:lvl7pPr marR="0" lvl="6" algn="l" rtl="0">
+    <a:lvl7pPr lvl="6" marR="0" rtl="0" algn="l">
       <a:lnSpc>
         <a:spcPct val="100000"/>
       </a:lnSpc>
@@ -206,18 +214,18 @@
       <a:buClr>
         <a:srgbClr val="000000"/>
       </a:buClr>
-      <a:buFont typeface="Arial" panose="020B0604020202020204"/>
-      <a:defRPr sz="1400" b="0" i="0" u="none" strike="noStrike" cap="none">
+      <a:buFont typeface="Arial"/>
+      <a:defRPr b="0" i="0" sz="1400" u="none" cap="none" strike="noStrike">
         <a:solidFill>
           <a:srgbClr val="000000"/>
         </a:solidFill>
-        <a:latin typeface="Arial" panose="020B0604020202020204"/>
-        <a:ea typeface="Arial" panose="020B0604020202020204"/>
-        <a:cs typeface="Arial" panose="020B0604020202020204"/>
-        <a:sym typeface="Arial" panose="020B0604020202020204"/>
+        <a:latin typeface="Arial"/>
+        <a:ea typeface="Arial"/>
+        <a:cs typeface="Arial"/>
+        <a:sym typeface="Arial"/>
       </a:defRPr>
     </a:lvl7pPr>
-    <a:lvl8pPr marR="0" lvl="7" algn="l" rtl="0">
+    <a:lvl8pPr lvl="7" marR="0" rtl="0" algn="l">
       <a:lnSpc>
         <a:spcPct val="100000"/>
       </a:lnSpc>
@@ -230,18 +238,18 @@
       <a:buClr>
         <a:srgbClr val="000000"/>
       </a:buClr>
-      <a:buFont typeface="Arial" panose="020B0604020202020204"/>
-      <a:defRPr sz="1400" b="0" i="0" u="none" strike="noStrike" cap="none">
+      <a:buFont typeface="Arial"/>
+      <a:defRPr b="0" i="0" sz="1400" u="none" cap="none" strike="noStrike">
         <a:solidFill>
           <a:srgbClr val="000000"/>
         </a:solidFill>
-        <a:latin typeface="Arial" panose="020B0604020202020204"/>
-        <a:ea typeface="Arial" panose="020B0604020202020204"/>
-        <a:cs typeface="Arial" panose="020B0604020202020204"/>
-        <a:sym typeface="Arial" panose="020B0604020202020204"/>
+        <a:latin typeface="Arial"/>
+        <a:ea typeface="Arial"/>
+        <a:cs typeface="Arial"/>
+        <a:sym typeface="Arial"/>
       </a:defRPr>
     </a:lvl8pPr>
-    <a:lvl9pPr marR="0" lvl="8" algn="l" rtl="0">
+    <a:lvl9pPr lvl="8" marR="0" rtl="0" algn="l">
       <a:lnSpc>
         <a:spcPct val="100000"/>
       </a:lnSpc>
@@ -254,27 +262,27 @@
       <a:buClr>
         <a:srgbClr val="000000"/>
       </a:buClr>
-      <a:buFont typeface="Arial" panose="020B0604020202020204"/>
-      <a:defRPr sz="1400" b="0" i="0" u="none" strike="noStrike" cap="none">
+      <a:buFont typeface="Arial"/>
+      <a:defRPr b="0" i="0" sz="1400" u="none" cap="none" strike="noStrike">
         <a:solidFill>
           <a:srgbClr val="000000"/>
         </a:solidFill>
-        <a:latin typeface="Arial" panose="020B0604020202020204"/>
-        <a:ea typeface="Arial" panose="020B0604020202020204"/>
-        <a:cs typeface="Arial" panose="020B0604020202020204"/>
-        <a:sym typeface="Arial" panose="020B0604020202020204"/>
+        <a:latin typeface="Arial"/>
+        <a:ea typeface="Arial"/>
+        <a:cs typeface="Arial"/>
+        <a:sym typeface="Arial"/>
       </a:defRPr>
     </a:lvl9pPr>
   </p:defaultTextStyle>
   <p:extLst>
     <p:ext uri="{EFAFB233-063F-42B5-8137-9DF3F51BA10A}">
-      <p15:sldGuideLst xmlns:p15="http://schemas.microsoft.com/office/powerpoint/2012/main">
-        <p15:guide id="1" orient="horz" pos="1620" userDrawn="1">
+      <p15:sldGuideLst>
+        <p15:guide id="1" orient="horz" pos="1620">
           <p15:clr>
             <a:srgbClr val="747775"/>
           </p15:clr>
         </p15:guide>
-        <p15:guide id="2" pos="2880" userDrawn="1">
+        <p15:guide id="2" pos="2880">
           <p15:clr>
             <a:srgbClr val="747775"/>
           </p15:clr>
@@ -286,13 +294,8 @@
 </file>
 
 <file path=ppt/notesMasters/notesMaster1.xml><?xml version="1.0" encoding="utf-8"?>
-<p:notesMaster xmlns:a="http://schemas.openxmlformats.org/drawingml/2006/main" xmlns:r="http://schemas.openxmlformats.org/officeDocument/2006/relationships" xmlns:p="http://schemas.openxmlformats.org/presentationml/2006/main">
+<p:notesMaster xmlns:a="http://schemas.openxmlformats.org/drawingml/2006/main" xmlns:r="http://schemas.openxmlformats.org/officeDocument/2006/relationships" xmlns:mc="http://schemas.openxmlformats.org/markup-compatibility/2006" xmlns:mv="urn:schemas-microsoft-com:mac:vml" xmlns:p="http://schemas.openxmlformats.org/presentationml/2006/main" xmlns:c="http://schemas.openxmlformats.org/drawingml/2006/chart" xmlns:dgm="http://schemas.openxmlformats.org/drawingml/2006/diagram" xmlns:o="urn:schemas-microsoft-com:office:office" xmlns:v="urn:schemas-microsoft-com:vml" xmlns:pvml="urn:schemas-microsoft-com:office:powerpoint" xmlns:com="http://schemas.openxmlformats.org/drawingml/2006/compatibility" xmlns:p14="http://schemas.microsoft.com/office/powerpoint/2010/main" xmlns:p15="http://schemas.microsoft.com/office/powerpoint/2012/main" xmlns:ahyp="http://schemas.microsoft.com/office/drawing/2018/hyperlinkcolor">
   <p:cSld>
-    <p:bg>
-      <p:bgRef idx="1001">
-        <a:schemeClr val="bg1"/>
-      </p:bgRef>
-    </p:bg>
     <p:spTree>
       <p:nvGrpSpPr>
         <p:cNvPr id="2" name="Shape 2"/>
@@ -312,7 +315,7 @@
           <p:cNvPr id="3" name="Google Shape;3;n"/>
           <p:cNvSpPr/>
           <p:nvPr>
-            <p:ph type="sldImg" idx="2"/>
+            <p:ph idx="2" type="sldImg"/>
           </p:nvPr>
         </p:nvSpPr>
         <p:spPr>
@@ -321,13 +324,9 @@
             <a:ext cx="6096075" cy="3429000"/>
           </a:xfrm>
           <a:custGeom>
-            <a:avLst/>
-            <a:gdLst/>
-            <a:ahLst/>
-            <a:cxnLst/>
-            <a:rect l="l" t="t" r="r" b="b"/>
+            <a:rect b="b" l="l" r="r" t="t"/>
             <a:pathLst>
-              <a:path w="120000" h="120000" extrusionOk="0">
+              <a:path extrusionOk="0" h="120000" w="120000">
                 <a:moveTo>
                   <a:pt x="0" y="0"/>
                 </a:moveTo>
@@ -345,14 +344,14 @@
             </a:pathLst>
           </a:custGeom>
           <a:noFill/>
-          <a:ln w="9525" cap="flat" cmpd="sng">
+          <a:ln cap="flat" cmpd="sng" w="9525">
             <a:solidFill>
               <a:srgbClr val="000000"/>
             </a:solidFill>
             <a:prstDash val="solid"/>
             <a:round/>
-            <a:headEnd type="none" w="sm" len="sm"/>
-            <a:tailEnd type="none" w="sm" len="sm"/>
+            <a:headEnd len="sm" w="sm" type="none"/>
+            <a:tailEnd len="sm" w="sm" type="none"/>
           </a:ln>
         </p:spPr>
       </p:sp>
@@ -361,7 +360,7 @@
           <p:cNvPr id="4" name="Google Shape;4;n"/>
           <p:cNvSpPr txBox="1"/>
           <p:nvPr>
-            <p:ph type="body" idx="1"/>
+            <p:ph idx="1" type="body"/>
           </p:nvPr>
         </p:nvSpPr>
         <p:spPr>
@@ -378,11 +377,11 @@
           </a:ln>
         </p:spPr>
         <p:txBody>
-          <a:bodyPr spcFirstLastPara="1" wrap="square" lIns="91425" tIns="91425" rIns="91425" bIns="91425" anchor="t" anchorCtr="0">
+          <a:bodyPr anchorCtr="0" anchor="t" bIns="91425" lIns="91425" spcFirstLastPara="1" rIns="91425" wrap="square" tIns="91425">
             <a:noAutofit/>
           </a:bodyPr>
           <a:lstStyle>
-            <a:lvl1pPr marL="457200" lvl="0" indent="-298450">
+            <a:lvl1pPr indent="-298450" lvl="0" marL="457200">
               <a:spcBef>
                 <a:spcPts val="0"/>
               </a:spcBef>
@@ -393,7 +392,7 @@
               <a:buChar char="●"/>
               <a:defRPr sz="1100"/>
             </a:lvl1pPr>
-            <a:lvl2pPr marL="914400" lvl="1" indent="-298450">
+            <a:lvl2pPr indent="-298450" lvl="1" marL="914400">
               <a:spcBef>
                 <a:spcPts val="0"/>
               </a:spcBef>
@@ -404,7 +403,7 @@
               <a:buChar char="○"/>
               <a:defRPr sz="1100"/>
             </a:lvl2pPr>
-            <a:lvl3pPr marL="1371600" lvl="2" indent="-298450">
+            <a:lvl3pPr indent="-298450" lvl="2" marL="1371600">
               <a:spcBef>
                 <a:spcPts val="0"/>
               </a:spcBef>
@@ -415,7 +414,7 @@
               <a:buChar char="■"/>
               <a:defRPr sz="1100"/>
             </a:lvl3pPr>
-            <a:lvl4pPr marL="1828800" lvl="3" indent="-298450">
+            <a:lvl4pPr indent="-298450" lvl="3" marL="1828800">
               <a:spcBef>
                 <a:spcPts val="0"/>
               </a:spcBef>
@@ -426,7 +425,7 @@
               <a:buChar char="●"/>
               <a:defRPr sz="1100"/>
             </a:lvl4pPr>
-            <a:lvl5pPr marL="2286000" lvl="4" indent="-298450">
+            <a:lvl5pPr indent="-298450" lvl="4" marL="2286000">
               <a:spcBef>
                 <a:spcPts val="0"/>
               </a:spcBef>
@@ -437,7 +436,7 @@
               <a:buChar char="○"/>
               <a:defRPr sz="1100"/>
             </a:lvl5pPr>
-            <a:lvl6pPr marL="2743200" lvl="5" indent="-298450">
+            <a:lvl6pPr indent="-298450" lvl="5" marL="2743200">
               <a:spcBef>
                 <a:spcPts val="0"/>
               </a:spcBef>
@@ -448,7 +447,7 @@
               <a:buChar char="■"/>
               <a:defRPr sz="1100"/>
             </a:lvl6pPr>
-            <a:lvl7pPr marL="3200400" lvl="6" indent="-298450">
+            <a:lvl7pPr indent="-298450" lvl="6" marL="3200400">
               <a:spcBef>
                 <a:spcPts val="0"/>
               </a:spcBef>
@@ -459,7 +458,7 @@
               <a:buChar char="●"/>
               <a:defRPr sz="1100"/>
             </a:lvl7pPr>
-            <a:lvl8pPr marL="3657600" lvl="7" indent="-298450">
+            <a:lvl8pPr indent="-298450" lvl="7" marL="3657600">
               <a:spcBef>
                 <a:spcPts val="0"/>
               </a:spcBef>
@@ -470,7 +469,7 @@
               <a:buChar char="○"/>
               <a:defRPr sz="1100"/>
             </a:lvl8pPr>
-            <a:lvl9pPr marL="4114800" lvl="8" indent="-298450">
+            <a:lvl9pPr indent="-298450" lvl="8" marL="4114800">
               <a:spcBef>
                 <a:spcPts val="0"/>
               </a:spcBef>
@@ -487,9 +486,9 @@
       </p:sp>
     </p:spTree>
   </p:cSld>
-  <p:clrMap bg1="lt1" tx1="dk1" bg2="dk2" tx2="lt2" accent1="accent1" accent2="accent2" accent3="accent3" accent4="accent4" accent5="accent5" accent6="accent6" hlink="hlink" folHlink="folHlink"/>
+  <p:clrMap accent1="accent1" accent2="accent2" accent3="accent3" accent4="accent4" accent5="accent5" accent6="accent6" bg1="lt1" bg2="dk2" tx1="dk1" tx2="lt2" folHlink="folHlink" hlink="hlink"/>
   <p:notesStyle>
-    <a:defPPr marR="0" lvl="0" algn="l" rtl="0">
+    <a:defPPr lvl="0" marR="0" rtl="0" algn="l">
       <a:lnSpc>
         <a:spcPct val="100000"/>
       </a:lnSpc>
@@ -500,7 +499,7 @@
         <a:spcPts val="0"/>
       </a:spcAft>
     </a:defPPr>
-    <a:lvl1pPr marR="0" lvl="0" algn="l" rtl="0">
+    <a:lvl1pPr lvl="0" marR="0" rtl="0" algn="l">
       <a:lnSpc>
         <a:spcPct val="100000"/>
       </a:lnSpc>
@@ -513,18 +512,18 @@
       <a:buClr>
         <a:srgbClr val="000000"/>
       </a:buClr>
-      <a:buFont typeface="Arial" panose="020B0604020202020204"/>
-      <a:defRPr sz="1400" b="0" i="0" u="none" strike="noStrike" cap="none">
+      <a:buFont typeface="Arial"/>
+      <a:defRPr b="0" i="0" sz="1400" u="none" cap="none" strike="noStrike">
         <a:solidFill>
           <a:srgbClr val="000000"/>
         </a:solidFill>
-        <a:latin typeface="Arial" panose="020B0604020202020204"/>
-        <a:ea typeface="Arial" panose="020B0604020202020204"/>
-        <a:cs typeface="Arial" panose="020B0604020202020204"/>
-        <a:sym typeface="Arial" panose="020B0604020202020204"/>
+        <a:latin typeface="Arial"/>
+        <a:ea typeface="Arial"/>
+        <a:cs typeface="Arial"/>
+        <a:sym typeface="Arial"/>
       </a:defRPr>
     </a:lvl1pPr>
-    <a:lvl2pPr marR="0" lvl="1" algn="l" rtl="0">
+    <a:lvl2pPr lvl="1" marR="0" rtl="0" algn="l">
       <a:lnSpc>
         <a:spcPct val="100000"/>
       </a:lnSpc>
@@ -537,18 +536,18 @@
       <a:buClr>
         <a:srgbClr val="000000"/>
       </a:buClr>
-      <a:buFont typeface="Arial" panose="020B0604020202020204"/>
-      <a:defRPr sz="1400" b="0" i="0" u="none" strike="noStrike" cap="none">
+      <a:buFont typeface="Arial"/>
+      <a:defRPr b="0" i="0" sz="1400" u="none" cap="none" strike="noStrike">
         <a:solidFill>
           <a:srgbClr val="000000"/>
         </a:solidFill>
-        <a:latin typeface="Arial" panose="020B0604020202020204"/>
-        <a:ea typeface="Arial" panose="020B0604020202020204"/>
-        <a:cs typeface="Arial" panose="020B0604020202020204"/>
-        <a:sym typeface="Arial" panose="020B0604020202020204"/>
+        <a:latin typeface="Arial"/>
+        <a:ea typeface="Arial"/>
+        <a:cs typeface="Arial"/>
+        <a:sym typeface="Arial"/>
       </a:defRPr>
     </a:lvl2pPr>
-    <a:lvl3pPr marR="0" lvl="2" algn="l" rtl="0">
+    <a:lvl3pPr lvl="2" marR="0" rtl="0" algn="l">
       <a:lnSpc>
         <a:spcPct val="100000"/>
       </a:lnSpc>
@@ -561,18 +560,18 @@
       <a:buClr>
         <a:srgbClr val="000000"/>
       </a:buClr>
-      <a:buFont typeface="Arial" panose="020B0604020202020204"/>
-      <a:defRPr sz="1400" b="0" i="0" u="none" strike="noStrike" cap="none">
+      <a:buFont typeface="Arial"/>
+      <a:defRPr b="0" i="0" sz="1400" u="none" cap="none" strike="noStrike">
         <a:solidFill>
           <a:srgbClr val="000000"/>
         </a:solidFill>
-        <a:latin typeface="Arial" panose="020B0604020202020204"/>
-        <a:ea typeface="Arial" panose="020B0604020202020204"/>
-        <a:cs typeface="Arial" panose="020B0604020202020204"/>
-        <a:sym typeface="Arial" panose="020B0604020202020204"/>
+        <a:latin typeface="Arial"/>
+        <a:ea typeface="Arial"/>
+        <a:cs typeface="Arial"/>
+        <a:sym typeface="Arial"/>
       </a:defRPr>
     </a:lvl3pPr>
-    <a:lvl4pPr marR="0" lvl="3" algn="l" rtl="0">
+    <a:lvl4pPr lvl="3" marR="0" rtl="0" algn="l">
       <a:lnSpc>
         <a:spcPct val="100000"/>
       </a:lnSpc>
@@ -585,18 +584,18 @@
       <a:buClr>
         <a:srgbClr val="000000"/>
       </a:buClr>
-      <a:buFont typeface="Arial" panose="020B0604020202020204"/>
-      <a:defRPr sz="1400" b="0" i="0" u="none" strike="noStrike" cap="none">
+      <a:buFont typeface="Arial"/>
+      <a:defRPr b="0" i="0" sz="1400" u="none" cap="none" strike="noStrike">
         <a:solidFill>
           <a:srgbClr val="000000"/>
         </a:solidFill>
-        <a:latin typeface="Arial" panose="020B0604020202020204"/>
-        <a:ea typeface="Arial" panose="020B0604020202020204"/>
-        <a:cs typeface="Arial" panose="020B0604020202020204"/>
-        <a:sym typeface="Arial" panose="020B0604020202020204"/>
+        <a:latin typeface="Arial"/>
+        <a:ea typeface="Arial"/>
+        <a:cs typeface="Arial"/>
+        <a:sym typeface="Arial"/>
       </a:defRPr>
     </a:lvl4pPr>
-    <a:lvl5pPr marR="0" lvl="4" algn="l" rtl="0">
+    <a:lvl5pPr lvl="4" marR="0" rtl="0" algn="l">
       <a:lnSpc>
         <a:spcPct val="100000"/>
       </a:lnSpc>
@@ -609,18 +608,18 @@
       <a:buClr>
         <a:srgbClr val="000000"/>
       </a:buClr>
-      <a:buFont typeface="Arial" panose="020B0604020202020204"/>
-      <a:defRPr sz="1400" b="0" i="0" u="none" strike="noStrike" cap="none">
+      <a:buFont typeface="Arial"/>
+      <a:defRPr b="0" i="0" sz="1400" u="none" cap="none" strike="noStrike">
         <a:solidFill>
           <a:srgbClr val="000000"/>
         </a:solidFill>
-        <a:latin typeface="Arial" panose="020B0604020202020204"/>
-        <a:ea typeface="Arial" panose="020B0604020202020204"/>
-        <a:cs typeface="Arial" panose="020B0604020202020204"/>
-        <a:sym typeface="Arial" panose="020B0604020202020204"/>
+        <a:latin typeface="Arial"/>
+        <a:ea typeface="Arial"/>
+        <a:cs typeface="Arial"/>
+        <a:sym typeface="Arial"/>
       </a:defRPr>
     </a:lvl5pPr>
-    <a:lvl6pPr marR="0" lvl="5" algn="l" rtl="0">
+    <a:lvl6pPr lvl="5" marR="0" rtl="0" algn="l">
       <a:lnSpc>
         <a:spcPct val="100000"/>
       </a:lnSpc>
@@ -633,18 +632,18 @@
       <a:buClr>
         <a:srgbClr val="000000"/>
       </a:buClr>
-      <a:buFont typeface="Arial" panose="020B0604020202020204"/>
-      <a:defRPr sz="1400" b="0" i="0" u="none" strike="noStrike" cap="none">
+      <a:buFont typeface="Arial"/>
+      <a:defRPr b="0" i="0" sz="1400" u="none" cap="none" strike="noStrike">
         <a:solidFill>
           <a:srgbClr val="000000"/>
         </a:solidFill>
-        <a:latin typeface="Arial" panose="020B0604020202020204"/>
-        <a:ea typeface="Arial" panose="020B0604020202020204"/>
-        <a:cs typeface="Arial" panose="020B0604020202020204"/>
-        <a:sym typeface="Arial" panose="020B0604020202020204"/>
+        <a:latin typeface="Arial"/>
+        <a:ea typeface="Arial"/>
+        <a:cs typeface="Arial"/>
+        <a:sym typeface="Arial"/>
       </a:defRPr>
     </a:lvl6pPr>
-    <a:lvl7pPr marR="0" lvl="6" algn="l" rtl="0">
+    <a:lvl7pPr lvl="6" marR="0" rtl="0" algn="l">
       <a:lnSpc>
         <a:spcPct val="100000"/>
       </a:lnSpc>
@@ -657,18 +656,18 @@
       <a:buClr>
         <a:srgbClr val="000000"/>
       </a:buClr>
-      <a:buFont typeface="Arial" panose="020B0604020202020204"/>
-      <a:defRPr sz="1400" b="0" i="0" u="none" strike="noStrike" cap="none">
+      <a:buFont typeface="Arial"/>
+      <a:defRPr b="0" i="0" sz="1400" u="none" cap="none" strike="noStrike">
         <a:solidFill>
           <a:srgbClr val="000000"/>
         </a:solidFill>
-        <a:latin typeface="Arial" panose="020B0604020202020204"/>
-        <a:ea typeface="Arial" panose="020B0604020202020204"/>
-        <a:cs typeface="Arial" panose="020B0604020202020204"/>
-        <a:sym typeface="Arial" panose="020B0604020202020204"/>
+        <a:latin typeface="Arial"/>
+        <a:ea typeface="Arial"/>
+        <a:cs typeface="Arial"/>
+        <a:sym typeface="Arial"/>
       </a:defRPr>
     </a:lvl7pPr>
-    <a:lvl8pPr marR="0" lvl="7" algn="l" rtl="0">
+    <a:lvl8pPr lvl="7" marR="0" rtl="0" algn="l">
       <a:lnSpc>
         <a:spcPct val="100000"/>
       </a:lnSpc>
@@ -681,18 +680,18 @@
       <a:buClr>
         <a:srgbClr val="000000"/>
       </a:buClr>
-      <a:buFont typeface="Arial" panose="020B0604020202020204"/>
-      <a:defRPr sz="1400" b="0" i="0" u="none" strike="noStrike" cap="none">
+      <a:buFont typeface="Arial"/>
+      <a:defRPr b="0" i="0" sz="1400" u="none" cap="none" strike="noStrike">
         <a:solidFill>
           <a:srgbClr val="000000"/>
         </a:solidFill>
-        <a:latin typeface="Arial" panose="020B0604020202020204"/>
-        <a:ea typeface="Arial" panose="020B0604020202020204"/>
-        <a:cs typeface="Arial" panose="020B0604020202020204"/>
-        <a:sym typeface="Arial" panose="020B0604020202020204"/>
+        <a:latin typeface="Arial"/>
+        <a:ea typeface="Arial"/>
+        <a:cs typeface="Arial"/>
+        <a:sym typeface="Arial"/>
       </a:defRPr>
     </a:lvl8pPr>
-    <a:lvl9pPr marR="0" lvl="8" algn="l" rtl="0">
+    <a:lvl9pPr lvl="8" marR="0" rtl="0" algn="l">
       <a:lnSpc>
         <a:spcPct val="100000"/>
       </a:lnSpc>
@@ -705,15 +704,15 @@
       <a:buClr>
         <a:srgbClr val="000000"/>
       </a:buClr>
-      <a:buFont typeface="Arial" panose="020B0604020202020204"/>
-      <a:defRPr sz="1400" b="0" i="0" u="none" strike="noStrike" cap="none">
+      <a:buFont typeface="Arial"/>
+      <a:defRPr b="0" i="0" sz="1400" u="none" cap="none" strike="noStrike">
         <a:solidFill>
           <a:srgbClr val="000000"/>
         </a:solidFill>
-        <a:latin typeface="Arial" panose="020B0604020202020204"/>
-        <a:ea typeface="Arial" panose="020B0604020202020204"/>
-        <a:cs typeface="Arial" panose="020B0604020202020204"/>
-        <a:sym typeface="Arial" panose="020B0604020202020204"/>
+        <a:latin typeface="Arial"/>
+        <a:ea typeface="Arial"/>
+        <a:cs typeface="Arial"/>
+        <a:sym typeface="Arial"/>
       </a:defRPr>
     </a:lvl9pPr>
   </p:notesStyle>
@@ -721,7 +720,7 @@
 </file>
 
 <file path=ppt/notesSlides/notesSlide1.xml><?xml version="1.0" encoding="utf-8"?>
-<p:notes xmlns:a="http://schemas.openxmlformats.org/drawingml/2006/main" xmlns:r="http://schemas.openxmlformats.org/officeDocument/2006/relationships" xmlns:p="http://schemas.openxmlformats.org/presentationml/2006/main" showMasterPhAnim="0" showMasterSp="0">
+<p:notes xmlns:a="http://schemas.openxmlformats.org/drawingml/2006/main" xmlns:r="http://schemas.openxmlformats.org/officeDocument/2006/relationships" xmlns:mc="http://schemas.openxmlformats.org/markup-compatibility/2006" xmlns:mv="urn:schemas-microsoft-com:mac:vml" xmlns:p="http://schemas.openxmlformats.org/presentationml/2006/main" xmlns:c="http://schemas.openxmlformats.org/drawingml/2006/chart" xmlns:dgm="http://schemas.openxmlformats.org/drawingml/2006/diagram" xmlns:o="urn:schemas-microsoft-com:office:office" xmlns:v="urn:schemas-microsoft-com:vml" xmlns:pvml="urn:schemas-microsoft-com:office:powerpoint" xmlns:com="http://schemas.openxmlformats.org/drawingml/2006/compatibility" xmlns:p14="http://schemas.microsoft.com/office/powerpoint/2010/main" xmlns:p15="http://schemas.microsoft.com/office/powerpoint/2012/main" xmlns:ahyp="http://schemas.microsoft.com/office/drawing/2018/hyperlinkcolor" showMasterPhAnim="0" showMasterSp="0">
   <p:cSld>
     <p:spTree>
       <p:nvGrpSpPr>
@@ -742,7 +741,7 @@
           <p:cNvPr id="56" name="Google Shape;56;p:notes"/>
           <p:cNvSpPr/>
           <p:nvPr>
-            <p:ph type="sldImg" idx="2"/>
+            <p:ph idx="2" type="sldImg"/>
           </p:nvPr>
         </p:nvSpPr>
         <p:spPr>
@@ -751,13 +750,9 @@
             <a:ext cx="6096075" cy="3429000"/>
           </a:xfrm>
           <a:custGeom>
-            <a:avLst/>
-            <a:gdLst/>
-            <a:ahLst/>
-            <a:cxnLst/>
-            <a:rect l="l" t="t" r="r" b="b"/>
+            <a:rect b="b" l="l" r="r" t="t"/>
             <a:pathLst>
-              <a:path w="120000" h="120000" extrusionOk="0">
+              <a:path extrusionOk="0" h="120000" w="120000">
                 <a:moveTo>
                   <a:pt x="0" y="0"/>
                 </a:moveTo>
@@ -781,7 +776,7 @@
           <p:cNvPr id="57" name="Google Shape;57;p:notes"/>
           <p:cNvSpPr txBox="1"/>
           <p:nvPr>
-            <p:ph type="body" idx="1"/>
+            <p:ph idx="1" type="body"/>
           </p:nvPr>
         </p:nvSpPr>
         <p:spPr>
@@ -794,12 +789,12 @@
           </a:prstGeom>
         </p:spPr>
         <p:txBody>
-          <a:bodyPr spcFirstLastPara="1" wrap="square" lIns="91425" tIns="91425" rIns="91425" bIns="91425" anchor="t" anchorCtr="0">
+          <a:bodyPr anchorCtr="0" anchor="t" bIns="91425" lIns="91425" spcFirstLastPara="1" rIns="91425" wrap="square" tIns="91425">
             <a:noAutofit/>
           </a:bodyPr>
           <a:lstStyle/>
           <a:p>
-            <a:pPr marL="0" lvl="0" indent="0" algn="l" rtl="0">
+            <a:pPr indent="0" lvl="0" marL="0" rtl="0" algn="l">
               <a:spcBef>
                 <a:spcPts val="0"/>
               </a:spcBef>
@@ -808,6 +803,10 @@
               </a:spcAft>
               <a:buNone/>
             </a:pPr>
+            <a:r>
+              <a:t/>
+            </a:r>
+            <a:endParaRPr/>
           </a:p>
         </p:txBody>
       </p:sp>
@@ -820,11 +819,11 @@
 </file>
 
 <file path=ppt/notesSlides/notesSlide10.xml><?xml version="1.0" encoding="utf-8"?>
-<p:notes xmlns:a="http://schemas.openxmlformats.org/drawingml/2006/main" xmlns:r="http://schemas.openxmlformats.org/officeDocument/2006/relationships" xmlns:p="http://schemas.openxmlformats.org/presentationml/2006/main" showMasterPhAnim="0" showMasterSp="0">
+<p:notes xmlns:a="http://schemas.openxmlformats.org/drawingml/2006/main" xmlns:r="http://schemas.openxmlformats.org/officeDocument/2006/relationships" xmlns:mc="http://schemas.openxmlformats.org/markup-compatibility/2006" xmlns:mv="urn:schemas-microsoft-com:mac:vml" xmlns:p="http://schemas.openxmlformats.org/presentationml/2006/main" xmlns:c="http://schemas.openxmlformats.org/drawingml/2006/chart" xmlns:dgm="http://schemas.openxmlformats.org/drawingml/2006/diagram" xmlns:o="urn:schemas-microsoft-com:office:office" xmlns:v="urn:schemas-microsoft-com:vml" xmlns:pvml="urn:schemas-microsoft-com:office:powerpoint" xmlns:com="http://schemas.openxmlformats.org/drawingml/2006/compatibility" xmlns:p14="http://schemas.microsoft.com/office/powerpoint/2010/main" xmlns:p15="http://schemas.microsoft.com/office/powerpoint/2012/main" xmlns:ahyp="http://schemas.microsoft.com/office/drawing/2018/hyperlinkcolor" showMasterPhAnim="0" showMasterSp="0">
   <p:cSld>
     <p:spTree>
       <p:nvGrpSpPr>
-        <p:cNvPr id="124" name="Shape 124"/>
+        <p:cNvPr id="125" name="Shape 125"/>
         <p:cNvGrpSpPr/>
         <p:nvPr/>
       </p:nvGrpSpPr>
@@ -838,10 +837,10 @@
       </p:grpSpPr>
       <p:sp>
         <p:nvSpPr>
-          <p:cNvPr id="125" name="Google Shape;125;g34e3d35a7ed_0_21:notes"/>
+          <p:cNvPr id="126" name="Google Shape;126;g358aa11ffa3_0_6:notes"/>
           <p:cNvSpPr/>
           <p:nvPr>
-            <p:ph type="sldImg" idx="2"/>
+            <p:ph idx="2" type="sldImg"/>
           </p:nvPr>
         </p:nvSpPr>
         <p:spPr>
@@ -850,13 +849,9 @@
             <a:ext cx="6096000" cy="3429000"/>
           </a:xfrm>
           <a:custGeom>
-            <a:avLst/>
-            <a:gdLst/>
-            <a:ahLst/>
-            <a:cxnLst/>
-            <a:rect l="l" t="t" r="r" b="b"/>
+            <a:rect b="b" l="l" r="r" t="t"/>
             <a:pathLst>
-              <a:path w="120000" h="120000" extrusionOk="0">
+              <a:path extrusionOk="0" h="120000" w="120000">
                 <a:moveTo>
                   <a:pt x="0" y="0"/>
                 </a:moveTo>
@@ -877,10 +872,10 @@
       </p:sp>
       <p:sp>
         <p:nvSpPr>
-          <p:cNvPr id="126" name="Google Shape;126;g34e3d35a7ed_0_21:notes"/>
+          <p:cNvPr id="127" name="Google Shape;127;g358aa11ffa3_0_6:notes"/>
           <p:cNvSpPr txBox="1"/>
           <p:nvPr>
-            <p:ph type="body" idx="1"/>
+            <p:ph idx="1" type="body"/>
           </p:nvPr>
         </p:nvSpPr>
         <p:spPr>
@@ -893,12 +888,12 @@
           </a:prstGeom>
         </p:spPr>
         <p:txBody>
-          <a:bodyPr spcFirstLastPara="1" wrap="square" lIns="91425" tIns="91425" rIns="91425" bIns="91425" anchor="t" anchorCtr="0">
+          <a:bodyPr anchorCtr="0" anchor="t" bIns="91425" lIns="91425" spcFirstLastPara="1" rIns="91425" wrap="square" tIns="91425">
             <a:noAutofit/>
           </a:bodyPr>
           <a:lstStyle/>
           <a:p>
-            <a:pPr marL="0" lvl="0" indent="0" algn="l" rtl="0">
+            <a:pPr indent="0" lvl="0" marL="0" rtl="0" algn="l">
               <a:spcBef>
                 <a:spcPts val="0"/>
               </a:spcBef>
@@ -907,6 +902,10 @@
               </a:spcAft>
               <a:buNone/>
             </a:pPr>
+            <a:r>
+              <a:t/>
+            </a:r>
+            <a:endParaRPr/>
           </a:p>
         </p:txBody>
       </p:sp>
@@ -919,11 +918,11 @@
 </file>
 
 <file path=ppt/notesSlides/notesSlide11.xml><?xml version="1.0" encoding="utf-8"?>
-<p:notes xmlns:a="http://schemas.openxmlformats.org/drawingml/2006/main" xmlns:r="http://schemas.openxmlformats.org/officeDocument/2006/relationships" xmlns:p="http://schemas.openxmlformats.org/presentationml/2006/main" showMasterPhAnim="0" showMasterSp="0">
+<p:notes xmlns:a="http://schemas.openxmlformats.org/drawingml/2006/main" xmlns:r="http://schemas.openxmlformats.org/officeDocument/2006/relationships" xmlns:mc="http://schemas.openxmlformats.org/markup-compatibility/2006" xmlns:mv="urn:schemas-microsoft-com:mac:vml" xmlns:p="http://schemas.openxmlformats.org/presentationml/2006/main" xmlns:c="http://schemas.openxmlformats.org/drawingml/2006/chart" xmlns:dgm="http://schemas.openxmlformats.org/drawingml/2006/diagram" xmlns:o="urn:schemas-microsoft-com:office:office" xmlns:v="urn:schemas-microsoft-com:vml" xmlns:pvml="urn:schemas-microsoft-com:office:powerpoint" xmlns:com="http://schemas.openxmlformats.org/drawingml/2006/compatibility" xmlns:p14="http://schemas.microsoft.com/office/powerpoint/2010/main" xmlns:p15="http://schemas.microsoft.com/office/powerpoint/2012/main" xmlns:ahyp="http://schemas.microsoft.com/office/drawing/2018/hyperlinkcolor" showMasterPhAnim="0" showMasterSp="0">
   <p:cSld>
     <p:spTree>
       <p:nvGrpSpPr>
-        <p:cNvPr id="144" name="Shape 144"/>
+        <p:cNvPr id="132" name="Shape 132"/>
         <p:cNvGrpSpPr/>
         <p:nvPr/>
       </p:nvGrpSpPr>
@@ -937,10 +936,10 @@
       </p:grpSpPr>
       <p:sp>
         <p:nvSpPr>
-          <p:cNvPr id="145" name="Google Shape;145;g34e3d35a7ed_0_39:notes"/>
+          <p:cNvPr id="133" name="Google Shape;133;g358aa11ffa3_0_20:notes"/>
           <p:cNvSpPr/>
           <p:nvPr>
-            <p:ph type="sldImg" idx="2"/>
+            <p:ph idx="2" type="sldImg"/>
           </p:nvPr>
         </p:nvSpPr>
         <p:spPr>
@@ -949,13 +948,9 @@
             <a:ext cx="6096000" cy="3429000"/>
           </a:xfrm>
           <a:custGeom>
-            <a:avLst/>
-            <a:gdLst/>
-            <a:ahLst/>
-            <a:cxnLst/>
-            <a:rect l="l" t="t" r="r" b="b"/>
+            <a:rect b="b" l="l" r="r" t="t"/>
             <a:pathLst>
-              <a:path w="120000" h="120000" extrusionOk="0">
+              <a:path extrusionOk="0" h="120000" w="120000">
                 <a:moveTo>
                   <a:pt x="0" y="0"/>
                 </a:moveTo>
@@ -976,10 +971,10 @@
       </p:sp>
       <p:sp>
         <p:nvSpPr>
-          <p:cNvPr id="146" name="Google Shape;146;g34e3d35a7ed_0_39:notes"/>
+          <p:cNvPr id="134" name="Google Shape;134;g358aa11ffa3_0_20:notes"/>
           <p:cNvSpPr txBox="1"/>
           <p:nvPr>
-            <p:ph type="body" idx="1"/>
+            <p:ph idx="1" type="body"/>
           </p:nvPr>
         </p:nvSpPr>
         <p:spPr>
@@ -992,12 +987,12 @@
           </a:prstGeom>
         </p:spPr>
         <p:txBody>
-          <a:bodyPr spcFirstLastPara="1" wrap="square" lIns="91425" tIns="91425" rIns="91425" bIns="91425" anchor="t" anchorCtr="0">
+          <a:bodyPr anchorCtr="0" anchor="t" bIns="91425" lIns="91425" spcFirstLastPara="1" rIns="91425" wrap="square" tIns="91425">
             <a:noAutofit/>
           </a:bodyPr>
           <a:lstStyle/>
           <a:p>
-            <a:pPr marL="0" lvl="0" indent="0" algn="l" rtl="0">
+            <a:pPr indent="0" lvl="0" marL="0" rtl="0" algn="l">
               <a:spcBef>
                 <a:spcPts val="0"/>
               </a:spcBef>
@@ -1006,6 +1001,10 @@
               </a:spcAft>
               <a:buNone/>
             </a:pPr>
+            <a:r>
+              <a:t/>
+            </a:r>
+            <a:endParaRPr/>
           </a:p>
         </p:txBody>
       </p:sp>
@@ -1018,11 +1017,11 @@
 </file>
 
 <file path=ppt/notesSlides/notesSlide12.xml><?xml version="1.0" encoding="utf-8"?>
-<p:notes xmlns:a="http://schemas.openxmlformats.org/drawingml/2006/main" xmlns:r="http://schemas.openxmlformats.org/officeDocument/2006/relationships" xmlns:p="http://schemas.openxmlformats.org/presentationml/2006/main" showMasterPhAnim="0" showMasterSp="0">
+<p:notes xmlns:a="http://schemas.openxmlformats.org/drawingml/2006/main" xmlns:r="http://schemas.openxmlformats.org/officeDocument/2006/relationships" xmlns:mc="http://schemas.openxmlformats.org/markup-compatibility/2006" xmlns:mv="urn:schemas-microsoft-com:mac:vml" xmlns:p="http://schemas.openxmlformats.org/presentationml/2006/main" xmlns:c="http://schemas.openxmlformats.org/drawingml/2006/chart" xmlns:dgm="http://schemas.openxmlformats.org/drawingml/2006/diagram" xmlns:o="urn:schemas-microsoft-com:office:office" xmlns:v="urn:schemas-microsoft-com:vml" xmlns:pvml="urn:schemas-microsoft-com:office:powerpoint" xmlns:com="http://schemas.openxmlformats.org/drawingml/2006/compatibility" xmlns:p14="http://schemas.microsoft.com/office/powerpoint/2010/main" xmlns:p15="http://schemas.microsoft.com/office/powerpoint/2012/main" xmlns:ahyp="http://schemas.microsoft.com/office/drawing/2018/hyperlinkcolor" showMasterPhAnim="0" showMasterSp="0">
   <p:cSld>
     <p:spTree>
       <p:nvGrpSpPr>
-        <p:cNvPr id="150" name="Shape 150"/>
+        <p:cNvPr id="139" name="Shape 139"/>
         <p:cNvGrpSpPr/>
         <p:nvPr/>
       </p:nvGrpSpPr>
@@ -1036,10 +1035,10 @@
       </p:grpSpPr>
       <p:sp>
         <p:nvSpPr>
-          <p:cNvPr id="151" name="Google Shape;151;g34e3d35a7ed_0_44:notes"/>
+          <p:cNvPr id="140" name="Google Shape;140;g34e3d35a7ed_0_10:notes"/>
           <p:cNvSpPr/>
           <p:nvPr>
-            <p:ph type="sldImg" idx="2"/>
+            <p:ph idx="2" type="sldImg"/>
           </p:nvPr>
         </p:nvSpPr>
         <p:spPr>
@@ -1048,13 +1047,9 @@
             <a:ext cx="6096000" cy="3429000"/>
           </a:xfrm>
           <a:custGeom>
-            <a:avLst/>
-            <a:gdLst/>
-            <a:ahLst/>
-            <a:cxnLst/>
-            <a:rect l="l" t="t" r="r" b="b"/>
+            <a:rect b="b" l="l" r="r" t="t"/>
             <a:pathLst>
-              <a:path w="120000" h="120000" extrusionOk="0">
+              <a:path extrusionOk="0" h="120000" w="120000">
                 <a:moveTo>
                   <a:pt x="0" y="0"/>
                 </a:moveTo>
@@ -1075,10 +1070,10 @@
       </p:sp>
       <p:sp>
         <p:nvSpPr>
-          <p:cNvPr id="152" name="Google Shape;152;g34e3d35a7ed_0_44:notes"/>
+          <p:cNvPr id="141" name="Google Shape;141;g34e3d35a7ed_0_10:notes"/>
           <p:cNvSpPr txBox="1"/>
           <p:nvPr>
-            <p:ph type="body" idx="1"/>
+            <p:ph idx="1" type="body"/>
           </p:nvPr>
         </p:nvSpPr>
         <p:spPr>
@@ -1091,12 +1086,12 @@
           </a:prstGeom>
         </p:spPr>
         <p:txBody>
-          <a:bodyPr spcFirstLastPara="1" wrap="square" lIns="91425" tIns="91425" rIns="91425" bIns="91425" anchor="t" anchorCtr="0">
+          <a:bodyPr anchorCtr="0" anchor="t" bIns="91425" lIns="91425" spcFirstLastPara="1" rIns="91425" wrap="square" tIns="91425">
             <a:noAutofit/>
           </a:bodyPr>
           <a:lstStyle/>
           <a:p>
-            <a:pPr marL="0" lvl="0" indent="0" algn="l" rtl="0">
+            <a:pPr indent="0" lvl="0" marL="0" rtl="0" algn="l">
               <a:spcBef>
                 <a:spcPts val="0"/>
               </a:spcBef>
@@ -1105,6 +1100,406 @@
               </a:spcAft>
               <a:buNone/>
             </a:pPr>
+            <a:r>
+              <a:t/>
+            </a:r>
+            <a:endParaRPr/>
+          </a:p>
+        </p:txBody>
+      </p:sp>
+    </p:spTree>
+  </p:cSld>
+  <p:clrMapOvr>
+    <a:masterClrMapping/>
+  </p:clrMapOvr>
+</p:notes>
+</file>
+
+<file path=ppt/notesSlides/notesSlide13.xml><?xml version="1.0" encoding="utf-8"?>
+<p:notes xmlns:a="http://schemas.openxmlformats.org/drawingml/2006/main" xmlns:r="http://schemas.openxmlformats.org/officeDocument/2006/relationships" xmlns:mc="http://schemas.openxmlformats.org/markup-compatibility/2006" xmlns:mv="urn:schemas-microsoft-com:mac:vml" xmlns:p="http://schemas.openxmlformats.org/presentationml/2006/main" xmlns:c="http://schemas.openxmlformats.org/drawingml/2006/chart" xmlns:dgm="http://schemas.openxmlformats.org/drawingml/2006/diagram" xmlns:o="urn:schemas-microsoft-com:office:office" xmlns:v="urn:schemas-microsoft-com:vml" xmlns:pvml="urn:schemas-microsoft-com:office:powerpoint" xmlns:com="http://schemas.openxmlformats.org/drawingml/2006/compatibility" xmlns:p14="http://schemas.microsoft.com/office/powerpoint/2010/main" xmlns:p15="http://schemas.microsoft.com/office/powerpoint/2012/main" xmlns:ahyp="http://schemas.microsoft.com/office/drawing/2018/hyperlinkcolor" showMasterPhAnim="0" showMasterSp="0">
+  <p:cSld>
+    <p:spTree>
+      <p:nvGrpSpPr>
+        <p:cNvPr id="145" name="Shape 145"/>
+        <p:cNvGrpSpPr/>
+        <p:nvPr/>
+      </p:nvGrpSpPr>
+      <p:grpSpPr>
+        <a:xfrm>
+          <a:off x="0" y="0"/>
+          <a:ext cx="0" cy="0"/>
+          <a:chOff x="0" y="0"/>
+          <a:chExt cx="0" cy="0"/>
+        </a:xfrm>
+      </p:grpSpPr>
+      <p:sp>
+        <p:nvSpPr>
+          <p:cNvPr id="146" name="Google Shape;146;g34e3d35a7ed_0_21:notes"/>
+          <p:cNvSpPr/>
+          <p:nvPr>
+            <p:ph idx="2" type="sldImg"/>
+          </p:nvPr>
+        </p:nvSpPr>
+        <p:spPr>
+          <a:xfrm>
+            <a:off x="381300" y="685800"/>
+            <a:ext cx="6096000" cy="3429000"/>
+          </a:xfrm>
+          <a:custGeom>
+            <a:rect b="b" l="l" r="r" t="t"/>
+            <a:pathLst>
+              <a:path extrusionOk="0" h="120000" w="120000">
+                <a:moveTo>
+                  <a:pt x="0" y="0"/>
+                </a:moveTo>
+                <a:lnTo>
+                  <a:pt x="120000" y="0"/>
+                </a:lnTo>
+                <a:lnTo>
+                  <a:pt x="120000" y="120000"/>
+                </a:lnTo>
+                <a:lnTo>
+                  <a:pt x="0" y="120000"/>
+                </a:lnTo>
+                <a:close/>
+              </a:path>
+            </a:pathLst>
+          </a:custGeom>
+        </p:spPr>
+      </p:sp>
+      <p:sp>
+        <p:nvSpPr>
+          <p:cNvPr id="147" name="Google Shape;147;g34e3d35a7ed_0_21:notes"/>
+          <p:cNvSpPr txBox="1"/>
+          <p:nvPr>
+            <p:ph idx="1" type="body"/>
+          </p:nvPr>
+        </p:nvSpPr>
+        <p:spPr>
+          <a:xfrm>
+            <a:off x="685800" y="4343400"/>
+            <a:ext cx="5486400" cy="4114800"/>
+          </a:xfrm>
+          <a:prstGeom prst="rect">
+            <a:avLst/>
+          </a:prstGeom>
+        </p:spPr>
+        <p:txBody>
+          <a:bodyPr anchorCtr="0" anchor="t" bIns="91425" lIns="91425" spcFirstLastPara="1" rIns="91425" wrap="square" tIns="91425">
+            <a:noAutofit/>
+          </a:bodyPr>
+          <a:lstStyle/>
+          <a:p>
+            <a:pPr indent="0" lvl="0" marL="0" rtl="0" algn="l">
+              <a:spcBef>
+                <a:spcPts val="0"/>
+              </a:spcBef>
+              <a:spcAft>
+                <a:spcPts val="0"/>
+              </a:spcAft>
+              <a:buNone/>
+            </a:pPr>
+            <a:r>
+              <a:t/>
+            </a:r>
+            <a:endParaRPr/>
+          </a:p>
+        </p:txBody>
+      </p:sp>
+    </p:spTree>
+  </p:cSld>
+  <p:clrMapOvr>
+    <a:masterClrMapping/>
+  </p:clrMapOvr>
+</p:notes>
+</file>
+
+<file path=ppt/notesSlides/notesSlide14.xml><?xml version="1.0" encoding="utf-8"?>
+<p:notes xmlns:a="http://schemas.openxmlformats.org/drawingml/2006/main" xmlns:r="http://schemas.openxmlformats.org/officeDocument/2006/relationships" xmlns:mc="http://schemas.openxmlformats.org/markup-compatibility/2006" xmlns:mv="urn:schemas-microsoft-com:mac:vml" xmlns:p="http://schemas.openxmlformats.org/presentationml/2006/main" xmlns:c="http://schemas.openxmlformats.org/drawingml/2006/chart" xmlns:dgm="http://schemas.openxmlformats.org/drawingml/2006/diagram" xmlns:o="urn:schemas-microsoft-com:office:office" xmlns:v="urn:schemas-microsoft-com:vml" xmlns:pvml="urn:schemas-microsoft-com:office:powerpoint" xmlns:com="http://schemas.openxmlformats.org/drawingml/2006/compatibility" xmlns:p14="http://schemas.microsoft.com/office/powerpoint/2010/main" xmlns:p15="http://schemas.microsoft.com/office/powerpoint/2012/main" xmlns:ahyp="http://schemas.microsoft.com/office/drawing/2018/hyperlinkcolor" showMasterPhAnim="0" showMasterSp="0">
+  <p:cSld>
+    <p:spTree>
+      <p:nvGrpSpPr>
+        <p:cNvPr id="153" name="Shape 153"/>
+        <p:cNvGrpSpPr/>
+        <p:nvPr/>
+      </p:nvGrpSpPr>
+      <p:grpSpPr>
+        <a:xfrm>
+          <a:off x="0" y="0"/>
+          <a:ext cx="0" cy="0"/>
+          <a:chOff x="0" y="0"/>
+          <a:chExt cx="0" cy="0"/>
+        </a:xfrm>
+      </p:grpSpPr>
+      <p:sp>
+        <p:nvSpPr>
+          <p:cNvPr id="154" name="Google Shape;154;g34e3d35a7ed_0_28:notes"/>
+          <p:cNvSpPr/>
+          <p:nvPr>
+            <p:ph idx="2" type="sldImg"/>
+          </p:nvPr>
+        </p:nvSpPr>
+        <p:spPr>
+          <a:xfrm>
+            <a:off x="381300" y="685800"/>
+            <a:ext cx="6096000" cy="3429000"/>
+          </a:xfrm>
+          <a:custGeom>
+            <a:rect b="b" l="l" r="r" t="t"/>
+            <a:pathLst>
+              <a:path extrusionOk="0" h="120000" w="120000">
+                <a:moveTo>
+                  <a:pt x="0" y="0"/>
+                </a:moveTo>
+                <a:lnTo>
+                  <a:pt x="120000" y="0"/>
+                </a:lnTo>
+                <a:lnTo>
+                  <a:pt x="120000" y="120000"/>
+                </a:lnTo>
+                <a:lnTo>
+                  <a:pt x="0" y="120000"/>
+                </a:lnTo>
+                <a:close/>
+              </a:path>
+            </a:pathLst>
+          </a:custGeom>
+        </p:spPr>
+      </p:sp>
+      <p:sp>
+        <p:nvSpPr>
+          <p:cNvPr id="155" name="Google Shape;155;g34e3d35a7ed_0_28:notes"/>
+          <p:cNvSpPr txBox="1"/>
+          <p:nvPr>
+            <p:ph idx="1" type="body"/>
+          </p:nvPr>
+        </p:nvSpPr>
+        <p:spPr>
+          <a:xfrm>
+            <a:off x="685800" y="4343400"/>
+            <a:ext cx="5486400" cy="4114800"/>
+          </a:xfrm>
+          <a:prstGeom prst="rect">
+            <a:avLst/>
+          </a:prstGeom>
+        </p:spPr>
+        <p:txBody>
+          <a:bodyPr anchorCtr="0" anchor="t" bIns="91425" lIns="91425" spcFirstLastPara="1" rIns="91425" wrap="square" tIns="91425">
+            <a:noAutofit/>
+          </a:bodyPr>
+          <a:lstStyle/>
+          <a:p>
+            <a:pPr indent="0" lvl="0" marL="0" rtl="0" algn="l">
+              <a:spcBef>
+                <a:spcPts val="0"/>
+              </a:spcBef>
+              <a:spcAft>
+                <a:spcPts val="0"/>
+              </a:spcAft>
+              <a:buNone/>
+            </a:pPr>
+            <a:r>
+              <a:t/>
+            </a:r>
+            <a:endParaRPr/>
+          </a:p>
+        </p:txBody>
+      </p:sp>
+    </p:spTree>
+  </p:cSld>
+  <p:clrMapOvr>
+    <a:masterClrMapping/>
+  </p:clrMapOvr>
+</p:notes>
+</file>
+
+<file path=ppt/notesSlides/notesSlide15.xml><?xml version="1.0" encoding="utf-8"?>
+<p:notes xmlns:a="http://schemas.openxmlformats.org/drawingml/2006/main" xmlns:r="http://schemas.openxmlformats.org/officeDocument/2006/relationships" xmlns:mc="http://schemas.openxmlformats.org/markup-compatibility/2006" xmlns:mv="urn:schemas-microsoft-com:mac:vml" xmlns:p="http://schemas.openxmlformats.org/presentationml/2006/main" xmlns:c="http://schemas.openxmlformats.org/drawingml/2006/chart" xmlns:dgm="http://schemas.openxmlformats.org/drawingml/2006/diagram" xmlns:o="urn:schemas-microsoft-com:office:office" xmlns:v="urn:schemas-microsoft-com:vml" xmlns:pvml="urn:schemas-microsoft-com:office:powerpoint" xmlns:com="http://schemas.openxmlformats.org/drawingml/2006/compatibility" xmlns:p14="http://schemas.microsoft.com/office/powerpoint/2010/main" xmlns:p15="http://schemas.microsoft.com/office/powerpoint/2012/main" xmlns:ahyp="http://schemas.microsoft.com/office/drawing/2018/hyperlinkcolor" showMasterPhAnim="0" showMasterSp="0">
+  <p:cSld>
+    <p:spTree>
+      <p:nvGrpSpPr>
+        <p:cNvPr id="159" name="Shape 159"/>
+        <p:cNvGrpSpPr/>
+        <p:nvPr/>
+      </p:nvGrpSpPr>
+      <p:grpSpPr>
+        <a:xfrm>
+          <a:off x="0" y="0"/>
+          <a:ext cx="0" cy="0"/>
+          <a:chOff x="0" y="0"/>
+          <a:chExt cx="0" cy="0"/>
+        </a:xfrm>
+      </p:grpSpPr>
+      <p:sp>
+        <p:nvSpPr>
+          <p:cNvPr id="160" name="Google Shape;160;g358aa11ffa3_0_13:notes"/>
+          <p:cNvSpPr/>
+          <p:nvPr>
+            <p:ph idx="2" type="sldImg"/>
+          </p:nvPr>
+        </p:nvSpPr>
+        <p:spPr>
+          <a:xfrm>
+            <a:off x="381300" y="685800"/>
+            <a:ext cx="6096000" cy="3429000"/>
+          </a:xfrm>
+          <a:custGeom>
+            <a:rect b="b" l="l" r="r" t="t"/>
+            <a:pathLst>
+              <a:path extrusionOk="0" h="120000" w="120000">
+                <a:moveTo>
+                  <a:pt x="0" y="0"/>
+                </a:moveTo>
+                <a:lnTo>
+                  <a:pt x="120000" y="0"/>
+                </a:lnTo>
+                <a:lnTo>
+                  <a:pt x="120000" y="120000"/>
+                </a:lnTo>
+                <a:lnTo>
+                  <a:pt x="0" y="120000"/>
+                </a:lnTo>
+                <a:close/>
+              </a:path>
+            </a:pathLst>
+          </a:custGeom>
+        </p:spPr>
+      </p:sp>
+      <p:sp>
+        <p:nvSpPr>
+          <p:cNvPr id="161" name="Google Shape;161;g358aa11ffa3_0_13:notes"/>
+          <p:cNvSpPr txBox="1"/>
+          <p:nvPr>
+            <p:ph idx="1" type="body"/>
+          </p:nvPr>
+        </p:nvSpPr>
+        <p:spPr>
+          <a:xfrm>
+            <a:off x="685800" y="4343400"/>
+            <a:ext cx="5486400" cy="4114800"/>
+          </a:xfrm>
+          <a:prstGeom prst="rect">
+            <a:avLst/>
+          </a:prstGeom>
+        </p:spPr>
+        <p:txBody>
+          <a:bodyPr anchorCtr="0" anchor="t" bIns="91425" lIns="91425" spcFirstLastPara="1" rIns="91425" wrap="square" tIns="91425">
+            <a:noAutofit/>
+          </a:bodyPr>
+          <a:lstStyle/>
+          <a:p>
+            <a:pPr indent="0" lvl="0" marL="0" rtl="0" algn="l">
+              <a:spcBef>
+                <a:spcPts val="0"/>
+              </a:spcBef>
+              <a:spcAft>
+                <a:spcPts val="0"/>
+              </a:spcAft>
+              <a:buNone/>
+            </a:pPr>
+            <a:r>
+              <a:t/>
+            </a:r>
+            <a:endParaRPr/>
+          </a:p>
+        </p:txBody>
+      </p:sp>
+    </p:spTree>
+  </p:cSld>
+  <p:clrMapOvr>
+    <a:masterClrMapping/>
+  </p:clrMapOvr>
+</p:notes>
+</file>
+
+<file path=ppt/notesSlides/notesSlide16.xml><?xml version="1.0" encoding="utf-8"?>
+<p:notes xmlns:a="http://schemas.openxmlformats.org/drawingml/2006/main" xmlns:r="http://schemas.openxmlformats.org/officeDocument/2006/relationships" xmlns:mc="http://schemas.openxmlformats.org/markup-compatibility/2006" xmlns:mv="urn:schemas-microsoft-com:mac:vml" xmlns:p="http://schemas.openxmlformats.org/presentationml/2006/main" xmlns:c="http://schemas.openxmlformats.org/drawingml/2006/chart" xmlns:dgm="http://schemas.openxmlformats.org/drawingml/2006/diagram" xmlns:o="urn:schemas-microsoft-com:office:office" xmlns:v="urn:schemas-microsoft-com:vml" xmlns:pvml="urn:schemas-microsoft-com:office:powerpoint" xmlns:com="http://schemas.openxmlformats.org/drawingml/2006/compatibility" xmlns:p14="http://schemas.microsoft.com/office/powerpoint/2010/main" xmlns:p15="http://schemas.microsoft.com/office/powerpoint/2012/main" xmlns:ahyp="http://schemas.microsoft.com/office/drawing/2018/hyperlinkcolor" showMasterPhAnim="0" showMasterSp="0">
+  <p:cSld>
+    <p:spTree>
+      <p:nvGrpSpPr>
+        <p:cNvPr id="167" name="Shape 167"/>
+        <p:cNvGrpSpPr/>
+        <p:nvPr/>
+      </p:nvGrpSpPr>
+      <p:grpSpPr>
+        <a:xfrm>
+          <a:off x="0" y="0"/>
+          <a:ext cx="0" cy="0"/>
+          <a:chOff x="0" y="0"/>
+          <a:chExt cx="0" cy="0"/>
+        </a:xfrm>
+      </p:grpSpPr>
+      <p:sp>
+        <p:nvSpPr>
+          <p:cNvPr id="168" name="Google Shape;168;g34e3d35a7ed_0_44:notes"/>
+          <p:cNvSpPr/>
+          <p:nvPr>
+            <p:ph idx="2" type="sldImg"/>
+          </p:nvPr>
+        </p:nvSpPr>
+        <p:spPr>
+          <a:xfrm>
+            <a:off x="381300" y="685800"/>
+            <a:ext cx="6096000" cy="3429000"/>
+          </a:xfrm>
+          <a:custGeom>
+            <a:rect b="b" l="l" r="r" t="t"/>
+            <a:pathLst>
+              <a:path extrusionOk="0" h="120000" w="120000">
+                <a:moveTo>
+                  <a:pt x="0" y="0"/>
+                </a:moveTo>
+                <a:lnTo>
+                  <a:pt x="120000" y="0"/>
+                </a:lnTo>
+                <a:lnTo>
+                  <a:pt x="120000" y="120000"/>
+                </a:lnTo>
+                <a:lnTo>
+                  <a:pt x="0" y="120000"/>
+                </a:lnTo>
+                <a:close/>
+              </a:path>
+            </a:pathLst>
+          </a:custGeom>
+        </p:spPr>
+      </p:sp>
+      <p:sp>
+        <p:nvSpPr>
+          <p:cNvPr id="169" name="Google Shape;169;g34e3d35a7ed_0_44:notes"/>
+          <p:cNvSpPr txBox="1"/>
+          <p:nvPr>
+            <p:ph idx="1" type="body"/>
+          </p:nvPr>
+        </p:nvSpPr>
+        <p:spPr>
+          <a:xfrm>
+            <a:off x="685800" y="4343400"/>
+            <a:ext cx="5486400" cy="4114800"/>
+          </a:xfrm>
+          <a:prstGeom prst="rect">
+            <a:avLst/>
+          </a:prstGeom>
+        </p:spPr>
+        <p:txBody>
+          <a:bodyPr anchorCtr="0" anchor="t" bIns="91425" lIns="91425" spcFirstLastPara="1" rIns="91425" wrap="square" tIns="91425">
+            <a:noAutofit/>
+          </a:bodyPr>
+          <a:lstStyle/>
+          <a:p>
+            <a:pPr indent="0" lvl="0" marL="0" rtl="0" algn="l">
+              <a:spcBef>
+                <a:spcPts val="0"/>
+              </a:spcBef>
+              <a:spcAft>
+                <a:spcPts val="0"/>
+              </a:spcAft>
+              <a:buNone/>
+            </a:pPr>
+            <a:r>
+              <a:t/>
+            </a:r>
+            <a:endParaRPr/>
           </a:p>
         </p:txBody>
       </p:sp>
@@ -1117,7 +1512,7 @@
 </file>
 
 <file path=ppt/notesSlides/notesSlide2.xml><?xml version="1.0" encoding="utf-8"?>
-<p:notes xmlns:a="http://schemas.openxmlformats.org/drawingml/2006/main" xmlns:r="http://schemas.openxmlformats.org/officeDocument/2006/relationships" xmlns:p="http://schemas.openxmlformats.org/presentationml/2006/main" showMasterPhAnim="0" showMasterSp="0">
+<p:notes xmlns:a="http://schemas.openxmlformats.org/drawingml/2006/main" xmlns:r="http://schemas.openxmlformats.org/officeDocument/2006/relationships" xmlns:mc="http://schemas.openxmlformats.org/markup-compatibility/2006" xmlns:mv="urn:schemas-microsoft-com:mac:vml" xmlns:p="http://schemas.openxmlformats.org/presentationml/2006/main" xmlns:c="http://schemas.openxmlformats.org/drawingml/2006/chart" xmlns:dgm="http://schemas.openxmlformats.org/drawingml/2006/diagram" xmlns:o="urn:schemas-microsoft-com:office:office" xmlns:v="urn:schemas-microsoft-com:vml" xmlns:pvml="urn:schemas-microsoft-com:office:powerpoint" xmlns:com="http://schemas.openxmlformats.org/drawingml/2006/compatibility" xmlns:p14="http://schemas.microsoft.com/office/powerpoint/2010/main" xmlns:p15="http://schemas.microsoft.com/office/powerpoint/2012/main" xmlns:ahyp="http://schemas.microsoft.com/office/drawing/2018/hyperlinkcolor" showMasterPhAnim="0" showMasterSp="0">
   <p:cSld>
     <p:spTree>
       <p:nvGrpSpPr>
@@ -1138,7 +1533,7 @@
           <p:cNvPr id="69" name="Google Shape;69;g35273e3c8a6_0_179:notes"/>
           <p:cNvSpPr/>
           <p:nvPr>
-            <p:ph type="sldImg" idx="2"/>
+            <p:ph idx="2" type="sldImg"/>
           </p:nvPr>
         </p:nvSpPr>
         <p:spPr>
@@ -1147,13 +1542,9 @@
             <a:ext cx="6096000" cy="3429000"/>
           </a:xfrm>
           <a:custGeom>
-            <a:avLst/>
-            <a:gdLst/>
-            <a:ahLst/>
-            <a:cxnLst/>
-            <a:rect l="l" t="t" r="r" b="b"/>
+            <a:rect b="b" l="l" r="r" t="t"/>
             <a:pathLst>
-              <a:path w="120000" h="120000" extrusionOk="0">
+              <a:path extrusionOk="0" h="120000" w="120000">
                 <a:moveTo>
                   <a:pt x="0" y="0"/>
                 </a:moveTo>
@@ -1177,7 +1568,7 @@
           <p:cNvPr id="70" name="Google Shape;70;g35273e3c8a6_0_179:notes"/>
           <p:cNvSpPr txBox="1"/>
           <p:nvPr>
-            <p:ph type="body" idx="1"/>
+            <p:ph idx="1" type="body"/>
           </p:nvPr>
         </p:nvSpPr>
         <p:spPr>
@@ -1190,12 +1581,12 @@
           </a:prstGeom>
         </p:spPr>
         <p:txBody>
-          <a:bodyPr spcFirstLastPara="1" wrap="square" lIns="91425" tIns="91425" rIns="91425" bIns="91425" anchor="t" anchorCtr="0">
+          <a:bodyPr anchorCtr="0" anchor="t" bIns="91425" lIns="91425" spcFirstLastPara="1" rIns="91425" wrap="square" tIns="91425">
             <a:noAutofit/>
           </a:bodyPr>
           <a:lstStyle/>
           <a:p>
-            <a:pPr marL="0" lvl="0" indent="0" algn="l" rtl="0">
+            <a:pPr indent="0" lvl="0" marL="0" rtl="0" algn="l">
               <a:spcBef>
                 <a:spcPts val="0"/>
               </a:spcBef>
@@ -1204,6 +1595,10 @@
               </a:spcAft>
               <a:buNone/>
             </a:pPr>
+            <a:r>
+              <a:t/>
+            </a:r>
+            <a:endParaRPr/>
           </a:p>
         </p:txBody>
       </p:sp>
@@ -1216,7 +1611,7 @@
 </file>
 
 <file path=ppt/notesSlides/notesSlide3.xml><?xml version="1.0" encoding="utf-8"?>
-<p:notes xmlns:a="http://schemas.openxmlformats.org/drawingml/2006/main" xmlns:r="http://schemas.openxmlformats.org/officeDocument/2006/relationships" xmlns:p="http://schemas.openxmlformats.org/presentationml/2006/main" showMasterPhAnim="0" showMasterSp="0">
+<p:notes xmlns:a="http://schemas.openxmlformats.org/drawingml/2006/main" xmlns:r="http://schemas.openxmlformats.org/officeDocument/2006/relationships" xmlns:mc="http://schemas.openxmlformats.org/markup-compatibility/2006" xmlns:mv="urn:schemas-microsoft-com:mac:vml" xmlns:p="http://schemas.openxmlformats.org/presentationml/2006/main" xmlns:c="http://schemas.openxmlformats.org/drawingml/2006/chart" xmlns:dgm="http://schemas.openxmlformats.org/drawingml/2006/diagram" xmlns:o="urn:schemas-microsoft-com:office:office" xmlns:v="urn:schemas-microsoft-com:vml" xmlns:pvml="urn:schemas-microsoft-com:office:powerpoint" xmlns:com="http://schemas.openxmlformats.org/drawingml/2006/compatibility" xmlns:p14="http://schemas.microsoft.com/office/powerpoint/2010/main" xmlns:p15="http://schemas.microsoft.com/office/powerpoint/2012/main" xmlns:ahyp="http://schemas.microsoft.com/office/drawing/2018/hyperlinkcolor" showMasterPhAnim="0" showMasterSp="0">
   <p:cSld>
     <p:spTree>
       <p:nvGrpSpPr>
@@ -1237,7 +1632,7 @@
           <p:cNvPr id="75" name="Google Shape;75;g35273e3c8a6_0_184:notes"/>
           <p:cNvSpPr/>
           <p:nvPr>
-            <p:ph type="sldImg" idx="2"/>
+            <p:ph idx="2" type="sldImg"/>
           </p:nvPr>
         </p:nvSpPr>
         <p:spPr>
@@ -1246,13 +1641,9 @@
             <a:ext cx="6096000" cy="3429000"/>
           </a:xfrm>
           <a:custGeom>
-            <a:avLst/>
-            <a:gdLst/>
-            <a:ahLst/>
-            <a:cxnLst/>
-            <a:rect l="l" t="t" r="r" b="b"/>
+            <a:rect b="b" l="l" r="r" t="t"/>
             <a:pathLst>
-              <a:path w="120000" h="120000" extrusionOk="0">
+              <a:path extrusionOk="0" h="120000" w="120000">
                 <a:moveTo>
                   <a:pt x="0" y="0"/>
                 </a:moveTo>
@@ -1276,7 +1667,7 @@
           <p:cNvPr id="76" name="Google Shape;76;g35273e3c8a6_0_184:notes"/>
           <p:cNvSpPr txBox="1"/>
           <p:nvPr>
-            <p:ph type="body" idx="1"/>
+            <p:ph idx="1" type="body"/>
           </p:nvPr>
         </p:nvSpPr>
         <p:spPr>
@@ -1289,12 +1680,12 @@
           </a:prstGeom>
         </p:spPr>
         <p:txBody>
-          <a:bodyPr spcFirstLastPara="1" wrap="square" lIns="91425" tIns="91425" rIns="91425" bIns="91425" anchor="t" anchorCtr="0">
+          <a:bodyPr anchorCtr="0" anchor="t" bIns="91425" lIns="91425" spcFirstLastPara="1" rIns="91425" wrap="square" tIns="91425">
             <a:noAutofit/>
           </a:bodyPr>
           <a:lstStyle/>
           <a:p>
-            <a:pPr marL="0" lvl="0" indent="0" algn="l" rtl="0">
+            <a:pPr indent="0" lvl="0" marL="0" rtl="0" algn="l">
               <a:spcBef>
                 <a:spcPts val="0"/>
               </a:spcBef>
@@ -1303,6 +1694,10 @@
               </a:spcAft>
               <a:buNone/>
             </a:pPr>
+            <a:r>
+              <a:t/>
+            </a:r>
+            <a:endParaRPr/>
           </a:p>
         </p:txBody>
       </p:sp>
@@ -1315,7 +1710,7 @@
 </file>
 
 <file path=ppt/notesSlides/notesSlide4.xml><?xml version="1.0" encoding="utf-8"?>
-<p:notes xmlns:a="http://schemas.openxmlformats.org/drawingml/2006/main" xmlns:r="http://schemas.openxmlformats.org/officeDocument/2006/relationships" xmlns:p="http://schemas.openxmlformats.org/presentationml/2006/main" showMasterPhAnim="0" showMasterSp="0">
+<p:notes xmlns:a="http://schemas.openxmlformats.org/drawingml/2006/main" xmlns:r="http://schemas.openxmlformats.org/officeDocument/2006/relationships" xmlns:mc="http://schemas.openxmlformats.org/markup-compatibility/2006" xmlns:mv="urn:schemas-microsoft-com:mac:vml" xmlns:p="http://schemas.openxmlformats.org/presentationml/2006/main" xmlns:c="http://schemas.openxmlformats.org/drawingml/2006/chart" xmlns:dgm="http://schemas.openxmlformats.org/drawingml/2006/diagram" xmlns:o="urn:schemas-microsoft-com:office:office" xmlns:v="urn:schemas-microsoft-com:vml" xmlns:pvml="urn:schemas-microsoft-com:office:powerpoint" xmlns:com="http://schemas.openxmlformats.org/drawingml/2006/compatibility" xmlns:p14="http://schemas.microsoft.com/office/powerpoint/2010/main" xmlns:p15="http://schemas.microsoft.com/office/powerpoint/2012/main" xmlns:ahyp="http://schemas.microsoft.com/office/drawing/2018/hyperlinkcolor" showMasterPhAnim="0" showMasterSp="0">
   <p:cSld>
     <p:spTree>
       <p:nvGrpSpPr>
@@ -1336,7 +1731,7 @@
           <p:cNvPr id="83" name="Google Shape;83;g35273e3c8a6_0_193:notes"/>
           <p:cNvSpPr/>
           <p:nvPr>
-            <p:ph type="sldImg" idx="2"/>
+            <p:ph idx="2" type="sldImg"/>
           </p:nvPr>
         </p:nvSpPr>
         <p:spPr>
@@ -1345,13 +1740,9 @@
             <a:ext cx="6096000" cy="3429000"/>
           </a:xfrm>
           <a:custGeom>
-            <a:avLst/>
-            <a:gdLst/>
-            <a:ahLst/>
-            <a:cxnLst/>
-            <a:rect l="l" t="t" r="r" b="b"/>
+            <a:rect b="b" l="l" r="r" t="t"/>
             <a:pathLst>
-              <a:path w="120000" h="120000" extrusionOk="0">
+              <a:path extrusionOk="0" h="120000" w="120000">
                 <a:moveTo>
                   <a:pt x="0" y="0"/>
                 </a:moveTo>
@@ -1375,7 +1766,7 @@
           <p:cNvPr id="84" name="Google Shape;84;g35273e3c8a6_0_193:notes"/>
           <p:cNvSpPr txBox="1"/>
           <p:nvPr>
-            <p:ph type="body" idx="1"/>
+            <p:ph idx="1" type="body"/>
           </p:nvPr>
         </p:nvSpPr>
         <p:spPr>
@@ -1388,12 +1779,12 @@
           </a:prstGeom>
         </p:spPr>
         <p:txBody>
-          <a:bodyPr spcFirstLastPara="1" wrap="square" lIns="91425" tIns="91425" rIns="91425" bIns="91425" anchor="t" anchorCtr="0">
+          <a:bodyPr anchorCtr="0" anchor="t" bIns="91425" lIns="91425" spcFirstLastPara="1" rIns="91425" wrap="square" tIns="91425">
             <a:noAutofit/>
           </a:bodyPr>
           <a:lstStyle/>
           <a:p>
-            <a:pPr marL="0" lvl="0" indent="0" algn="l" rtl="0">
+            <a:pPr indent="0" lvl="0" marL="0" rtl="0" algn="l">
               <a:spcBef>
                 <a:spcPts val="0"/>
               </a:spcBef>
@@ -1402,6 +1793,10 @@
               </a:spcAft>
               <a:buNone/>
             </a:pPr>
+            <a:r>
+              <a:t/>
+            </a:r>
+            <a:endParaRPr/>
           </a:p>
         </p:txBody>
       </p:sp>
@@ -1414,7 +1809,7 @@
 </file>
 
 <file path=ppt/notesSlides/notesSlide5.xml><?xml version="1.0" encoding="utf-8"?>
-<p:notes xmlns:a="http://schemas.openxmlformats.org/drawingml/2006/main" xmlns:r="http://schemas.openxmlformats.org/officeDocument/2006/relationships" xmlns:p="http://schemas.openxmlformats.org/presentationml/2006/main" showMasterPhAnim="0" showMasterSp="0">
+<p:notes xmlns:a="http://schemas.openxmlformats.org/drawingml/2006/main" xmlns:r="http://schemas.openxmlformats.org/officeDocument/2006/relationships" xmlns:mc="http://schemas.openxmlformats.org/markup-compatibility/2006" xmlns:mv="urn:schemas-microsoft-com:mac:vml" xmlns:p="http://schemas.openxmlformats.org/presentationml/2006/main" xmlns:c="http://schemas.openxmlformats.org/drawingml/2006/chart" xmlns:dgm="http://schemas.openxmlformats.org/drawingml/2006/diagram" xmlns:o="urn:schemas-microsoft-com:office:office" xmlns:v="urn:schemas-microsoft-com:vml" xmlns:pvml="urn:schemas-microsoft-com:office:powerpoint" xmlns:com="http://schemas.openxmlformats.org/drawingml/2006/compatibility" xmlns:p14="http://schemas.microsoft.com/office/powerpoint/2010/main" xmlns:p15="http://schemas.microsoft.com/office/powerpoint/2012/main" xmlns:ahyp="http://schemas.microsoft.com/office/drawing/2018/hyperlinkcolor" showMasterPhAnim="0" showMasterSp="0">
   <p:cSld>
     <p:spTree>
       <p:nvGrpSpPr>
@@ -1435,7 +1830,7 @@
           <p:cNvPr id="89" name="Google Shape;89;g35273e3c8a6_0_198:notes"/>
           <p:cNvSpPr/>
           <p:nvPr>
-            <p:ph type="sldImg" idx="2"/>
+            <p:ph idx="2" type="sldImg"/>
           </p:nvPr>
         </p:nvSpPr>
         <p:spPr>
@@ -1444,13 +1839,9 @@
             <a:ext cx="6096000" cy="3429000"/>
           </a:xfrm>
           <a:custGeom>
-            <a:avLst/>
-            <a:gdLst/>
-            <a:ahLst/>
-            <a:cxnLst/>
-            <a:rect l="l" t="t" r="r" b="b"/>
+            <a:rect b="b" l="l" r="r" t="t"/>
             <a:pathLst>
-              <a:path w="120000" h="120000" extrusionOk="0">
+              <a:path extrusionOk="0" h="120000" w="120000">
                 <a:moveTo>
                   <a:pt x="0" y="0"/>
                 </a:moveTo>
@@ -1474,7 +1865,7 @@
           <p:cNvPr id="90" name="Google Shape;90;g35273e3c8a6_0_198:notes"/>
           <p:cNvSpPr txBox="1"/>
           <p:nvPr>
-            <p:ph type="body" idx="1"/>
+            <p:ph idx="1" type="body"/>
           </p:nvPr>
         </p:nvSpPr>
         <p:spPr>
@@ -1487,12 +1878,12 @@
           </a:prstGeom>
         </p:spPr>
         <p:txBody>
-          <a:bodyPr spcFirstLastPara="1" wrap="square" lIns="91425" tIns="91425" rIns="91425" bIns="91425" anchor="t" anchorCtr="0">
+          <a:bodyPr anchorCtr="0" anchor="t" bIns="91425" lIns="91425" spcFirstLastPara="1" rIns="91425" wrap="square" tIns="91425">
             <a:noAutofit/>
           </a:bodyPr>
           <a:lstStyle/>
           <a:p>
-            <a:pPr marL="0" lvl="0" indent="0" algn="l" rtl="0">
+            <a:pPr indent="0" lvl="0" marL="0" rtl="0" algn="l">
               <a:spcBef>
                 <a:spcPts val="0"/>
               </a:spcBef>
@@ -1501,6 +1892,10 @@
               </a:spcAft>
               <a:buNone/>
             </a:pPr>
+            <a:r>
+              <a:t/>
+            </a:r>
+            <a:endParaRPr/>
           </a:p>
         </p:txBody>
       </p:sp>
@@ -1513,7 +1908,7 @@
 </file>
 
 <file path=ppt/notesSlides/notesSlide6.xml><?xml version="1.0" encoding="utf-8"?>
-<p:notes xmlns:a="http://schemas.openxmlformats.org/drawingml/2006/main" xmlns:r="http://schemas.openxmlformats.org/officeDocument/2006/relationships" xmlns:p="http://schemas.openxmlformats.org/presentationml/2006/main" showMasterPhAnim="0" showMasterSp="0">
+<p:notes xmlns:a="http://schemas.openxmlformats.org/drawingml/2006/main" xmlns:r="http://schemas.openxmlformats.org/officeDocument/2006/relationships" xmlns:mc="http://schemas.openxmlformats.org/markup-compatibility/2006" xmlns:mv="urn:schemas-microsoft-com:mac:vml" xmlns:p="http://schemas.openxmlformats.org/presentationml/2006/main" xmlns:c="http://schemas.openxmlformats.org/drawingml/2006/chart" xmlns:dgm="http://schemas.openxmlformats.org/drawingml/2006/diagram" xmlns:o="urn:schemas-microsoft-com:office:office" xmlns:v="urn:schemas-microsoft-com:vml" xmlns:pvml="urn:schemas-microsoft-com:office:powerpoint" xmlns:com="http://schemas.openxmlformats.org/drawingml/2006/compatibility" xmlns:p14="http://schemas.microsoft.com/office/powerpoint/2010/main" xmlns:p15="http://schemas.microsoft.com/office/powerpoint/2012/main" xmlns:ahyp="http://schemas.microsoft.com/office/drawing/2018/hyperlinkcolor" showMasterPhAnim="0" showMasterSp="0">
   <p:cSld>
     <p:spTree>
       <p:nvGrpSpPr>
@@ -1534,7 +1929,7 @@
           <p:cNvPr id="95" name="Google Shape;95;g35273e3c8a6_0_204:notes"/>
           <p:cNvSpPr/>
           <p:nvPr>
-            <p:ph type="sldImg" idx="2"/>
+            <p:ph idx="2" type="sldImg"/>
           </p:nvPr>
         </p:nvSpPr>
         <p:spPr>
@@ -1543,13 +1938,9 @@
             <a:ext cx="6096000" cy="3429000"/>
           </a:xfrm>
           <a:custGeom>
-            <a:avLst/>
-            <a:gdLst/>
-            <a:ahLst/>
-            <a:cxnLst/>
-            <a:rect l="l" t="t" r="r" b="b"/>
+            <a:rect b="b" l="l" r="r" t="t"/>
             <a:pathLst>
-              <a:path w="120000" h="120000" extrusionOk="0">
+              <a:path extrusionOk="0" h="120000" w="120000">
                 <a:moveTo>
                   <a:pt x="0" y="0"/>
                 </a:moveTo>
@@ -1573,7 +1964,7 @@
           <p:cNvPr id="96" name="Google Shape;96;g35273e3c8a6_0_204:notes"/>
           <p:cNvSpPr txBox="1"/>
           <p:nvPr>
-            <p:ph type="body" idx="1"/>
+            <p:ph idx="1" type="body"/>
           </p:nvPr>
         </p:nvSpPr>
         <p:spPr>
@@ -1586,12 +1977,12 @@
           </a:prstGeom>
         </p:spPr>
         <p:txBody>
-          <a:bodyPr spcFirstLastPara="1" wrap="square" lIns="91425" tIns="91425" rIns="91425" bIns="91425" anchor="t" anchorCtr="0">
+          <a:bodyPr anchorCtr="0" anchor="t" bIns="91425" lIns="91425" spcFirstLastPara="1" rIns="91425" wrap="square" tIns="91425">
             <a:noAutofit/>
           </a:bodyPr>
           <a:lstStyle/>
           <a:p>
-            <a:pPr marL="0" lvl="0" indent="0" algn="l" rtl="0">
+            <a:pPr indent="0" lvl="0" marL="0" rtl="0" algn="l">
               <a:spcBef>
                 <a:spcPts val="0"/>
               </a:spcBef>
@@ -1600,6 +1991,10 @@
               </a:spcAft>
               <a:buNone/>
             </a:pPr>
+            <a:r>
+              <a:t/>
+            </a:r>
+            <a:endParaRPr/>
           </a:p>
         </p:txBody>
       </p:sp>
@@ -1612,7 +2007,7 @@
 </file>
 
 <file path=ppt/notesSlides/notesSlide7.xml><?xml version="1.0" encoding="utf-8"?>
-<p:notes xmlns:a="http://schemas.openxmlformats.org/drawingml/2006/main" xmlns:r="http://schemas.openxmlformats.org/officeDocument/2006/relationships" xmlns:p="http://schemas.openxmlformats.org/presentationml/2006/main" showMasterPhAnim="0" showMasterSp="0">
+<p:notes xmlns:a="http://schemas.openxmlformats.org/drawingml/2006/main" xmlns:r="http://schemas.openxmlformats.org/officeDocument/2006/relationships" xmlns:mc="http://schemas.openxmlformats.org/markup-compatibility/2006" xmlns:mv="urn:schemas-microsoft-com:mac:vml" xmlns:p="http://schemas.openxmlformats.org/presentationml/2006/main" xmlns:c="http://schemas.openxmlformats.org/drawingml/2006/chart" xmlns:dgm="http://schemas.openxmlformats.org/drawingml/2006/diagram" xmlns:o="urn:schemas-microsoft-com:office:office" xmlns:v="urn:schemas-microsoft-com:vml" xmlns:pvml="urn:schemas-microsoft-com:office:powerpoint" xmlns:com="http://schemas.openxmlformats.org/drawingml/2006/compatibility" xmlns:p14="http://schemas.microsoft.com/office/powerpoint/2010/main" xmlns:p15="http://schemas.microsoft.com/office/powerpoint/2012/main" xmlns:ahyp="http://schemas.microsoft.com/office/drawing/2018/hyperlinkcolor" showMasterPhAnim="0" showMasterSp="0">
   <p:cSld>
     <p:spTree>
       <p:nvGrpSpPr>
@@ -1633,7 +2028,7 @@
           <p:cNvPr id="101" name="Google Shape;101;g34e3d35a7ed_0_1:notes"/>
           <p:cNvSpPr/>
           <p:nvPr>
-            <p:ph type="sldImg" idx="2"/>
+            <p:ph idx="2" type="sldImg"/>
           </p:nvPr>
         </p:nvSpPr>
         <p:spPr>
@@ -1642,13 +2037,9 @@
             <a:ext cx="6096000" cy="3429000"/>
           </a:xfrm>
           <a:custGeom>
-            <a:avLst/>
-            <a:gdLst/>
-            <a:ahLst/>
-            <a:cxnLst/>
-            <a:rect l="l" t="t" r="r" b="b"/>
+            <a:rect b="b" l="l" r="r" t="t"/>
             <a:pathLst>
-              <a:path w="120000" h="120000" extrusionOk="0">
+              <a:path extrusionOk="0" h="120000" w="120000">
                 <a:moveTo>
                   <a:pt x="0" y="0"/>
                 </a:moveTo>
@@ -1672,7 +2063,7 @@
           <p:cNvPr id="102" name="Google Shape;102;g34e3d35a7ed_0_1:notes"/>
           <p:cNvSpPr txBox="1"/>
           <p:nvPr>
-            <p:ph type="body" idx="1"/>
+            <p:ph idx="1" type="body"/>
           </p:nvPr>
         </p:nvSpPr>
         <p:spPr>
@@ -1685,12 +2076,12 @@
           </a:prstGeom>
         </p:spPr>
         <p:txBody>
-          <a:bodyPr spcFirstLastPara="1" wrap="square" lIns="91425" tIns="91425" rIns="91425" bIns="91425" anchor="t" anchorCtr="0">
+          <a:bodyPr anchorCtr="0" anchor="t" bIns="91425" lIns="91425" spcFirstLastPara="1" rIns="91425" wrap="square" tIns="91425">
             <a:noAutofit/>
           </a:bodyPr>
           <a:lstStyle/>
           <a:p>
-            <a:pPr marL="0" lvl="0" indent="0" algn="l" rtl="0">
+            <a:pPr indent="0" lvl="0" marL="0" rtl="0" algn="l">
               <a:spcBef>
                 <a:spcPts val="0"/>
               </a:spcBef>
@@ -1699,6 +2090,10 @@
               </a:spcAft>
               <a:buNone/>
             </a:pPr>
+            <a:r>
+              <a:t/>
+            </a:r>
+            <a:endParaRPr/>
           </a:p>
         </p:txBody>
       </p:sp>
@@ -1711,7 +2106,7 @@
 </file>
 
 <file path=ppt/notesSlides/notesSlide8.xml><?xml version="1.0" encoding="utf-8"?>
-<p:notes xmlns:a="http://schemas.openxmlformats.org/drawingml/2006/main" xmlns:r="http://schemas.openxmlformats.org/officeDocument/2006/relationships" xmlns:p="http://schemas.openxmlformats.org/presentationml/2006/main" showMasterPhAnim="0" showMasterSp="0">
+<p:notes xmlns:a="http://schemas.openxmlformats.org/drawingml/2006/main" xmlns:r="http://schemas.openxmlformats.org/officeDocument/2006/relationships" xmlns:mc="http://schemas.openxmlformats.org/markup-compatibility/2006" xmlns:mv="urn:schemas-microsoft-com:mac:vml" xmlns:p="http://schemas.openxmlformats.org/presentationml/2006/main" xmlns:c="http://schemas.openxmlformats.org/drawingml/2006/chart" xmlns:dgm="http://schemas.openxmlformats.org/drawingml/2006/diagram" xmlns:o="urn:schemas-microsoft-com:office:office" xmlns:v="urn:schemas-microsoft-com:vml" xmlns:pvml="urn:schemas-microsoft-com:office:powerpoint" xmlns:com="http://schemas.openxmlformats.org/drawingml/2006/compatibility" xmlns:p14="http://schemas.microsoft.com/office/powerpoint/2010/main" xmlns:p15="http://schemas.microsoft.com/office/powerpoint/2012/main" xmlns:ahyp="http://schemas.microsoft.com/office/drawing/2018/hyperlinkcolor" showMasterPhAnim="0" showMasterSp="0">
   <p:cSld>
     <p:spTree>
       <p:nvGrpSpPr>
@@ -1729,10 +2124,10 @@
       </p:grpSpPr>
       <p:sp>
         <p:nvSpPr>
-          <p:cNvPr id="112" name="Google Shape;112;g34e3d35a7ed_0_10:notes"/>
+          <p:cNvPr id="112" name="Google Shape;112;g358aa11ffa3_0_0:notes"/>
           <p:cNvSpPr/>
           <p:nvPr>
-            <p:ph type="sldImg" idx="2"/>
+            <p:ph idx="2" type="sldImg"/>
           </p:nvPr>
         </p:nvSpPr>
         <p:spPr>
@@ -1741,13 +2136,9 @@
             <a:ext cx="6096000" cy="3429000"/>
           </a:xfrm>
           <a:custGeom>
-            <a:avLst/>
-            <a:gdLst/>
-            <a:ahLst/>
-            <a:cxnLst/>
-            <a:rect l="l" t="t" r="r" b="b"/>
+            <a:rect b="b" l="l" r="r" t="t"/>
             <a:pathLst>
-              <a:path w="120000" h="120000" extrusionOk="0">
+              <a:path extrusionOk="0" h="120000" w="120000">
                 <a:moveTo>
                   <a:pt x="0" y="0"/>
                 </a:moveTo>
@@ -1768,10 +2159,10 @@
       </p:sp>
       <p:sp>
         <p:nvSpPr>
-          <p:cNvPr id="113" name="Google Shape;113;g34e3d35a7ed_0_10:notes"/>
+          <p:cNvPr id="113" name="Google Shape;113;g358aa11ffa3_0_0:notes"/>
           <p:cNvSpPr txBox="1"/>
           <p:nvPr>
-            <p:ph type="body" idx="1"/>
+            <p:ph idx="1" type="body"/>
           </p:nvPr>
         </p:nvSpPr>
         <p:spPr>
@@ -1784,12 +2175,12 @@
           </a:prstGeom>
         </p:spPr>
         <p:txBody>
-          <a:bodyPr spcFirstLastPara="1" wrap="square" lIns="91425" tIns="91425" rIns="91425" bIns="91425" anchor="t" anchorCtr="0">
+          <a:bodyPr anchorCtr="0" anchor="t" bIns="91425" lIns="91425" spcFirstLastPara="1" rIns="91425" wrap="square" tIns="91425">
             <a:noAutofit/>
           </a:bodyPr>
           <a:lstStyle/>
           <a:p>
-            <a:pPr marL="0" lvl="0" indent="0" algn="l" rtl="0">
+            <a:pPr indent="0" lvl="0" marL="0" rtl="0" algn="l">
               <a:spcBef>
                 <a:spcPts val="0"/>
               </a:spcBef>
@@ -1798,6 +2189,10 @@
               </a:spcAft>
               <a:buNone/>
             </a:pPr>
+            <a:r>
+              <a:t/>
+            </a:r>
+            <a:endParaRPr/>
           </a:p>
         </p:txBody>
       </p:sp>
@@ -1810,11 +2205,11 @@
 </file>
 
 <file path=ppt/notesSlides/notesSlide9.xml><?xml version="1.0" encoding="utf-8"?>
-<p:notes xmlns:a="http://schemas.openxmlformats.org/drawingml/2006/main" xmlns:r="http://schemas.openxmlformats.org/officeDocument/2006/relationships" xmlns:p="http://schemas.openxmlformats.org/presentationml/2006/main" showMasterPhAnim="0" showMasterSp="0">
+<p:notes xmlns:a="http://schemas.openxmlformats.org/drawingml/2006/main" xmlns:r="http://schemas.openxmlformats.org/officeDocument/2006/relationships" xmlns:mc="http://schemas.openxmlformats.org/markup-compatibility/2006" xmlns:mv="urn:schemas-microsoft-com:mac:vml" xmlns:p="http://schemas.openxmlformats.org/presentationml/2006/main" xmlns:c="http://schemas.openxmlformats.org/drawingml/2006/chart" xmlns:dgm="http://schemas.openxmlformats.org/drawingml/2006/diagram" xmlns:o="urn:schemas-microsoft-com:office:office" xmlns:v="urn:schemas-microsoft-com:vml" xmlns:pvml="urn:schemas-microsoft-com:office:powerpoint" xmlns:com="http://schemas.openxmlformats.org/drawingml/2006/compatibility" xmlns:p14="http://schemas.microsoft.com/office/powerpoint/2010/main" xmlns:p15="http://schemas.microsoft.com/office/powerpoint/2012/main" xmlns:ahyp="http://schemas.microsoft.com/office/drawing/2018/hyperlinkcolor" showMasterPhAnim="0" showMasterSp="0">
   <p:cSld>
     <p:spTree>
       <p:nvGrpSpPr>
-        <p:cNvPr id="117" name="Shape 117"/>
+        <p:cNvPr id="118" name="Shape 118"/>
         <p:cNvGrpSpPr/>
         <p:nvPr/>
       </p:nvGrpSpPr>
@@ -1828,10 +2223,10 @@
       </p:grpSpPr>
       <p:sp>
         <p:nvSpPr>
-          <p:cNvPr id="118" name="Google Shape;118;g34e3d35a7ed_0_15:notes"/>
+          <p:cNvPr id="119" name="Google Shape;119;g34e3d35a7ed_0_15:notes"/>
           <p:cNvSpPr/>
           <p:nvPr>
-            <p:ph type="sldImg" idx="2"/>
+            <p:ph idx="2" type="sldImg"/>
           </p:nvPr>
         </p:nvSpPr>
         <p:spPr>
@@ -1840,13 +2235,9 @@
             <a:ext cx="6096000" cy="3429000"/>
           </a:xfrm>
           <a:custGeom>
-            <a:avLst/>
-            <a:gdLst/>
-            <a:ahLst/>
-            <a:cxnLst/>
-            <a:rect l="l" t="t" r="r" b="b"/>
+            <a:rect b="b" l="l" r="r" t="t"/>
             <a:pathLst>
-              <a:path w="120000" h="120000" extrusionOk="0">
+              <a:path extrusionOk="0" h="120000" w="120000">
                 <a:moveTo>
                   <a:pt x="0" y="0"/>
                 </a:moveTo>
@@ -1867,10 +2258,10 @@
       </p:sp>
       <p:sp>
         <p:nvSpPr>
-          <p:cNvPr id="119" name="Google Shape;119;g34e3d35a7ed_0_15:notes"/>
+          <p:cNvPr id="120" name="Google Shape;120;g34e3d35a7ed_0_15:notes"/>
           <p:cNvSpPr txBox="1"/>
           <p:nvPr>
-            <p:ph type="body" idx="1"/>
+            <p:ph idx="1" type="body"/>
           </p:nvPr>
         </p:nvSpPr>
         <p:spPr>
@@ -1883,12 +2274,12 @@
           </a:prstGeom>
         </p:spPr>
         <p:txBody>
-          <a:bodyPr spcFirstLastPara="1" wrap="square" lIns="91425" tIns="91425" rIns="91425" bIns="91425" anchor="t" anchorCtr="0">
+          <a:bodyPr anchorCtr="0" anchor="t" bIns="91425" lIns="91425" spcFirstLastPara="1" rIns="91425" wrap="square" tIns="91425">
             <a:noAutofit/>
           </a:bodyPr>
           <a:lstStyle/>
           <a:p>
-            <a:pPr marL="0" lvl="0" indent="0" algn="l" rtl="0">
+            <a:pPr indent="0" lvl="0" marL="0" rtl="0" algn="l">
               <a:spcBef>
                 <a:spcPts val="0"/>
               </a:spcBef>
@@ -1897,6 +2288,10 @@
               </a:spcAft>
               <a:buNone/>
             </a:pPr>
+            <a:r>
+              <a:t/>
+            </a:r>
+            <a:endParaRPr/>
           </a:p>
         </p:txBody>
       </p:sp>
@@ -1909,7 +2304,7 @@
 </file>
 
 <file path=ppt/slideLayouts/slideLayout1.xml><?xml version="1.0" encoding="utf-8"?>
-<p:sldLayout xmlns:a="http://schemas.openxmlformats.org/drawingml/2006/main" xmlns:r="http://schemas.openxmlformats.org/officeDocument/2006/relationships" xmlns:p="http://schemas.openxmlformats.org/presentationml/2006/main" type="title" matchingName="Title slide">
+<p:sldLayout xmlns:a="http://schemas.openxmlformats.org/drawingml/2006/main" xmlns:r="http://schemas.openxmlformats.org/officeDocument/2006/relationships" xmlns:mc="http://schemas.openxmlformats.org/markup-compatibility/2006" xmlns:mv="urn:schemas-microsoft-com:mac:vml" xmlns:p="http://schemas.openxmlformats.org/presentationml/2006/main" xmlns:c="http://schemas.openxmlformats.org/drawingml/2006/chart" xmlns:dgm="http://schemas.openxmlformats.org/drawingml/2006/diagram" xmlns:o="urn:schemas-microsoft-com:office:office" xmlns:v="urn:schemas-microsoft-com:vml" xmlns:pvml="urn:schemas-microsoft-com:office:powerpoint" xmlns:com="http://schemas.openxmlformats.org/drawingml/2006/compatibility" xmlns:p14="http://schemas.microsoft.com/office/powerpoint/2010/main" xmlns:p15="http://schemas.microsoft.com/office/powerpoint/2012/main" xmlns:ahyp="http://schemas.microsoft.com/office/drawing/2018/hyperlinkcolor" matchingName="Title slide" type="title">
   <p:cSld name="TITLE">
     <p:spTree>
       <p:nvGrpSpPr>
@@ -1961,12 +2356,12 @@
             </a:ln>
           </p:spPr>
           <p:txBody>
-            <a:bodyPr spcFirstLastPara="1" wrap="square" lIns="91425" tIns="91425" rIns="91425" bIns="91425" anchor="ctr" anchorCtr="0">
+            <a:bodyPr anchorCtr="0" anchor="ctr" bIns="91425" lIns="91425" spcFirstLastPara="1" rIns="91425" wrap="square" tIns="91425">
               <a:noAutofit/>
             </a:bodyPr>
             <a:lstStyle/>
             <a:p>
-              <a:pPr marL="0" lvl="0" indent="0" algn="l" rtl="0">
+              <a:pPr indent="0" lvl="0" marL="0" rtl="0" algn="l">
                 <a:spcBef>
                   <a:spcPts val="0"/>
                 </a:spcBef>
@@ -1975,6 +2370,10 @@
                 </a:spcAft>
                 <a:buNone/>
               </a:pPr>
+              <a:r>
+                <a:t/>
+              </a:r>
+              <a:endParaRPr/>
             </a:p>
           </p:txBody>
         </p:sp>
@@ -2000,12 +2399,12 @@
             </a:ln>
           </p:spPr>
           <p:txBody>
-            <a:bodyPr spcFirstLastPara="1" wrap="square" lIns="91425" tIns="91425" rIns="91425" bIns="91425" anchor="ctr" anchorCtr="0">
+            <a:bodyPr anchorCtr="0" anchor="ctr" bIns="91425" lIns="91425" spcFirstLastPara="1" rIns="91425" wrap="square" tIns="91425">
               <a:noAutofit/>
             </a:bodyPr>
             <a:lstStyle/>
             <a:p>
-              <a:pPr marL="0" lvl="0" indent="0" algn="l" rtl="0">
+              <a:pPr indent="0" lvl="0" marL="0" rtl="0" algn="l">
                 <a:spcBef>
                   <a:spcPts val="0"/>
                 </a:spcBef>
@@ -2014,6 +2413,10 @@
                 </a:spcAft>
                 <a:buNone/>
               </a:pPr>
+              <a:r>
+                <a:t/>
+              </a:r>
+              <a:endParaRPr/>
             </a:p>
           </p:txBody>
         </p:sp>
@@ -2039,12 +2442,12 @@
             </a:ln>
           </p:spPr>
           <p:txBody>
-            <a:bodyPr spcFirstLastPara="1" wrap="square" lIns="91425" tIns="91425" rIns="91425" bIns="91425" anchor="ctr" anchorCtr="0">
+            <a:bodyPr anchorCtr="0" anchor="ctr" bIns="91425" lIns="91425" spcFirstLastPara="1" rIns="91425" wrap="square" tIns="91425">
               <a:noAutofit/>
             </a:bodyPr>
             <a:lstStyle/>
             <a:p>
-              <a:pPr marL="0" lvl="0" indent="0" algn="l" rtl="0">
+              <a:pPr indent="0" lvl="0" marL="0" rtl="0" algn="l">
                 <a:spcBef>
                   <a:spcPts val="0"/>
                 </a:spcBef>
@@ -2053,6 +2456,10 @@
                 </a:spcAft>
                 <a:buNone/>
               </a:pPr>
+              <a:r>
+                <a:t/>
+              </a:r>
+              <a:endParaRPr/>
             </a:p>
           </p:txBody>
         </p:sp>
@@ -2075,7 +2482,7 @@
           </a:prstGeom>
         </p:spPr>
         <p:txBody>
-          <a:bodyPr spcFirstLastPara="1" wrap="square" lIns="91425" tIns="91425" rIns="91425" bIns="91425" anchor="b" anchorCtr="0">
+          <a:bodyPr anchorCtr="0" anchor="b" bIns="91425" lIns="91425" spcFirstLastPara="1" rIns="91425" wrap="square" tIns="91425">
             <a:normAutofit/>
           </a:bodyPr>
           <a:lstStyle>
@@ -2187,7 +2594,7 @@
           <p:cNvPr id="15" name="Google Shape;15;p2"/>
           <p:cNvSpPr txBox="1"/>
           <p:nvPr>
-            <p:ph type="subTitle" idx="1"/>
+            <p:ph idx="1" type="subTitle"/>
           </p:nvPr>
         </p:nvSpPr>
         <p:spPr>
@@ -2200,7 +2607,7 @@
           </a:prstGeom>
         </p:spPr>
         <p:txBody>
-          <a:bodyPr spcFirstLastPara="1" wrap="square" lIns="91425" tIns="91425" rIns="91425" bIns="91425" anchor="t" anchorCtr="0">
+          <a:bodyPr anchorCtr="0" anchor="t" bIns="91425" lIns="91425" spcFirstLastPara="1" rIns="91425" wrap="square" tIns="91425">
             <a:normAutofit/>
           </a:bodyPr>
           <a:lstStyle>
@@ -2339,7 +2746,7 @@
           <p:cNvPr id="16" name="Google Shape;16;p2"/>
           <p:cNvSpPr txBox="1"/>
           <p:nvPr>
-            <p:ph type="sldNum" idx="12"/>
+            <p:ph idx="12" type="sldNum"/>
           </p:nvPr>
         </p:nvSpPr>
         <p:spPr>
@@ -2352,7 +2759,7 @@
           </a:prstGeom>
         </p:spPr>
         <p:txBody>
-          <a:bodyPr spcFirstLastPara="1" wrap="square" lIns="91425" tIns="91425" rIns="91425" bIns="91425" anchor="ctr" anchorCtr="0">
+          <a:bodyPr anchorCtr="0" anchor="ctr" bIns="91425" lIns="91425" spcFirstLastPara="1" rIns="91425" wrap="square" tIns="91425">
             <a:normAutofit/>
           </a:bodyPr>
           <a:lstStyle>
@@ -2394,7 +2801,7 @@
             </a:lvl9pPr>
           </a:lstStyle>
           <a:p>
-            <a:pPr marL="0" lvl="0" indent="0" algn="r" rtl="0">
+            <a:pPr indent="0" lvl="0" marL="0" rtl="0" algn="r">
               <a:spcBef>
                 <a:spcPts val="0"/>
               </a:spcBef>
@@ -2404,9 +2811,10 @@
               <a:buNone/>
             </a:pPr>
             <a:fld id="{00000000-1234-1234-1234-123412341234}" type="slidenum">
-              <a:rPr lang="en-US"/>
+              <a:rPr lang="ru"/>
+              <a:t>‹#›</a:t>
             </a:fld>
-            <a:endParaRPr lang="en-US"/>
+            <a:endParaRPr/>
           </a:p>
         </p:txBody>
       </p:sp>
@@ -2419,7 +2827,7 @@
 </file>
 
 <file path=ppt/slideLayouts/slideLayout10.xml><?xml version="1.0" encoding="utf-8"?>
-<p:sldLayout xmlns:a="http://schemas.openxmlformats.org/drawingml/2006/main" xmlns:r="http://schemas.openxmlformats.org/officeDocument/2006/relationships" xmlns:p="http://schemas.openxmlformats.org/presentationml/2006/main" matchingName="Big number">
+<p:sldLayout xmlns:a="http://schemas.openxmlformats.org/drawingml/2006/main" xmlns:r="http://schemas.openxmlformats.org/officeDocument/2006/relationships" xmlns:mc="http://schemas.openxmlformats.org/markup-compatibility/2006" xmlns:mv="urn:schemas-microsoft-com:mac:vml" xmlns:p="http://schemas.openxmlformats.org/presentationml/2006/main" xmlns:c="http://schemas.openxmlformats.org/drawingml/2006/chart" xmlns:dgm="http://schemas.openxmlformats.org/drawingml/2006/diagram" xmlns:o="urn:schemas-microsoft-com:office:office" xmlns:v="urn:schemas-microsoft-com:vml" xmlns:pvml="urn:schemas-microsoft-com:office:powerpoint" xmlns:com="http://schemas.openxmlformats.org/drawingml/2006/compatibility" xmlns:p14="http://schemas.microsoft.com/office/powerpoint/2010/main" xmlns:p15="http://schemas.microsoft.com/office/powerpoint/2012/main" xmlns:ahyp="http://schemas.microsoft.com/office/drawing/2018/hyperlinkcolor" matchingName="Big number">
   <p:cSld name="BIG_NUMBER">
     <p:spTree>
       <p:nvGrpSpPr>
@@ -2440,7 +2848,7 @@
           <p:cNvPr id="50" name="Google Shape;50;p11"/>
           <p:cNvSpPr txBox="1"/>
           <p:nvPr>
-            <p:ph type="title" hasCustomPrompt="1"/>
+            <p:ph hasCustomPrompt="1" type="title"/>
           </p:nvPr>
         </p:nvSpPr>
         <p:spPr>
@@ -2453,7 +2861,7 @@
           </a:prstGeom>
         </p:spPr>
         <p:txBody>
-          <a:bodyPr spcFirstLastPara="1" wrap="square" lIns="91425" tIns="91425" rIns="91425" bIns="91425" anchor="b" anchorCtr="0">
+          <a:bodyPr anchorCtr="0" anchor="b" bIns="91425" lIns="91425" spcFirstLastPara="1" rIns="91425" wrap="square" tIns="91425">
             <a:normAutofit/>
           </a:bodyPr>
           <a:lstStyle>
@@ -2569,7 +2977,7 @@
           <p:cNvPr id="51" name="Google Shape;51;p11"/>
           <p:cNvSpPr txBox="1"/>
           <p:nvPr>
-            <p:ph type="body" idx="1"/>
+            <p:ph idx="1" type="body"/>
           </p:nvPr>
         </p:nvSpPr>
         <p:spPr>
@@ -2582,11 +2990,11 @@
           </a:prstGeom>
         </p:spPr>
         <p:txBody>
-          <a:bodyPr spcFirstLastPara="1" wrap="square" lIns="91425" tIns="91425" rIns="91425" bIns="91425" anchor="t" anchorCtr="0">
+          <a:bodyPr anchorCtr="0" anchor="t" bIns="91425" lIns="91425" spcFirstLastPara="1" rIns="91425" wrap="square" tIns="91425">
             <a:normAutofit/>
           </a:bodyPr>
           <a:lstStyle>
-            <a:lvl1pPr marL="457200" lvl="0" indent="-342900" algn="ctr">
+            <a:lvl1pPr indent="-342900" lvl="0" marL="457200" algn="ctr">
               <a:spcBef>
                 <a:spcPts val="0"/>
               </a:spcBef>
@@ -2597,7 +3005,7 @@
               <a:buChar char="●"/>
               <a:defRPr/>
             </a:lvl1pPr>
-            <a:lvl2pPr marL="914400" lvl="1" indent="-317500" algn="ctr">
+            <a:lvl2pPr indent="-317500" lvl="1" marL="914400" algn="ctr">
               <a:spcBef>
                 <a:spcPts val="0"/>
               </a:spcBef>
@@ -2608,7 +3016,7 @@
               <a:buChar char="○"/>
               <a:defRPr/>
             </a:lvl2pPr>
-            <a:lvl3pPr marL="1371600" lvl="2" indent="-317500" algn="ctr">
+            <a:lvl3pPr indent="-317500" lvl="2" marL="1371600" algn="ctr">
               <a:spcBef>
                 <a:spcPts val="0"/>
               </a:spcBef>
@@ -2619,7 +3027,7 @@
               <a:buChar char="■"/>
               <a:defRPr/>
             </a:lvl3pPr>
-            <a:lvl4pPr marL="1828800" lvl="3" indent="-317500" algn="ctr">
+            <a:lvl4pPr indent="-317500" lvl="3" marL="1828800" algn="ctr">
               <a:spcBef>
                 <a:spcPts val="0"/>
               </a:spcBef>
@@ -2630,7 +3038,7 @@
               <a:buChar char="●"/>
               <a:defRPr/>
             </a:lvl4pPr>
-            <a:lvl5pPr marL="2286000" lvl="4" indent="-317500" algn="ctr">
+            <a:lvl5pPr indent="-317500" lvl="4" marL="2286000" algn="ctr">
               <a:spcBef>
                 <a:spcPts val="0"/>
               </a:spcBef>
@@ -2641,7 +3049,7 @@
               <a:buChar char="○"/>
               <a:defRPr/>
             </a:lvl5pPr>
-            <a:lvl6pPr marL="2743200" lvl="5" indent="-317500" algn="ctr">
+            <a:lvl6pPr indent="-317500" lvl="5" marL="2743200" algn="ctr">
               <a:spcBef>
                 <a:spcPts val="0"/>
               </a:spcBef>
@@ -2652,7 +3060,7 @@
               <a:buChar char="■"/>
               <a:defRPr/>
             </a:lvl6pPr>
-            <a:lvl7pPr marL="3200400" lvl="6" indent="-317500" algn="ctr">
+            <a:lvl7pPr indent="-317500" lvl="6" marL="3200400" algn="ctr">
               <a:spcBef>
                 <a:spcPts val="0"/>
               </a:spcBef>
@@ -2663,7 +3071,7 @@
               <a:buChar char="●"/>
               <a:defRPr/>
             </a:lvl7pPr>
-            <a:lvl8pPr marL="3657600" lvl="7" indent="-317500" algn="ctr">
+            <a:lvl8pPr indent="-317500" lvl="7" marL="3657600" algn="ctr">
               <a:spcBef>
                 <a:spcPts val="0"/>
               </a:spcBef>
@@ -2674,7 +3082,7 @@
               <a:buChar char="○"/>
               <a:defRPr/>
             </a:lvl8pPr>
-            <a:lvl9pPr marL="4114800" lvl="8" indent="-317500" algn="ctr">
+            <a:lvl9pPr indent="-317500" lvl="8" marL="4114800" algn="ctr">
               <a:spcBef>
                 <a:spcPts val="0"/>
               </a:spcBef>
@@ -2694,7 +3102,7 @@
           <p:cNvPr id="52" name="Google Shape;52;p11"/>
           <p:cNvSpPr txBox="1"/>
           <p:nvPr>
-            <p:ph type="sldNum" idx="12"/>
+            <p:ph idx="12" type="sldNum"/>
           </p:nvPr>
         </p:nvSpPr>
         <p:spPr>
@@ -2707,7 +3115,7 @@
           </a:prstGeom>
         </p:spPr>
         <p:txBody>
-          <a:bodyPr spcFirstLastPara="1" wrap="square" lIns="91425" tIns="91425" rIns="91425" bIns="91425" anchor="ctr" anchorCtr="0">
+          <a:bodyPr anchorCtr="0" anchor="ctr" bIns="91425" lIns="91425" spcFirstLastPara="1" rIns="91425" wrap="square" tIns="91425">
             <a:normAutofit/>
           </a:bodyPr>
           <a:lstStyle>
@@ -2749,7 +3157,7 @@
             </a:lvl9pPr>
           </a:lstStyle>
           <a:p>
-            <a:pPr marL="0" lvl="0" indent="0" algn="r" rtl="0">
+            <a:pPr indent="0" lvl="0" marL="0" rtl="0" algn="r">
               <a:spcBef>
                 <a:spcPts val="0"/>
               </a:spcBef>
@@ -2759,9 +3167,10 @@
               <a:buNone/>
             </a:pPr>
             <a:fld id="{00000000-1234-1234-1234-123412341234}" type="slidenum">
-              <a:rPr lang="en-US"/>
+              <a:rPr lang="ru"/>
+              <a:t>‹#›</a:t>
             </a:fld>
-            <a:endParaRPr lang="en-US"/>
+            <a:endParaRPr/>
           </a:p>
         </p:txBody>
       </p:sp>
@@ -2774,7 +3183,7 @@
 </file>
 
 <file path=ppt/slideLayouts/slideLayout11.xml><?xml version="1.0" encoding="utf-8"?>
-<p:sldLayout xmlns:a="http://schemas.openxmlformats.org/drawingml/2006/main" xmlns:r="http://schemas.openxmlformats.org/officeDocument/2006/relationships" xmlns:p="http://schemas.openxmlformats.org/presentationml/2006/main" type="blank" matchingName="Blank">
+<p:sldLayout xmlns:a="http://schemas.openxmlformats.org/drawingml/2006/main" xmlns:r="http://schemas.openxmlformats.org/officeDocument/2006/relationships" xmlns:mc="http://schemas.openxmlformats.org/markup-compatibility/2006" xmlns:mv="urn:schemas-microsoft-com:mac:vml" xmlns:p="http://schemas.openxmlformats.org/presentationml/2006/main" xmlns:c="http://schemas.openxmlformats.org/drawingml/2006/chart" xmlns:dgm="http://schemas.openxmlformats.org/drawingml/2006/diagram" xmlns:o="urn:schemas-microsoft-com:office:office" xmlns:v="urn:schemas-microsoft-com:vml" xmlns:pvml="urn:schemas-microsoft-com:office:powerpoint" xmlns:com="http://schemas.openxmlformats.org/drawingml/2006/compatibility" xmlns:p14="http://schemas.microsoft.com/office/powerpoint/2010/main" xmlns:p15="http://schemas.microsoft.com/office/powerpoint/2012/main" xmlns:ahyp="http://schemas.microsoft.com/office/drawing/2018/hyperlinkcolor" matchingName="Blank" type="blank">
   <p:cSld name="BLANK">
     <p:spTree>
       <p:nvGrpSpPr>
@@ -2795,7 +3204,7 @@
           <p:cNvPr id="54" name="Google Shape;54;p12"/>
           <p:cNvSpPr txBox="1"/>
           <p:nvPr>
-            <p:ph type="sldNum" idx="12"/>
+            <p:ph idx="12" type="sldNum"/>
           </p:nvPr>
         </p:nvSpPr>
         <p:spPr>
@@ -2808,7 +3217,7 @@
           </a:prstGeom>
         </p:spPr>
         <p:txBody>
-          <a:bodyPr spcFirstLastPara="1" wrap="square" lIns="91425" tIns="91425" rIns="91425" bIns="91425" anchor="ctr" anchorCtr="0">
+          <a:bodyPr anchorCtr="0" anchor="ctr" bIns="91425" lIns="91425" spcFirstLastPara="1" rIns="91425" wrap="square" tIns="91425">
             <a:normAutofit/>
           </a:bodyPr>
           <a:lstStyle>
@@ -2850,7 +3259,7 @@
             </a:lvl9pPr>
           </a:lstStyle>
           <a:p>
-            <a:pPr marL="0" lvl="0" indent="0" algn="r" rtl="0">
+            <a:pPr indent="0" lvl="0" marL="0" rtl="0" algn="r">
               <a:spcBef>
                 <a:spcPts val="0"/>
               </a:spcBef>
@@ -2860,9 +3269,10 @@
               <a:buNone/>
             </a:pPr>
             <a:fld id="{00000000-1234-1234-1234-123412341234}" type="slidenum">
-              <a:rPr lang="en-US"/>
+              <a:rPr lang="ru"/>
+              <a:t>‹#›</a:t>
             </a:fld>
-            <a:endParaRPr lang="en-US"/>
+            <a:endParaRPr/>
           </a:p>
         </p:txBody>
       </p:sp>
@@ -2875,7 +3285,7 @@
 </file>
 
 <file path=ppt/slideLayouts/slideLayout2.xml><?xml version="1.0" encoding="utf-8"?>
-<p:sldLayout xmlns:a="http://schemas.openxmlformats.org/drawingml/2006/main" xmlns:r="http://schemas.openxmlformats.org/officeDocument/2006/relationships" xmlns:p="http://schemas.openxmlformats.org/presentationml/2006/main" type="secHead" matchingName="Section header">
+<p:sldLayout xmlns:a="http://schemas.openxmlformats.org/drawingml/2006/main" xmlns:r="http://schemas.openxmlformats.org/officeDocument/2006/relationships" xmlns:mc="http://schemas.openxmlformats.org/markup-compatibility/2006" xmlns:mv="urn:schemas-microsoft-com:mac:vml" xmlns:p="http://schemas.openxmlformats.org/presentationml/2006/main" xmlns:c="http://schemas.openxmlformats.org/drawingml/2006/chart" xmlns:dgm="http://schemas.openxmlformats.org/drawingml/2006/diagram" xmlns:o="urn:schemas-microsoft-com:office:office" xmlns:v="urn:schemas-microsoft-com:vml" xmlns:pvml="urn:schemas-microsoft-com:office:powerpoint" xmlns:com="http://schemas.openxmlformats.org/drawingml/2006/compatibility" xmlns:p14="http://schemas.microsoft.com/office/powerpoint/2010/main" xmlns:p15="http://schemas.microsoft.com/office/powerpoint/2012/main" xmlns:ahyp="http://schemas.microsoft.com/office/drawing/2018/hyperlinkcolor" matchingName="Section header" type="secHead">
   <p:cSld name="SECTION_HEADER">
     <p:spTree>
       <p:nvGrpSpPr>
@@ -2909,7 +3319,7 @@
           </a:prstGeom>
         </p:spPr>
         <p:txBody>
-          <a:bodyPr spcFirstLastPara="1" wrap="square" lIns="91425" tIns="91425" rIns="91425" bIns="91425" anchor="ctr" anchorCtr="0">
+          <a:bodyPr anchorCtr="0" anchor="ctr" bIns="91425" lIns="91425" spcFirstLastPara="1" rIns="91425" wrap="square" tIns="91425">
             <a:normAutofit/>
           </a:bodyPr>
           <a:lstStyle>
@@ -3021,7 +3431,7 @@
           <p:cNvPr id="19" name="Google Shape;19;p3"/>
           <p:cNvSpPr txBox="1"/>
           <p:nvPr>
-            <p:ph type="sldNum" idx="12"/>
+            <p:ph idx="12" type="sldNum"/>
           </p:nvPr>
         </p:nvSpPr>
         <p:spPr>
@@ -3034,7 +3444,7 @@
           </a:prstGeom>
         </p:spPr>
         <p:txBody>
-          <a:bodyPr spcFirstLastPara="1" wrap="square" lIns="91425" tIns="91425" rIns="91425" bIns="91425" anchor="ctr" anchorCtr="0">
+          <a:bodyPr anchorCtr="0" anchor="ctr" bIns="91425" lIns="91425" spcFirstLastPara="1" rIns="91425" wrap="square" tIns="91425">
             <a:normAutofit/>
           </a:bodyPr>
           <a:lstStyle>
@@ -3076,7 +3486,7 @@
             </a:lvl9pPr>
           </a:lstStyle>
           <a:p>
-            <a:pPr marL="0" lvl="0" indent="0" algn="r" rtl="0">
+            <a:pPr indent="0" lvl="0" marL="0" rtl="0" algn="r">
               <a:spcBef>
                 <a:spcPts val="0"/>
               </a:spcBef>
@@ -3086,9 +3496,10 @@
               <a:buNone/>
             </a:pPr>
             <a:fld id="{00000000-1234-1234-1234-123412341234}" type="slidenum">
-              <a:rPr lang="en-US"/>
+              <a:rPr lang="ru"/>
+              <a:t>‹#›</a:t>
             </a:fld>
-            <a:endParaRPr lang="en-US"/>
+            <a:endParaRPr/>
           </a:p>
         </p:txBody>
       </p:sp>
@@ -3101,7 +3512,7 @@
 </file>
 
 <file path=ppt/slideLayouts/slideLayout3.xml><?xml version="1.0" encoding="utf-8"?>
-<p:sldLayout xmlns:a="http://schemas.openxmlformats.org/drawingml/2006/main" xmlns:r="http://schemas.openxmlformats.org/officeDocument/2006/relationships" xmlns:p="http://schemas.openxmlformats.org/presentationml/2006/main" type="tx" matchingName="Title and body">
+<p:sldLayout xmlns:a="http://schemas.openxmlformats.org/drawingml/2006/main" xmlns:r="http://schemas.openxmlformats.org/officeDocument/2006/relationships" xmlns:mc="http://schemas.openxmlformats.org/markup-compatibility/2006" xmlns:mv="urn:schemas-microsoft-com:mac:vml" xmlns:p="http://schemas.openxmlformats.org/presentationml/2006/main" xmlns:c="http://schemas.openxmlformats.org/drawingml/2006/chart" xmlns:dgm="http://schemas.openxmlformats.org/drawingml/2006/diagram" xmlns:o="urn:schemas-microsoft-com:office:office" xmlns:v="urn:schemas-microsoft-com:vml" xmlns:pvml="urn:schemas-microsoft-com:office:powerpoint" xmlns:com="http://schemas.openxmlformats.org/drawingml/2006/compatibility" xmlns:p14="http://schemas.microsoft.com/office/powerpoint/2010/main" xmlns:p15="http://schemas.microsoft.com/office/powerpoint/2012/main" xmlns:ahyp="http://schemas.microsoft.com/office/drawing/2018/hyperlinkcolor" matchingName="Title and body" type="tx">
   <p:cSld name="TITLE_AND_BODY">
     <p:spTree>
       <p:nvGrpSpPr>
@@ -3135,7 +3546,7 @@
           </a:prstGeom>
         </p:spPr>
         <p:txBody>
-          <a:bodyPr spcFirstLastPara="1" wrap="square" lIns="91425" tIns="91425" rIns="91425" bIns="91425" anchor="t" anchorCtr="0">
+          <a:bodyPr anchorCtr="0" anchor="t" bIns="91425" lIns="91425" spcFirstLastPara="1" rIns="91425" wrap="square" tIns="91425">
             <a:normAutofit/>
           </a:bodyPr>
           <a:lstStyle>
@@ -3247,7 +3658,7 @@
           <p:cNvPr id="22" name="Google Shape;22;p4"/>
           <p:cNvSpPr txBox="1"/>
           <p:nvPr>
-            <p:ph type="body" idx="1"/>
+            <p:ph idx="1" type="body"/>
           </p:nvPr>
         </p:nvSpPr>
         <p:spPr>
@@ -3260,11 +3671,11 @@
           </a:prstGeom>
         </p:spPr>
         <p:txBody>
-          <a:bodyPr spcFirstLastPara="1" wrap="square" lIns="91425" tIns="91425" rIns="91425" bIns="91425" anchor="t" anchorCtr="0">
+          <a:bodyPr anchorCtr="0" anchor="t" bIns="91425" lIns="91425" spcFirstLastPara="1" rIns="91425" wrap="square" tIns="91425">
             <a:normAutofit/>
           </a:bodyPr>
           <a:lstStyle>
-            <a:lvl1pPr marL="457200" lvl="0" indent="-342900">
+            <a:lvl1pPr indent="-342900" lvl="0" marL="457200">
               <a:spcBef>
                 <a:spcPts val="0"/>
               </a:spcBef>
@@ -3275,7 +3686,7 @@
               <a:buChar char="●"/>
               <a:defRPr/>
             </a:lvl1pPr>
-            <a:lvl2pPr marL="914400" lvl="1" indent="-317500">
+            <a:lvl2pPr indent="-317500" lvl="1" marL="914400">
               <a:spcBef>
                 <a:spcPts val="0"/>
               </a:spcBef>
@@ -3286,7 +3697,7 @@
               <a:buChar char="○"/>
               <a:defRPr/>
             </a:lvl2pPr>
-            <a:lvl3pPr marL="1371600" lvl="2" indent="-317500">
+            <a:lvl3pPr indent="-317500" lvl="2" marL="1371600">
               <a:spcBef>
                 <a:spcPts val="0"/>
               </a:spcBef>
@@ -3297,7 +3708,7 @@
               <a:buChar char="■"/>
               <a:defRPr/>
             </a:lvl3pPr>
-            <a:lvl4pPr marL="1828800" lvl="3" indent="-317500">
+            <a:lvl4pPr indent="-317500" lvl="3" marL="1828800">
               <a:spcBef>
                 <a:spcPts val="0"/>
               </a:spcBef>
@@ -3308,7 +3719,7 @@
               <a:buChar char="●"/>
               <a:defRPr/>
             </a:lvl4pPr>
-            <a:lvl5pPr marL="2286000" lvl="4" indent="-317500">
+            <a:lvl5pPr indent="-317500" lvl="4" marL="2286000">
               <a:spcBef>
                 <a:spcPts val="0"/>
               </a:spcBef>
@@ -3319,7 +3730,7 @@
               <a:buChar char="○"/>
               <a:defRPr/>
             </a:lvl5pPr>
-            <a:lvl6pPr marL="2743200" lvl="5" indent="-317500">
+            <a:lvl6pPr indent="-317500" lvl="5" marL="2743200">
               <a:spcBef>
                 <a:spcPts val="0"/>
               </a:spcBef>
@@ -3330,7 +3741,7 @@
               <a:buChar char="■"/>
               <a:defRPr/>
             </a:lvl6pPr>
-            <a:lvl7pPr marL="3200400" lvl="6" indent="-317500">
+            <a:lvl7pPr indent="-317500" lvl="6" marL="3200400">
               <a:spcBef>
                 <a:spcPts val="0"/>
               </a:spcBef>
@@ -3341,7 +3752,7 @@
               <a:buChar char="●"/>
               <a:defRPr/>
             </a:lvl7pPr>
-            <a:lvl8pPr marL="3657600" lvl="7" indent="-317500">
+            <a:lvl8pPr indent="-317500" lvl="7" marL="3657600">
               <a:spcBef>
                 <a:spcPts val="0"/>
               </a:spcBef>
@@ -3352,7 +3763,7 @@
               <a:buChar char="○"/>
               <a:defRPr/>
             </a:lvl8pPr>
-            <a:lvl9pPr marL="4114800" lvl="8" indent="-317500">
+            <a:lvl9pPr indent="-317500" lvl="8" marL="4114800">
               <a:spcBef>
                 <a:spcPts val="0"/>
               </a:spcBef>
@@ -3372,7 +3783,7 @@
           <p:cNvPr id="23" name="Google Shape;23;p4"/>
           <p:cNvSpPr txBox="1"/>
           <p:nvPr>
-            <p:ph type="sldNum" idx="12"/>
+            <p:ph idx="12" type="sldNum"/>
           </p:nvPr>
         </p:nvSpPr>
         <p:spPr>
@@ -3385,7 +3796,7 @@
           </a:prstGeom>
         </p:spPr>
         <p:txBody>
-          <a:bodyPr spcFirstLastPara="1" wrap="square" lIns="91425" tIns="91425" rIns="91425" bIns="91425" anchor="ctr" anchorCtr="0">
+          <a:bodyPr anchorCtr="0" anchor="ctr" bIns="91425" lIns="91425" spcFirstLastPara="1" rIns="91425" wrap="square" tIns="91425">
             <a:normAutofit/>
           </a:bodyPr>
           <a:lstStyle>
@@ -3427,7 +3838,7 @@
             </a:lvl9pPr>
           </a:lstStyle>
           <a:p>
-            <a:pPr marL="0" lvl="0" indent="0" algn="r" rtl="0">
+            <a:pPr indent="0" lvl="0" marL="0" rtl="0" algn="r">
               <a:spcBef>
                 <a:spcPts val="0"/>
               </a:spcBef>
@@ -3437,9 +3848,10 @@
               <a:buNone/>
             </a:pPr>
             <a:fld id="{00000000-1234-1234-1234-123412341234}" type="slidenum">
-              <a:rPr lang="en-US"/>
+              <a:rPr lang="ru"/>
+              <a:t>‹#›</a:t>
             </a:fld>
-            <a:endParaRPr lang="en-US"/>
+            <a:endParaRPr/>
           </a:p>
         </p:txBody>
       </p:sp>
@@ -3452,7 +3864,7 @@
 </file>
 
 <file path=ppt/slideLayouts/slideLayout4.xml><?xml version="1.0" encoding="utf-8"?>
-<p:sldLayout xmlns:a="http://schemas.openxmlformats.org/drawingml/2006/main" xmlns:r="http://schemas.openxmlformats.org/officeDocument/2006/relationships" xmlns:p="http://schemas.openxmlformats.org/presentationml/2006/main" type="twoColTx" matchingName="Title and two columns">
+<p:sldLayout xmlns:a="http://schemas.openxmlformats.org/drawingml/2006/main" xmlns:r="http://schemas.openxmlformats.org/officeDocument/2006/relationships" xmlns:mc="http://schemas.openxmlformats.org/markup-compatibility/2006" xmlns:mv="urn:schemas-microsoft-com:mac:vml" xmlns:p="http://schemas.openxmlformats.org/presentationml/2006/main" xmlns:c="http://schemas.openxmlformats.org/drawingml/2006/chart" xmlns:dgm="http://schemas.openxmlformats.org/drawingml/2006/diagram" xmlns:o="urn:schemas-microsoft-com:office:office" xmlns:v="urn:schemas-microsoft-com:vml" xmlns:pvml="urn:schemas-microsoft-com:office:powerpoint" xmlns:com="http://schemas.openxmlformats.org/drawingml/2006/compatibility" xmlns:p14="http://schemas.microsoft.com/office/powerpoint/2010/main" xmlns:p15="http://schemas.microsoft.com/office/powerpoint/2012/main" xmlns:ahyp="http://schemas.microsoft.com/office/drawing/2018/hyperlinkcolor" matchingName="Title and two columns" type="twoColTx">
   <p:cSld name="TITLE_AND_TWO_COLUMNS">
     <p:spTree>
       <p:nvGrpSpPr>
@@ -3486,7 +3898,7 @@
           </a:prstGeom>
         </p:spPr>
         <p:txBody>
-          <a:bodyPr spcFirstLastPara="1" wrap="square" lIns="91425" tIns="91425" rIns="91425" bIns="91425" anchor="t" anchorCtr="0">
+          <a:bodyPr anchorCtr="0" anchor="t" bIns="91425" lIns="91425" spcFirstLastPara="1" rIns="91425" wrap="square" tIns="91425">
             <a:normAutofit/>
           </a:bodyPr>
           <a:lstStyle>
@@ -3598,7 +4010,7 @@
           <p:cNvPr id="26" name="Google Shape;26;p5"/>
           <p:cNvSpPr txBox="1"/>
           <p:nvPr>
-            <p:ph type="body" idx="1"/>
+            <p:ph idx="1" type="body"/>
           </p:nvPr>
         </p:nvSpPr>
         <p:spPr>
@@ -3611,11 +4023,11 @@
           </a:prstGeom>
         </p:spPr>
         <p:txBody>
-          <a:bodyPr spcFirstLastPara="1" wrap="square" lIns="91425" tIns="91425" rIns="91425" bIns="91425" anchor="t" anchorCtr="0">
+          <a:bodyPr anchorCtr="0" anchor="t" bIns="91425" lIns="91425" spcFirstLastPara="1" rIns="91425" wrap="square" tIns="91425">
             <a:normAutofit/>
           </a:bodyPr>
           <a:lstStyle>
-            <a:lvl1pPr marL="457200" lvl="0" indent="-317500">
+            <a:lvl1pPr indent="-317500" lvl="0" marL="457200">
               <a:spcBef>
                 <a:spcPts val="0"/>
               </a:spcBef>
@@ -3626,7 +4038,7 @@
               <a:buChar char="●"/>
               <a:defRPr sz="1400"/>
             </a:lvl1pPr>
-            <a:lvl2pPr marL="914400" lvl="1" indent="-304800">
+            <a:lvl2pPr indent="-304800" lvl="1" marL="914400">
               <a:spcBef>
                 <a:spcPts val="0"/>
               </a:spcBef>
@@ -3637,7 +4049,7 @@
               <a:buChar char="○"/>
               <a:defRPr sz="1200"/>
             </a:lvl2pPr>
-            <a:lvl3pPr marL="1371600" lvl="2" indent="-304800">
+            <a:lvl3pPr indent="-304800" lvl="2" marL="1371600">
               <a:spcBef>
                 <a:spcPts val="0"/>
               </a:spcBef>
@@ -3648,7 +4060,7 @@
               <a:buChar char="■"/>
               <a:defRPr sz="1200"/>
             </a:lvl3pPr>
-            <a:lvl4pPr marL="1828800" lvl="3" indent="-304800">
+            <a:lvl4pPr indent="-304800" lvl="3" marL="1828800">
               <a:spcBef>
                 <a:spcPts val="0"/>
               </a:spcBef>
@@ -3659,7 +4071,7 @@
               <a:buChar char="●"/>
               <a:defRPr sz="1200"/>
             </a:lvl4pPr>
-            <a:lvl5pPr marL="2286000" lvl="4" indent="-304800">
+            <a:lvl5pPr indent="-304800" lvl="4" marL="2286000">
               <a:spcBef>
                 <a:spcPts val="0"/>
               </a:spcBef>
@@ -3670,7 +4082,7 @@
               <a:buChar char="○"/>
               <a:defRPr sz="1200"/>
             </a:lvl5pPr>
-            <a:lvl6pPr marL="2743200" lvl="5" indent="-304800">
+            <a:lvl6pPr indent="-304800" lvl="5" marL="2743200">
               <a:spcBef>
                 <a:spcPts val="0"/>
               </a:spcBef>
@@ -3681,7 +4093,7 @@
               <a:buChar char="■"/>
               <a:defRPr sz="1200"/>
             </a:lvl6pPr>
-            <a:lvl7pPr marL="3200400" lvl="6" indent="-304800">
+            <a:lvl7pPr indent="-304800" lvl="6" marL="3200400">
               <a:spcBef>
                 <a:spcPts val="0"/>
               </a:spcBef>
@@ -3692,7 +4104,7 @@
               <a:buChar char="●"/>
               <a:defRPr sz="1200"/>
             </a:lvl7pPr>
-            <a:lvl8pPr marL="3657600" lvl="7" indent="-304800">
+            <a:lvl8pPr indent="-304800" lvl="7" marL="3657600">
               <a:spcBef>
                 <a:spcPts val="0"/>
               </a:spcBef>
@@ -3703,7 +4115,7 @@
               <a:buChar char="○"/>
               <a:defRPr sz="1200"/>
             </a:lvl8pPr>
-            <a:lvl9pPr marL="4114800" lvl="8" indent="-304800">
+            <a:lvl9pPr indent="-304800" lvl="8" marL="4114800">
               <a:spcBef>
                 <a:spcPts val="0"/>
               </a:spcBef>
@@ -3723,7 +4135,7 @@
           <p:cNvPr id="27" name="Google Shape;27;p5"/>
           <p:cNvSpPr txBox="1"/>
           <p:nvPr>
-            <p:ph type="body" idx="2"/>
+            <p:ph idx="2" type="body"/>
           </p:nvPr>
         </p:nvSpPr>
         <p:spPr>
@@ -3736,11 +4148,11 @@
           </a:prstGeom>
         </p:spPr>
         <p:txBody>
-          <a:bodyPr spcFirstLastPara="1" wrap="square" lIns="91425" tIns="91425" rIns="91425" bIns="91425" anchor="t" anchorCtr="0">
+          <a:bodyPr anchorCtr="0" anchor="t" bIns="91425" lIns="91425" spcFirstLastPara="1" rIns="91425" wrap="square" tIns="91425">
             <a:normAutofit/>
           </a:bodyPr>
           <a:lstStyle>
-            <a:lvl1pPr marL="457200" lvl="0" indent="-317500">
+            <a:lvl1pPr indent="-317500" lvl="0" marL="457200">
               <a:spcBef>
                 <a:spcPts val="0"/>
               </a:spcBef>
@@ -3751,7 +4163,7 @@
               <a:buChar char="●"/>
               <a:defRPr sz="1400"/>
             </a:lvl1pPr>
-            <a:lvl2pPr marL="914400" lvl="1" indent="-304800">
+            <a:lvl2pPr indent="-304800" lvl="1" marL="914400">
               <a:spcBef>
                 <a:spcPts val="0"/>
               </a:spcBef>
@@ -3762,7 +4174,7 @@
               <a:buChar char="○"/>
               <a:defRPr sz="1200"/>
             </a:lvl2pPr>
-            <a:lvl3pPr marL="1371600" lvl="2" indent="-304800">
+            <a:lvl3pPr indent="-304800" lvl="2" marL="1371600">
               <a:spcBef>
                 <a:spcPts val="0"/>
               </a:spcBef>
@@ -3773,7 +4185,7 @@
               <a:buChar char="■"/>
               <a:defRPr sz="1200"/>
             </a:lvl3pPr>
-            <a:lvl4pPr marL="1828800" lvl="3" indent="-304800">
+            <a:lvl4pPr indent="-304800" lvl="3" marL="1828800">
               <a:spcBef>
                 <a:spcPts val="0"/>
               </a:spcBef>
@@ -3784,7 +4196,7 @@
               <a:buChar char="●"/>
               <a:defRPr sz="1200"/>
             </a:lvl4pPr>
-            <a:lvl5pPr marL="2286000" lvl="4" indent="-304800">
+            <a:lvl5pPr indent="-304800" lvl="4" marL="2286000">
               <a:spcBef>
                 <a:spcPts val="0"/>
               </a:spcBef>
@@ -3795,7 +4207,7 @@
               <a:buChar char="○"/>
               <a:defRPr sz="1200"/>
             </a:lvl5pPr>
-            <a:lvl6pPr marL="2743200" lvl="5" indent="-304800">
+            <a:lvl6pPr indent="-304800" lvl="5" marL="2743200">
               <a:spcBef>
                 <a:spcPts val="0"/>
               </a:spcBef>
@@ -3806,7 +4218,7 @@
               <a:buChar char="■"/>
               <a:defRPr sz="1200"/>
             </a:lvl6pPr>
-            <a:lvl7pPr marL="3200400" lvl="6" indent="-304800">
+            <a:lvl7pPr indent="-304800" lvl="6" marL="3200400">
               <a:spcBef>
                 <a:spcPts val="0"/>
               </a:spcBef>
@@ -3817,7 +4229,7 @@
               <a:buChar char="●"/>
               <a:defRPr sz="1200"/>
             </a:lvl7pPr>
-            <a:lvl8pPr marL="3657600" lvl="7" indent="-304800">
+            <a:lvl8pPr indent="-304800" lvl="7" marL="3657600">
               <a:spcBef>
                 <a:spcPts val="0"/>
               </a:spcBef>
@@ -3828,7 +4240,7 @@
               <a:buChar char="○"/>
               <a:defRPr sz="1200"/>
             </a:lvl8pPr>
-            <a:lvl9pPr marL="4114800" lvl="8" indent="-304800">
+            <a:lvl9pPr indent="-304800" lvl="8" marL="4114800">
               <a:spcBef>
                 <a:spcPts val="0"/>
               </a:spcBef>
@@ -3848,7 +4260,7 @@
           <p:cNvPr id="28" name="Google Shape;28;p5"/>
           <p:cNvSpPr txBox="1"/>
           <p:nvPr>
-            <p:ph type="sldNum" idx="12"/>
+            <p:ph idx="12" type="sldNum"/>
           </p:nvPr>
         </p:nvSpPr>
         <p:spPr>
@@ -3861,7 +4273,7 @@
           </a:prstGeom>
         </p:spPr>
         <p:txBody>
-          <a:bodyPr spcFirstLastPara="1" wrap="square" lIns="91425" tIns="91425" rIns="91425" bIns="91425" anchor="ctr" anchorCtr="0">
+          <a:bodyPr anchorCtr="0" anchor="ctr" bIns="91425" lIns="91425" spcFirstLastPara="1" rIns="91425" wrap="square" tIns="91425">
             <a:normAutofit/>
           </a:bodyPr>
           <a:lstStyle>
@@ -3903,7 +4315,7 @@
             </a:lvl9pPr>
           </a:lstStyle>
           <a:p>
-            <a:pPr marL="0" lvl="0" indent="0" algn="r" rtl="0">
+            <a:pPr indent="0" lvl="0" marL="0" rtl="0" algn="r">
               <a:spcBef>
                 <a:spcPts val="0"/>
               </a:spcBef>
@@ -3913,9 +4325,10 @@
               <a:buNone/>
             </a:pPr>
             <a:fld id="{00000000-1234-1234-1234-123412341234}" type="slidenum">
-              <a:rPr lang="en-US"/>
+              <a:rPr lang="ru"/>
+              <a:t>‹#›</a:t>
             </a:fld>
-            <a:endParaRPr lang="en-US"/>
+            <a:endParaRPr/>
           </a:p>
         </p:txBody>
       </p:sp>
@@ -3928,7 +4341,7 @@
 </file>
 
 <file path=ppt/slideLayouts/slideLayout5.xml><?xml version="1.0" encoding="utf-8"?>
-<p:sldLayout xmlns:a="http://schemas.openxmlformats.org/drawingml/2006/main" xmlns:r="http://schemas.openxmlformats.org/officeDocument/2006/relationships" xmlns:p="http://schemas.openxmlformats.org/presentationml/2006/main" type="titleOnly" matchingName="Title only">
+<p:sldLayout xmlns:a="http://schemas.openxmlformats.org/drawingml/2006/main" xmlns:r="http://schemas.openxmlformats.org/officeDocument/2006/relationships" xmlns:mc="http://schemas.openxmlformats.org/markup-compatibility/2006" xmlns:mv="urn:schemas-microsoft-com:mac:vml" xmlns:p="http://schemas.openxmlformats.org/presentationml/2006/main" xmlns:c="http://schemas.openxmlformats.org/drawingml/2006/chart" xmlns:dgm="http://schemas.openxmlformats.org/drawingml/2006/diagram" xmlns:o="urn:schemas-microsoft-com:office:office" xmlns:v="urn:schemas-microsoft-com:vml" xmlns:pvml="urn:schemas-microsoft-com:office:powerpoint" xmlns:com="http://schemas.openxmlformats.org/drawingml/2006/compatibility" xmlns:p14="http://schemas.microsoft.com/office/powerpoint/2010/main" xmlns:p15="http://schemas.microsoft.com/office/powerpoint/2012/main" xmlns:ahyp="http://schemas.microsoft.com/office/drawing/2018/hyperlinkcolor" matchingName="Title only" type="titleOnly">
   <p:cSld name="TITLE_ONLY">
     <p:spTree>
       <p:nvGrpSpPr>
@@ -3962,7 +4375,7 @@
           </a:prstGeom>
         </p:spPr>
         <p:txBody>
-          <a:bodyPr spcFirstLastPara="1" wrap="square" lIns="91425" tIns="91425" rIns="91425" bIns="91425" anchor="t" anchorCtr="0">
+          <a:bodyPr anchorCtr="0" anchor="t" bIns="91425" lIns="91425" spcFirstLastPara="1" rIns="91425" wrap="square" tIns="91425">
             <a:normAutofit/>
           </a:bodyPr>
           <a:lstStyle>
@@ -4074,7 +4487,7 @@
           <p:cNvPr id="31" name="Google Shape;31;p6"/>
           <p:cNvSpPr txBox="1"/>
           <p:nvPr>
-            <p:ph type="sldNum" idx="12"/>
+            <p:ph idx="12" type="sldNum"/>
           </p:nvPr>
         </p:nvSpPr>
         <p:spPr>
@@ -4087,7 +4500,7 @@
           </a:prstGeom>
         </p:spPr>
         <p:txBody>
-          <a:bodyPr spcFirstLastPara="1" wrap="square" lIns="91425" tIns="91425" rIns="91425" bIns="91425" anchor="ctr" anchorCtr="0">
+          <a:bodyPr anchorCtr="0" anchor="ctr" bIns="91425" lIns="91425" spcFirstLastPara="1" rIns="91425" wrap="square" tIns="91425">
             <a:normAutofit/>
           </a:bodyPr>
           <a:lstStyle>
@@ -4129,7 +4542,7 @@
             </a:lvl9pPr>
           </a:lstStyle>
           <a:p>
-            <a:pPr marL="0" lvl="0" indent="0" algn="r" rtl="0">
+            <a:pPr indent="0" lvl="0" marL="0" rtl="0" algn="r">
               <a:spcBef>
                 <a:spcPts val="0"/>
               </a:spcBef>
@@ -4139,9 +4552,10 @@
               <a:buNone/>
             </a:pPr>
             <a:fld id="{00000000-1234-1234-1234-123412341234}" type="slidenum">
-              <a:rPr lang="en-US"/>
+              <a:rPr lang="ru"/>
+              <a:t>‹#›</a:t>
             </a:fld>
-            <a:endParaRPr lang="en-US"/>
+            <a:endParaRPr/>
           </a:p>
         </p:txBody>
       </p:sp>
@@ -4154,7 +4568,7 @@
 </file>
 
 <file path=ppt/slideLayouts/slideLayout6.xml><?xml version="1.0" encoding="utf-8"?>
-<p:sldLayout xmlns:a="http://schemas.openxmlformats.org/drawingml/2006/main" xmlns:r="http://schemas.openxmlformats.org/officeDocument/2006/relationships" xmlns:p="http://schemas.openxmlformats.org/presentationml/2006/main" matchingName="One column text">
+<p:sldLayout xmlns:a="http://schemas.openxmlformats.org/drawingml/2006/main" xmlns:r="http://schemas.openxmlformats.org/officeDocument/2006/relationships" xmlns:mc="http://schemas.openxmlformats.org/markup-compatibility/2006" xmlns:mv="urn:schemas-microsoft-com:mac:vml" xmlns:p="http://schemas.openxmlformats.org/presentationml/2006/main" xmlns:c="http://schemas.openxmlformats.org/drawingml/2006/chart" xmlns:dgm="http://schemas.openxmlformats.org/drawingml/2006/diagram" xmlns:o="urn:schemas-microsoft-com:office:office" xmlns:v="urn:schemas-microsoft-com:vml" xmlns:pvml="urn:schemas-microsoft-com:office:powerpoint" xmlns:com="http://schemas.openxmlformats.org/drawingml/2006/compatibility" xmlns:p14="http://schemas.microsoft.com/office/powerpoint/2010/main" xmlns:p15="http://schemas.microsoft.com/office/powerpoint/2012/main" xmlns:ahyp="http://schemas.microsoft.com/office/drawing/2018/hyperlinkcolor" matchingName="One column text">
   <p:cSld name="ONE_COLUMN_TEXT">
     <p:spTree>
       <p:nvGrpSpPr>
@@ -4188,7 +4602,7 @@
           </a:prstGeom>
         </p:spPr>
         <p:txBody>
-          <a:bodyPr spcFirstLastPara="1" wrap="square" lIns="91425" tIns="91425" rIns="91425" bIns="91425" anchor="b" anchorCtr="0">
+          <a:bodyPr anchorCtr="0" anchor="b" bIns="91425" lIns="91425" spcFirstLastPara="1" rIns="91425" wrap="square" tIns="91425">
             <a:normAutofit/>
           </a:bodyPr>
           <a:lstStyle>
@@ -4300,7 +4714,7 @@
           <p:cNvPr id="34" name="Google Shape;34;p7"/>
           <p:cNvSpPr txBox="1"/>
           <p:nvPr>
-            <p:ph type="body" idx="1"/>
+            <p:ph idx="1" type="body"/>
           </p:nvPr>
         </p:nvSpPr>
         <p:spPr>
@@ -4313,11 +4727,11 @@
           </a:prstGeom>
         </p:spPr>
         <p:txBody>
-          <a:bodyPr spcFirstLastPara="1" wrap="square" lIns="91425" tIns="91425" rIns="91425" bIns="91425" anchor="t" anchorCtr="0">
+          <a:bodyPr anchorCtr="0" anchor="t" bIns="91425" lIns="91425" spcFirstLastPara="1" rIns="91425" wrap="square" tIns="91425">
             <a:normAutofit/>
           </a:bodyPr>
           <a:lstStyle>
-            <a:lvl1pPr marL="457200" lvl="0" indent="-304800">
+            <a:lvl1pPr indent="-304800" lvl="0" marL="457200">
               <a:spcBef>
                 <a:spcPts val="0"/>
               </a:spcBef>
@@ -4328,7 +4742,7 @@
               <a:buChar char="●"/>
               <a:defRPr sz="1200"/>
             </a:lvl1pPr>
-            <a:lvl2pPr marL="914400" lvl="1" indent="-304800">
+            <a:lvl2pPr indent="-304800" lvl="1" marL="914400">
               <a:spcBef>
                 <a:spcPts val="0"/>
               </a:spcBef>
@@ -4339,7 +4753,7 @@
               <a:buChar char="○"/>
               <a:defRPr sz="1200"/>
             </a:lvl2pPr>
-            <a:lvl3pPr marL="1371600" lvl="2" indent="-304800">
+            <a:lvl3pPr indent="-304800" lvl="2" marL="1371600">
               <a:spcBef>
                 <a:spcPts val="0"/>
               </a:spcBef>
@@ -4350,7 +4764,7 @@
               <a:buChar char="■"/>
               <a:defRPr sz="1200"/>
             </a:lvl3pPr>
-            <a:lvl4pPr marL="1828800" lvl="3" indent="-304800">
+            <a:lvl4pPr indent="-304800" lvl="3" marL="1828800">
               <a:spcBef>
                 <a:spcPts val="0"/>
               </a:spcBef>
@@ -4361,7 +4775,7 @@
               <a:buChar char="●"/>
               <a:defRPr sz="1200"/>
             </a:lvl4pPr>
-            <a:lvl5pPr marL="2286000" lvl="4" indent="-304800">
+            <a:lvl5pPr indent="-304800" lvl="4" marL="2286000">
               <a:spcBef>
                 <a:spcPts val="0"/>
               </a:spcBef>
@@ -4372,7 +4786,7 @@
               <a:buChar char="○"/>
               <a:defRPr sz="1200"/>
             </a:lvl5pPr>
-            <a:lvl6pPr marL="2743200" lvl="5" indent="-304800">
+            <a:lvl6pPr indent="-304800" lvl="5" marL="2743200">
               <a:spcBef>
                 <a:spcPts val="0"/>
               </a:spcBef>
@@ -4383,7 +4797,7 @@
               <a:buChar char="■"/>
               <a:defRPr sz="1200"/>
             </a:lvl6pPr>
-            <a:lvl7pPr marL="3200400" lvl="6" indent="-304800">
+            <a:lvl7pPr indent="-304800" lvl="6" marL="3200400">
               <a:spcBef>
                 <a:spcPts val="0"/>
               </a:spcBef>
@@ -4394,7 +4808,7 @@
               <a:buChar char="●"/>
               <a:defRPr sz="1200"/>
             </a:lvl7pPr>
-            <a:lvl8pPr marL="3657600" lvl="7" indent="-304800">
+            <a:lvl8pPr indent="-304800" lvl="7" marL="3657600">
               <a:spcBef>
                 <a:spcPts val="0"/>
               </a:spcBef>
@@ -4405,7 +4819,7 @@
               <a:buChar char="○"/>
               <a:defRPr sz="1200"/>
             </a:lvl8pPr>
-            <a:lvl9pPr marL="4114800" lvl="8" indent="-304800">
+            <a:lvl9pPr indent="-304800" lvl="8" marL="4114800">
               <a:spcBef>
                 <a:spcPts val="0"/>
               </a:spcBef>
@@ -4425,7 +4839,7 @@
           <p:cNvPr id="35" name="Google Shape;35;p7"/>
           <p:cNvSpPr txBox="1"/>
           <p:nvPr>
-            <p:ph type="sldNum" idx="12"/>
+            <p:ph idx="12" type="sldNum"/>
           </p:nvPr>
         </p:nvSpPr>
         <p:spPr>
@@ -4438,7 +4852,7 @@
           </a:prstGeom>
         </p:spPr>
         <p:txBody>
-          <a:bodyPr spcFirstLastPara="1" wrap="square" lIns="91425" tIns="91425" rIns="91425" bIns="91425" anchor="ctr" anchorCtr="0">
+          <a:bodyPr anchorCtr="0" anchor="ctr" bIns="91425" lIns="91425" spcFirstLastPara="1" rIns="91425" wrap="square" tIns="91425">
             <a:normAutofit/>
           </a:bodyPr>
           <a:lstStyle>
@@ -4480,7 +4894,7 @@
             </a:lvl9pPr>
           </a:lstStyle>
           <a:p>
-            <a:pPr marL="0" lvl="0" indent="0" algn="r" rtl="0">
+            <a:pPr indent="0" lvl="0" marL="0" rtl="0" algn="r">
               <a:spcBef>
                 <a:spcPts val="0"/>
               </a:spcBef>
@@ -4490,9 +4904,10 @@
               <a:buNone/>
             </a:pPr>
             <a:fld id="{00000000-1234-1234-1234-123412341234}" type="slidenum">
-              <a:rPr lang="en-US"/>
+              <a:rPr lang="ru"/>
+              <a:t>‹#›</a:t>
             </a:fld>
-            <a:endParaRPr lang="en-US"/>
+            <a:endParaRPr/>
           </a:p>
         </p:txBody>
       </p:sp>
@@ -4505,14 +4920,13 @@
 </file>
 
 <file path=ppt/slideLayouts/slideLayout7.xml><?xml version="1.0" encoding="utf-8"?>
-<p:sldLayout xmlns:a="http://schemas.openxmlformats.org/drawingml/2006/main" xmlns:r="http://schemas.openxmlformats.org/officeDocument/2006/relationships" xmlns:p="http://schemas.openxmlformats.org/presentationml/2006/main" matchingName="Main point">
+<p:sldLayout xmlns:a="http://schemas.openxmlformats.org/drawingml/2006/main" xmlns:r="http://schemas.openxmlformats.org/officeDocument/2006/relationships" xmlns:mc="http://schemas.openxmlformats.org/markup-compatibility/2006" xmlns:mv="urn:schemas-microsoft-com:mac:vml" xmlns:p="http://schemas.openxmlformats.org/presentationml/2006/main" xmlns:c="http://schemas.openxmlformats.org/drawingml/2006/chart" xmlns:dgm="http://schemas.openxmlformats.org/drawingml/2006/diagram" xmlns:o="urn:schemas-microsoft-com:office:office" xmlns:v="urn:schemas-microsoft-com:vml" xmlns:pvml="urn:schemas-microsoft-com:office:powerpoint" xmlns:com="http://schemas.openxmlformats.org/drawingml/2006/compatibility" xmlns:p14="http://schemas.microsoft.com/office/powerpoint/2010/main" xmlns:p15="http://schemas.microsoft.com/office/powerpoint/2012/main" xmlns:ahyp="http://schemas.microsoft.com/office/drawing/2018/hyperlinkcolor" matchingName="Main point">
   <p:cSld name="MAIN_POINT">
     <p:bg>
       <p:bgPr>
         <a:solidFill>
           <a:schemeClr val="lt2"/>
         </a:solidFill>
-        <a:effectLst/>
       </p:bgPr>
     </p:bg>
     <p:spTree>
@@ -4547,7 +4961,7 @@
           </a:prstGeom>
         </p:spPr>
         <p:txBody>
-          <a:bodyPr spcFirstLastPara="1" wrap="square" lIns="91425" tIns="91425" rIns="91425" bIns="91425" anchor="ctr" anchorCtr="0">
+          <a:bodyPr anchorCtr="0" anchor="ctr" bIns="91425" lIns="91425" spcFirstLastPara="1" rIns="91425" wrap="square" tIns="91425">
             <a:normAutofit/>
           </a:bodyPr>
           <a:lstStyle>
@@ -4722,7 +5136,7 @@
           <p:cNvPr id="38" name="Google Shape;38;p8"/>
           <p:cNvSpPr txBox="1"/>
           <p:nvPr>
-            <p:ph type="sldNum" idx="12"/>
+            <p:ph idx="12" type="sldNum"/>
           </p:nvPr>
         </p:nvSpPr>
         <p:spPr>
@@ -4735,7 +5149,7 @@
           </a:prstGeom>
         </p:spPr>
         <p:txBody>
-          <a:bodyPr spcFirstLastPara="1" wrap="square" lIns="91425" tIns="91425" rIns="91425" bIns="91425" anchor="ctr" anchorCtr="0">
+          <a:bodyPr anchorCtr="0" anchor="ctr" bIns="91425" lIns="91425" spcFirstLastPara="1" rIns="91425" wrap="square" tIns="91425">
             <a:normAutofit/>
           </a:bodyPr>
           <a:lstStyle>
@@ -4813,7 +5227,7 @@
             </a:lvl9pPr>
           </a:lstStyle>
           <a:p>
-            <a:pPr marL="0" lvl="0" indent="0" algn="r" rtl="0">
+            <a:pPr indent="0" lvl="0" marL="0" rtl="0" algn="r">
               <a:spcBef>
                 <a:spcPts val="0"/>
               </a:spcBef>
@@ -4823,9 +5237,10 @@
               <a:buNone/>
             </a:pPr>
             <a:fld id="{00000000-1234-1234-1234-123412341234}" type="slidenum">
-              <a:rPr lang="en-US"/>
+              <a:rPr lang="ru"/>
+              <a:t>‹#›</a:t>
             </a:fld>
-            <a:endParaRPr lang="en-US"/>
+            <a:endParaRPr/>
           </a:p>
         </p:txBody>
       </p:sp>
@@ -4838,7 +5253,7 @@
 </file>
 
 <file path=ppt/slideLayouts/slideLayout8.xml><?xml version="1.0" encoding="utf-8"?>
-<p:sldLayout xmlns:a="http://schemas.openxmlformats.org/drawingml/2006/main" xmlns:r="http://schemas.openxmlformats.org/officeDocument/2006/relationships" xmlns:p="http://schemas.openxmlformats.org/presentationml/2006/main" matchingName="Section title and description">
+<p:sldLayout xmlns:a="http://schemas.openxmlformats.org/drawingml/2006/main" xmlns:r="http://schemas.openxmlformats.org/officeDocument/2006/relationships" xmlns:mc="http://schemas.openxmlformats.org/markup-compatibility/2006" xmlns:mv="urn:schemas-microsoft-com:mac:vml" xmlns:p="http://schemas.openxmlformats.org/presentationml/2006/main" xmlns:c="http://schemas.openxmlformats.org/drawingml/2006/chart" xmlns:dgm="http://schemas.openxmlformats.org/drawingml/2006/diagram" xmlns:o="urn:schemas-microsoft-com:office:office" xmlns:v="urn:schemas-microsoft-com:vml" xmlns:pvml="urn:schemas-microsoft-com:office:powerpoint" xmlns:com="http://schemas.openxmlformats.org/drawingml/2006/compatibility" xmlns:p14="http://schemas.microsoft.com/office/powerpoint/2010/main" xmlns:p15="http://schemas.microsoft.com/office/powerpoint/2012/main" xmlns:ahyp="http://schemas.microsoft.com/office/drawing/2018/hyperlinkcolor" matchingName="Section title and description">
   <p:cSld name="SECTION_TITLE_AND_DESCRIPTION">
     <p:spTree>
       <p:nvGrpSpPr>
@@ -4876,12 +5291,12 @@
           </a:ln>
         </p:spPr>
         <p:txBody>
-          <a:bodyPr spcFirstLastPara="1" wrap="square" lIns="91425" tIns="91425" rIns="91425" bIns="91425" anchor="ctr" anchorCtr="0">
+          <a:bodyPr anchorCtr="0" anchor="ctr" bIns="91425" lIns="91425" spcFirstLastPara="1" rIns="91425" wrap="square" tIns="91425">
             <a:noAutofit/>
           </a:bodyPr>
           <a:lstStyle/>
           <a:p>
-            <a:pPr marL="0" lvl="0" indent="0" algn="l" rtl="0">
+            <a:pPr indent="0" lvl="0" marL="0" rtl="0" algn="l">
               <a:spcBef>
                 <a:spcPts val="0"/>
               </a:spcBef>
@@ -4890,6 +5305,10 @@
               </a:spcAft>
               <a:buNone/>
             </a:pPr>
+            <a:r>
+              <a:t/>
+            </a:r>
+            <a:endParaRPr/>
           </a:p>
         </p:txBody>
       </p:sp>
@@ -4908,14 +5327,14 @@
             <a:avLst/>
           </a:prstGeom>
           <a:noFill/>
-          <a:ln w="19050" cap="flat" cmpd="sng">
+          <a:ln cap="flat" cmpd="sng" w="19050">
             <a:solidFill>
               <a:schemeClr val="lt1"/>
             </a:solidFill>
             <a:prstDash val="solid"/>
             <a:round/>
-            <a:headEnd type="none" w="sm" len="sm"/>
-            <a:tailEnd type="none" w="sm" len="sm"/>
+            <a:headEnd len="sm" w="sm" type="none"/>
+            <a:tailEnd len="sm" w="sm" type="none"/>
           </a:ln>
         </p:spPr>
       </p:cxnSp>
@@ -4937,7 +5356,7 @@
           </a:prstGeom>
         </p:spPr>
         <p:txBody>
-          <a:bodyPr spcFirstLastPara="1" wrap="square" lIns="91425" tIns="91425" rIns="91425" bIns="91425" anchor="b" anchorCtr="0">
+          <a:bodyPr anchorCtr="0" anchor="b" bIns="91425" lIns="91425" spcFirstLastPara="1" rIns="91425" wrap="square" tIns="91425">
             <a:normAutofit/>
           </a:bodyPr>
           <a:lstStyle>
@@ -5049,7 +5468,7 @@
           <p:cNvPr id="43" name="Google Shape;43;p9"/>
           <p:cNvSpPr txBox="1"/>
           <p:nvPr>
-            <p:ph type="subTitle" idx="1"/>
+            <p:ph idx="1" type="subTitle"/>
           </p:nvPr>
         </p:nvSpPr>
         <p:spPr>
@@ -5062,7 +5481,7 @@
           </a:prstGeom>
         </p:spPr>
         <p:txBody>
-          <a:bodyPr spcFirstLastPara="1" wrap="square" lIns="91425" tIns="91425" rIns="91425" bIns="91425" anchor="t" anchorCtr="0">
+          <a:bodyPr anchorCtr="0" anchor="t" bIns="91425" lIns="91425" spcFirstLastPara="1" rIns="91425" wrap="square" tIns="91425">
             <a:normAutofit/>
           </a:bodyPr>
           <a:lstStyle>
@@ -5264,7 +5683,7 @@
           <p:cNvPr id="44" name="Google Shape;44;p9"/>
           <p:cNvSpPr txBox="1"/>
           <p:nvPr>
-            <p:ph type="body" idx="2"/>
+            <p:ph idx="2" type="body"/>
           </p:nvPr>
         </p:nvSpPr>
         <p:spPr>
@@ -5277,11 +5696,11 @@
           </a:prstGeom>
         </p:spPr>
         <p:txBody>
-          <a:bodyPr spcFirstLastPara="1" wrap="square" lIns="91425" tIns="91425" rIns="91425" bIns="91425" anchor="ctr" anchorCtr="0">
+          <a:bodyPr anchorCtr="0" anchor="ctr" bIns="91425" lIns="91425" spcFirstLastPara="1" rIns="91425" wrap="square" tIns="91425">
             <a:normAutofit/>
           </a:bodyPr>
           <a:lstStyle>
-            <a:lvl1pPr marL="457200" lvl="0" indent="-342900">
+            <a:lvl1pPr indent="-342900" lvl="0" marL="457200">
               <a:spcBef>
                 <a:spcPts val="0"/>
               </a:spcBef>
@@ -5299,7 +5718,7 @@
                 </a:solidFill>
               </a:defRPr>
             </a:lvl1pPr>
-            <a:lvl2pPr marL="914400" lvl="1" indent="-317500">
+            <a:lvl2pPr indent="-317500" lvl="1" marL="914400">
               <a:spcBef>
                 <a:spcPts val="0"/>
               </a:spcBef>
@@ -5317,7 +5736,7 @@
                 </a:solidFill>
               </a:defRPr>
             </a:lvl2pPr>
-            <a:lvl3pPr marL="1371600" lvl="2" indent="-317500">
+            <a:lvl3pPr indent="-317500" lvl="2" marL="1371600">
               <a:spcBef>
                 <a:spcPts val="0"/>
               </a:spcBef>
@@ -5335,7 +5754,7 @@
                 </a:solidFill>
               </a:defRPr>
             </a:lvl3pPr>
-            <a:lvl4pPr marL="1828800" lvl="3" indent="-317500">
+            <a:lvl4pPr indent="-317500" lvl="3" marL="1828800">
               <a:spcBef>
                 <a:spcPts val="0"/>
               </a:spcBef>
@@ -5353,7 +5772,7 @@
                 </a:solidFill>
               </a:defRPr>
             </a:lvl4pPr>
-            <a:lvl5pPr marL="2286000" lvl="4" indent="-317500">
+            <a:lvl5pPr indent="-317500" lvl="4" marL="2286000">
               <a:spcBef>
                 <a:spcPts val="0"/>
               </a:spcBef>
@@ -5371,7 +5790,7 @@
                 </a:solidFill>
               </a:defRPr>
             </a:lvl5pPr>
-            <a:lvl6pPr marL="2743200" lvl="5" indent="-317500">
+            <a:lvl6pPr indent="-317500" lvl="5" marL="2743200">
               <a:spcBef>
                 <a:spcPts val="0"/>
               </a:spcBef>
@@ -5389,7 +5808,7 @@
                 </a:solidFill>
               </a:defRPr>
             </a:lvl6pPr>
-            <a:lvl7pPr marL="3200400" lvl="6" indent="-317500">
+            <a:lvl7pPr indent="-317500" lvl="6" marL="3200400">
               <a:spcBef>
                 <a:spcPts val="0"/>
               </a:spcBef>
@@ -5407,7 +5826,7 @@
                 </a:solidFill>
               </a:defRPr>
             </a:lvl7pPr>
-            <a:lvl8pPr marL="3657600" lvl="7" indent="-317500">
+            <a:lvl8pPr indent="-317500" lvl="7" marL="3657600">
               <a:spcBef>
                 <a:spcPts val="0"/>
               </a:spcBef>
@@ -5425,7 +5844,7 @@
                 </a:solidFill>
               </a:defRPr>
             </a:lvl8pPr>
-            <a:lvl9pPr marL="4114800" lvl="8" indent="-317500">
+            <a:lvl9pPr indent="-317500" lvl="8" marL="4114800">
               <a:spcBef>
                 <a:spcPts val="0"/>
               </a:spcBef>
@@ -5452,7 +5871,7 @@
           <p:cNvPr id="45" name="Google Shape;45;p9"/>
           <p:cNvSpPr txBox="1"/>
           <p:nvPr>
-            <p:ph type="sldNum" idx="12"/>
+            <p:ph idx="12" type="sldNum"/>
           </p:nvPr>
         </p:nvSpPr>
         <p:spPr>
@@ -5465,7 +5884,7 @@
           </a:prstGeom>
         </p:spPr>
         <p:txBody>
-          <a:bodyPr spcFirstLastPara="1" wrap="square" lIns="91425" tIns="91425" rIns="91425" bIns="91425" anchor="ctr" anchorCtr="0">
+          <a:bodyPr anchorCtr="0" anchor="ctr" bIns="91425" lIns="91425" spcFirstLastPara="1" rIns="91425" wrap="square" tIns="91425">
             <a:normAutofit/>
           </a:bodyPr>
           <a:lstStyle>
@@ -5543,7 +5962,7 @@
             </a:lvl9pPr>
           </a:lstStyle>
           <a:p>
-            <a:pPr marL="0" lvl="0" indent="0" algn="r" rtl="0">
+            <a:pPr indent="0" lvl="0" marL="0" rtl="0" algn="r">
               <a:spcBef>
                 <a:spcPts val="0"/>
               </a:spcBef>
@@ -5553,9 +5972,10 @@
               <a:buNone/>
             </a:pPr>
             <a:fld id="{00000000-1234-1234-1234-123412341234}" type="slidenum">
-              <a:rPr lang="en-US"/>
+              <a:rPr lang="ru"/>
+              <a:t>‹#›</a:t>
             </a:fld>
-            <a:endParaRPr lang="en-US"/>
+            <a:endParaRPr/>
           </a:p>
         </p:txBody>
       </p:sp>
@@ -5568,7 +5988,7 @@
 </file>
 
 <file path=ppt/slideLayouts/slideLayout9.xml><?xml version="1.0" encoding="utf-8"?>
-<p:sldLayout xmlns:a="http://schemas.openxmlformats.org/drawingml/2006/main" xmlns:r="http://schemas.openxmlformats.org/officeDocument/2006/relationships" xmlns:p="http://schemas.openxmlformats.org/presentationml/2006/main" matchingName="Caption">
+<p:sldLayout xmlns:a="http://schemas.openxmlformats.org/drawingml/2006/main" xmlns:r="http://schemas.openxmlformats.org/officeDocument/2006/relationships" xmlns:mc="http://schemas.openxmlformats.org/markup-compatibility/2006" xmlns:mv="urn:schemas-microsoft-com:mac:vml" xmlns:p="http://schemas.openxmlformats.org/presentationml/2006/main" xmlns:c="http://schemas.openxmlformats.org/drawingml/2006/chart" xmlns:dgm="http://schemas.openxmlformats.org/drawingml/2006/diagram" xmlns:o="urn:schemas-microsoft-com:office:office" xmlns:v="urn:schemas-microsoft-com:vml" xmlns:pvml="urn:schemas-microsoft-com:office:powerpoint" xmlns:com="http://schemas.openxmlformats.org/drawingml/2006/compatibility" xmlns:p14="http://schemas.microsoft.com/office/powerpoint/2010/main" xmlns:p15="http://schemas.microsoft.com/office/powerpoint/2012/main" xmlns:ahyp="http://schemas.microsoft.com/office/drawing/2018/hyperlinkcolor" matchingName="Caption">
   <p:cSld name="CAPTION_ONLY">
     <p:spTree>
       <p:nvGrpSpPr>
@@ -5589,7 +6009,7 @@
           <p:cNvPr id="47" name="Google Shape;47;p10"/>
           <p:cNvSpPr txBox="1"/>
           <p:nvPr>
-            <p:ph type="body" idx="1"/>
+            <p:ph idx="1" type="body"/>
           </p:nvPr>
         </p:nvSpPr>
         <p:spPr>
@@ -5602,11 +6022,11 @@
           </a:prstGeom>
         </p:spPr>
         <p:txBody>
-          <a:bodyPr spcFirstLastPara="1" wrap="square" lIns="91425" tIns="91425" rIns="91425" bIns="91425" anchor="ctr" anchorCtr="0">
+          <a:bodyPr anchorCtr="0" anchor="ctr" bIns="91425" lIns="91425" spcFirstLastPara="1" rIns="91425" wrap="square" tIns="91425">
             <a:normAutofit/>
           </a:bodyPr>
           <a:lstStyle>
-            <a:lvl1pPr marL="457200" lvl="0" indent="-228600">
+            <a:lvl1pPr indent="-228600" lvl="0" marL="457200">
               <a:lnSpc>
                 <a:spcPct val="100000"/>
               </a:lnSpc>
@@ -5641,7 +6061,7 @@
           <p:cNvPr id="48" name="Google Shape;48;p10"/>
           <p:cNvSpPr txBox="1"/>
           <p:nvPr>
-            <p:ph type="sldNum" idx="12"/>
+            <p:ph idx="12" type="sldNum"/>
           </p:nvPr>
         </p:nvSpPr>
         <p:spPr>
@@ -5654,7 +6074,7 @@
           </a:prstGeom>
         </p:spPr>
         <p:txBody>
-          <a:bodyPr spcFirstLastPara="1" wrap="square" lIns="91425" tIns="91425" rIns="91425" bIns="91425" anchor="ctr" anchorCtr="0">
+          <a:bodyPr anchorCtr="0" anchor="ctr" bIns="91425" lIns="91425" spcFirstLastPara="1" rIns="91425" wrap="square" tIns="91425">
             <a:normAutofit/>
           </a:bodyPr>
           <a:lstStyle>
@@ -5696,7 +6116,7 @@
             </a:lvl9pPr>
           </a:lstStyle>
           <a:p>
-            <a:pPr marL="0" lvl="0" indent="0" algn="r" rtl="0">
+            <a:pPr indent="0" lvl="0" marL="0" rtl="0" algn="r">
               <a:spcBef>
                 <a:spcPts val="0"/>
               </a:spcBef>
@@ -5706,9 +6126,10 @@
               <a:buNone/>
             </a:pPr>
             <a:fld id="{00000000-1234-1234-1234-123412341234}" type="slidenum">
-              <a:rPr lang="en-US"/>
+              <a:rPr lang="ru"/>
+              <a:t>‹#›</a:t>
             </a:fld>
-            <a:endParaRPr lang="en-US"/>
+            <a:endParaRPr/>
           </a:p>
         </p:txBody>
       </p:sp>
@@ -5721,14 +6142,13 @@
 </file>
 
 <file path=ppt/slideMasters/slideMaster1.xml><?xml version="1.0" encoding="utf-8"?>
-<p:sldMaster xmlns:a="http://schemas.openxmlformats.org/drawingml/2006/main" xmlns:r="http://schemas.openxmlformats.org/officeDocument/2006/relationships" xmlns:p="http://schemas.openxmlformats.org/presentationml/2006/main">
-  <p:cSld>
+<p:sldMaster xmlns:a="http://schemas.openxmlformats.org/drawingml/2006/main" xmlns:r="http://schemas.openxmlformats.org/officeDocument/2006/relationships" xmlns:mc="http://schemas.openxmlformats.org/markup-compatibility/2006" xmlns:mv="urn:schemas-microsoft-com:mac:vml" xmlns:p="http://schemas.openxmlformats.org/presentationml/2006/main" xmlns:c="http://schemas.openxmlformats.org/drawingml/2006/chart" xmlns:dgm="http://schemas.openxmlformats.org/drawingml/2006/diagram" xmlns:o="urn:schemas-microsoft-com:office:office" xmlns:v="urn:schemas-microsoft-com:vml" xmlns:pvml="urn:schemas-microsoft-com:office:powerpoint" xmlns:com="http://schemas.openxmlformats.org/drawingml/2006/compatibility" xmlns:p14="http://schemas.microsoft.com/office/powerpoint/2010/main" xmlns:p15="http://schemas.microsoft.com/office/powerpoint/2012/main" xmlns:ahyp="http://schemas.microsoft.com/office/drawing/2018/hyperlinkcolor">
+  <p:cSld name="slate">
     <p:bg>
       <p:bgPr>
         <a:solidFill>
           <a:schemeClr val="lt1"/>
         </a:solidFill>
-        <a:effectLst/>
       </p:bgPr>
     </p:bg>
     <p:spTree>
@@ -5767,7 +6187,7 @@
           </a:ln>
         </p:spPr>
         <p:txBody>
-          <a:bodyPr spcFirstLastPara="1" wrap="square" lIns="91425" tIns="91425" rIns="91425" bIns="91425" anchor="t" anchorCtr="0">
+          <a:bodyPr anchorCtr="0" anchor="t" bIns="91425" lIns="91425" spcFirstLastPara="1" rIns="91425" wrap="square" tIns="91425">
             <a:normAutofit/>
           </a:bodyPr>
           <a:lstStyle>
@@ -5987,7 +6407,7 @@
           <p:cNvPr id="7" name="Google Shape;7;p1"/>
           <p:cNvSpPr txBox="1"/>
           <p:nvPr>
-            <p:ph type="body" idx="1"/>
+            <p:ph idx="1" type="body"/>
           </p:nvPr>
         </p:nvSpPr>
         <p:spPr>
@@ -6004,11 +6424,11 @@
           </a:ln>
         </p:spPr>
         <p:txBody>
-          <a:bodyPr spcFirstLastPara="1" wrap="square" lIns="91425" tIns="91425" rIns="91425" bIns="91425" anchor="t" anchorCtr="0">
+          <a:bodyPr anchorCtr="0" anchor="t" bIns="91425" lIns="91425" spcFirstLastPara="1" rIns="91425" wrap="square" tIns="91425">
             <a:normAutofit/>
           </a:bodyPr>
           <a:lstStyle>
-            <a:lvl1pPr marL="457200" lvl="0" indent="-342900">
+            <a:lvl1pPr indent="-342900" lvl="0" marL="457200">
               <a:lnSpc>
                 <a:spcPct val="115000"/>
               </a:lnSpc>
@@ -6034,7 +6454,7 @@
                 <a:sym typeface="Average"/>
               </a:defRPr>
             </a:lvl1pPr>
-            <a:lvl2pPr marL="914400" lvl="1" indent="-317500">
+            <a:lvl2pPr indent="-317500" lvl="1" marL="914400">
               <a:lnSpc>
                 <a:spcPct val="115000"/>
               </a:lnSpc>
@@ -6060,7 +6480,7 @@
                 <a:sym typeface="Average"/>
               </a:defRPr>
             </a:lvl2pPr>
-            <a:lvl3pPr marL="1371600" lvl="2" indent="-317500">
+            <a:lvl3pPr indent="-317500" lvl="2" marL="1371600">
               <a:lnSpc>
                 <a:spcPct val="115000"/>
               </a:lnSpc>
@@ -6086,7 +6506,7 @@
                 <a:sym typeface="Average"/>
               </a:defRPr>
             </a:lvl3pPr>
-            <a:lvl4pPr marL="1828800" lvl="3" indent="-317500">
+            <a:lvl4pPr indent="-317500" lvl="3" marL="1828800">
               <a:lnSpc>
                 <a:spcPct val="115000"/>
               </a:lnSpc>
@@ -6112,7 +6532,7 @@
                 <a:sym typeface="Average"/>
               </a:defRPr>
             </a:lvl4pPr>
-            <a:lvl5pPr marL="2286000" lvl="4" indent="-317500">
+            <a:lvl5pPr indent="-317500" lvl="4" marL="2286000">
               <a:lnSpc>
                 <a:spcPct val="115000"/>
               </a:lnSpc>
@@ -6138,7 +6558,7 @@
                 <a:sym typeface="Average"/>
               </a:defRPr>
             </a:lvl5pPr>
-            <a:lvl6pPr marL="2743200" lvl="5" indent="-317500">
+            <a:lvl6pPr indent="-317500" lvl="5" marL="2743200">
               <a:lnSpc>
                 <a:spcPct val="115000"/>
               </a:lnSpc>
@@ -6164,7 +6584,7 @@
                 <a:sym typeface="Average"/>
               </a:defRPr>
             </a:lvl6pPr>
-            <a:lvl7pPr marL="3200400" lvl="6" indent="-317500">
+            <a:lvl7pPr indent="-317500" lvl="6" marL="3200400">
               <a:lnSpc>
                 <a:spcPct val="115000"/>
               </a:lnSpc>
@@ -6190,7 +6610,7 @@
                 <a:sym typeface="Average"/>
               </a:defRPr>
             </a:lvl7pPr>
-            <a:lvl8pPr marL="3657600" lvl="7" indent="-317500">
+            <a:lvl8pPr indent="-317500" lvl="7" marL="3657600">
               <a:lnSpc>
                 <a:spcPct val="115000"/>
               </a:lnSpc>
@@ -6216,7 +6636,7 @@
                 <a:sym typeface="Average"/>
               </a:defRPr>
             </a:lvl8pPr>
-            <a:lvl9pPr marL="4114800" lvl="8" indent="-317500">
+            <a:lvl9pPr indent="-317500" lvl="8" marL="4114800">
               <a:lnSpc>
                 <a:spcPct val="115000"/>
               </a:lnSpc>
@@ -6251,7 +6671,7 @@
           <p:cNvPr id="8" name="Google Shape;8;p1"/>
           <p:cNvSpPr txBox="1"/>
           <p:nvPr>
-            <p:ph type="sldNum" idx="12"/>
+            <p:ph idx="12" type="sldNum"/>
           </p:nvPr>
         </p:nvSpPr>
         <p:spPr>
@@ -6268,7 +6688,7 @@
           </a:ln>
         </p:spPr>
         <p:txBody>
-          <a:bodyPr spcFirstLastPara="1" wrap="square" lIns="91425" tIns="91425" rIns="91425" bIns="91425" anchor="ctr" anchorCtr="0">
+          <a:bodyPr anchorCtr="0" anchor="ctr" bIns="91425" lIns="91425" spcFirstLastPara="1" rIns="91425" wrap="square" tIns="91425">
             <a:normAutofit/>
           </a:bodyPr>
           <a:lstStyle>
@@ -6382,7 +6802,7 @@
             </a:lvl9pPr>
           </a:lstStyle>
           <a:p>
-            <a:pPr marL="0" lvl="0" indent="0" algn="r" rtl="0">
+            <a:pPr indent="0" lvl="0" marL="0" rtl="0" algn="r">
               <a:spcBef>
                 <a:spcPts val="0"/>
               </a:spcBef>
@@ -6392,32 +6812,33 @@
               <a:buNone/>
             </a:pPr>
             <a:fld id="{00000000-1234-1234-1234-123412341234}" type="slidenum">
-              <a:rPr lang="en-US"/>
+              <a:rPr lang="ru"/>
+              <a:t>‹#›</a:t>
             </a:fld>
-            <a:endParaRPr lang="en-US"/>
+            <a:endParaRPr/>
           </a:p>
         </p:txBody>
       </p:sp>
     </p:spTree>
   </p:cSld>
-  <p:clrMap bg1="lt1" tx1="dk1" bg2="dk2" tx2="lt2" accent1="accent1" accent2="accent2" accent3="accent3" accent4="accent4" accent5="accent5" accent6="accent6" hlink="hlink" folHlink="folHlink"/>
+  <p:clrMap accent1="accent1" accent2="accent2" accent3="accent3" accent4="accent4" accent5="accent5" accent6="accent6" bg1="lt1" bg2="dk2" tx1="dk1" tx2="lt2" folHlink="folHlink" hlink="hlink"/>
   <p:sldLayoutIdLst>
-    <p:sldLayoutId id="2147483649" r:id="rId1"/>
-    <p:sldLayoutId id="2147483650" r:id="rId2"/>
-    <p:sldLayoutId id="2147483651" r:id="rId3"/>
-    <p:sldLayoutId id="2147483652" r:id="rId4"/>
-    <p:sldLayoutId id="2147483653" r:id="rId5"/>
-    <p:sldLayoutId id="2147483654" r:id="rId6"/>
-    <p:sldLayoutId id="2147483655" r:id="rId7"/>
-    <p:sldLayoutId id="2147483656" r:id="rId8"/>
-    <p:sldLayoutId id="2147483657" r:id="rId9"/>
-    <p:sldLayoutId id="2147483658" r:id="rId10"/>
-    <p:sldLayoutId id="2147483659" r:id="rId11"/>
+    <p:sldLayoutId id="2147483648" r:id="rId1"/>
+    <p:sldLayoutId id="2147483649" r:id="rId2"/>
+    <p:sldLayoutId id="2147483650" r:id="rId3"/>
+    <p:sldLayoutId id="2147483651" r:id="rId4"/>
+    <p:sldLayoutId id="2147483652" r:id="rId5"/>
+    <p:sldLayoutId id="2147483653" r:id="rId6"/>
+    <p:sldLayoutId id="2147483654" r:id="rId7"/>
+    <p:sldLayoutId id="2147483655" r:id="rId8"/>
+    <p:sldLayoutId id="2147483656" r:id="rId9"/>
+    <p:sldLayoutId id="2147483657" r:id="rId10"/>
+    <p:sldLayoutId id="2147483658" r:id="rId11"/>
   </p:sldLayoutIdLst>
-  <p:hf sldNum="0" hdr="0" ftr="0" dt="0"/>
+  <p:hf dt="0" ftr="0" hdr="0" sldNum="0"/>
   <p:txStyles>
     <p:titleStyle>
-      <a:defPPr marR="0" lvl="0" algn="l" rtl="0">
+      <a:defPPr lvl="0" marR="0" rtl="0" algn="l">
         <a:lnSpc>
           <a:spcPct val="100000"/>
         </a:lnSpc>
@@ -6428,7 +6849,7 @@
           <a:spcPts val="0"/>
         </a:spcAft>
       </a:defPPr>
-      <a:lvl1pPr marR="0" lvl="0" algn="l" rtl="0">
+      <a:lvl1pPr lvl="0" marR="0" rtl="0" algn="l">
         <a:lnSpc>
           <a:spcPct val="100000"/>
         </a:lnSpc>
@@ -6441,18 +6862,18 @@
         <a:buClr>
           <a:srgbClr val="000000"/>
         </a:buClr>
-        <a:buFont typeface="Arial" panose="020B0604020202020204"/>
-        <a:defRPr sz="1400" b="0" i="0" u="none" strike="noStrike" cap="none">
+        <a:buFont typeface="Arial"/>
+        <a:defRPr b="0" i="0" sz="1400" u="none" cap="none" strike="noStrike">
           <a:solidFill>
             <a:srgbClr val="000000"/>
           </a:solidFill>
-          <a:latin typeface="Arial" panose="020B0604020202020204"/>
-          <a:ea typeface="Arial" panose="020B0604020202020204"/>
-          <a:cs typeface="Arial" panose="020B0604020202020204"/>
-          <a:sym typeface="Arial" panose="020B0604020202020204"/>
+          <a:latin typeface="Arial"/>
+          <a:ea typeface="Arial"/>
+          <a:cs typeface="Arial"/>
+          <a:sym typeface="Arial"/>
         </a:defRPr>
       </a:lvl1pPr>
-      <a:lvl2pPr marR="0" lvl="1" algn="l" rtl="0">
+      <a:lvl2pPr lvl="1" marR="0" rtl="0" algn="l">
         <a:lnSpc>
           <a:spcPct val="100000"/>
         </a:lnSpc>
@@ -6465,18 +6886,18 @@
         <a:buClr>
           <a:srgbClr val="000000"/>
         </a:buClr>
-        <a:buFont typeface="Arial" panose="020B0604020202020204"/>
-        <a:defRPr sz="1400" b="0" i="0" u="none" strike="noStrike" cap="none">
+        <a:buFont typeface="Arial"/>
+        <a:defRPr b="0" i="0" sz="1400" u="none" cap="none" strike="noStrike">
           <a:solidFill>
             <a:srgbClr val="000000"/>
           </a:solidFill>
-          <a:latin typeface="Arial" panose="020B0604020202020204"/>
-          <a:ea typeface="Arial" panose="020B0604020202020204"/>
-          <a:cs typeface="Arial" panose="020B0604020202020204"/>
-          <a:sym typeface="Arial" panose="020B0604020202020204"/>
+          <a:latin typeface="Arial"/>
+          <a:ea typeface="Arial"/>
+          <a:cs typeface="Arial"/>
+          <a:sym typeface="Arial"/>
         </a:defRPr>
       </a:lvl2pPr>
-      <a:lvl3pPr marR="0" lvl="2" algn="l" rtl="0">
+      <a:lvl3pPr lvl="2" marR="0" rtl="0" algn="l">
         <a:lnSpc>
           <a:spcPct val="100000"/>
         </a:lnSpc>
@@ -6489,18 +6910,18 @@
         <a:buClr>
           <a:srgbClr val="000000"/>
         </a:buClr>
-        <a:buFont typeface="Arial" panose="020B0604020202020204"/>
-        <a:defRPr sz="1400" b="0" i="0" u="none" strike="noStrike" cap="none">
+        <a:buFont typeface="Arial"/>
+        <a:defRPr b="0" i="0" sz="1400" u="none" cap="none" strike="noStrike">
           <a:solidFill>
             <a:srgbClr val="000000"/>
           </a:solidFill>
-          <a:latin typeface="Arial" panose="020B0604020202020204"/>
-          <a:ea typeface="Arial" panose="020B0604020202020204"/>
-          <a:cs typeface="Arial" panose="020B0604020202020204"/>
-          <a:sym typeface="Arial" panose="020B0604020202020204"/>
+          <a:latin typeface="Arial"/>
+          <a:ea typeface="Arial"/>
+          <a:cs typeface="Arial"/>
+          <a:sym typeface="Arial"/>
         </a:defRPr>
       </a:lvl3pPr>
-      <a:lvl4pPr marR="0" lvl="3" algn="l" rtl="0">
+      <a:lvl4pPr lvl="3" marR="0" rtl="0" algn="l">
         <a:lnSpc>
           <a:spcPct val="100000"/>
         </a:lnSpc>
@@ -6513,18 +6934,18 @@
         <a:buClr>
           <a:srgbClr val="000000"/>
         </a:buClr>
-        <a:buFont typeface="Arial" panose="020B0604020202020204"/>
-        <a:defRPr sz="1400" b="0" i="0" u="none" strike="noStrike" cap="none">
+        <a:buFont typeface="Arial"/>
+        <a:defRPr b="0" i="0" sz="1400" u="none" cap="none" strike="noStrike">
           <a:solidFill>
             <a:srgbClr val="000000"/>
           </a:solidFill>
-          <a:latin typeface="Arial" panose="020B0604020202020204"/>
-          <a:ea typeface="Arial" panose="020B0604020202020204"/>
-          <a:cs typeface="Arial" panose="020B0604020202020204"/>
-          <a:sym typeface="Arial" panose="020B0604020202020204"/>
+          <a:latin typeface="Arial"/>
+          <a:ea typeface="Arial"/>
+          <a:cs typeface="Arial"/>
+          <a:sym typeface="Arial"/>
         </a:defRPr>
       </a:lvl4pPr>
-      <a:lvl5pPr marR="0" lvl="4" algn="l" rtl="0">
+      <a:lvl5pPr lvl="4" marR="0" rtl="0" algn="l">
         <a:lnSpc>
           <a:spcPct val="100000"/>
         </a:lnSpc>
@@ -6537,18 +6958,18 @@
         <a:buClr>
           <a:srgbClr val="000000"/>
         </a:buClr>
-        <a:buFont typeface="Arial" panose="020B0604020202020204"/>
-        <a:defRPr sz="1400" b="0" i="0" u="none" strike="noStrike" cap="none">
+        <a:buFont typeface="Arial"/>
+        <a:defRPr b="0" i="0" sz="1400" u="none" cap="none" strike="noStrike">
           <a:solidFill>
             <a:srgbClr val="000000"/>
           </a:solidFill>
-          <a:latin typeface="Arial" panose="020B0604020202020204"/>
-          <a:ea typeface="Arial" panose="020B0604020202020204"/>
-          <a:cs typeface="Arial" panose="020B0604020202020204"/>
-          <a:sym typeface="Arial" panose="020B0604020202020204"/>
+          <a:latin typeface="Arial"/>
+          <a:ea typeface="Arial"/>
+          <a:cs typeface="Arial"/>
+          <a:sym typeface="Arial"/>
         </a:defRPr>
       </a:lvl5pPr>
-      <a:lvl6pPr marR="0" lvl="5" algn="l" rtl="0">
+      <a:lvl6pPr lvl="5" marR="0" rtl="0" algn="l">
         <a:lnSpc>
           <a:spcPct val="100000"/>
         </a:lnSpc>
@@ -6561,18 +6982,18 @@
         <a:buClr>
           <a:srgbClr val="000000"/>
         </a:buClr>
-        <a:buFont typeface="Arial" panose="020B0604020202020204"/>
-        <a:defRPr sz="1400" b="0" i="0" u="none" strike="noStrike" cap="none">
+        <a:buFont typeface="Arial"/>
+        <a:defRPr b="0" i="0" sz="1400" u="none" cap="none" strike="noStrike">
           <a:solidFill>
             <a:srgbClr val="000000"/>
           </a:solidFill>
-          <a:latin typeface="Arial" panose="020B0604020202020204"/>
-          <a:ea typeface="Arial" panose="020B0604020202020204"/>
-          <a:cs typeface="Arial" panose="020B0604020202020204"/>
-          <a:sym typeface="Arial" panose="020B0604020202020204"/>
+          <a:latin typeface="Arial"/>
+          <a:ea typeface="Arial"/>
+          <a:cs typeface="Arial"/>
+          <a:sym typeface="Arial"/>
         </a:defRPr>
       </a:lvl6pPr>
-      <a:lvl7pPr marR="0" lvl="6" algn="l" rtl="0">
+      <a:lvl7pPr lvl="6" marR="0" rtl="0" algn="l">
         <a:lnSpc>
           <a:spcPct val="100000"/>
         </a:lnSpc>
@@ -6585,18 +7006,18 @@
         <a:buClr>
           <a:srgbClr val="000000"/>
         </a:buClr>
-        <a:buFont typeface="Arial" panose="020B0604020202020204"/>
-        <a:defRPr sz="1400" b="0" i="0" u="none" strike="noStrike" cap="none">
+        <a:buFont typeface="Arial"/>
+        <a:defRPr b="0" i="0" sz="1400" u="none" cap="none" strike="noStrike">
           <a:solidFill>
             <a:srgbClr val="000000"/>
           </a:solidFill>
-          <a:latin typeface="Arial" panose="020B0604020202020204"/>
-          <a:ea typeface="Arial" panose="020B0604020202020204"/>
-          <a:cs typeface="Arial" panose="020B0604020202020204"/>
-          <a:sym typeface="Arial" panose="020B0604020202020204"/>
+          <a:latin typeface="Arial"/>
+          <a:ea typeface="Arial"/>
+          <a:cs typeface="Arial"/>
+          <a:sym typeface="Arial"/>
         </a:defRPr>
       </a:lvl7pPr>
-      <a:lvl8pPr marR="0" lvl="7" algn="l" rtl="0">
+      <a:lvl8pPr lvl="7" marR="0" rtl="0" algn="l">
         <a:lnSpc>
           <a:spcPct val="100000"/>
         </a:lnSpc>
@@ -6609,18 +7030,18 @@
         <a:buClr>
           <a:srgbClr val="000000"/>
         </a:buClr>
-        <a:buFont typeface="Arial" panose="020B0604020202020204"/>
-        <a:defRPr sz="1400" b="0" i="0" u="none" strike="noStrike" cap="none">
+        <a:buFont typeface="Arial"/>
+        <a:defRPr b="0" i="0" sz="1400" u="none" cap="none" strike="noStrike">
           <a:solidFill>
             <a:srgbClr val="000000"/>
           </a:solidFill>
-          <a:latin typeface="Arial" panose="020B0604020202020204"/>
-          <a:ea typeface="Arial" panose="020B0604020202020204"/>
-          <a:cs typeface="Arial" panose="020B0604020202020204"/>
-          <a:sym typeface="Arial" panose="020B0604020202020204"/>
+          <a:latin typeface="Arial"/>
+          <a:ea typeface="Arial"/>
+          <a:cs typeface="Arial"/>
+          <a:sym typeface="Arial"/>
         </a:defRPr>
       </a:lvl8pPr>
-      <a:lvl9pPr marR="0" lvl="8" algn="l" rtl="0">
+      <a:lvl9pPr lvl="8" marR="0" rtl="0" algn="l">
         <a:lnSpc>
           <a:spcPct val="100000"/>
         </a:lnSpc>
@@ -6633,20 +7054,20 @@
         <a:buClr>
           <a:srgbClr val="000000"/>
         </a:buClr>
-        <a:buFont typeface="Arial" panose="020B0604020202020204"/>
-        <a:defRPr sz="1400" b="0" i="0" u="none" strike="noStrike" cap="none">
+        <a:buFont typeface="Arial"/>
+        <a:defRPr b="0" i="0" sz="1400" u="none" cap="none" strike="noStrike">
           <a:solidFill>
             <a:srgbClr val="000000"/>
           </a:solidFill>
-          <a:latin typeface="Arial" panose="020B0604020202020204"/>
-          <a:ea typeface="Arial" panose="020B0604020202020204"/>
-          <a:cs typeface="Arial" panose="020B0604020202020204"/>
-          <a:sym typeface="Arial" panose="020B0604020202020204"/>
+          <a:latin typeface="Arial"/>
+          <a:ea typeface="Arial"/>
+          <a:cs typeface="Arial"/>
+          <a:sym typeface="Arial"/>
         </a:defRPr>
       </a:lvl9pPr>
     </p:titleStyle>
     <p:bodyStyle>
-      <a:defPPr marR="0" lvl="0" algn="l" rtl="0">
+      <a:defPPr lvl="0" marR="0" rtl="0" algn="l">
         <a:lnSpc>
           <a:spcPct val="100000"/>
         </a:lnSpc>
@@ -6657,7 +7078,7 @@
           <a:spcPts val="0"/>
         </a:spcAft>
       </a:defPPr>
-      <a:lvl1pPr marR="0" lvl="0" algn="l" rtl="0">
+      <a:lvl1pPr lvl="0" marR="0" rtl="0" algn="l">
         <a:lnSpc>
           <a:spcPct val="100000"/>
         </a:lnSpc>
@@ -6670,18 +7091,18 @@
         <a:buClr>
           <a:srgbClr val="000000"/>
         </a:buClr>
-        <a:buFont typeface="Arial" panose="020B0604020202020204"/>
-        <a:defRPr sz="1400" b="0" i="0" u="none" strike="noStrike" cap="none">
+        <a:buFont typeface="Arial"/>
+        <a:defRPr b="0" i="0" sz="1400" u="none" cap="none" strike="noStrike">
           <a:solidFill>
             <a:srgbClr val="000000"/>
           </a:solidFill>
-          <a:latin typeface="Arial" panose="020B0604020202020204"/>
-          <a:ea typeface="Arial" panose="020B0604020202020204"/>
-          <a:cs typeface="Arial" panose="020B0604020202020204"/>
-          <a:sym typeface="Arial" panose="020B0604020202020204"/>
+          <a:latin typeface="Arial"/>
+          <a:ea typeface="Arial"/>
+          <a:cs typeface="Arial"/>
+          <a:sym typeface="Arial"/>
         </a:defRPr>
       </a:lvl1pPr>
-      <a:lvl2pPr marR="0" lvl="1" algn="l" rtl="0">
+      <a:lvl2pPr lvl="1" marR="0" rtl="0" algn="l">
         <a:lnSpc>
           <a:spcPct val="100000"/>
         </a:lnSpc>
@@ -6694,18 +7115,18 @@
         <a:buClr>
           <a:srgbClr val="000000"/>
         </a:buClr>
-        <a:buFont typeface="Arial" panose="020B0604020202020204"/>
-        <a:defRPr sz="1400" b="0" i="0" u="none" strike="noStrike" cap="none">
+        <a:buFont typeface="Arial"/>
+        <a:defRPr b="0" i="0" sz="1400" u="none" cap="none" strike="noStrike">
           <a:solidFill>
             <a:srgbClr val="000000"/>
           </a:solidFill>
-          <a:latin typeface="Arial" panose="020B0604020202020204"/>
-          <a:ea typeface="Arial" panose="020B0604020202020204"/>
-          <a:cs typeface="Arial" panose="020B0604020202020204"/>
-          <a:sym typeface="Arial" panose="020B0604020202020204"/>
+          <a:latin typeface="Arial"/>
+          <a:ea typeface="Arial"/>
+          <a:cs typeface="Arial"/>
+          <a:sym typeface="Arial"/>
         </a:defRPr>
       </a:lvl2pPr>
-      <a:lvl3pPr marR="0" lvl="2" algn="l" rtl="0">
+      <a:lvl3pPr lvl="2" marR="0" rtl="0" algn="l">
         <a:lnSpc>
           <a:spcPct val="100000"/>
         </a:lnSpc>
@@ -6718,18 +7139,18 @@
         <a:buClr>
           <a:srgbClr val="000000"/>
         </a:buClr>
-        <a:buFont typeface="Arial" panose="020B0604020202020204"/>
-        <a:defRPr sz="1400" b="0" i="0" u="none" strike="noStrike" cap="none">
+        <a:buFont typeface="Arial"/>
+        <a:defRPr b="0" i="0" sz="1400" u="none" cap="none" strike="noStrike">
           <a:solidFill>
             <a:srgbClr val="000000"/>
           </a:solidFill>
-          <a:latin typeface="Arial" panose="020B0604020202020204"/>
-          <a:ea typeface="Arial" panose="020B0604020202020204"/>
-          <a:cs typeface="Arial" panose="020B0604020202020204"/>
-          <a:sym typeface="Arial" panose="020B0604020202020204"/>
+          <a:latin typeface="Arial"/>
+          <a:ea typeface="Arial"/>
+          <a:cs typeface="Arial"/>
+          <a:sym typeface="Arial"/>
         </a:defRPr>
       </a:lvl3pPr>
-      <a:lvl4pPr marR="0" lvl="3" algn="l" rtl="0">
+      <a:lvl4pPr lvl="3" marR="0" rtl="0" algn="l">
         <a:lnSpc>
           <a:spcPct val="100000"/>
         </a:lnSpc>
@@ -6742,18 +7163,18 @@
         <a:buClr>
           <a:srgbClr val="000000"/>
         </a:buClr>
-        <a:buFont typeface="Arial" panose="020B0604020202020204"/>
-        <a:defRPr sz="1400" b="0" i="0" u="none" strike="noStrike" cap="none">
+        <a:buFont typeface="Arial"/>
+        <a:defRPr b="0" i="0" sz="1400" u="none" cap="none" strike="noStrike">
           <a:solidFill>
             <a:srgbClr val="000000"/>
           </a:solidFill>
-          <a:latin typeface="Arial" panose="020B0604020202020204"/>
-          <a:ea typeface="Arial" panose="020B0604020202020204"/>
-          <a:cs typeface="Arial" panose="020B0604020202020204"/>
-          <a:sym typeface="Arial" panose="020B0604020202020204"/>
+          <a:latin typeface="Arial"/>
+          <a:ea typeface="Arial"/>
+          <a:cs typeface="Arial"/>
+          <a:sym typeface="Arial"/>
         </a:defRPr>
       </a:lvl4pPr>
-      <a:lvl5pPr marR="0" lvl="4" algn="l" rtl="0">
+      <a:lvl5pPr lvl="4" marR="0" rtl="0" algn="l">
         <a:lnSpc>
           <a:spcPct val="100000"/>
         </a:lnSpc>
@@ -6766,18 +7187,18 @@
         <a:buClr>
           <a:srgbClr val="000000"/>
         </a:buClr>
-        <a:buFont typeface="Arial" panose="020B0604020202020204"/>
-        <a:defRPr sz="1400" b="0" i="0" u="none" strike="noStrike" cap="none">
+        <a:buFont typeface="Arial"/>
+        <a:defRPr b="0" i="0" sz="1400" u="none" cap="none" strike="noStrike">
           <a:solidFill>
             <a:srgbClr val="000000"/>
           </a:solidFill>
-          <a:latin typeface="Arial" panose="020B0604020202020204"/>
-          <a:ea typeface="Arial" panose="020B0604020202020204"/>
-          <a:cs typeface="Arial" panose="020B0604020202020204"/>
-          <a:sym typeface="Arial" panose="020B0604020202020204"/>
+          <a:latin typeface="Arial"/>
+          <a:ea typeface="Arial"/>
+          <a:cs typeface="Arial"/>
+          <a:sym typeface="Arial"/>
         </a:defRPr>
       </a:lvl5pPr>
-      <a:lvl6pPr marR="0" lvl="5" algn="l" rtl="0">
+      <a:lvl6pPr lvl="5" marR="0" rtl="0" algn="l">
         <a:lnSpc>
           <a:spcPct val="100000"/>
         </a:lnSpc>
@@ -6790,18 +7211,18 @@
         <a:buClr>
           <a:srgbClr val="000000"/>
         </a:buClr>
-        <a:buFont typeface="Arial" panose="020B0604020202020204"/>
-        <a:defRPr sz="1400" b="0" i="0" u="none" strike="noStrike" cap="none">
+        <a:buFont typeface="Arial"/>
+        <a:defRPr b="0" i="0" sz="1400" u="none" cap="none" strike="noStrike">
           <a:solidFill>
             <a:srgbClr val="000000"/>
           </a:solidFill>
-          <a:latin typeface="Arial" panose="020B0604020202020204"/>
-          <a:ea typeface="Arial" panose="020B0604020202020204"/>
-          <a:cs typeface="Arial" panose="020B0604020202020204"/>
-          <a:sym typeface="Arial" panose="020B0604020202020204"/>
+          <a:latin typeface="Arial"/>
+          <a:ea typeface="Arial"/>
+          <a:cs typeface="Arial"/>
+          <a:sym typeface="Arial"/>
         </a:defRPr>
       </a:lvl6pPr>
-      <a:lvl7pPr marR="0" lvl="6" algn="l" rtl="0">
+      <a:lvl7pPr lvl="6" marR="0" rtl="0" algn="l">
         <a:lnSpc>
           <a:spcPct val="100000"/>
         </a:lnSpc>
@@ -6814,18 +7235,18 @@
         <a:buClr>
           <a:srgbClr val="000000"/>
         </a:buClr>
-        <a:buFont typeface="Arial" panose="020B0604020202020204"/>
-        <a:defRPr sz="1400" b="0" i="0" u="none" strike="noStrike" cap="none">
+        <a:buFont typeface="Arial"/>
+        <a:defRPr b="0" i="0" sz="1400" u="none" cap="none" strike="noStrike">
           <a:solidFill>
             <a:srgbClr val="000000"/>
           </a:solidFill>
-          <a:latin typeface="Arial" panose="020B0604020202020204"/>
-          <a:ea typeface="Arial" panose="020B0604020202020204"/>
-          <a:cs typeface="Arial" panose="020B0604020202020204"/>
-          <a:sym typeface="Arial" panose="020B0604020202020204"/>
+          <a:latin typeface="Arial"/>
+          <a:ea typeface="Arial"/>
+          <a:cs typeface="Arial"/>
+          <a:sym typeface="Arial"/>
         </a:defRPr>
       </a:lvl7pPr>
-      <a:lvl8pPr marR="0" lvl="7" algn="l" rtl="0">
+      <a:lvl8pPr lvl="7" marR="0" rtl="0" algn="l">
         <a:lnSpc>
           <a:spcPct val="100000"/>
         </a:lnSpc>
@@ -6838,18 +7259,18 @@
         <a:buClr>
           <a:srgbClr val="000000"/>
         </a:buClr>
-        <a:buFont typeface="Arial" panose="020B0604020202020204"/>
-        <a:defRPr sz="1400" b="0" i="0" u="none" strike="noStrike" cap="none">
+        <a:buFont typeface="Arial"/>
+        <a:defRPr b="0" i="0" sz="1400" u="none" cap="none" strike="noStrike">
           <a:solidFill>
             <a:srgbClr val="000000"/>
           </a:solidFill>
-          <a:latin typeface="Arial" panose="020B0604020202020204"/>
-          <a:ea typeface="Arial" panose="020B0604020202020204"/>
-          <a:cs typeface="Arial" panose="020B0604020202020204"/>
-          <a:sym typeface="Arial" panose="020B0604020202020204"/>
+          <a:latin typeface="Arial"/>
+          <a:ea typeface="Arial"/>
+          <a:cs typeface="Arial"/>
+          <a:sym typeface="Arial"/>
         </a:defRPr>
       </a:lvl8pPr>
-      <a:lvl9pPr marR="0" lvl="8" algn="l" rtl="0">
+      <a:lvl9pPr lvl="8" marR="0" rtl="0" algn="l">
         <a:lnSpc>
           <a:spcPct val="100000"/>
         </a:lnSpc>
@@ -6862,20 +7283,20 @@
         <a:buClr>
           <a:srgbClr val="000000"/>
         </a:buClr>
-        <a:buFont typeface="Arial" panose="020B0604020202020204"/>
-        <a:defRPr sz="1400" b="0" i="0" u="none" strike="noStrike" cap="none">
+        <a:buFont typeface="Arial"/>
+        <a:defRPr b="0" i="0" sz="1400" u="none" cap="none" strike="noStrike">
           <a:solidFill>
             <a:srgbClr val="000000"/>
           </a:solidFill>
-          <a:latin typeface="Arial" panose="020B0604020202020204"/>
-          <a:ea typeface="Arial" panose="020B0604020202020204"/>
-          <a:cs typeface="Arial" panose="020B0604020202020204"/>
-          <a:sym typeface="Arial" panose="020B0604020202020204"/>
+          <a:latin typeface="Arial"/>
+          <a:ea typeface="Arial"/>
+          <a:cs typeface="Arial"/>
+          <a:sym typeface="Arial"/>
         </a:defRPr>
       </a:lvl9pPr>
     </p:bodyStyle>
     <p:otherStyle>
-      <a:defPPr marR="0" lvl="0" algn="l" rtl="0">
+      <a:defPPr lvl="0" marR="0" rtl="0" algn="l">
         <a:lnSpc>
           <a:spcPct val="100000"/>
         </a:lnSpc>
@@ -6886,7 +7307,7 @@
           <a:spcPts val="0"/>
         </a:spcAft>
       </a:defPPr>
-      <a:lvl1pPr marR="0" lvl="0" algn="l" rtl="0">
+      <a:lvl1pPr lvl="0" marR="0" rtl="0" algn="l">
         <a:lnSpc>
           <a:spcPct val="100000"/>
         </a:lnSpc>
@@ -6899,18 +7320,18 @@
         <a:buClr>
           <a:srgbClr val="000000"/>
         </a:buClr>
-        <a:buFont typeface="Arial" panose="020B0604020202020204"/>
-        <a:defRPr sz="1400" b="0" i="0" u="none" strike="noStrike" cap="none">
+        <a:buFont typeface="Arial"/>
+        <a:defRPr b="0" i="0" sz="1400" u="none" cap="none" strike="noStrike">
           <a:solidFill>
             <a:srgbClr val="000000"/>
           </a:solidFill>
-          <a:latin typeface="Arial" panose="020B0604020202020204"/>
-          <a:ea typeface="Arial" panose="020B0604020202020204"/>
-          <a:cs typeface="Arial" panose="020B0604020202020204"/>
-          <a:sym typeface="Arial" panose="020B0604020202020204"/>
+          <a:latin typeface="Arial"/>
+          <a:ea typeface="Arial"/>
+          <a:cs typeface="Arial"/>
+          <a:sym typeface="Arial"/>
         </a:defRPr>
       </a:lvl1pPr>
-      <a:lvl2pPr marR="0" lvl="1" algn="l" rtl="0">
+      <a:lvl2pPr lvl="1" marR="0" rtl="0" algn="l">
         <a:lnSpc>
           <a:spcPct val="100000"/>
         </a:lnSpc>
@@ -6923,18 +7344,18 @@
         <a:buClr>
           <a:srgbClr val="000000"/>
         </a:buClr>
-        <a:buFont typeface="Arial" panose="020B0604020202020204"/>
-        <a:defRPr sz="1400" b="0" i="0" u="none" strike="noStrike" cap="none">
+        <a:buFont typeface="Arial"/>
+        <a:defRPr b="0" i="0" sz="1400" u="none" cap="none" strike="noStrike">
           <a:solidFill>
             <a:srgbClr val="000000"/>
           </a:solidFill>
-          <a:latin typeface="Arial" panose="020B0604020202020204"/>
-          <a:ea typeface="Arial" panose="020B0604020202020204"/>
-          <a:cs typeface="Arial" panose="020B0604020202020204"/>
-          <a:sym typeface="Arial" panose="020B0604020202020204"/>
+          <a:latin typeface="Arial"/>
+          <a:ea typeface="Arial"/>
+          <a:cs typeface="Arial"/>
+          <a:sym typeface="Arial"/>
         </a:defRPr>
       </a:lvl2pPr>
-      <a:lvl3pPr marR="0" lvl="2" algn="l" rtl="0">
+      <a:lvl3pPr lvl="2" marR="0" rtl="0" algn="l">
         <a:lnSpc>
           <a:spcPct val="100000"/>
         </a:lnSpc>
@@ -6947,18 +7368,18 @@
         <a:buClr>
           <a:srgbClr val="000000"/>
         </a:buClr>
-        <a:buFont typeface="Arial" panose="020B0604020202020204"/>
-        <a:defRPr sz="1400" b="0" i="0" u="none" strike="noStrike" cap="none">
+        <a:buFont typeface="Arial"/>
+        <a:defRPr b="0" i="0" sz="1400" u="none" cap="none" strike="noStrike">
           <a:solidFill>
             <a:srgbClr val="000000"/>
           </a:solidFill>
-          <a:latin typeface="Arial" panose="020B0604020202020204"/>
-          <a:ea typeface="Arial" panose="020B0604020202020204"/>
-          <a:cs typeface="Arial" panose="020B0604020202020204"/>
-          <a:sym typeface="Arial" panose="020B0604020202020204"/>
+          <a:latin typeface="Arial"/>
+          <a:ea typeface="Arial"/>
+          <a:cs typeface="Arial"/>
+          <a:sym typeface="Arial"/>
         </a:defRPr>
       </a:lvl3pPr>
-      <a:lvl4pPr marR="0" lvl="3" algn="l" rtl="0">
+      <a:lvl4pPr lvl="3" marR="0" rtl="0" algn="l">
         <a:lnSpc>
           <a:spcPct val="100000"/>
         </a:lnSpc>
@@ -6971,18 +7392,18 @@
         <a:buClr>
           <a:srgbClr val="000000"/>
         </a:buClr>
-        <a:buFont typeface="Arial" panose="020B0604020202020204"/>
-        <a:defRPr sz="1400" b="0" i="0" u="none" strike="noStrike" cap="none">
+        <a:buFont typeface="Arial"/>
+        <a:defRPr b="0" i="0" sz="1400" u="none" cap="none" strike="noStrike">
           <a:solidFill>
             <a:srgbClr val="000000"/>
           </a:solidFill>
-          <a:latin typeface="Arial" panose="020B0604020202020204"/>
-          <a:ea typeface="Arial" panose="020B0604020202020204"/>
-          <a:cs typeface="Arial" panose="020B0604020202020204"/>
-          <a:sym typeface="Arial" panose="020B0604020202020204"/>
+          <a:latin typeface="Arial"/>
+          <a:ea typeface="Arial"/>
+          <a:cs typeface="Arial"/>
+          <a:sym typeface="Arial"/>
         </a:defRPr>
       </a:lvl4pPr>
-      <a:lvl5pPr marR="0" lvl="4" algn="l" rtl="0">
+      <a:lvl5pPr lvl="4" marR="0" rtl="0" algn="l">
         <a:lnSpc>
           <a:spcPct val="100000"/>
         </a:lnSpc>
@@ -6995,18 +7416,18 @@
         <a:buClr>
           <a:srgbClr val="000000"/>
         </a:buClr>
-        <a:buFont typeface="Arial" panose="020B0604020202020204"/>
-        <a:defRPr sz="1400" b="0" i="0" u="none" strike="noStrike" cap="none">
+        <a:buFont typeface="Arial"/>
+        <a:defRPr b="0" i="0" sz="1400" u="none" cap="none" strike="noStrike">
           <a:solidFill>
             <a:srgbClr val="000000"/>
           </a:solidFill>
-          <a:latin typeface="Arial" panose="020B0604020202020204"/>
-          <a:ea typeface="Arial" panose="020B0604020202020204"/>
-          <a:cs typeface="Arial" panose="020B0604020202020204"/>
-          <a:sym typeface="Arial" panose="020B0604020202020204"/>
+          <a:latin typeface="Arial"/>
+          <a:ea typeface="Arial"/>
+          <a:cs typeface="Arial"/>
+          <a:sym typeface="Arial"/>
         </a:defRPr>
       </a:lvl5pPr>
-      <a:lvl6pPr marR="0" lvl="5" algn="l" rtl="0">
+      <a:lvl6pPr lvl="5" marR="0" rtl="0" algn="l">
         <a:lnSpc>
           <a:spcPct val="100000"/>
         </a:lnSpc>
@@ -7019,18 +7440,18 @@
         <a:buClr>
           <a:srgbClr val="000000"/>
         </a:buClr>
-        <a:buFont typeface="Arial" panose="020B0604020202020204"/>
-        <a:defRPr sz="1400" b="0" i="0" u="none" strike="noStrike" cap="none">
+        <a:buFont typeface="Arial"/>
+        <a:defRPr b="0" i="0" sz="1400" u="none" cap="none" strike="noStrike">
           <a:solidFill>
             <a:srgbClr val="000000"/>
           </a:solidFill>
-          <a:latin typeface="Arial" panose="020B0604020202020204"/>
-          <a:ea typeface="Arial" panose="020B0604020202020204"/>
-          <a:cs typeface="Arial" panose="020B0604020202020204"/>
-          <a:sym typeface="Arial" panose="020B0604020202020204"/>
+          <a:latin typeface="Arial"/>
+          <a:ea typeface="Arial"/>
+          <a:cs typeface="Arial"/>
+          <a:sym typeface="Arial"/>
         </a:defRPr>
       </a:lvl6pPr>
-      <a:lvl7pPr marR="0" lvl="6" algn="l" rtl="0">
+      <a:lvl7pPr lvl="6" marR="0" rtl="0" algn="l">
         <a:lnSpc>
           <a:spcPct val="100000"/>
         </a:lnSpc>
@@ -7043,18 +7464,18 @@
         <a:buClr>
           <a:srgbClr val="000000"/>
         </a:buClr>
-        <a:buFont typeface="Arial" panose="020B0604020202020204"/>
-        <a:defRPr sz="1400" b="0" i="0" u="none" strike="noStrike" cap="none">
+        <a:buFont typeface="Arial"/>
+        <a:defRPr b="0" i="0" sz="1400" u="none" cap="none" strike="noStrike">
           <a:solidFill>
             <a:srgbClr val="000000"/>
           </a:solidFill>
-          <a:latin typeface="Arial" panose="020B0604020202020204"/>
-          <a:ea typeface="Arial" panose="020B0604020202020204"/>
-          <a:cs typeface="Arial" panose="020B0604020202020204"/>
-          <a:sym typeface="Arial" panose="020B0604020202020204"/>
+          <a:latin typeface="Arial"/>
+          <a:ea typeface="Arial"/>
+          <a:cs typeface="Arial"/>
+          <a:sym typeface="Arial"/>
         </a:defRPr>
       </a:lvl7pPr>
-      <a:lvl8pPr marR="0" lvl="7" algn="l" rtl="0">
+      <a:lvl8pPr lvl="7" marR="0" rtl="0" algn="l">
         <a:lnSpc>
           <a:spcPct val="100000"/>
         </a:lnSpc>
@@ -7067,18 +7488,18 @@
         <a:buClr>
           <a:srgbClr val="000000"/>
         </a:buClr>
-        <a:buFont typeface="Arial" panose="020B0604020202020204"/>
-        <a:defRPr sz="1400" b="0" i="0" u="none" strike="noStrike" cap="none">
+        <a:buFont typeface="Arial"/>
+        <a:defRPr b="0" i="0" sz="1400" u="none" cap="none" strike="noStrike">
           <a:solidFill>
             <a:srgbClr val="000000"/>
           </a:solidFill>
-          <a:latin typeface="Arial" panose="020B0604020202020204"/>
-          <a:ea typeface="Arial" panose="020B0604020202020204"/>
-          <a:cs typeface="Arial" panose="020B0604020202020204"/>
-          <a:sym typeface="Arial" panose="020B0604020202020204"/>
+          <a:latin typeface="Arial"/>
+          <a:ea typeface="Arial"/>
+          <a:cs typeface="Arial"/>
+          <a:sym typeface="Arial"/>
         </a:defRPr>
       </a:lvl8pPr>
-      <a:lvl9pPr marR="0" lvl="8" algn="l" rtl="0">
+      <a:lvl9pPr lvl="8" marR="0" rtl="0" algn="l">
         <a:lnSpc>
           <a:spcPct val="100000"/>
         </a:lnSpc>
@@ -7091,15 +7512,15 @@
         <a:buClr>
           <a:srgbClr val="000000"/>
         </a:buClr>
-        <a:buFont typeface="Arial" panose="020B0604020202020204"/>
-        <a:defRPr sz="1400" b="0" i="0" u="none" strike="noStrike" cap="none">
+        <a:buFont typeface="Arial"/>
+        <a:defRPr b="0" i="0" sz="1400" u="none" cap="none" strike="noStrike">
           <a:solidFill>
             <a:srgbClr val="000000"/>
           </a:solidFill>
-          <a:latin typeface="Arial" panose="020B0604020202020204"/>
-          <a:ea typeface="Arial" panose="020B0604020202020204"/>
-          <a:cs typeface="Arial" panose="020B0604020202020204"/>
-          <a:sym typeface="Arial" panose="020B0604020202020204"/>
+          <a:latin typeface="Arial"/>
+          <a:ea typeface="Arial"/>
+          <a:cs typeface="Arial"/>
+          <a:sym typeface="Arial"/>
         </a:defRPr>
       </a:lvl9pPr>
     </p:otherStyle>
@@ -7108,7 +7529,7 @@
 </file>
 
 <file path=ppt/slides/slide1.xml><?xml version="1.0" encoding="utf-8"?>
-<p:sld xmlns:a="http://schemas.openxmlformats.org/drawingml/2006/main" xmlns:r="http://schemas.openxmlformats.org/officeDocument/2006/relationships" xmlns:p="http://schemas.openxmlformats.org/presentationml/2006/main">
+<p:sld xmlns:a="http://schemas.openxmlformats.org/drawingml/2006/main" xmlns:r="http://schemas.openxmlformats.org/officeDocument/2006/relationships" xmlns:mc="http://schemas.openxmlformats.org/markup-compatibility/2006" xmlns:mv="urn:schemas-microsoft-com:mac:vml" xmlns:p="http://schemas.openxmlformats.org/presentationml/2006/main" xmlns:c="http://schemas.openxmlformats.org/drawingml/2006/chart" xmlns:dgm="http://schemas.openxmlformats.org/drawingml/2006/diagram" xmlns:o="urn:schemas-microsoft-com:office:office" xmlns:v="urn:schemas-microsoft-com:vml" xmlns:pvml="urn:schemas-microsoft-com:office:powerpoint" xmlns:com="http://schemas.openxmlformats.org/drawingml/2006/compatibility" xmlns:p14="http://schemas.microsoft.com/office/powerpoint/2010/main" xmlns:p15="http://schemas.microsoft.com/office/powerpoint/2012/main" xmlns:ahyp="http://schemas.microsoft.com/office/drawing/2018/hyperlinkcolor">
   <p:cSld>
     <p:spTree>
       <p:nvGrpSpPr>
@@ -7142,12 +7563,12 @@
           </a:prstGeom>
         </p:spPr>
         <p:txBody>
-          <a:bodyPr spcFirstLastPara="1" wrap="square" lIns="91425" tIns="91425" rIns="91425" bIns="91425" anchor="b" anchorCtr="0">
+          <a:bodyPr anchorCtr="0" anchor="b" bIns="91425" lIns="91425" spcFirstLastPara="1" rIns="91425" wrap="square" tIns="91425">
             <a:normAutofit/>
           </a:bodyPr>
           <a:lstStyle/>
           <a:p>
-            <a:pPr marL="0" lvl="0" indent="0" algn="ctr" rtl="0">
+            <a:pPr indent="0" lvl="0" marL="0" rtl="0" algn="ctr">
               <a:spcBef>
                 <a:spcPts val="0"/>
               </a:spcBef>
@@ -7157,10 +7578,10 @@
               <a:buNone/>
             </a:pPr>
             <a:r>
-              <a:rPr lang="en-US"/>
+              <a:rPr lang="ru"/>
               <a:t>Goroscopic-weather</a:t>
             </a:r>
-            <a:endParaRPr lang="en-US"/>
+            <a:endParaRPr/>
           </a:p>
         </p:txBody>
       </p:sp>
@@ -7169,7 +7590,7 @@
           <p:cNvPr id="60" name="Google Shape;60;p13"/>
           <p:cNvSpPr txBox="1"/>
           <p:nvPr>
-            <p:ph type="subTitle" idx="1"/>
+            <p:ph idx="1" type="subTitle"/>
           </p:nvPr>
         </p:nvSpPr>
         <p:spPr>
@@ -7182,12 +7603,12 @@
           </a:prstGeom>
         </p:spPr>
         <p:txBody>
-          <a:bodyPr spcFirstLastPara="1" wrap="square" lIns="91425" tIns="91425" rIns="91425" bIns="91425" anchor="t" anchorCtr="0">
+          <a:bodyPr anchorCtr="0" anchor="t" bIns="91425" lIns="91425" spcFirstLastPara="1" rIns="91425" wrap="square" tIns="91425">
             <a:normAutofit/>
           </a:bodyPr>
           <a:lstStyle/>
           <a:p>
-            <a:pPr marL="0" lvl="0" indent="0" algn="ctr" rtl="0">
+            <a:pPr indent="0" lvl="0" marL="0" rtl="0" algn="ctr">
               <a:spcBef>
                 <a:spcPts val="0"/>
               </a:spcBef>
@@ -7197,10 +7618,10 @@
               <a:buNone/>
             </a:pPr>
             <a:r>
-              <a:rPr lang="en-US"/>
+              <a:rPr lang="ru"/>
               <a:t>Проект WebServer + API</a:t>
             </a:r>
-            <a:endParaRPr lang="en-US"/>
+            <a:endParaRPr/>
           </a:p>
         </p:txBody>
       </p:sp>
@@ -7224,12 +7645,12 @@
           </a:ln>
         </p:spPr>
         <p:txBody>
-          <a:bodyPr spcFirstLastPara="1" wrap="square" lIns="91425" tIns="91425" rIns="91425" bIns="91425" anchor="t" anchorCtr="0">
+          <a:bodyPr anchorCtr="0" anchor="t" bIns="91425" lIns="91425" spcFirstLastPara="1" rIns="91425" wrap="square" tIns="91425">
             <a:noAutofit/>
           </a:bodyPr>
           <a:lstStyle/>
           <a:p>
-            <a:pPr marL="0" lvl="0" indent="0" algn="ctr" rtl="0">
+            <a:pPr indent="0" lvl="0" marL="0" rtl="0" algn="ctr">
               <a:spcBef>
                 <a:spcPts val="0"/>
               </a:spcBef>
@@ -7239,7 +7660,7 @@
               <a:buNone/>
             </a:pPr>
             <a:r>
-              <a:rPr lang="en-US" sz="1800">
+              <a:rPr lang="ru" sz="1800">
                 <a:solidFill>
                   <a:schemeClr val="accent3"/>
                 </a:solidFill>
@@ -7269,7 +7690,7 @@
           <p:nvPr/>
         </p:nvCxnSpPr>
         <p:spPr>
-          <a:xfrm rot="10800000" flipH="1">
+          <a:xfrm flipH="1" rot="10800000">
             <a:off x="5330900" y="4117675"/>
             <a:ext cx="2091000" cy="19800"/>
           </a:xfrm>
@@ -7277,14 +7698,14 @@
             <a:avLst/>
           </a:prstGeom>
           <a:noFill/>
-          <a:ln w="9525" cap="flat" cmpd="sng">
+          <a:ln cap="flat" cmpd="sng" w="9525">
             <a:solidFill>
               <a:schemeClr val="dk2"/>
             </a:solidFill>
             <a:prstDash val="solid"/>
             <a:round/>
-            <a:headEnd type="none" w="med" len="med"/>
-            <a:tailEnd type="triangle" w="med" len="med"/>
+            <a:headEnd len="med" w="med" type="none"/>
+            <a:tailEnd len="med" w="med" type="triangle"/>
           </a:ln>
         </p:spPr>
       </p:cxnSp>
@@ -7303,14 +7724,14 @@
             <a:avLst/>
           </a:prstGeom>
           <a:noFill/>
-          <a:ln w="9525" cap="flat" cmpd="sng">
+          <a:ln cap="flat" cmpd="sng" w="9525">
             <a:solidFill>
               <a:schemeClr val="dk2"/>
             </a:solidFill>
             <a:prstDash val="solid"/>
             <a:round/>
-            <a:headEnd type="none" w="med" len="med"/>
-            <a:tailEnd type="triangle" w="med" len="med"/>
+            <a:headEnd len="med" w="med" type="none"/>
+            <a:tailEnd len="med" w="med" type="triangle"/>
           </a:ln>
         </p:spPr>
       </p:cxnSp>
@@ -7321,7 +7742,9 @@
           <p:nvPr/>
         </p:nvPicPr>
         <p:blipFill>
-          <a:blip r:embed="rId1"/>
+          <a:blip r:embed="rId3">
+            <a:alphaModFix/>
+          </a:blip>
           <a:stretch>
             <a:fillRect/>
           </a:stretch>
@@ -7360,12 +7783,12 @@
           </a:ln>
         </p:spPr>
         <p:txBody>
-          <a:bodyPr spcFirstLastPara="1" wrap="square" lIns="91425" tIns="91425" rIns="91425" bIns="91425" anchor="t" anchorCtr="0">
+          <a:bodyPr anchorCtr="0" anchor="t" bIns="91425" lIns="91425" spcFirstLastPara="1" rIns="91425" wrap="square" tIns="91425">
             <a:noAutofit/>
           </a:bodyPr>
           <a:lstStyle/>
           <a:p>
-            <a:pPr marL="0" lvl="0" indent="0" algn="l" rtl="0">
+            <a:pPr indent="0" lvl="0" marL="0" rtl="0" algn="l">
               <a:spcBef>
                 <a:spcPts val="0"/>
               </a:spcBef>
@@ -7375,7 +7798,7 @@
               <a:buNone/>
             </a:pPr>
             <a:r>
-              <a:rPr lang="en-US" sz="1800">
+              <a:rPr lang="ru" sz="1800">
                 <a:solidFill>
                   <a:schemeClr val="accent3"/>
                 </a:solidFill>
@@ -7405,11 +7828,11 @@
           <p:nvPr/>
         </p:nvPicPr>
         <p:blipFill rotWithShape="1">
-          <a:blip r:embed="rId2"/>
-          <a:srcRect l="26345" r="19580"/>
-          <a:stretch>
-            <a:fillRect/>
-          </a:stretch>
+          <a:blip r:embed="rId4">
+            <a:alphaModFix/>
+          </a:blip>
+          <a:srcRect b="0" l="26345" r="19580" t="0"/>
+          <a:stretch/>
         </p:blipFill>
         <p:spPr>
           <a:xfrm>
@@ -7445,12 +7868,12 @@
           </a:ln>
         </p:spPr>
         <p:txBody>
-          <a:bodyPr spcFirstLastPara="1" wrap="square" lIns="91425" tIns="91425" rIns="91425" bIns="91425" anchor="t" anchorCtr="0">
+          <a:bodyPr anchorCtr="0" anchor="t" bIns="91425" lIns="91425" spcFirstLastPara="1" rIns="91425" wrap="square" tIns="91425">
             <a:noAutofit/>
           </a:bodyPr>
           <a:lstStyle/>
           <a:p>
-            <a:pPr marL="0" lvl="0" indent="0" algn="l" rtl="0">
+            <a:pPr indent="0" lvl="0" marL="0" rtl="0" algn="l">
               <a:spcBef>
                 <a:spcPts val="0"/>
               </a:spcBef>
@@ -7460,7 +7883,7 @@
               <a:buNone/>
             </a:pPr>
             <a:r>
-              <a:rPr lang="en-US" sz="1800">
+              <a:rPr lang="ru" sz="1800">
                 <a:solidFill>
                   <a:schemeClr val="accent3"/>
                 </a:solidFill>
@@ -7492,11 +7915,11 @@
 </file>
 
 <file path=ppt/slides/slide10.xml><?xml version="1.0" encoding="utf-8"?>
-<p:sld xmlns:a="http://schemas.openxmlformats.org/drawingml/2006/main" xmlns:r="http://schemas.openxmlformats.org/officeDocument/2006/relationships" xmlns:p="http://schemas.openxmlformats.org/presentationml/2006/main">
+<p:sld xmlns:a="http://schemas.openxmlformats.org/drawingml/2006/main" xmlns:r="http://schemas.openxmlformats.org/officeDocument/2006/relationships" xmlns:mc="http://schemas.openxmlformats.org/markup-compatibility/2006" xmlns:mv="urn:schemas-microsoft-com:mac:vml" xmlns:p="http://schemas.openxmlformats.org/presentationml/2006/main" xmlns:c="http://schemas.openxmlformats.org/drawingml/2006/chart" xmlns:dgm="http://schemas.openxmlformats.org/drawingml/2006/diagram" xmlns:o="urn:schemas-microsoft-com:office:office" xmlns:v="urn:schemas-microsoft-com:vml" xmlns:pvml="urn:schemas-microsoft-com:office:powerpoint" xmlns:com="http://schemas.openxmlformats.org/drawingml/2006/compatibility" xmlns:p14="http://schemas.microsoft.com/office/powerpoint/2010/main" xmlns:p15="http://schemas.microsoft.com/office/powerpoint/2012/main" xmlns:ahyp="http://schemas.microsoft.com/office/drawing/2018/hyperlinkcolor">
   <p:cSld>
     <p:spTree>
       <p:nvGrpSpPr>
-        <p:cNvPr id="127" name="Shape 127"/>
+        <p:cNvPr id="128" name="Shape 128"/>
         <p:cNvGrpSpPr/>
         <p:nvPr/>
       </p:nvGrpSpPr>
@@ -7510,7 +7933,7 @@
       </p:grpSpPr>
       <p:sp>
         <p:nvSpPr>
-          <p:cNvPr id="128" name="Google Shape;128;p22"/>
+          <p:cNvPr id="129" name="Google Shape;129;p22"/>
           <p:cNvSpPr txBox="1"/>
           <p:nvPr>
             <p:ph type="title"/>
@@ -7526,12 +7949,12 @@
           </a:prstGeom>
         </p:spPr>
         <p:txBody>
-          <a:bodyPr spcFirstLastPara="1" wrap="square" lIns="91425" tIns="91425" rIns="91425" bIns="91425" anchor="t" anchorCtr="0">
+          <a:bodyPr anchorCtr="0" anchor="t" bIns="91425" lIns="91425" spcFirstLastPara="1" rIns="91425" wrap="square" tIns="91425">
             <a:normAutofit fontScale="90000"/>
           </a:bodyPr>
           <a:lstStyle/>
           <a:p>
-            <a:pPr marL="0" lvl="0" indent="0" algn="ctr" rtl="0">
+            <a:pPr indent="0" lvl="0" marL="0" rtl="0" algn="ctr">
               <a:spcBef>
                 <a:spcPts val="0"/>
               </a:spcBef>
@@ -7541,19 +7964,19 @@
               <a:buNone/>
             </a:pPr>
             <a:r>
-              <a:rPr lang="en-US"/>
-              <a:t>Страница с подключенными стилями и без</a:t>
+              <a:rPr lang="ru"/>
+              <a:t>Вход пользователя</a:t>
             </a:r>
-            <a:endParaRPr lang="en-US"/>
+            <a:endParaRPr/>
           </a:p>
         </p:txBody>
       </p:sp>
       <p:sp>
         <p:nvSpPr>
-          <p:cNvPr id="129" name="Google Shape;129;p22"/>
+          <p:cNvPr id="130" name="Google Shape;130;p22"/>
           <p:cNvSpPr txBox="1"/>
           <p:nvPr>
-            <p:ph type="body" idx="1"/>
+            <p:ph idx="1" type="body"/>
           </p:nvPr>
         </p:nvSpPr>
         <p:spPr>
@@ -7566,12 +7989,12 @@
           </a:prstGeom>
         </p:spPr>
         <p:txBody>
-          <a:bodyPr spcFirstLastPara="1" wrap="square" lIns="91425" tIns="91425" rIns="91425" bIns="91425" anchor="t" anchorCtr="0">
+          <a:bodyPr anchorCtr="0" anchor="t" bIns="91425" lIns="91425" spcFirstLastPara="1" rIns="91425" wrap="square" tIns="91425">
             <a:normAutofit/>
           </a:bodyPr>
           <a:lstStyle/>
           <a:p>
-            <a:pPr marL="0" lvl="0" indent="0" algn="l" rtl="0">
+            <a:pPr indent="0" lvl="0" marL="0" rtl="0" algn="l">
               <a:spcBef>
                 <a:spcPts val="0"/>
               </a:spcBef>
@@ -7580,51 +8003,31 @@
               </a:spcAft>
               <a:buNone/>
             </a:pPr>
+            <a:r>
+              <a:t/>
+            </a:r>
+            <a:endParaRPr/>
           </a:p>
         </p:txBody>
       </p:sp>
       <p:pic>
         <p:nvPicPr>
-          <p:cNvPr id="130" name="Google Shape;130;p22" title="photo_2025-04-22_19-44-04.jpg"/>
+          <p:cNvPr id="131" name="Google Shape;131;p22" title="photo_2025-05-13_16-27-31.jpg"/>
           <p:cNvPicPr preferRelativeResize="0"/>
           <p:nvPr/>
         </p:nvPicPr>
         <p:blipFill>
-          <a:blip r:embed="rId1"/>
+          <a:blip r:embed="rId3">
+            <a:alphaModFix/>
+          </a:blip>
           <a:stretch>
             <a:fillRect/>
           </a:stretch>
         </p:blipFill>
         <p:spPr>
           <a:xfrm>
-            <a:off x="984885" y="1470025"/>
-            <a:ext cx="3493135" cy="1857375"/>
-          </a:xfrm>
-          <a:prstGeom prst="rect">
-            <a:avLst/>
-          </a:prstGeom>
-          <a:noFill/>
-          <a:ln>
-            <a:noFill/>
-          </a:ln>
-        </p:spPr>
-      </p:pic>
-      <p:pic>
-        <p:nvPicPr>
-          <p:cNvPr id="131" name="Google Shape;131;p22" title="photo_2025-04-22_19-44-07.jpg"/>
-          <p:cNvPicPr preferRelativeResize="0"/>
-          <p:nvPr/>
-        </p:nvPicPr>
-        <p:blipFill>
-          <a:blip r:embed="rId2"/>
-          <a:stretch>
-            <a:fillRect/>
-          </a:stretch>
-        </p:blipFill>
-        <p:spPr>
-          <a:xfrm>
-            <a:off x="4478020" y="1480820"/>
-            <a:ext cx="4241165" cy="1846580"/>
+            <a:off x="209200" y="1335500"/>
+            <a:ext cx="8830198" cy="1655675"/>
           </a:xfrm>
           <a:prstGeom prst="rect">
             <a:avLst/>
@@ -7644,11 +8047,11 @@
 </file>
 
 <file path=ppt/slides/slide11.xml><?xml version="1.0" encoding="utf-8"?>
-<p:sld xmlns:a="http://schemas.openxmlformats.org/drawingml/2006/main" xmlns:r="http://schemas.openxmlformats.org/officeDocument/2006/relationships" xmlns:p="http://schemas.openxmlformats.org/presentationml/2006/main">
+<p:sld xmlns:a="http://schemas.openxmlformats.org/drawingml/2006/main" xmlns:r="http://schemas.openxmlformats.org/officeDocument/2006/relationships" xmlns:mc="http://schemas.openxmlformats.org/markup-compatibility/2006" xmlns:mv="urn:schemas-microsoft-com:mac:vml" xmlns:p="http://schemas.openxmlformats.org/presentationml/2006/main" xmlns:c="http://schemas.openxmlformats.org/drawingml/2006/chart" xmlns:dgm="http://schemas.openxmlformats.org/drawingml/2006/diagram" xmlns:o="urn:schemas-microsoft-com:office:office" xmlns:v="urn:schemas-microsoft-com:vml" xmlns:pvml="urn:schemas-microsoft-com:office:powerpoint" xmlns:com="http://schemas.openxmlformats.org/drawingml/2006/compatibility" xmlns:p14="http://schemas.microsoft.com/office/powerpoint/2010/main" xmlns:p15="http://schemas.microsoft.com/office/powerpoint/2012/main" xmlns:ahyp="http://schemas.microsoft.com/office/drawing/2018/hyperlinkcolor">
   <p:cSld>
     <p:spTree>
       <p:nvGrpSpPr>
-        <p:cNvPr id="147" name="Shape 147"/>
+        <p:cNvPr id="135" name="Shape 135"/>
         <p:cNvGrpSpPr/>
         <p:nvPr/>
       </p:nvGrpSpPr>
@@ -7662,7 +8065,7 @@
       </p:grpSpPr>
       <p:sp>
         <p:nvSpPr>
-          <p:cNvPr id="148" name="Google Shape;148;p25"/>
+          <p:cNvPr id="136" name="Google Shape;136;p23"/>
           <p:cNvSpPr txBox="1"/>
           <p:nvPr>
             <p:ph type="title"/>
@@ -7678,12 +8081,12 @@
           </a:prstGeom>
         </p:spPr>
         <p:txBody>
-          <a:bodyPr spcFirstLastPara="1" wrap="square" lIns="91425" tIns="91425" rIns="91425" bIns="91425" anchor="t" anchorCtr="0">
+          <a:bodyPr anchorCtr="0" anchor="t" bIns="91425" lIns="91425" spcFirstLastPara="1" rIns="91425" wrap="square" tIns="91425">
             <a:normAutofit fontScale="90000"/>
           </a:bodyPr>
           <a:lstStyle/>
           <a:p>
-            <a:pPr marL="0" lvl="0" indent="0" algn="ctr" rtl="0">
+            <a:pPr indent="0" lvl="0" marL="0" rtl="0" algn="ctr">
               <a:spcBef>
                 <a:spcPts val="0"/>
               </a:spcBef>
@@ -7693,19 +8096,19 @@
               <a:buNone/>
             </a:pPr>
             <a:r>
-              <a:rPr lang="ru-RU"/>
-              <a:t>Материалы из интернета</a:t>
+              <a:rPr lang="ru"/>
+              <a:t>Личный кабинет пользователя</a:t>
             </a:r>
-            <a:endParaRPr lang="ru-RU"/>
+            <a:endParaRPr/>
           </a:p>
         </p:txBody>
       </p:sp>
       <p:sp>
         <p:nvSpPr>
-          <p:cNvPr id="149" name="Google Shape;149;p25"/>
+          <p:cNvPr id="137" name="Google Shape;137;p23"/>
           <p:cNvSpPr txBox="1"/>
           <p:nvPr>
-            <p:ph type="body" idx="1"/>
+            <p:ph idx="1" type="body"/>
           </p:nvPr>
         </p:nvSpPr>
         <p:spPr>
@@ -7718,12 +8121,12 @@
           </a:prstGeom>
         </p:spPr>
         <p:txBody>
-          <a:bodyPr spcFirstLastPara="1" wrap="square" lIns="91425" tIns="91425" rIns="91425" bIns="91425" anchor="t" anchorCtr="0">
+          <a:bodyPr anchorCtr="0" anchor="t" bIns="91425" lIns="91425" spcFirstLastPara="1" rIns="91425" wrap="square" tIns="91425">
             <a:normAutofit/>
           </a:bodyPr>
           <a:lstStyle/>
           <a:p>
-            <a:pPr marL="0" lvl="0" indent="0" algn="l" rtl="0">
+            <a:pPr indent="0" lvl="0" marL="0" rtl="0" algn="l">
               <a:spcBef>
                 <a:spcPts val="0"/>
               </a:spcBef>
@@ -7732,71 +8135,41 @@
               </a:spcAft>
               <a:buNone/>
             </a:pPr>
-            <a:endParaRPr lang="en-US" altLang="ru-RU"/>
+            <a:r>
+              <a:t/>
+            </a:r>
+            <a:endParaRPr/>
           </a:p>
         </p:txBody>
       </p:sp>
       <p:pic>
         <p:nvPicPr>
-          <p:cNvPr id="3" name="Изображение 2" descr="title_image"/>
-          <p:cNvPicPr>
-            <a:picLocks noChangeAspect="1"/>
-          </p:cNvPicPr>
+          <p:cNvPr id="138" name="Google Shape;138;p23" title="photo_2025-05-14_12-18-04.jpg"/>
+          <p:cNvPicPr preferRelativeResize="0"/>
           <p:nvPr/>
         </p:nvPicPr>
         <p:blipFill>
-          <a:blip r:embed="rId1"/>
+          <a:blip r:embed="rId3">
+            <a:alphaModFix/>
+          </a:blip>
           <a:stretch>
             <a:fillRect/>
           </a:stretch>
         </p:blipFill>
         <p:spPr>
           <a:xfrm>
-            <a:off x="1981200" y="1152525"/>
-            <a:ext cx="4903470" cy="2748280"/>
-          </a:xfrm>
-          <a:prstGeom prst="rect">
-            <a:avLst/>
-          </a:prstGeom>
-        </p:spPr>
-      </p:pic>
-      <p:sp>
-        <p:nvSpPr>
-          <p:cNvPr id="2" name="Текстовое поле 1"/>
-          <p:cNvSpPr txBox="1"/>
-          <p:nvPr/>
-        </p:nvSpPr>
-        <p:spPr>
-          <a:xfrm>
-            <a:off x="2600960" y="4035425"/>
-            <a:ext cx="4072890" cy="521970"/>
+            <a:off x="1138600" y="1152475"/>
+            <a:ext cx="6666147" cy="3416400"/>
           </a:xfrm>
           <a:prstGeom prst="rect">
             <a:avLst/>
           </a:prstGeom>
           <a:noFill/>
-        </p:spPr>
-        <p:txBody>
-          <a:bodyPr wrap="square" rtlCol="0">
-            <a:spAutoFit/>
-          </a:bodyPr>
-          <a:p>
-            <a:r>
-              <a:rPr lang="ru-RU" altLang="en-US">
-                <a:solidFill>
-                  <a:schemeClr val="tx1"/>
-                </a:solidFill>
-              </a:rPr>
-              <a:t>Все остальные файлы являются оригинальными и сделаны вручную</a:t>
-            </a:r>
-            <a:endParaRPr lang="ru-RU" altLang="en-US">
-              <a:solidFill>
-                <a:schemeClr val="tx1"/>
-              </a:solidFill>
-            </a:endParaRPr>
-          </a:p>
-        </p:txBody>
-      </p:sp>
+          <a:ln>
+            <a:noFill/>
+          </a:ln>
+        </p:spPr>
+      </p:pic>
     </p:spTree>
   </p:cSld>
   <p:clrMapOvr>
@@ -7806,11 +8179,11 @@
 </file>
 
 <file path=ppt/slides/slide12.xml><?xml version="1.0" encoding="utf-8"?>
-<p:sld xmlns:a="http://schemas.openxmlformats.org/drawingml/2006/main" xmlns:r="http://schemas.openxmlformats.org/officeDocument/2006/relationships" xmlns:p="http://schemas.openxmlformats.org/presentationml/2006/main">
+<p:sld xmlns:a="http://schemas.openxmlformats.org/drawingml/2006/main" xmlns:r="http://schemas.openxmlformats.org/officeDocument/2006/relationships" xmlns:mc="http://schemas.openxmlformats.org/markup-compatibility/2006" xmlns:mv="urn:schemas-microsoft-com:mac:vml" xmlns:p="http://schemas.openxmlformats.org/presentationml/2006/main" xmlns:c="http://schemas.openxmlformats.org/drawingml/2006/chart" xmlns:dgm="http://schemas.openxmlformats.org/drawingml/2006/diagram" xmlns:o="urn:schemas-microsoft-com:office:office" xmlns:v="urn:schemas-microsoft-com:vml" xmlns:pvml="urn:schemas-microsoft-com:office:powerpoint" xmlns:com="http://schemas.openxmlformats.org/drawingml/2006/compatibility" xmlns:p14="http://schemas.microsoft.com/office/powerpoint/2010/main" xmlns:p15="http://schemas.microsoft.com/office/powerpoint/2012/main" xmlns:ahyp="http://schemas.microsoft.com/office/drawing/2018/hyperlinkcolor">
   <p:cSld>
     <p:spTree>
       <p:nvGrpSpPr>
-        <p:cNvPr id="153" name="Shape 153"/>
+        <p:cNvPr id="142" name="Shape 142"/>
         <p:cNvGrpSpPr/>
         <p:nvPr/>
       </p:nvGrpSpPr>
@@ -7824,7 +8197,7 @@
       </p:grpSpPr>
       <p:sp>
         <p:nvSpPr>
-          <p:cNvPr id="154" name="Google Shape;154;p26"/>
+          <p:cNvPr id="143" name="Google Shape;143;p24"/>
           <p:cNvSpPr txBox="1"/>
           <p:nvPr>
             <p:ph type="title"/>
@@ -7840,12 +8213,12 @@
           </a:prstGeom>
         </p:spPr>
         <p:txBody>
-          <a:bodyPr spcFirstLastPara="1" wrap="square" lIns="91425" tIns="91425" rIns="91425" bIns="91425" anchor="t" anchorCtr="0">
+          <a:bodyPr anchorCtr="0" anchor="t" bIns="91425" lIns="91425" spcFirstLastPara="1" rIns="91425" wrap="square" tIns="91425">
             <a:normAutofit fontScale="90000"/>
           </a:bodyPr>
           <a:lstStyle/>
           <a:p>
-            <a:pPr marL="0" lvl="0" indent="0" algn="l" rtl="0">
+            <a:pPr indent="0" lvl="0" marL="0" rtl="0" algn="l">
               <a:spcBef>
                 <a:spcPts val="0"/>
               </a:spcBef>
@@ -7855,19 +8228,19 @@
               <a:buNone/>
             </a:pPr>
             <a:r>
-              <a:rPr lang="en-US"/>
-              <a:t>Итоги работы</a:t>
+              <a:rPr lang="ru"/>
+              <a:t>Активация гороскопа</a:t>
             </a:r>
-            <a:endParaRPr lang="en-US"/>
+            <a:endParaRPr/>
           </a:p>
         </p:txBody>
       </p:sp>
       <p:sp>
         <p:nvSpPr>
-          <p:cNvPr id="155" name="Google Shape;155;p26"/>
+          <p:cNvPr id="144" name="Google Shape;144;p24"/>
           <p:cNvSpPr txBox="1"/>
           <p:nvPr>
-            <p:ph type="body" idx="1"/>
+            <p:ph idx="1" type="body"/>
           </p:nvPr>
         </p:nvSpPr>
         <p:spPr>
@@ -7880,12 +8253,12 @@
           </a:prstGeom>
         </p:spPr>
         <p:txBody>
-          <a:bodyPr spcFirstLastPara="1" wrap="square" lIns="91425" tIns="91425" rIns="91425" bIns="91425" anchor="t" anchorCtr="0">
+          <a:bodyPr anchorCtr="0" anchor="t" bIns="91425" lIns="91425" spcFirstLastPara="1" rIns="91425" wrap="square" tIns="91425">
             <a:normAutofit/>
           </a:bodyPr>
           <a:lstStyle/>
           <a:p>
-            <a:pPr marL="0" lvl="0" indent="0" algn="l" rtl="0">
+            <a:pPr indent="0" lvl="0" marL="0" rtl="0" algn="l">
               <a:spcBef>
                 <a:spcPts val="0"/>
               </a:spcBef>
@@ -7895,13 +8268,547 @@
               <a:buNone/>
             </a:pPr>
             <a:r>
-              <a:rPr lang="en-US"/>
+              <a:rPr lang="ru"/>
+              <a:t>Во время регистрации пользователь может выбрать, нужен ли ему ежедневный астрологический прогноз или нет.</a:t>
+            </a:r>
+            <a:endParaRPr/>
+          </a:p>
+          <a:p>
+            <a:pPr indent="0" lvl="0" marL="0" rtl="0" algn="l">
+              <a:spcBef>
+                <a:spcPts val="1200"/>
+              </a:spcBef>
+              <a:spcAft>
+                <a:spcPts val="1200"/>
+              </a:spcAft>
+              <a:buNone/>
+            </a:pPr>
+            <a:r>
+              <a:rPr lang="ru"/>
+              <a:t>Если пользователь выберет подписку на гороскоп, то он сможет получать ежедневный прогноз на свой знак зодиака. </a:t>
+            </a:r>
+            <a:endParaRPr/>
+          </a:p>
+        </p:txBody>
+      </p:sp>
+    </p:spTree>
+  </p:cSld>
+  <p:clrMapOvr>
+    <a:masterClrMapping/>
+  </p:clrMapOvr>
+</p:sld>
+</file>
+
+<file path=ppt/slides/slide13.xml><?xml version="1.0" encoding="utf-8"?>
+<p:sld xmlns:a="http://schemas.openxmlformats.org/drawingml/2006/main" xmlns:r="http://schemas.openxmlformats.org/officeDocument/2006/relationships" xmlns:mc="http://schemas.openxmlformats.org/markup-compatibility/2006" xmlns:mv="urn:schemas-microsoft-com:mac:vml" xmlns:p="http://schemas.openxmlformats.org/presentationml/2006/main" xmlns:c="http://schemas.openxmlformats.org/drawingml/2006/chart" xmlns:dgm="http://schemas.openxmlformats.org/drawingml/2006/diagram" xmlns:o="urn:schemas-microsoft-com:office:office" xmlns:v="urn:schemas-microsoft-com:vml" xmlns:pvml="urn:schemas-microsoft-com:office:powerpoint" xmlns:com="http://schemas.openxmlformats.org/drawingml/2006/compatibility" xmlns:p14="http://schemas.microsoft.com/office/powerpoint/2010/main" xmlns:p15="http://schemas.microsoft.com/office/powerpoint/2012/main" xmlns:ahyp="http://schemas.microsoft.com/office/drawing/2018/hyperlinkcolor">
+  <p:cSld>
+    <p:spTree>
+      <p:nvGrpSpPr>
+        <p:cNvPr id="148" name="Shape 148"/>
+        <p:cNvGrpSpPr/>
+        <p:nvPr/>
+      </p:nvGrpSpPr>
+      <p:grpSpPr>
+        <a:xfrm>
+          <a:off x="0" y="0"/>
+          <a:ext cx="0" cy="0"/>
+          <a:chOff x="0" y="0"/>
+          <a:chExt cx="0" cy="0"/>
+        </a:xfrm>
+      </p:grpSpPr>
+      <p:sp>
+        <p:nvSpPr>
+          <p:cNvPr id="149" name="Google Shape;149;p25"/>
+          <p:cNvSpPr txBox="1"/>
+          <p:nvPr>
+            <p:ph type="title"/>
+          </p:nvPr>
+        </p:nvSpPr>
+        <p:spPr>
+          <a:xfrm>
+            <a:off x="311700" y="445025"/>
+            <a:ext cx="8520600" cy="572700"/>
+          </a:xfrm>
+          <a:prstGeom prst="rect">
+            <a:avLst/>
+          </a:prstGeom>
+        </p:spPr>
+        <p:txBody>
+          <a:bodyPr anchorCtr="0" anchor="t" bIns="91425" lIns="91425" spcFirstLastPara="1" rIns="91425" wrap="square" tIns="91425">
+            <a:normAutofit fontScale="90000"/>
+          </a:bodyPr>
+          <a:lstStyle/>
+          <a:p>
+            <a:pPr indent="0" lvl="0" marL="0" rtl="0" algn="ctr">
+              <a:spcBef>
+                <a:spcPts val="0"/>
+              </a:spcBef>
+              <a:spcAft>
+                <a:spcPts val="0"/>
+              </a:spcAft>
+              <a:buNone/>
+            </a:pPr>
+            <a:r>
+              <a:rPr lang="ru"/>
+              <a:t>Страница с подключенными стилями и без</a:t>
+            </a:r>
+            <a:endParaRPr/>
+          </a:p>
+        </p:txBody>
+      </p:sp>
+      <p:sp>
+        <p:nvSpPr>
+          <p:cNvPr id="150" name="Google Shape;150;p25"/>
+          <p:cNvSpPr txBox="1"/>
+          <p:nvPr>
+            <p:ph idx="1" type="body"/>
+          </p:nvPr>
+        </p:nvSpPr>
+        <p:spPr>
+          <a:xfrm>
+            <a:off x="311700" y="1152475"/>
+            <a:ext cx="8520600" cy="3416400"/>
+          </a:xfrm>
+          <a:prstGeom prst="rect">
+            <a:avLst/>
+          </a:prstGeom>
+        </p:spPr>
+        <p:txBody>
+          <a:bodyPr anchorCtr="0" anchor="t" bIns="91425" lIns="91425" spcFirstLastPara="1" rIns="91425" wrap="square" tIns="91425">
+            <a:normAutofit/>
+          </a:bodyPr>
+          <a:lstStyle/>
+          <a:p>
+            <a:pPr indent="0" lvl="0" marL="0" rtl="0" algn="l">
+              <a:spcBef>
+                <a:spcPts val="0"/>
+              </a:spcBef>
+              <a:spcAft>
+                <a:spcPts val="1200"/>
+              </a:spcAft>
+              <a:buNone/>
+            </a:pPr>
+            <a:r>
+              <a:t/>
+            </a:r>
+            <a:endParaRPr/>
+          </a:p>
+        </p:txBody>
+      </p:sp>
+      <p:pic>
+        <p:nvPicPr>
+          <p:cNvPr id="151" name="Google Shape;151;p25" title="photo_2025-04-22_19-44-04.jpg"/>
+          <p:cNvPicPr preferRelativeResize="0"/>
+          <p:nvPr/>
+        </p:nvPicPr>
+        <p:blipFill>
+          <a:blip r:embed="rId3">
+            <a:alphaModFix/>
+          </a:blip>
+          <a:stretch>
+            <a:fillRect/>
+          </a:stretch>
+        </p:blipFill>
+        <p:spPr>
+          <a:xfrm>
+            <a:off x="0" y="1469850"/>
+            <a:ext cx="4477750" cy="2322825"/>
+          </a:xfrm>
+          <a:prstGeom prst="rect">
+            <a:avLst/>
+          </a:prstGeom>
+          <a:noFill/>
+          <a:ln>
+            <a:noFill/>
+          </a:ln>
+        </p:spPr>
+      </p:pic>
+      <p:pic>
+        <p:nvPicPr>
+          <p:cNvPr id="152" name="Google Shape;152;p25" title="photo_2025-04-22_19-44-07.jpg"/>
+          <p:cNvPicPr preferRelativeResize="0"/>
+          <p:nvPr/>
+        </p:nvPicPr>
+        <p:blipFill>
+          <a:blip r:embed="rId4">
+            <a:alphaModFix/>
+          </a:blip>
+          <a:stretch>
+            <a:fillRect/>
+          </a:stretch>
+        </p:blipFill>
+        <p:spPr>
+          <a:xfrm>
+            <a:off x="4477750" y="1481106"/>
+            <a:ext cx="4666250" cy="2300315"/>
+          </a:xfrm>
+          <a:prstGeom prst="rect">
+            <a:avLst/>
+          </a:prstGeom>
+          <a:noFill/>
+          <a:ln>
+            <a:noFill/>
+          </a:ln>
+        </p:spPr>
+      </p:pic>
+    </p:spTree>
+  </p:cSld>
+  <p:clrMapOvr>
+    <a:masterClrMapping/>
+  </p:clrMapOvr>
+</p:sld>
+</file>
+
+<file path=ppt/slides/slide14.xml><?xml version="1.0" encoding="utf-8"?>
+<p:sld xmlns:a="http://schemas.openxmlformats.org/drawingml/2006/main" xmlns:r="http://schemas.openxmlformats.org/officeDocument/2006/relationships" xmlns:mc="http://schemas.openxmlformats.org/markup-compatibility/2006" xmlns:mv="urn:schemas-microsoft-com:mac:vml" xmlns:p="http://schemas.openxmlformats.org/presentationml/2006/main" xmlns:c="http://schemas.openxmlformats.org/drawingml/2006/chart" xmlns:dgm="http://schemas.openxmlformats.org/drawingml/2006/diagram" xmlns:o="urn:schemas-microsoft-com:office:office" xmlns:v="urn:schemas-microsoft-com:vml" xmlns:pvml="urn:schemas-microsoft-com:office:powerpoint" xmlns:com="http://schemas.openxmlformats.org/drawingml/2006/compatibility" xmlns:p14="http://schemas.microsoft.com/office/powerpoint/2010/main" xmlns:p15="http://schemas.microsoft.com/office/powerpoint/2012/main" xmlns:ahyp="http://schemas.microsoft.com/office/drawing/2018/hyperlinkcolor">
+  <p:cSld>
+    <p:spTree>
+      <p:nvGrpSpPr>
+        <p:cNvPr id="156" name="Shape 156"/>
+        <p:cNvGrpSpPr/>
+        <p:nvPr/>
+      </p:nvGrpSpPr>
+      <p:grpSpPr>
+        <a:xfrm>
+          <a:off x="0" y="0"/>
+          <a:ext cx="0" cy="0"/>
+          <a:chOff x="0" y="0"/>
+          <a:chExt cx="0" cy="0"/>
+        </a:xfrm>
+      </p:grpSpPr>
+      <p:sp>
+        <p:nvSpPr>
+          <p:cNvPr id="157" name="Google Shape;157;p26"/>
+          <p:cNvSpPr txBox="1"/>
+          <p:nvPr>
+            <p:ph type="title"/>
+          </p:nvPr>
+        </p:nvSpPr>
+        <p:spPr>
+          <a:xfrm>
+            <a:off x="311700" y="445025"/>
+            <a:ext cx="8520600" cy="572700"/>
+          </a:xfrm>
+          <a:prstGeom prst="rect">
+            <a:avLst/>
+          </a:prstGeom>
+        </p:spPr>
+        <p:txBody>
+          <a:bodyPr anchorCtr="0" anchor="t" bIns="91425" lIns="91425" spcFirstLastPara="1" rIns="91425" wrap="square" tIns="91425">
+            <a:normAutofit fontScale="90000"/>
+          </a:bodyPr>
+          <a:lstStyle/>
+          <a:p>
+            <a:pPr indent="0" lvl="0" marL="0" rtl="0" algn="ctr">
+              <a:spcBef>
+                <a:spcPts val="0"/>
+              </a:spcBef>
+              <a:spcAft>
+                <a:spcPts val="0"/>
+              </a:spcAft>
+              <a:buNone/>
+            </a:pPr>
+            <a:r>
+              <a:rPr lang="ru"/>
+              <a:t>Запрос прогноза погоды</a:t>
+            </a:r>
+            <a:endParaRPr/>
+          </a:p>
+        </p:txBody>
+      </p:sp>
+      <p:pic>
+        <p:nvPicPr>
+          <p:cNvPr id="158" name="Google Shape;158;p26" title="photo_2025-05-13_16-28-41.jpg"/>
+          <p:cNvPicPr preferRelativeResize="0"/>
+          <p:nvPr/>
+        </p:nvPicPr>
+        <p:blipFill>
+          <a:blip r:embed="rId3">
+            <a:alphaModFix/>
+          </a:blip>
+          <a:stretch>
+            <a:fillRect/>
+          </a:stretch>
+        </p:blipFill>
+        <p:spPr>
+          <a:xfrm>
+            <a:off x="1294300" y="1017725"/>
+            <a:ext cx="6681488" cy="3820976"/>
+          </a:xfrm>
+          <a:prstGeom prst="rect">
+            <a:avLst/>
+          </a:prstGeom>
+          <a:noFill/>
+          <a:ln>
+            <a:noFill/>
+          </a:ln>
+        </p:spPr>
+      </p:pic>
+    </p:spTree>
+  </p:cSld>
+  <p:clrMapOvr>
+    <a:masterClrMapping/>
+  </p:clrMapOvr>
+</p:sld>
+</file>
+
+<file path=ppt/slides/slide15.xml><?xml version="1.0" encoding="utf-8"?>
+<p:sld xmlns:a="http://schemas.openxmlformats.org/drawingml/2006/main" xmlns:r="http://schemas.openxmlformats.org/officeDocument/2006/relationships" xmlns:mc="http://schemas.openxmlformats.org/markup-compatibility/2006" xmlns:mv="urn:schemas-microsoft-com:mac:vml" xmlns:p="http://schemas.openxmlformats.org/presentationml/2006/main" xmlns:c="http://schemas.openxmlformats.org/drawingml/2006/chart" xmlns:dgm="http://schemas.openxmlformats.org/drawingml/2006/diagram" xmlns:o="urn:schemas-microsoft-com:office:office" xmlns:v="urn:schemas-microsoft-com:vml" xmlns:pvml="urn:schemas-microsoft-com:office:powerpoint" xmlns:com="http://schemas.openxmlformats.org/drawingml/2006/compatibility" xmlns:p14="http://schemas.microsoft.com/office/powerpoint/2010/main" xmlns:p15="http://schemas.microsoft.com/office/powerpoint/2012/main" xmlns:ahyp="http://schemas.microsoft.com/office/drawing/2018/hyperlinkcolor">
+  <p:cSld>
+    <p:spTree>
+      <p:nvGrpSpPr>
+        <p:cNvPr id="162" name="Shape 162"/>
+        <p:cNvGrpSpPr/>
+        <p:nvPr/>
+      </p:nvGrpSpPr>
+      <p:grpSpPr>
+        <a:xfrm>
+          <a:off x="0" y="0"/>
+          <a:ext cx="0" cy="0"/>
+          <a:chOff x="0" y="0"/>
+          <a:chExt cx="0" cy="0"/>
+        </a:xfrm>
+      </p:grpSpPr>
+      <p:sp>
+        <p:nvSpPr>
+          <p:cNvPr id="163" name="Google Shape;163;p27"/>
+          <p:cNvSpPr txBox="1"/>
+          <p:nvPr>
+            <p:ph type="title"/>
+          </p:nvPr>
+        </p:nvSpPr>
+        <p:spPr>
+          <a:xfrm>
+            <a:off x="311700" y="149125"/>
+            <a:ext cx="8520600" cy="572700"/>
+          </a:xfrm>
+          <a:prstGeom prst="rect">
+            <a:avLst/>
+          </a:prstGeom>
+        </p:spPr>
+        <p:txBody>
+          <a:bodyPr anchorCtr="0" anchor="t" bIns="91425" lIns="91425" spcFirstLastPara="1" rIns="91425" wrap="square" tIns="91425">
+            <a:normAutofit fontScale="90000"/>
+          </a:bodyPr>
+          <a:lstStyle/>
+          <a:p>
+            <a:pPr indent="0" lvl="0" marL="0" rtl="0" algn="ctr">
+              <a:spcBef>
+                <a:spcPts val="0"/>
+              </a:spcBef>
+              <a:spcAft>
+                <a:spcPts val="0"/>
+              </a:spcAft>
+              <a:buNone/>
+            </a:pPr>
+            <a:r>
+              <a:rPr lang="ru"/>
+              <a:t>Запрос получения предсказания</a:t>
+            </a:r>
+            <a:endParaRPr/>
+          </a:p>
+        </p:txBody>
+      </p:sp>
+      <p:sp>
+        <p:nvSpPr>
+          <p:cNvPr id="164" name="Google Shape;164;p27"/>
+          <p:cNvSpPr txBox="1"/>
+          <p:nvPr>
+            <p:ph idx="1" type="body"/>
+          </p:nvPr>
+        </p:nvSpPr>
+        <p:spPr>
+          <a:xfrm>
+            <a:off x="311700" y="1152475"/>
+            <a:ext cx="8520600" cy="3416400"/>
+          </a:xfrm>
+          <a:prstGeom prst="rect">
+            <a:avLst/>
+          </a:prstGeom>
+        </p:spPr>
+        <p:txBody>
+          <a:bodyPr anchorCtr="0" anchor="t" bIns="91425" lIns="91425" spcFirstLastPara="1" rIns="91425" wrap="square" tIns="91425">
+            <a:normAutofit/>
+          </a:bodyPr>
+          <a:lstStyle/>
+          <a:p>
+            <a:pPr indent="0" lvl="0" marL="0" rtl="0" algn="l">
+              <a:spcBef>
+                <a:spcPts val="0"/>
+              </a:spcBef>
+              <a:spcAft>
+                <a:spcPts val="1200"/>
+              </a:spcAft>
+              <a:buNone/>
+            </a:pPr>
+            <a:r>
+              <a:t/>
+            </a:r>
+            <a:endParaRPr/>
+          </a:p>
+        </p:txBody>
+      </p:sp>
+      <p:pic>
+        <p:nvPicPr>
+          <p:cNvPr id="165" name="Google Shape;165;p27" title="photo_2025-05-13_16-29-36.jpg"/>
+          <p:cNvPicPr preferRelativeResize="0"/>
+          <p:nvPr/>
+        </p:nvPicPr>
+        <p:blipFill>
+          <a:blip r:embed="rId3">
+            <a:alphaModFix/>
+          </a:blip>
+          <a:stretch>
+            <a:fillRect/>
+          </a:stretch>
+        </p:blipFill>
+        <p:spPr>
+          <a:xfrm>
+            <a:off x="0" y="1231817"/>
+            <a:ext cx="4620774" cy="1581183"/>
+          </a:xfrm>
+          <a:prstGeom prst="rect">
+            <a:avLst/>
+          </a:prstGeom>
+          <a:noFill/>
+          <a:ln>
+            <a:noFill/>
+          </a:ln>
+        </p:spPr>
+      </p:pic>
+      <p:pic>
+        <p:nvPicPr>
+          <p:cNvPr id="166" name="Google Shape;166;p27" title="photo_2025-05-13_16-31-15.jpg"/>
+          <p:cNvPicPr preferRelativeResize="0"/>
+          <p:nvPr/>
+        </p:nvPicPr>
+        <p:blipFill>
+          <a:blip r:embed="rId4">
+            <a:alphaModFix/>
+          </a:blip>
+          <a:stretch>
+            <a:fillRect/>
+          </a:stretch>
+        </p:blipFill>
+        <p:spPr>
+          <a:xfrm>
+            <a:off x="4620775" y="1231834"/>
+            <a:ext cx="4523226" cy="2349965"/>
+          </a:xfrm>
+          <a:prstGeom prst="rect">
+            <a:avLst/>
+          </a:prstGeom>
+          <a:noFill/>
+          <a:ln>
+            <a:noFill/>
+          </a:ln>
+        </p:spPr>
+      </p:pic>
+    </p:spTree>
+  </p:cSld>
+  <p:clrMapOvr>
+    <a:masterClrMapping/>
+  </p:clrMapOvr>
+</p:sld>
+</file>
+
+<file path=ppt/slides/slide16.xml><?xml version="1.0" encoding="utf-8"?>
+<p:sld xmlns:a="http://schemas.openxmlformats.org/drawingml/2006/main" xmlns:r="http://schemas.openxmlformats.org/officeDocument/2006/relationships" xmlns:mc="http://schemas.openxmlformats.org/markup-compatibility/2006" xmlns:mv="urn:schemas-microsoft-com:mac:vml" xmlns:p="http://schemas.openxmlformats.org/presentationml/2006/main" xmlns:c="http://schemas.openxmlformats.org/drawingml/2006/chart" xmlns:dgm="http://schemas.openxmlformats.org/drawingml/2006/diagram" xmlns:o="urn:schemas-microsoft-com:office:office" xmlns:v="urn:schemas-microsoft-com:vml" xmlns:pvml="urn:schemas-microsoft-com:office:powerpoint" xmlns:com="http://schemas.openxmlformats.org/drawingml/2006/compatibility" xmlns:p14="http://schemas.microsoft.com/office/powerpoint/2010/main" xmlns:p15="http://schemas.microsoft.com/office/powerpoint/2012/main" xmlns:ahyp="http://schemas.microsoft.com/office/drawing/2018/hyperlinkcolor">
+  <p:cSld>
+    <p:spTree>
+      <p:nvGrpSpPr>
+        <p:cNvPr id="170" name="Shape 170"/>
+        <p:cNvGrpSpPr/>
+        <p:nvPr/>
+      </p:nvGrpSpPr>
+      <p:grpSpPr>
+        <a:xfrm>
+          <a:off x="0" y="0"/>
+          <a:ext cx="0" cy="0"/>
+          <a:chOff x="0" y="0"/>
+          <a:chExt cx="0" cy="0"/>
+        </a:xfrm>
+      </p:grpSpPr>
+      <p:sp>
+        <p:nvSpPr>
+          <p:cNvPr id="171" name="Google Shape;171;p28"/>
+          <p:cNvSpPr txBox="1"/>
+          <p:nvPr>
+            <p:ph type="title"/>
+          </p:nvPr>
+        </p:nvSpPr>
+        <p:spPr>
+          <a:xfrm>
+            <a:off x="311700" y="445025"/>
+            <a:ext cx="8520600" cy="572700"/>
+          </a:xfrm>
+          <a:prstGeom prst="rect">
+            <a:avLst/>
+          </a:prstGeom>
+        </p:spPr>
+        <p:txBody>
+          <a:bodyPr anchorCtr="0" anchor="t" bIns="91425" lIns="91425" spcFirstLastPara="1" rIns="91425" wrap="square" tIns="91425">
+            <a:normAutofit fontScale="90000"/>
+          </a:bodyPr>
+          <a:lstStyle/>
+          <a:p>
+            <a:pPr indent="0" lvl="0" marL="0" rtl="0" algn="l">
+              <a:spcBef>
+                <a:spcPts val="0"/>
+              </a:spcBef>
+              <a:spcAft>
+                <a:spcPts val="0"/>
+              </a:spcAft>
+              <a:buNone/>
+            </a:pPr>
+            <a:r>
+              <a:rPr lang="ru"/>
+              <a:t>Итоги работы</a:t>
+            </a:r>
+            <a:endParaRPr/>
+          </a:p>
+        </p:txBody>
+      </p:sp>
+      <p:sp>
+        <p:nvSpPr>
+          <p:cNvPr id="172" name="Google Shape;172;p28"/>
+          <p:cNvSpPr txBox="1"/>
+          <p:nvPr>
+            <p:ph idx="1" type="body"/>
+          </p:nvPr>
+        </p:nvSpPr>
+        <p:spPr>
+          <a:xfrm>
+            <a:off x="311700" y="1152475"/>
+            <a:ext cx="8520600" cy="3416400"/>
+          </a:xfrm>
+          <a:prstGeom prst="rect">
+            <a:avLst/>
+          </a:prstGeom>
+        </p:spPr>
+        <p:txBody>
+          <a:bodyPr anchorCtr="0" anchor="t" bIns="91425" lIns="91425" spcFirstLastPara="1" rIns="91425" wrap="square" tIns="91425">
+            <a:normAutofit/>
+          </a:bodyPr>
+          <a:lstStyle/>
+          <a:p>
+            <a:pPr indent="0" lvl="0" marL="0" rtl="0" algn="l">
+              <a:spcBef>
+                <a:spcPts val="0"/>
+              </a:spcBef>
+              <a:spcAft>
+                <a:spcPts val="0"/>
+              </a:spcAft>
+              <a:buNone/>
+            </a:pPr>
+            <a:r>
+              <a:rPr lang="ru"/>
               <a:t>В данном проекте мы создали интересное приложение, с помощью которого вы можете узнать прогноз погоды и гороскопа. </a:t>
             </a:r>
-            <a:endParaRPr lang="en-US"/>
+            <a:endParaRPr/>
           </a:p>
           <a:p>
-            <a:pPr marL="0" lvl="0" indent="0" algn="l" rtl="0">
+            <a:pPr indent="0" lvl="0" marL="0" rtl="0" algn="l">
               <a:spcBef>
                 <a:spcPts val="1200"/>
               </a:spcBef>
@@ -7911,13 +8818,13 @@
               <a:buNone/>
             </a:pPr>
             <a:r>
-              <a:rPr lang="en-US"/>
+              <a:rPr lang="ru"/>
               <a:t>Во время выполнения работы мы соблюли все необходимые условия.</a:t>
             </a:r>
-            <a:endParaRPr lang="en-US"/>
+            <a:endParaRPr/>
           </a:p>
           <a:p>
-            <a:pPr marL="0" lvl="0" indent="0" algn="l" rtl="0">
+            <a:pPr indent="0" lvl="0" marL="0" rtl="0" algn="l">
               <a:spcBef>
                 <a:spcPts val="1200"/>
               </a:spcBef>
@@ -7927,17 +8834,17 @@
               <a:buNone/>
             </a:pPr>
             <a:r>
-              <a:rPr lang="en-US"/>
+              <a:rPr lang="ru"/>
               <a:t>Проект можно </a:t>
             </a:r>
             <a:r>
-              <a:rPr lang="en-US"/>
+              <a:rPr lang="ru"/>
               <a:t>дорабатывать, присутствует множество перспектив</a:t>
             </a:r>
-            <a:endParaRPr lang="en-US"/>
+            <a:endParaRPr/>
           </a:p>
           <a:p>
-            <a:pPr marL="0" lvl="0" indent="0" algn="l" rtl="0">
+            <a:pPr indent="0" lvl="0" marL="0" rtl="0" algn="l">
               <a:spcBef>
                 <a:spcPts val="1200"/>
               </a:spcBef>
@@ -7947,10 +8854,10 @@
               <a:buNone/>
             </a:pPr>
             <a:r>
-              <a:rPr lang="en-US"/>
+              <a:rPr lang="ru"/>
               <a:t>Мы надеемся что Вам понравилась наша работа.</a:t>
             </a:r>
-            <a:endParaRPr lang="en-US"/>
+            <a:endParaRPr/>
           </a:p>
         </p:txBody>
       </p:sp>
@@ -7963,7 +8870,7 @@
 </file>
 
 <file path=ppt/slides/slide2.xml><?xml version="1.0" encoding="utf-8"?>
-<p:sld xmlns:a="http://schemas.openxmlformats.org/drawingml/2006/main" xmlns:r="http://schemas.openxmlformats.org/officeDocument/2006/relationships" xmlns:p="http://schemas.openxmlformats.org/presentationml/2006/main">
+<p:sld xmlns:a="http://schemas.openxmlformats.org/drawingml/2006/main" xmlns:r="http://schemas.openxmlformats.org/officeDocument/2006/relationships" xmlns:mc="http://schemas.openxmlformats.org/markup-compatibility/2006" xmlns:mv="urn:schemas-microsoft-com:mac:vml" xmlns:p="http://schemas.openxmlformats.org/presentationml/2006/main" xmlns:c="http://schemas.openxmlformats.org/drawingml/2006/chart" xmlns:dgm="http://schemas.openxmlformats.org/drawingml/2006/diagram" xmlns:o="urn:schemas-microsoft-com:office:office" xmlns:v="urn:schemas-microsoft-com:vml" xmlns:pvml="urn:schemas-microsoft-com:office:powerpoint" xmlns:com="http://schemas.openxmlformats.org/drawingml/2006/compatibility" xmlns:p14="http://schemas.microsoft.com/office/powerpoint/2010/main" xmlns:p15="http://schemas.microsoft.com/office/powerpoint/2012/main" xmlns:ahyp="http://schemas.microsoft.com/office/drawing/2018/hyperlinkcolor">
   <p:cSld>
     <p:spTree>
       <p:nvGrpSpPr>
@@ -7997,12 +8904,12 @@
           </a:prstGeom>
         </p:spPr>
         <p:txBody>
-          <a:bodyPr spcFirstLastPara="1" wrap="square" lIns="91425" tIns="91425" rIns="91425" bIns="91425" anchor="t" anchorCtr="0">
+          <a:bodyPr anchorCtr="0" anchor="t" bIns="91425" lIns="91425" spcFirstLastPara="1" rIns="91425" wrap="square" tIns="91425">
             <a:normAutofit fontScale="90000"/>
           </a:bodyPr>
           <a:lstStyle/>
           <a:p>
-            <a:pPr marL="0" lvl="0" indent="0" algn="l" rtl="0">
+            <a:pPr indent="0" lvl="0" marL="0" rtl="0" algn="l">
               <a:spcBef>
                 <a:spcPts val="0"/>
               </a:spcBef>
@@ -8012,10 +8919,10 @@
               <a:buNone/>
             </a:pPr>
             <a:r>
-              <a:rPr lang="en-US"/>
+              <a:rPr lang="ru"/>
               <a:t>Содержание презентации:</a:t>
             </a:r>
-            <a:endParaRPr lang="en-US"/>
+            <a:endParaRPr/>
           </a:p>
         </p:txBody>
       </p:sp>
@@ -8024,7 +8931,7 @@
           <p:cNvPr id="73" name="Google Shape;73;p14"/>
           <p:cNvSpPr txBox="1"/>
           <p:nvPr>
-            <p:ph type="body" idx="1"/>
+            <p:ph idx="1" type="body"/>
           </p:nvPr>
         </p:nvSpPr>
         <p:spPr>
@@ -8037,12 +8944,12 @@
           </a:prstGeom>
         </p:spPr>
         <p:txBody>
-          <a:bodyPr spcFirstLastPara="1" wrap="square" lIns="91425" tIns="91425" rIns="91425" bIns="91425" anchor="t" anchorCtr="0">
+          <a:bodyPr anchorCtr="0" anchor="t" bIns="91425" lIns="91425" spcFirstLastPara="1" rIns="91425" wrap="square" tIns="91425">
             <a:normAutofit/>
           </a:bodyPr>
           <a:lstStyle/>
           <a:p>
-            <a:pPr marL="457200" lvl="0" indent="-342900" algn="l" rtl="0">
+            <a:pPr indent="-342900" lvl="0" marL="457200" rtl="0" algn="l">
               <a:spcBef>
                 <a:spcPts val="0"/>
               </a:spcBef>
@@ -8053,13 +8960,13 @@
               <a:buAutoNum type="arabicParenR"/>
             </a:pPr>
             <a:r>
-              <a:rPr lang="en-US"/>
+              <a:rPr lang="ru"/>
               <a:t>Введение | Идея проекта</a:t>
             </a:r>
-            <a:endParaRPr lang="en-US"/>
+            <a:endParaRPr/>
           </a:p>
           <a:p>
-            <a:pPr marL="457200" lvl="0" indent="-342900" algn="l" rtl="0">
+            <a:pPr indent="-342900" lvl="0" marL="457200" rtl="0" algn="l">
               <a:spcBef>
                 <a:spcPts val="0"/>
               </a:spcBef>
@@ -8070,13 +8977,13 @@
               <a:buAutoNum type="arabicParenR"/>
             </a:pPr>
             <a:r>
-              <a:rPr lang="en-US"/>
+              <a:rPr lang="ru"/>
               <a:t>Для каких задач создан проект?</a:t>
             </a:r>
-            <a:endParaRPr lang="en-US"/>
+            <a:endParaRPr/>
           </a:p>
           <a:p>
-            <a:pPr marL="457200" lvl="0" indent="-342900" algn="l" rtl="0">
+            <a:pPr indent="-342900" lvl="0" marL="457200" rtl="0" algn="l">
               <a:spcBef>
                 <a:spcPts val="0"/>
               </a:spcBef>
@@ -8087,13 +8994,13 @@
               <a:buAutoNum type="arabicParenR"/>
             </a:pPr>
             <a:r>
-              <a:rPr lang="en-US"/>
+              <a:rPr lang="ru"/>
               <a:t>Описание реализации | Структура и классы </a:t>
             </a:r>
-            <a:endParaRPr lang="en-US"/>
+            <a:endParaRPr/>
           </a:p>
           <a:p>
-            <a:pPr marL="457200" lvl="0" indent="-342900" algn="l" rtl="0">
+            <a:pPr indent="-342900" lvl="0" marL="457200" rtl="0" algn="l">
               <a:spcBef>
                 <a:spcPts val="0"/>
               </a:spcBef>
@@ -8104,17 +9011,17 @@
               <a:buAutoNum type="arabicParenR"/>
             </a:pPr>
             <a:r>
-              <a:rPr lang="en-US"/>
+              <a:rPr lang="ru"/>
               <a:t>Фотокарточки</a:t>
             </a:r>
             <a:r>
-              <a:rPr lang="en-US"/>
+              <a:rPr lang="ru"/>
               <a:t> работы </a:t>
             </a:r>
-            <a:endParaRPr lang="en-US"/>
+            <a:endParaRPr/>
           </a:p>
           <a:p>
-            <a:pPr marL="457200" lvl="0" indent="-342900" algn="l" rtl="0">
+            <a:pPr indent="-342900" lvl="0" marL="457200" rtl="0" algn="l">
               <a:spcBef>
                 <a:spcPts val="0"/>
               </a:spcBef>
@@ -8125,10 +9032,10 @@
               <a:buAutoNum type="arabicParenR"/>
             </a:pPr>
             <a:r>
-              <a:rPr lang="en-US"/>
+              <a:rPr lang="ru"/>
               <a:t>Итоги</a:t>
             </a:r>
-            <a:endParaRPr lang="en-US"/>
+            <a:endParaRPr/>
           </a:p>
         </p:txBody>
       </p:sp>
@@ -8141,7 +9048,7 @@
 </file>
 
 <file path=ppt/slides/slide3.xml><?xml version="1.0" encoding="utf-8"?>
-<p:sld xmlns:a="http://schemas.openxmlformats.org/drawingml/2006/main" xmlns:r="http://schemas.openxmlformats.org/officeDocument/2006/relationships" xmlns:p="http://schemas.openxmlformats.org/presentationml/2006/main">
+<p:sld xmlns:a="http://schemas.openxmlformats.org/drawingml/2006/main" xmlns:r="http://schemas.openxmlformats.org/officeDocument/2006/relationships" xmlns:mc="http://schemas.openxmlformats.org/markup-compatibility/2006" xmlns:mv="urn:schemas-microsoft-com:mac:vml" xmlns:p="http://schemas.openxmlformats.org/presentationml/2006/main" xmlns:c="http://schemas.openxmlformats.org/drawingml/2006/chart" xmlns:dgm="http://schemas.openxmlformats.org/drawingml/2006/diagram" xmlns:o="urn:schemas-microsoft-com:office:office" xmlns:v="urn:schemas-microsoft-com:vml" xmlns:pvml="urn:schemas-microsoft-com:office:powerpoint" xmlns:com="http://schemas.openxmlformats.org/drawingml/2006/compatibility" xmlns:p14="http://schemas.microsoft.com/office/powerpoint/2010/main" xmlns:p15="http://schemas.microsoft.com/office/powerpoint/2012/main" xmlns:ahyp="http://schemas.microsoft.com/office/drawing/2018/hyperlinkcolor">
   <p:cSld>
     <p:spTree>
       <p:nvGrpSpPr>
@@ -8175,12 +9082,12 @@
           </a:prstGeom>
         </p:spPr>
         <p:txBody>
-          <a:bodyPr spcFirstLastPara="1" wrap="square" lIns="91425" tIns="91425" rIns="91425" bIns="91425" anchor="t" anchorCtr="0">
+          <a:bodyPr anchorCtr="0" anchor="t" bIns="91425" lIns="91425" spcFirstLastPara="1" rIns="91425" wrap="square" tIns="91425">
             <a:normAutofit fontScale="90000"/>
           </a:bodyPr>
           <a:lstStyle/>
           <a:p>
-            <a:pPr marL="0" lvl="0" indent="0" algn="l" rtl="0">
+            <a:pPr indent="0" lvl="0" marL="0" rtl="0" algn="l">
               <a:spcBef>
                 <a:spcPts val="0"/>
               </a:spcBef>
@@ -8190,10 +9097,10 @@
               <a:buNone/>
             </a:pPr>
             <a:r>
-              <a:rPr lang="en-US"/>
+              <a:rPr lang="ru"/>
               <a:t>Введение</a:t>
             </a:r>
-            <a:endParaRPr lang="en-US"/>
+            <a:endParaRPr/>
           </a:p>
         </p:txBody>
       </p:sp>
@@ -8202,7 +9109,7 @@
           <p:cNvPr id="79" name="Google Shape;79;p15"/>
           <p:cNvSpPr txBox="1"/>
           <p:nvPr>
-            <p:ph type="body" idx="1"/>
+            <p:ph idx="1" type="body"/>
           </p:nvPr>
         </p:nvSpPr>
         <p:spPr>
@@ -8215,12 +9122,12 @@
           </a:prstGeom>
         </p:spPr>
         <p:txBody>
-          <a:bodyPr spcFirstLastPara="1" wrap="square" lIns="91425" tIns="91425" rIns="91425" bIns="91425" anchor="t" anchorCtr="0">
+          <a:bodyPr anchorCtr="0" anchor="t" bIns="91425" lIns="91425" spcFirstLastPara="1" rIns="91425" wrap="square" tIns="91425">
             <a:normAutofit/>
           </a:bodyPr>
           <a:lstStyle/>
           <a:p>
-            <a:pPr marL="0" lvl="0" indent="0" algn="l" rtl="0">
+            <a:pPr indent="0" lvl="0" marL="0" rtl="0" algn="l">
               <a:spcBef>
                 <a:spcPts val="0"/>
               </a:spcBef>
@@ -8230,23 +9137,23 @@
               <a:buNone/>
             </a:pPr>
             <a:r>
-              <a:rPr lang="en-US" sz="1500">
-                <a:latin typeface="Roboto" panose="02000000000000000000"/>
-                <a:ea typeface="Roboto" panose="02000000000000000000"/>
-                <a:cs typeface="Roboto" panose="02000000000000000000"/>
-                <a:sym typeface="Roboto" panose="02000000000000000000"/>
+              <a:rPr lang="ru" sz="1500">
+                <a:latin typeface="Roboto"/>
+                <a:ea typeface="Roboto"/>
+                <a:cs typeface="Roboto"/>
+                <a:sym typeface="Roboto"/>
               </a:rPr>
               <a:t>Проект «Goroscopic-weather» представляет собой веб-приложение, объединяющее функции прогноза погоды и ежедневных гороскопов. </a:t>
             </a:r>
             <a:endParaRPr sz="1500">
-              <a:latin typeface="Roboto" panose="02000000000000000000"/>
-              <a:ea typeface="Roboto" panose="02000000000000000000"/>
-              <a:cs typeface="Roboto" panose="02000000000000000000"/>
-              <a:sym typeface="Roboto" panose="02000000000000000000"/>
+              <a:latin typeface="Roboto"/>
+              <a:ea typeface="Roboto"/>
+              <a:cs typeface="Roboto"/>
+              <a:sym typeface="Roboto"/>
             </a:endParaRPr>
           </a:p>
           <a:p>
-            <a:pPr marL="0" lvl="0" indent="0" algn="l" rtl="0">
+            <a:pPr indent="0" lvl="0" marL="0" rtl="0" algn="l">
               <a:spcBef>
                 <a:spcPts val="1200"/>
               </a:spcBef>
@@ -8256,23 +9163,23 @@
               <a:buNone/>
             </a:pPr>
             <a:r>
-              <a:rPr lang="en-US" sz="1500">
-                <a:latin typeface="Roboto" panose="02000000000000000000"/>
-                <a:ea typeface="Roboto" panose="02000000000000000000"/>
-                <a:cs typeface="Roboto" panose="02000000000000000000"/>
-                <a:sym typeface="Roboto" panose="02000000000000000000"/>
+              <a:rPr lang="ru" sz="1500">
+                <a:latin typeface="Roboto"/>
+                <a:ea typeface="Roboto"/>
+                <a:cs typeface="Roboto"/>
+                <a:sym typeface="Roboto"/>
               </a:rPr>
-              <a:t>Цель приложения — предоставить пользователям удобный и персонализированный сервис, который позволяет не только отслеживать текущие погодные условия, но и получать ежедневные астрологические предсказания по выбранному знаку зодиака.</a:t>
+              <a:t>Цель приложения — предоставить пользователям удобный и персонализированный сервис, который позволяет не только отслеживать текущие погодные условия и прогноз на несколько дней вперед, но и получать ежедневные астрологические предсказания по выбранному знаку зодиака.</a:t>
             </a:r>
             <a:endParaRPr sz="1500">
-              <a:latin typeface="Roboto" panose="02000000000000000000"/>
-              <a:ea typeface="Roboto" panose="02000000000000000000"/>
-              <a:cs typeface="Roboto" panose="02000000000000000000"/>
-              <a:sym typeface="Roboto" panose="02000000000000000000"/>
+              <a:latin typeface="Roboto"/>
+              <a:ea typeface="Roboto"/>
+              <a:cs typeface="Roboto"/>
+              <a:sym typeface="Roboto"/>
             </a:endParaRPr>
           </a:p>
           <a:p>
-            <a:pPr marL="0" lvl="0" indent="0" algn="l" rtl="0">
+            <a:pPr indent="0" lvl="0" marL="0" rtl="0" algn="l">
               <a:spcBef>
                 <a:spcPts val="1200"/>
               </a:spcBef>
@@ -8281,11 +9188,14 @@
               </a:spcAft>
               <a:buNone/>
             </a:pPr>
+            <a:r>
+              <a:t/>
+            </a:r>
             <a:endParaRPr sz="1200">
-              <a:latin typeface="Roboto" panose="02000000000000000000"/>
-              <a:ea typeface="Roboto" panose="02000000000000000000"/>
-              <a:cs typeface="Roboto" panose="02000000000000000000"/>
-              <a:sym typeface="Roboto" panose="02000000000000000000"/>
+              <a:latin typeface="Roboto"/>
+              <a:ea typeface="Roboto"/>
+              <a:cs typeface="Roboto"/>
+              <a:sym typeface="Roboto"/>
             </a:endParaRPr>
           </a:p>
         </p:txBody>
@@ -8297,7 +9207,9 @@
           <p:nvPr/>
         </p:nvPicPr>
         <p:blipFill>
-          <a:blip r:embed="rId1"/>
+          <a:blip r:embed="rId3">
+            <a:alphaModFix/>
+          </a:blip>
           <a:stretch>
             <a:fillRect/>
           </a:stretch>
@@ -8323,7 +9235,9 @@
           <p:nvPr/>
         </p:nvPicPr>
         <p:blipFill>
-          <a:blip r:embed="rId2"/>
+          <a:blip r:embed="rId4">
+            <a:alphaModFix/>
+          </a:blip>
           <a:stretch>
             <a:fillRect/>
           </a:stretch>
@@ -8351,7 +9265,7 @@
 </file>
 
 <file path=ppt/slides/slide4.xml><?xml version="1.0" encoding="utf-8"?>
-<p:sld xmlns:a="http://schemas.openxmlformats.org/drawingml/2006/main" xmlns:r="http://schemas.openxmlformats.org/officeDocument/2006/relationships" xmlns:p="http://schemas.openxmlformats.org/presentationml/2006/main">
+<p:sld xmlns:a="http://schemas.openxmlformats.org/drawingml/2006/main" xmlns:r="http://schemas.openxmlformats.org/officeDocument/2006/relationships" xmlns:mc="http://schemas.openxmlformats.org/markup-compatibility/2006" xmlns:mv="urn:schemas-microsoft-com:mac:vml" xmlns:p="http://schemas.openxmlformats.org/presentationml/2006/main" xmlns:c="http://schemas.openxmlformats.org/drawingml/2006/chart" xmlns:dgm="http://schemas.openxmlformats.org/drawingml/2006/diagram" xmlns:o="urn:schemas-microsoft-com:office:office" xmlns:v="urn:schemas-microsoft-com:vml" xmlns:pvml="urn:schemas-microsoft-com:office:powerpoint" xmlns:com="http://schemas.openxmlformats.org/drawingml/2006/compatibility" xmlns:p14="http://schemas.microsoft.com/office/powerpoint/2010/main" xmlns:p15="http://schemas.microsoft.com/office/powerpoint/2012/main" xmlns:ahyp="http://schemas.microsoft.com/office/drawing/2018/hyperlinkcolor">
   <p:cSld>
     <p:spTree>
       <p:nvGrpSpPr>
@@ -8385,12 +9299,12 @@
           </a:prstGeom>
         </p:spPr>
         <p:txBody>
-          <a:bodyPr spcFirstLastPara="1" wrap="square" lIns="91425" tIns="91425" rIns="91425" bIns="91425" anchor="t" anchorCtr="0">
+          <a:bodyPr anchorCtr="0" anchor="t" bIns="91425" lIns="91425" spcFirstLastPara="1" rIns="91425" wrap="square" tIns="91425">
             <a:normAutofit fontScale="90000"/>
           </a:bodyPr>
           <a:lstStyle/>
           <a:p>
-            <a:pPr marL="0" lvl="0" indent="0" algn="l" rtl="0">
+            <a:pPr indent="0" lvl="0" marL="0" rtl="0" algn="l">
               <a:spcBef>
                 <a:spcPts val="0"/>
               </a:spcBef>
@@ -8400,10 +9314,10 @@
               <a:buNone/>
             </a:pPr>
             <a:r>
-              <a:rPr lang="en-US"/>
+              <a:rPr lang="ru"/>
               <a:t>Для чего создан этот проект?</a:t>
             </a:r>
-            <a:endParaRPr lang="en-US"/>
+            <a:endParaRPr/>
           </a:p>
         </p:txBody>
       </p:sp>
@@ -8412,7 +9326,7 @@
           <p:cNvPr id="87" name="Google Shape;87;p16"/>
           <p:cNvSpPr txBox="1"/>
           <p:nvPr>
-            <p:ph type="body" idx="1"/>
+            <p:ph idx="1" type="body"/>
           </p:nvPr>
         </p:nvSpPr>
         <p:spPr>
@@ -8425,12 +9339,12 @@
           </a:prstGeom>
         </p:spPr>
         <p:txBody>
-          <a:bodyPr spcFirstLastPara="1" wrap="square" lIns="91425" tIns="91425" rIns="91425" bIns="91425" anchor="t" anchorCtr="0">
+          <a:bodyPr anchorCtr="0" anchor="t" bIns="91425" lIns="91425" spcFirstLastPara="1" rIns="91425" wrap="square" tIns="91425">
             <a:normAutofit/>
           </a:bodyPr>
           <a:lstStyle/>
           <a:p>
-            <a:pPr marL="0" lvl="0" indent="0" algn="l" rtl="0">
+            <a:pPr indent="0" lvl="0" marL="0" rtl="0" algn="l">
               <a:spcBef>
                 <a:spcPts val="0"/>
               </a:spcBef>
@@ -8440,10 +9354,10 @@
               <a:buNone/>
             </a:pPr>
             <a:r>
-              <a:rPr lang="en-US"/>
+              <a:rPr lang="ru"/>
               <a:t>Благодаря этому приложению любой желающий может узнать текущий прогноз погоды и получить астрологические предсказания по выбору знака зодиака.</a:t>
             </a:r>
-            <a:endParaRPr lang="en-US"/>
+            <a:endParaRPr/>
           </a:p>
         </p:txBody>
       </p:sp>
@@ -8456,7 +9370,7 @@
 </file>
 
 <file path=ppt/slides/slide5.xml><?xml version="1.0" encoding="utf-8"?>
-<p:sld xmlns:a="http://schemas.openxmlformats.org/drawingml/2006/main" xmlns:r="http://schemas.openxmlformats.org/officeDocument/2006/relationships" xmlns:p="http://schemas.openxmlformats.org/presentationml/2006/main">
+<p:sld xmlns:a="http://schemas.openxmlformats.org/drawingml/2006/main" xmlns:r="http://schemas.openxmlformats.org/officeDocument/2006/relationships" xmlns:mc="http://schemas.openxmlformats.org/markup-compatibility/2006" xmlns:mv="urn:schemas-microsoft-com:mac:vml" xmlns:p="http://schemas.openxmlformats.org/presentationml/2006/main" xmlns:c="http://schemas.openxmlformats.org/drawingml/2006/chart" xmlns:dgm="http://schemas.openxmlformats.org/drawingml/2006/diagram" xmlns:o="urn:schemas-microsoft-com:office:office" xmlns:v="urn:schemas-microsoft-com:vml" xmlns:pvml="urn:schemas-microsoft-com:office:powerpoint" xmlns:com="http://schemas.openxmlformats.org/drawingml/2006/compatibility" xmlns:p14="http://schemas.microsoft.com/office/powerpoint/2010/main" xmlns:p15="http://schemas.microsoft.com/office/powerpoint/2012/main" xmlns:ahyp="http://schemas.microsoft.com/office/drawing/2018/hyperlinkcolor">
   <p:cSld>
     <p:spTree>
       <p:nvGrpSpPr>
@@ -8490,12 +9404,12 @@
           </a:prstGeom>
         </p:spPr>
         <p:txBody>
-          <a:bodyPr spcFirstLastPara="1" wrap="square" lIns="91425" tIns="91425" rIns="91425" bIns="91425" anchor="t" anchorCtr="0">
+          <a:bodyPr anchorCtr="0" anchor="t" bIns="91425" lIns="91425" spcFirstLastPara="1" rIns="91425" wrap="square" tIns="91425">
             <a:normAutofit fontScale="90000"/>
           </a:bodyPr>
           <a:lstStyle/>
           <a:p>
-            <a:pPr marL="0" lvl="0" indent="0" algn="l" rtl="0">
+            <a:pPr indent="0" lvl="0" marL="0" rtl="0" algn="l">
               <a:spcBef>
                 <a:spcPts val="0"/>
               </a:spcBef>
@@ -8505,10 +9419,10 @@
               <a:buNone/>
             </a:pPr>
             <a:r>
-              <a:rPr lang="en-US"/>
+              <a:rPr lang="ru"/>
               <a:t>Структура проекта</a:t>
             </a:r>
-            <a:endParaRPr lang="en-US"/>
+            <a:endParaRPr/>
           </a:p>
         </p:txBody>
       </p:sp>
@@ -8517,7 +9431,7 @@
           <p:cNvPr id="93" name="Google Shape;93;p17"/>
           <p:cNvSpPr txBox="1"/>
           <p:nvPr>
-            <p:ph type="body" idx="1"/>
+            <p:ph idx="1" type="body"/>
           </p:nvPr>
         </p:nvSpPr>
         <p:spPr>
@@ -8530,12 +9444,12 @@
           </a:prstGeom>
         </p:spPr>
         <p:txBody>
-          <a:bodyPr spcFirstLastPara="1" wrap="square" lIns="91425" tIns="91425" rIns="91425" bIns="91425" anchor="t" anchorCtr="0">
+          <a:bodyPr anchorCtr="0" anchor="t" bIns="91425" lIns="91425" spcFirstLastPara="1" rIns="91425" wrap="square" tIns="91425">
             <a:normAutofit/>
           </a:bodyPr>
           <a:lstStyle/>
           <a:p>
-            <a:pPr marL="0" lvl="0" indent="0" algn="l" rtl="0">
+            <a:pPr indent="0" lvl="0" marL="0" rtl="0" algn="l">
               <a:spcBef>
                 <a:spcPts val="0"/>
               </a:spcBef>
@@ -8545,7 +9459,7 @@
               <a:buNone/>
             </a:pPr>
             <a:r>
-              <a:rPr lang="en-US" sz="1400">
+              <a:rPr lang="ru" sz="1400">
                 <a:latin typeface="Oswald"/>
                 <a:ea typeface="Oswald"/>
                 <a:cs typeface="Oswald"/>
@@ -8561,7 +9475,7 @@
             </a:endParaRPr>
           </a:p>
           <a:p>
-            <a:pPr marL="457200" lvl="0" indent="-317500" algn="l" rtl="0">
+            <a:pPr indent="-317500" lvl="0" marL="457200" rtl="0" algn="l">
               <a:spcBef>
                 <a:spcPts val="600"/>
               </a:spcBef>
@@ -8572,11 +9486,11 @@
                 <a:schemeClr val="accent3"/>
               </a:buClr>
               <a:buSzPts val="1400"/>
-              <a:buFont typeface="Roboto" panose="02000000000000000000"/>
+              <a:buFont typeface="Roboto"/>
               <a:buChar char="●"/>
             </a:pPr>
             <a:r>
-              <a:rPr lang="en-US" sz="1400">
+              <a:rPr lang="ru" sz="1400">
                 <a:latin typeface="Oswald"/>
                 <a:ea typeface="Oswald"/>
                 <a:cs typeface="Oswald"/>
@@ -8592,7 +9506,7 @@
             </a:endParaRPr>
           </a:p>
           <a:p>
-            <a:pPr marL="457200" lvl="0" indent="-317500" algn="l" rtl="0">
+            <a:pPr indent="-317500" lvl="0" marL="457200" rtl="0" algn="l">
               <a:spcBef>
                 <a:spcPts val="0"/>
               </a:spcBef>
@@ -8607,7 +9521,7 @@
               <a:buChar char="●"/>
             </a:pPr>
             <a:r>
-              <a:rPr lang="en-US" sz="1400">
+              <a:rPr lang="ru" sz="1400">
                 <a:latin typeface="Oswald"/>
                 <a:ea typeface="Oswald"/>
                 <a:cs typeface="Oswald"/>
@@ -8623,7 +9537,7 @@
             </a:endParaRPr>
           </a:p>
           <a:p>
-            <a:pPr marL="457200" lvl="0" indent="-317500" algn="l" rtl="0">
+            <a:pPr indent="-317500" lvl="0" marL="457200" rtl="0" algn="l">
               <a:spcBef>
                 <a:spcPts val="0"/>
               </a:spcBef>
@@ -8638,7 +9552,7 @@
               <a:buChar char="●"/>
             </a:pPr>
             <a:r>
-              <a:rPr lang="en-US" sz="1400">
+              <a:rPr lang="ru" sz="1400">
                 <a:latin typeface="Oswald"/>
                 <a:ea typeface="Oswald"/>
                 <a:cs typeface="Oswald"/>
@@ -8654,7 +9568,7 @@
             </a:endParaRPr>
           </a:p>
           <a:p>
-            <a:pPr marL="457200" lvl="0" indent="-317500" algn="l" rtl="0">
+            <a:pPr indent="-317500" lvl="0" marL="457200" rtl="0" algn="l">
               <a:spcBef>
                 <a:spcPts val="0"/>
               </a:spcBef>
@@ -8669,13 +9583,13 @@
               <a:buChar char="●"/>
             </a:pPr>
             <a:r>
-              <a:rPr lang="en-US" sz="1400">
+              <a:rPr lang="ru" sz="1400">
                 <a:latin typeface="Oswald"/>
                 <a:ea typeface="Oswald"/>
                 <a:cs typeface="Oswald"/>
                 <a:sym typeface="Oswald"/>
               </a:rPr>
-              <a:t>Локальной SQLite БД для хранения гороскопов</a:t>
+              <a:t>SQLite БД</a:t>
             </a:r>
             <a:endParaRPr sz="1400">
               <a:latin typeface="Oswald"/>
@@ -8685,46 +9599,19 @@
             </a:endParaRPr>
           </a:p>
           <a:p>
-            <a:pPr marL="457200" lvl="0" indent="-317500" algn="l" rtl="0">
-              <a:spcBef>
-                <a:spcPts val="0"/>
-              </a:spcBef>
-              <a:spcAft>
-                <a:spcPts val="0"/>
-              </a:spcAft>
-              <a:buClr>
-                <a:schemeClr val="accent3"/>
-              </a:buClr>
-              <a:buSzPts val="1400"/>
-              <a:buFont typeface="Oswald"/>
-              <a:buChar char="●"/>
+            <a:pPr indent="0" lvl="0" marL="0" rtl="0" algn="l">
+              <a:spcBef>
+                <a:spcPts val="600"/>
+              </a:spcBef>
+              <a:spcAft>
+                <a:spcPts val="1200"/>
+              </a:spcAft>
+              <a:buNone/>
             </a:pPr>
             <a:r>
-              <a:rPr lang="en-US" sz="1400">
-                <a:latin typeface="Oswald"/>
-                <a:ea typeface="Oswald"/>
-                <a:cs typeface="Oswald"/>
-                <a:sym typeface="Oswald"/>
-              </a:rPr>
-              <a:t>CSV-файлов для учётных записей пользователей</a:t>
+              <a:t/>
             </a:r>
-            <a:endParaRPr sz="1400">
-              <a:latin typeface="Oswald"/>
-              <a:ea typeface="Oswald"/>
-              <a:cs typeface="Oswald"/>
-              <a:sym typeface="Oswald"/>
-            </a:endParaRPr>
-          </a:p>
-          <a:p>
-            <a:pPr marL="0" lvl="0" indent="0" algn="l" rtl="0">
-              <a:spcBef>
-                <a:spcPts val="600"/>
-              </a:spcBef>
-              <a:spcAft>
-                <a:spcPts val="1200"/>
-              </a:spcAft>
-              <a:buNone/>
-            </a:pPr>
+            <a:endParaRPr/>
           </a:p>
         </p:txBody>
       </p:sp>
@@ -8737,7 +9624,7 @@
 </file>
 
 <file path=ppt/slides/slide6.xml><?xml version="1.0" encoding="utf-8"?>
-<p:sld xmlns:a="http://schemas.openxmlformats.org/drawingml/2006/main" xmlns:r="http://schemas.openxmlformats.org/officeDocument/2006/relationships" xmlns:p="http://schemas.openxmlformats.org/presentationml/2006/main">
+<p:sld xmlns:a="http://schemas.openxmlformats.org/drawingml/2006/main" xmlns:r="http://schemas.openxmlformats.org/officeDocument/2006/relationships" xmlns:mc="http://schemas.openxmlformats.org/markup-compatibility/2006" xmlns:mv="urn:schemas-microsoft-com:mac:vml" xmlns:p="http://schemas.openxmlformats.org/presentationml/2006/main" xmlns:c="http://schemas.openxmlformats.org/drawingml/2006/chart" xmlns:dgm="http://schemas.openxmlformats.org/drawingml/2006/diagram" xmlns:o="urn:schemas-microsoft-com:office:office" xmlns:v="urn:schemas-microsoft-com:vml" xmlns:pvml="urn:schemas-microsoft-com:office:powerpoint" xmlns:com="http://schemas.openxmlformats.org/drawingml/2006/compatibility" xmlns:p14="http://schemas.microsoft.com/office/powerpoint/2010/main" xmlns:p15="http://schemas.microsoft.com/office/powerpoint/2012/main" xmlns:ahyp="http://schemas.microsoft.com/office/drawing/2018/hyperlinkcolor">
   <p:cSld>
     <p:spTree>
       <p:nvGrpSpPr>
@@ -8771,12 +9658,12 @@
           </a:prstGeom>
         </p:spPr>
         <p:txBody>
-          <a:bodyPr spcFirstLastPara="1" wrap="square" lIns="91425" tIns="91425" rIns="91425" bIns="91425" anchor="t" anchorCtr="0">
+          <a:bodyPr anchorCtr="0" anchor="t" bIns="91425" lIns="91425" spcFirstLastPara="1" rIns="91425" wrap="square" tIns="91425">
             <a:normAutofit fontScale="90000"/>
           </a:bodyPr>
           <a:lstStyle/>
           <a:p>
-            <a:pPr marL="0" lvl="0" indent="0" algn="l" rtl="0">
+            <a:pPr indent="0" lvl="0" marL="0" rtl="0" algn="l">
               <a:spcBef>
                 <a:spcPts val="0"/>
               </a:spcBef>
@@ -8786,10 +9673,10 @@
               <a:buNone/>
             </a:pPr>
             <a:r>
-              <a:rPr lang="en-US"/>
+              <a:rPr lang="ru"/>
               <a:t>Основные технологии </a:t>
             </a:r>
-            <a:endParaRPr lang="en-US"/>
+            <a:endParaRPr/>
           </a:p>
         </p:txBody>
       </p:sp>
@@ -8798,7 +9685,7 @@
           <p:cNvPr id="99" name="Google Shape;99;p18"/>
           <p:cNvSpPr txBox="1"/>
           <p:nvPr>
-            <p:ph type="body" idx="1"/>
+            <p:ph idx="1" type="body"/>
           </p:nvPr>
         </p:nvSpPr>
         <p:spPr>
@@ -8811,12 +9698,12 @@
           </a:prstGeom>
         </p:spPr>
         <p:txBody>
-          <a:bodyPr spcFirstLastPara="1" wrap="square" lIns="91425" tIns="91425" rIns="91425" bIns="91425" anchor="t" anchorCtr="0">
+          <a:bodyPr anchorCtr="0" anchor="t" bIns="91425" lIns="91425" spcFirstLastPara="1" rIns="91425" wrap="square" tIns="91425">
             <a:normAutofit/>
           </a:bodyPr>
           <a:lstStyle/>
           <a:p>
-            <a:pPr marL="457200" lvl="0" indent="-342900" algn="l" rtl="0">
+            <a:pPr indent="-342900" lvl="0" marL="457200" rtl="0" algn="l">
               <a:spcBef>
                 <a:spcPts val="0"/>
               </a:spcBef>
@@ -8827,13 +9714,13 @@
               <a:buAutoNum type="arabicParenR"/>
             </a:pPr>
             <a:r>
-              <a:rPr lang="en-US"/>
+              <a:rPr lang="ru"/>
               <a:t>Flask</a:t>
             </a:r>
-            <a:endParaRPr lang="en-US"/>
+            <a:endParaRPr/>
           </a:p>
           <a:p>
-            <a:pPr marL="457200" lvl="0" indent="-342900" algn="l" rtl="0">
+            <a:pPr indent="-342900" lvl="0" marL="457200" rtl="0" algn="l">
               <a:spcBef>
                 <a:spcPts val="0"/>
               </a:spcBef>
@@ -8844,13 +9731,13 @@
               <a:buAutoNum type="arabicParenR"/>
             </a:pPr>
             <a:r>
-              <a:rPr lang="en-US"/>
+              <a:rPr lang="ru"/>
               <a:t>HTML/CSS</a:t>
             </a:r>
-            <a:endParaRPr lang="en-US"/>
+            <a:endParaRPr/>
           </a:p>
           <a:p>
-            <a:pPr marL="457200" lvl="0" indent="-342900" algn="l" rtl="0">
+            <a:pPr indent="-342900" lvl="0" marL="457200" rtl="0" algn="l">
               <a:spcBef>
                 <a:spcPts val="0"/>
               </a:spcBef>
@@ -8861,13 +9748,13 @@
               <a:buAutoNum type="arabicParenR"/>
             </a:pPr>
             <a:r>
-              <a:rPr lang="en-US"/>
+              <a:rPr lang="ru"/>
               <a:t>CSV-файлы</a:t>
             </a:r>
-            <a:endParaRPr lang="en-US"/>
+            <a:endParaRPr/>
           </a:p>
           <a:p>
-            <a:pPr marL="457200" lvl="0" indent="-342900" algn="l" rtl="0">
+            <a:pPr indent="-342900" lvl="0" marL="457200" rtl="0" algn="l">
               <a:spcBef>
                 <a:spcPts val="0"/>
               </a:spcBef>
@@ -8878,13 +9765,13 @@
               <a:buAutoNum type="arabicParenR"/>
             </a:pPr>
             <a:r>
-              <a:rPr lang="en-US"/>
+              <a:rPr lang="ru"/>
               <a:t>Отдельные файлы для регистрации и запроса погоды.</a:t>
             </a:r>
-            <a:endParaRPr lang="en-US"/>
+            <a:endParaRPr/>
           </a:p>
           <a:p>
-            <a:pPr marL="0" lvl="0" indent="0" algn="l" rtl="0">
+            <a:pPr indent="0" lvl="0" marL="0" rtl="0" algn="l">
               <a:spcBef>
                 <a:spcPts val="1200"/>
               </a:spcBef>
@@ -8894,13 +9781,13 @@
               <a:buNone/>
             </a:pPr>
             <a:r>
-              <a:rPr lang="en-US"/>
+              <a:rPr lang="ru"/>
               <a:t>а также:</a:t>
             </a:r>
-            <a:endParaRPr lang="en-US"/>
+            <a:endParaRPr/>
           </a:p>
           <a:p>
-            <a:pPr marL="457200" lvl="0" indent="-342900" algn="l" rtl="0">
+            <a:pPr indent="-342900" lvl="0" marL="457200" rtl="0" algn="l">
               <a:spcBef>
                 <a:spcPts val="1200"/>
               </a:spcBef>
@@ -8911,13 +9798,13 @@
               <a:buAutoNum type="arabicParenR"/>
             </a:pPr>
             <a:r>
-              <a:rPr lang="en-US"/>
+              <a:rPr lang="ru"/>
               <a:t>Обработка форм через методы GET и POST</a:t>
             </a:r>
-            <a:endParaRPr lang="en-US"/>
+            <a:endParaRPr/>
           </a:p>
           <a:p>
-            <a:pPr marL="457200" lvl="0" indent="-342900" algn="l" rtl="0">
+            <a:pPr indent="-342900" lvl="0" marL="457200" rtl="0" algn="l">
               <a:spcBef>
                 <a:spcPts val="0"/>
               </a:spcBef>
@@ -8928,10 +9815,10 @@
               <a:buAutoNum type="arabicParenR"/>
             </a:pPr>
             <a:r>
-              <a:rPr lang="en-US"/>
+              <a:rPr lang="ru"/>
               <a:t>Динамические URL</a:t>
             </a:r>
-            <a:endParaRPr lang="en-US"/>
+            <a:endParaRPr/>
           </a:p>
         </p:txBody>
       </p:sp>
@@ -8944,7 +9831,7 @@
 </file>
 
 <file path=ppt/slides/slide7.xml><?xml version="1.0" encoding="utf-8"?>
-<p:sld xmlns:a="http://schemas.openxmlformats.org/drawingml/2006/main" xmlns:r="http://schemas.openxmlformats.org/officeDocument/2006/relationships" xmlns:p="http://schemas.openxmlformats.org/presentationml/2006/main">
+<p:sld xmlns:a="http://schemas.openxmlformats.org/drawingml/2006/main" xmlns:r="http://schemas.openxmlformats.org/officeDocument/2006/relationships" xmlns:mc="http://schemas.openxmlformats.org/markup-compatibility/2006" xmlns:mv="urn:schemas-microsoft-com:mac:vml" xmlns:p="http://schemas.openxmlformats.org/presentationml/2006/main" xmlns:c="http://schemas.openxmlformats.org/drawingml/2006/chart" xmlns:dgm="http://schemas.openxmlformats.org/drawingml/2006/diagram" xmlns:o="urn:schemas-microsoft-com:office:office" xmlns:v="urn:schemas-microsoft-com:vml" xmlns:pvml="urn:schemas-microsoft-com:office:powerpoint" xmlns:com="http://schemas.openxmlformats.org/drawingml/2006/compatibility" xmlns:p14="http://schemas.microsoft.com/office/powerpoint/2010/main" xmlns:p15="http://schemas.microsoft.com/office/powerpoint/2012/main" xmlns:ahyp="http://schemas.microsoft.com/office/drawing/2018/hyperlinkcolor">
   <p:cSld>
     <p:spTree>
       <p:nvGrpSpPr>
@@ -8978,12 +9865,12 @@
           </a:prstGeom>
         </p:spPr>
         <p:txBody>
-          <a:bodyPr spcFirstLastPara="1" wrap="square" lIns="91425" tIns="91425" rIns="91425" bIns="91425" anchor="t" anchorCtr="0">
+          <a:bodyPr anchorCtr="0" anchor="t" bIns="91425" lIns="91425" spcFirstLastPara="1" rIns="91425" wrap="square" tIns="91425">
             <a:normAutofit fontScale="90000"/>
           </a:bodyPr>
           <a:lstStyle/>
           <a:p>
-            <a:pPr marL="0" lvl="0" indent="0" algn="l" rtl="0">
+            <a:pPr indent="0" lvl="0" marL="0" rtl="0" algn="l">
               <a:spcBef>
                 <a:spcPts val="0"/>
               </a:spcBef>
@@ -8993,10 +9880,10 @@
               <a:buNone/>
             </a:pPr>
             <a:r>
-              <a:rPr lang="en-US"/>
+              <a:rPr lang="ru"/>
               <a:t>Принцип работы</a:t>
             </a:r>
-            <a:endParaRPr lang="en-US"/>
+            <a:endParaRPr/>
           </a:p>
         </p:txBody>
       </p:sp>
@@ -9005,7 +9892,7 @@
           <p:cNvPr id="105" name="Google Shape;105;p19"/>
           <p:cNvSpPr txBox="1"/>
           <p:nvPr>
-            <p:ph type="body" idx="1"/>
+            <p:ph idx="1" type="body"/>
           </p:nvPr>
         </p:nvSpPr>
         <p:spPr>
@@ -9018,12 +9905,12 @@
           </a:prstGeom>
         </p:spPr>
         <p:txBody>
-          <a:bodyPr spcFirstLastPara="1" wrap="square" lIns="91425" tIns="91425" rIns="91425" bIns="91425" anchor="t" anchorCtr="0">
+          <a:bodyPr anchorCtr="0" anchor="t" bIns="91425" lIns="91425" spcFirstLastPara="1" rIns="91425" wrap="square" tIns="91425">
             <a:normAutofit fontScale="92500" lnSpcReduction="20000"/>
           </a:bodyPr>
           <a:lstStyle/>
           <a:p>
-            <a:pPr marL="0" lvl="0" indent="0" algn="l" rtl="0">
+            <a:pPr indent="0" lvl="0" marL="0" rtl="0" algn="l">
               <a:spcBef>
                 <a:spcPts val="0"/>
               </a:spcBef>
@@ -9033,13 +9920,13 @@
               <a:buNone/>
             </a:pPr>
             <a:r>
-              <a:rPr lang="en-US"/>
+              <a:rPr lang="ru"/>
               <a:t>Когда пользователь заходит на страницу, у него есть два варианта. </a:t>
             </a:r>
-            <a:endParaRPr lang="en-US"/>
+            <a:endParaRPr/>
           </a:p>
           <a:p>
-            <a:pPr marL="0" lvl="0" indent="0" algn="l" rtl="0">
+            <a:pPr indent="0" lvl="0" marL="0" rtl="0" algn="l">
               <a:spcBef>
                 <a:spcPts val="1200"/>
               </a:spcBef>
@@ -9048,6 +9935,10 @@
               </a:spcAft>
               <a:buNone/>
             </a:pPr>
+            <a:r>
+              <a:t/>
+            </a:r>
+            <a:endParaRPr/>
           </a:p>
         </p:txBody>
       </p:sp>
@@ -9066,14 +9957,14 @@
             <a:avLst/>
           </a:prstGeom>
           <a:noFill/>
-          <a:ln w="9525" cap="flat" cmpd="sng">
+          <a:ln cap="flat" cmpd="sng" w="9525">
             <a:solidFill>
               <a:schemeClr val="dk2"/>
             </a:solidFill>
             <a:prstDash val="solid"/>
             <a:round/>
-            <a:headEnd type="none" w="med" len="med"/>
-            <a:tailEnd type="none" w="med" len="med"/>
+            <a:headEnd len="med" w="med" type="none"/>
+            <a:tailEnd len="med" w="med" type="none"/>
           </a:ln>
         </p:spPr>
       </p:cxnSp>
@@ -9092,14 +9983,14 @@
             <a:avLst/>
           </a:prstGeom>
           <a:noFill/>
-          <a:ln w="9525" cap="flat" cmpd="sng">
+          <a:ln cap="flat" cmpd="sng" w="9525">
             <a:solidFill>
               <a:schemeClr val="dk2"/>
             </a:solidFill>
             <a:prstDash val="solid"/>
             <a:round/>
-            <a:headEnd type="none" w="med" len="med"/>
-            <a:tailEnd type="none" w="med" len="med"/>
+            <a:headEnd len="med" w="med" type="none"/>
+            <a:tailEnd len="med" w="med" type="none"/>
           </a:ln>
         </p:spPr>
       </p:cxnSp>
@@ -9112,7 +10003,7 @@
         <p:spPr>
           <a:xfrm>
             <a:off x="1213125" y="2510100"/>
-            <a:ext cx="2332500" cy="453600"/>
+            <a:ext cx="2753100" cy="453600"/>
           </a:xfrm>
           <a:prstGeom prst="rect">
             <a:avLst/>
@@ -9123,12 +10014,12 @@
           </a:ln>
         </p:spPr>
         <p:txBody>
-          <a:bodyPr spcFirstLastPara="1" wrap="square" lIns="91425" tIns="91425" rIns="91425" bIns="91425" anchor="t" anchorCtr="0">
+          <a:bodyPr anchorCtr="0" anchor="t" bIns="91425" lIns="91425" spcFirstLastPara="1" rIns="91425" wrap="square" tIns="91425">
             <a:noAutofit/>
           </a:bodyPr>
           <a:lstStyle/>
           <a:p>
-            <a:pPr marL="0" lvl="0" indent="0" algn="l" rtl="0">
+            <a:pPr indent="0" lvl="0" marL="0" rtl="0" algn="l">
               <a:spcBef>
                 <a:spcPts val="0"/>
               </a:spcBef>
@@ -9138,7 +10029,7 @@
               <a:buNone/>
             </a:pPr>
             <a:r>
-              <a:rPr lang="en-US" sz="1800">
+              <a:rPr lang="ru" sz="1800">
                 <a:solidFill>
                   <a:schemeClr val="accent3"/>
                 </a:solidFill>
@@ -9150,7 +10041,7 @@
               <a:t>Войти ( если пользователь уже </a:t>
             </a:r>
             <a:r>
-              <a:rPr lang="en-US" sz="1800">
+              <a:rPr lang="ru" sz="1800">
                 <a:solidFill>
                   <a:schemeClr val="accent3"/>
                 </a:solidFill>
@@ -9162,7 +10053,7 @@
               <a:t>зарегистрирован</a:t>
             </a:r>
             <a:r>
-              <a:rPr lang="en-US" sz="1800">
+              <a:rPr lang="ru" sz="1800">
                 <a:solidFill>
                   <a:schemeClr val="accent3"/>
                 </a:solidFill>
@@ -9193,8 +10084,8 @@
         </p:nvSpPr>
         <p:spPr>
           <a:xfrm>
-            <a:off x="5369560" y="2571750"/>
-            <a:ext cx="2774315" cy="453390"/>
+            <a:off x="5369850" y="2571750"/>
+            <a:ext cx="3462600" cy="453600"/>
           </a:xfrm>
           <a:prstGeom prst="rect">
             <a:avLst/>
@@ -9205,12 +10096,12 @@
           </a:ln>
         </p:spPr>
         <p:txBody>
-          <a:bodyPr spcFirstLastPara="1" wrap="square" lIns="91425" tIns="91425" rIns="91425" bIns="91425" anchor="t" anchorCtr="0">
+          <a:bodyPr anchorCtr="0" anchor="t" bIns="91425" lIns="91425" spcFirstLastPara="1" rIns="91425" wrap="square" tIns="91425">
             <a:noAutofit/>
           </a:bodyPr>
           <a:lstStyle/>
           <a:p>
-            <a:pPr marL="0" lvl="0" indent="0" algn="l" rtl="0">
+            <a:pPr indent="0" lvl="0" marL="0" rtl="0" algn="l">
               <a:spcBef>
                 <a:spcPts val="0"/>
               </a:spcBef>
@@ -9220,7 +10111,7 @@
               <a:buNone/>
             </a:pPr>
             <a:r>
-              <a:rPr lang="en-US" sz="1800">
+              <a:rPr lang="ru" sz="1800">
                 <a:solidFill>
                   <a:schemeClr val="accent3"/>
                 </a:solidFill>
@@ -9232,7 +10123,7 @@
               <a:t>Зарегистрироваться</a:t>
             </a:r>
             <a:r>
-              <a:rPr lang="en-US" sz="1800">
+              <a:rPr lang="ru" sz="1800">
                 <a:solidFill>
                   <a:schemeClr val="accent3"/>
                 </a:solidFill>
@@ -9275,12 +10166,12 @@
           </a:ln>
         </p:spPr>
         <p:txBody>
-          <a:bodyPr spcFirstLastPara="1" wrap="square" lIns="91425" tIns="91425" rIns="91425" bIns="91425" anchor="t" anchorCtr="0">
+          <a:bodyPr anchorCtr="0" anchor="t" bIns="91425" lIns="91425" spcFirstLastPara="1" rIns="91425" wrap="square" tIns="91425">
             <a:noAutofit/>
           </a:bodyPr>
           <a:lstStyle/>
           <a:p>
-            <a:pPr marL="0" lvl="0" indent="0" algn="l" rtl="0">
+            <a:pPr indent="0" lvl="0" marL="0" rtl="0" algn="l">
               <a:spcBef>
                 <a:spcPts val="0"/>
               </a:spcBef>
@@ -9289,6 +10180,9 @@
               </a:spcAft>
               <a:buNone/>
             </a:pPr>
+            <a:r>
+              <a:t/>
+            </a:r>
             <a:endParaRPr sz="1800">
               <a:solidFill>
                 <a:schemeClr val="accent3"/>
@@ -9301,30 +10195,6 @@
           </a:p>
         </p:txBody>
       </p:sp>
-      <p:pic>
-        <p:nvPicPr>
-          <p:cNvPr id="2" name="Изображение 1"/>
-          <p:cNvPicPr>
-            <a:picLocks noChangeAspect="1"/>
-          </p:cNvPicPr>
-          <p:nvPr/>
-        </p:nvPicPr>
-        <p:blipFill>
-          <a:blip r:embed="rId1"/>
-          <a:stretch>
-            <a:fillRect/>
-          </a:stretch>
-        </p:blipFill>
-        <p:spPr>
-          <a:xfrm>
-            <a:off x="3288665" y="2510155"/>
-            <a:ext cx="2080895" cy="1703070"/>
-          </a:xfrm>
-          <a:prstGeom prst="rect">
-            <a:avLst/>
-          </a:prstGeom>
-        </p:spPr>
-      </p:pic>
     </p:spTree>
   </p:cSld>
   <p:clrMapOvr>
@@ -9334,7 +10204,7 @@
 </file>
 
 <file path=ppt/slides/slide8.xml><?xml version="1.0" encoding="utf-8"?>
-<p:sld xmlns:a="http://schemas.openxmlformats.org/drawingml/2006/main" xmlns:r="http://schemas.openxmlformats.org/officeDocument/2006/relationships" xmlns:p="http://schemas.openxmlformats.org/presentationml/2006/main">
+<p:sld xmlns:a="http://schemas.openxmlformats.org/drawingml/2006/main" xmlns:r="http://schemas.openxmlformats.org/officeDocument/2006/relationships" xmlns:mc="http://schemas.openxmlformats.org/markup-compatibility/2006" xmlns:mv="urn:schemas-microsoft-com:mac:vml" xmlns:p="http://schemas.openxmlformats.org/presentationml/2006/main" xmlns:c="http://schemas.openxmlformats.org/drawingml/2006/chart" xmlns:dgm="http://schemas.openxmlformats.org/drawingml/2006/diagram" xmlns:o="urn:schemas-microsoft-com:office:office" xmlns:v="urn:schemas-microsoft-com:vml" xmlns:pvml="urn:schemas-microsoft-com:office:powerpoint" xmlns:com="http://schemas.openxmlformats.org/drawingml/2006/compatibility" xmlns:p14="http://schemas.microsoft.com/office/powerpoint/2010/main" xmlns:p15="http://schemas.microsoft.com/office/powerpoint/2012/main" xmlns:ahyp="http://schemas.microsoft.com/office/drawing/2018/hyperlinkcolor">
   <p:cSld>
     <p:spTree>
       <p:nvGrpSpPr>
@@ -9360,7 +10230,7 @@
         </p:nvSpPr>
         <p:spPr>
           <a:xfrm>
-            <a:off x="311700" y="445025"/>
+            <a:off x="311700" y="227100"/>
             <a:ext cx="8520600" cy="572700"/>
           </a:xfrm>
           <a:prstGeom prst="rect">
@@ -9368,12 +10238,12 @@
           </a:prstGeom>
         </p:spPr>
         <p:txBody>
-          <a:bodyPr spcFirstLastPara="1" wrap="square" lIns="91425" tIns="91425" rIns="91425" bIns="91425" anchor="t" anchorCtr="0">
+          <a:bodyPr anchorCtr="0" anchor="t" bIns="91425" lIns="91425" spcFirstLastPara="1" rIns="91425" wrap="square" tIns="91425">
             <a:normAutofit fontScale="90000"/>
           </a:bodyPr>
           <a:lstStyle/>
           <a:p>
-            <a:pPr marL="0" lvl="0" indent="0" algn="l" rtl="0">
+            <a:pPr indent="0" lvl="0" marL="0" rtl="0" algn="ctr">
               <a:spcBef>
                 <a:spcPts val="0"/>
               </a:spcBef>
@@ -9383,10 +10253,10 @@
               <a:buNone/>
             </a:pPr>
             <a:r>
-              <a:rPr lang="en-US"/>
-              <a:t>Активация гороскопа</a:t>
+              <a:rPr lang="ru"/>
+              <a:t>Регистрация пользователя впервые</a:t>
             </a:r>
-            <a:endParaRPr lang="en-US"/>
+            <a:endParaRPr/>
           </a:p>
         </p:txBody>
       </p:sp>
@@ -9395,7 +10265,7 @@
           <p:cNvPr id="116" name="Google Shape;116;p20"/>
           <p:cNvSpPr txBox="1"/>
           <p:nvPr>
-            <p:ph type="body" idx="1"/>
+            <p:ph idx="1" type="body"/>
           </p:nvPr>
         </p:nvSpPr>
         <p:spPr>
@@ -9408,66 +10278,53 @@
           </a:prstGeom>
         </p:spPr>
         <p:txBody>
-          <a:bodyPr spcFirstLastPara="1" wrap="square" lIns="91425" tIns="91425" rIns="91425" bIns="91425" anchor="t" anchorCtr="0">
+          <a:bodyPr anchorCtr="0" anchor="t" bIns="91425" lIns="91425" spcFirstLastPara="1" rIns="91425" wrap="square" tIns="91425">
             <a:normAutofit/>
           </a:bodyPr>
           <a:lstStyle/>
           <a:p>
-            <a:pPr marL="0" lvl="0" indent="0" algn="l" rtl="0">
-              <a:spcBef>
-                <a:spcPts val="0"/>
-              </a:spcBef>
-              <a:spcAft>
-                <a:spcPts val="0"/>
+            <a:pPr indent="0" lvl="0" marL="0" rtl="0" algn="l">
+              <a:spcBef>
+                <a:spcPts val="0"/>
+              </a:spcBef>
+              <a:spcAft>
+                <a:spcPts val="1200"/>
               </a:spcAft>
               <a:buNone/>
             </a:pPr>
             <a:r>
-              <a:rPr lang="en-US"/>
-              <a:t>Во время регистрации пользователь может выбрать, нужен ли ему ежедневный астрологический прогноз или нет.</a:t>
+              <a:t/>
             </a:r>
-            <a:endParaRPr lang="en-US"/>
-          </a:p>
-          <a:p>
-            <a:pPr marL="0" lvl="0" indent="0" algn="l" rtl="0">
-              <a:spcBef>
-                <a:spcPts val="1200"/>
-              </a:spcBef>
-              <a:spcAft>
-                <a:spcPts val="1200"/>
-              </a:spcAft>
-              <a:buNone/>
-            </a:pPr>
-            <a:r>
-              <a:rPr lang="en-US"/>
-              <a:t>Если пользователь выберет подписку на гороскоп, то он сможет получать ежедневный прогноз на свой знак зодиака. </a:t>
-            </a:r>
-            <a:endParaRPr lang="en-US"/>
+            <a:endParaRPr/>
           </a:p>
         </p:txBody>
       </p:sp>
       <p:pic>
         <p:nvPicPr>
-          <p:cNvPr id="2" name="Изображение 1" descr="2025-04-23_16-02-31"/>
-          <p:cNvPicPr>
-            <a:picLocks noChangeAspect="1"/>
-          </p:cNvPicPr>
+          <p:cNvPr id="117" name="Google Shape;117;p20" title="photo_2025-05-13_16-26-45.jpg"/>
+          <p:cNvPicPr preferRelativeResize="0"/>
           <p:nvPr/>
         </p:nvPicPr>
         <p:blipFill>
-          <a:blip r:embed="rId1"/>
+          <a:blip r:embed="rId3">
+            <a:alphaModFix/>
+          </a:blip>
           <a:stretch>
             <a:fillRect/>
           </a:stretch>
         </p:blipFill>
         <p:spPr>
           <a:xfrm>
-            <a:off x="2204720" y="3210560"/>
-            <a:ext cx="4362450" cy="1466850"/>
+            <a:off x="1667500" y="869775"/>
+            <a:ext cx="5486400" cy="4191000"/>
           </a:xfrm>
           <a:prstGeom prst="rect">
             <a:avLst/>
           </a:prstGeom>
+          <a:noFill/>
+          <a:ln>
+            <a:noFill/>
+          </a:ln>
         </p:spPr>
       </p:pic>
     </p:spTree>
@@ -9479,11 +10336,11 @@
 </file>
 
 <file path=ppt/slides/slide9.xml><?xml version="1.0" encoding="utf-8"?>
-<p:sld xmlns:a="http://schemas.openxmlformats.org/drawingml/2006/main" xmlns:r="http://schemas.openxmlformats.org/officeDocument/2006/relationships" xmlns:p="http://schemas.openxmlformats.org/presentationml/2006/main">
+<p:sld xmlns:a="http://schemas.openxmlformats.org/drawingml/2006/main" xmlns:r="http://schemas.openxmlformats.org/officeDocument/2006/relationships" xmlns:mc="http://schemas.openxmlformats.org/markup-compatibility/2006" xmlns:mv="urn:schemas-microsoft-com:mac:vml" xmlns:p="http://schemas.openxmlformats.org/presentationml/2006/main" xmlns:c="http://schemas.openxmlformats.org/drawingml/2006/chart" xmlns:dgm="http://schemas.openxmlformats.org/drawingml/2006/diagram" xmlns:o="urn:schemas-microsoft-com:office:office" xmlns:v="urn:schemas-microsoft-com:vml" xmlns:pvml="urn:schemas-microsoft-com:office:powerpoint" xmlns:com="http://schemas.openxmlformats.org/drawingml/2006/compatibility" xmlns:p14="http://schemas.microsoft.com/office/powerpoint/2010/main" xmlns:p15="http://schemas.microsoft.com/office/powerpoint/2012/main" xmlns:ahyp="http://schemas.microsoft.com/office/drawing/2018/hyperlinkcolor">
   <p:cSld>
     <p:spTree>
       <p:nvGrpSpPr>
-        <p:cNvPr id="120" name="Shape 120"/>
+        <p:cNvPr id="121" name="Shape 121"/>
         <p:cNvGrpSpPr/>
         <p:nvPr/>
       </p:nvGrpSpPr>
@@ -9497,7 +10354,7 @@
       </p:grpSpPr>
       <p:sp>
         <p:nvSpPr>
-          <p:cNvPr id="121" name="Google Shape;121;p21"/>
+          <p:cNvPr id="122" name="Google Shape;122;p21"/>
           <p:cNvSpPr txBox="1"/>
           <p:nvPr>
             <p:ph type="title"/>
@@ -9513,12 +10370,12 @@
           </a:prstGeom>
         </p:spPr>
         <p:txBody>
-          <a:bodyPr spcFirstLastPara="1" wrap="square" lIns="91425" tIns="91425" rIns="91425" bIns="91425" anchor="t" anchorCtr="0">
+          <a:bodyPr anchorCtr="0" anchor="t" bIns="91425" lIns="91425" spcFirstLastPara="1" rIns="91425" wrap="square" tIns="91425">
             <a:normAutofit fontScale="90000"/>
           </a:bodyPr>
           <a:lstStyle/>
           <a:p>
-            <a:pPr marL="0" lvl="0" indent="0" algn="ctr" rtl="0">
+            <a:pPr indent="0" lvl="0" marL="0" rtl="0" algn="ctr">
               <a:spcBef>
                 <a:spcPts val="0"/>
               </a:spcBef>
@@ -9528,23 +10385,19 @@
               <a:buNone/>
             </a:pPr>
             <a:r>
-              <a:rPr lang="ru-RU" altLang="en-US"/>
-              <a:t>Погода</a:t>
+              <a:rPr lang="ru"/>
+              <a:t>Регистрация | Часть кода</a:t>
             </a:r>
-            <a:r>
-              <a:rPr lang="en-US"/>
-              <a:t> - как видит программист / как видит пользователь</a:t>
-            </a:r>
-            <a:endParaRPr lang="en-US"/>
+            <a:endParaRPr/>
           </a:p>
         </p:txBody>
       </p:sp>
       <p:sp>
         <p:nvSpPr>
-          <p:cNvPr id="122" name="Google Shape;122;p21"/>
+          <p:cNvPr id="123" name="Google Shape;123;p21"/>
           <p:cNvSpPr txBox="1"/>
           <p:nvPr>
-            <p:ph type="body" idx="1"/>
+            <p:ph idx="1" type="body"/>
           </p:nvPr>
         </p:nvSpPr>
         <p:spPr>
@@ -9557,12 +10410,12 @@
           </a:prstGeom>
         </p:spPr>
         <p:txBody>
-          <a:bodyPr spcFirstLastPara="1" wrap="square" lIns="91425" tIns="91425" rIns="91425" bIns="91425" anchor="t" anchorCtr="0">
+          <a:bodyPr anchorCtr="0" anchor="t" bIns="91425" lIns="91425" spcFirstLastPara="1" rIns="91425" wrap="square" tIns="91425">
             <a:normAutofit/>
           </a:bodyPr>
           <a:lstStyle/>
           <a:p>
-            <a:pPr marL="0" lvl="0" indent="0" algn="l" rtl="0">
+            <a:pPr indent="0" lvl="0" marL="0" rtl="0" algn="l">
               <a:spcBef>
                 <a:spcPts val="0"/>
               </a:spcBef>
@@ -9571,25 +10424,31 @@
               </a:spcAft>
               <a:buNone/>
             </a:pPr>
+            <a:r>
+              <a:t/>
+            </a:r>
+            <a:endParaRPr/>
           </a:p>
         </p:txBody>
       </p:sp>
       <p:pic>
         <p:nvPicPr>
-          <p:cNvPr id="123" name="Google Shape;123;p21" title="photo_2025-04-22_19-43-06.jpg"/>
+          <p:cNvPr id="124" name="Google Shape;124;p21" title="photo_2025-04-22_19-43-06.jpg"/>
           <p:cNvPicPr preferRelativeResize="0"/>
           <p:nvPr/>
         </p:nvPicPr>
         <p:blipFill>
-          <a:blip r:embed="rId1"/>
+          <a:blip r:embed="rId3">
+            <a:alphaModFix/>
+          </a:blip>
           <a:stretch>
             <a:fillRect/>
           </a:stretch>
         </p:blipFill>
         <p:spPr>
           <a:xfrm>
-            <a:off x="311785" y="1152525"/>
-            <a:ext cx="4427855" cy="1972945"/>
+            <a:off x="1376148" y="1152475"/>
+            <a:ext cx="5911151" cy="3802600"/>
           </a:xfrm>
           <a:prstGeom prst="rect">
             <a:avLst/>
@@ -9598,30 +10457,6 @@
           <a:ln>
             <a:noFill/>
           </a:ln>
-        </p:spPr>
-      </p:pic>
-      <p:pic>
-        <p:nvPicPr>
-          <p:cNvPr id="2" name="Изображение 1"/>
-          <p:cNvPicPr>
-            <a:picLocks noChangeAspect="1"/>
-          </p:cNvPicPr>
-          <p:nvPr/>
-        </p:nvPicPr>
-        <p:blipFill>
-          <a:blip r:embed="rId2"/>
-          <a:stretch>
-            <a:fillRect/>
-          </a:stretch>
-        </p:blipFill>
-        <p:spPr>
-          <a:xfrm>
-            <a:off x="4304030" y="2369820"/>
-            <a:ext cx="4395470" cy="2510155"/>
-          </a:xfrm>
-          <a:prstGeom prst="rect">
-            <a:avLst/>
-          </a:prstGeom>
         </p:spPr>
       </p:pic>
     </p:spTree>
@@ -9633,7 +10468,7 @@
 </file>
 
 <file path=ppt/theme/theme1.xml><?xml version="1.0" encoding="utf-8"?>
-<a:theme xmlns:a="http://schemas.openxmlformats.org/drawingml/2006/main" name="Slate">
+<a:theme xmlns:a="http://schemas.openxmlformats.org/drawingml/2006/main" xmlns:r="http://schemas.openxmlformats.org/officeDocument/2006/relationships" name="Slate">
   <a:themeElements>
     <a:clrScheme name="Slate">
       <a:dk1>
@@ -9908,16 +10743,11 @@
       </a:bgFillStyleLst>
     </a:fmtScheme>
   </a:themeElements>
-  <a:extLst>
-    <a:ext uri="{05A4C25C-085E-4340-85A3-A5531E510DB2}">
-      <thm15:themeFamily xmlns:thm15="http://schemas.microsoft.com/office/thememl/2012/main" name="Office Theme" id="{62F939B6-93AF-4DB8-9C6B-D6C7DFDC589F}" vid="{4A3C46E8-61CC-4603-A589-7422A47A8E4A}"/>
-    </a:ext>
-  </a:extLst>
 </a:theme>
 </file>
 
 <file path=ppt/theme/theme2.xml><?xml version="1.0" encoding="utf-8"?>
-<a:theme xmlns:a="http://schemas.openxmlformats.org/drawingml/2006/main">
+<a:theme xmlns:a="http://schemas.openxmlformats.org/drawingml/2006/main" xmlns:r="http://schemas.openxmlformats.org/officeDocument/2006/relationships">
   <a:themeElements>
     <a:clrScheme name="Default">
       <a:dk1>
@@ -10192,10 +11022,5 @@
       </a:bgFillStyleLst>
     </a:fmtScheme>
   </a:themeElements>
-  <a:extLst>
-    <a:ext uri="{05A4C25C-085E-4340-85A3-A5531E510DB2}">
-      <thm15:themeFamily xmlns:thm15="http://schemas.microsoft.com/office/thememl/2012/main" name="Office Theme" id="{62F939B6-93AF-4DB8-9C6B-D6C7DFDC589F}" vid="{4A3C46E8-61CC-4603-A589-7422A47A8E4A}"/>
-    </a:ext>
-  </a:extLst>
 </a:theme>
 </file>